--- a/C#스터디/c# 스터디 6주 차.pptx
+++ b/C#스터디/c# 스터디 6주 차.pptx
@@ -7,6 +7,22 @@
   <p:sldIdLst>
     <p:sldId id="256" r:id="rId2"/>
     <p:sldId id="257" r:id="rId3"/>
+    <p:sldId id="258" r:id="rId4"/>
+    <p:sldId id="259" r:id="rId5"/>
+    <p:sldId id="265" r:id="rId6"/>
+    <p:sldId id="266" r:id="rId7"/>
+    <p:sldId id="260" r:id="rId8"/>
+    <p:sldId id="267" r:id="rId9"/>
+    <p:sldId id="268" r:id="rId10"/>
+    <p:sldId id="269" r:id="rId11"/>
+    <p:sldId id="270" r:id="rId12"/>
+    <p:sldId id="271" r:id="rId13"/>
+    <p:sldId id="262" r:id="rId14"/>
+    <p:sldId id="273" r:id="rId15"/>
+    <p:sldId id="274" r:id="rId16"/>
+    <p:sldId id="263" r:id="rId17"/>
+    <p:sldId id="261" r:id="rId18"/>
+    <p:sldId id="264" r:id="rId19"/>
   </p:sldIdLst>
   <p:sldSz cx="12192000" cy="6858000"/>
   <p:notesSz cx="6858000" cy="9144000"/>
@@ -105,6 +121,11 @@
       </a:defRPr>
     </a:lvl9pPr>
   </p:defaultTextStyle>
+  <p:extLst>
+    <p:ext uri="{EFAFB233-063F-42B5-8137-9DF3F51BA10A}">
+      <p15:sldGuideLst xmlns:p15="http://schemas.microsoft.com/office/powerpoint/2012/main"/>
+    </p:ext>
+  </p:extLst>
 </p:presentation>
 </file>
 
@@ -255,7 +276,7 @@
           <a:p>
             <a:fld id="{EDE4C143-813B-4B7B-BE97-BF7ACA2DC775}" type="datetimeFigureOut">
               <a:rPr lang="ko-KR" altLang="en-US" smtClean="0"/>
-              <a:t>2020-02-26</a:t>
+              <a:t>2020-05-26</a:t>
             </a:fld>
             <a:endParaRPr lang="ko-KR" altLang="en-US"/>
           </a:p>
@@ -453,7 +474,7 @@
           <a:p>
             <a:fld id="{EDE4C143-813B-4B7B-BE97-BF7ACA2DC775}" type="datetimeFigureOut">
               <a:rPr lang="ko-KR" altLang="en-US" smtClean="0"/>
-              <a:t>2020-02-26</a:t>
+              <a:t>2020-05-26</a:t>
             </a:fld>
             <a:endParaRPr lang="ko-KR" altLang="en-US"/>
           </a:p>
@@ -661,7 +682,7 @@
           <a:p>
             <a:fld id="{EDE4C143-813B-4B7B-BE97-BF7ACA2DC775}" type="datetimeFigureOut">
               <a:rPr lang="ko-KR" altLang="en-US" smtClean="0"/>
-              <a:t>2020-02-26</a:t>
+              <a:t>2020-05-26</a:t>
             </a:fld>
             <a:endParaRPr lang="ko-KR" altLang="en-US"/>
           </a:p>
@@ -859,7 +880,7 @@
           <a:p>
             <a:fld id="{EDE4C143-813B-4B7B-BE97-BF7ACA2DC775}" type="datetimeFigureOut">
               <a:rPr lang="ko-KR" altLang="en-US" smtClean="0"/>
-              <a:t>2020-02-26</a:t>
+              <a:t>2020-05-26</a:t>
             </a:fld>
             <a:endParaRPr lang="ko-KR" altLang="en-US"/>
           </a:p>
@@ -1134,7 +1155,7 @@
           <a:p>
             <a:fld id="{EDE4C143-813B-4B7B-BE97-BF7ACA2DC775}" type="datetimeFigureOut">
               <a:rPr lang="ko-KR" altLang="en-US" smtClean="0"/>
-              <a:t>2020-02-26</a:t>
+              <a:t>2020-05-26</a:t>
             </a:fld>
             <a:endParaRPr lang="ko-KR" altLang="en-US"/>
           </a:p>
@@ -1399,7 +1420,7 @@
           <a:p>
             <a:fld id="{EDE4C143-813B-4B7B-BE97-BF7ACA2DC775}" type="datetimeFigureOut">
               <a:rPr lang="ko-KR" altLang="en-US" smtClean="0"/>
-              <a:t>2020-02-26</a:t>
+              <a:t>2020-05-26</a:t>
             </a:fld>
             <a:endParaRPr lang="ko-KR" altLang="en-US"/>
           </a:p>
@@ -1811,7 +1832,7 @@
           <a:p>
             <a:fld id="{EDE4C143-813B-4B7B-BE97-BF7ACA2DC775}" type="datetimeFigureOut">
               <a:rPr lang="ko-KR" altLang="en-US" smtClean="0"/>
-              <a:t>2020-02-26</a:t>
+              <a:t>2020-05-26</a:t>
             </a:fld>
             <a:endParaRPr lang="ko-KR" altLang="en-US"/>
           </a:p>
@@ -1952,7 +1973,7 @@
           <a:p>
             <a:fld id="{EDE4C143-813B-4B7B-BE97-BF7ACA2DC775}" type="datetimeFigureOut">
               <a:rPr lang="ko-KR" altLang="en-US" smtClean="0"/>
-              <a:t>2020-02-26</a:t>
+              <a:t>2020-05-26</a:t>
             </a:fld>
             <a:endParaRPr lang="ko-KR" altLang="en-US"/>
           </a:p>
@@ -2065,7 +2086,7 @@
           <a:p>
             <a:fld id="{EDE4C143-813B-4B7B-BE97-BF7ACA2DC775}" type="datetimeFigureOut">
               <a:rPr lang="ko-KR" altLang="en-US" smtClean="0"/>
-              <a:t>2020-02-26</a:t>
+              <a:t>2020-05-26</a:t>
             </a:fld>
             <a:endParaRPr lang="ko-KR" altLang="en-US"/>
           </a:p>
@@ -2376,7 +2397,7 @@
           <a:p>
             <a:fld id="{EDE4C143-813B-4B7B-BE97-BF7ACA2DC775}" type="datetimeFigureOut">
               <a:rPr lang="ko-KR" altLang="en-US" smtClean="0"/>
-              <a:t>2020-02-26</a:t>
+              <a:t>2020-05-26</a:t>
             </a:fld>
             <a:endParaRPr lang="ko-KR" altLang="en-US"/>
           </a:p>
@@ -2664,7 +2685,7 @@
           <a:p>
             <a:fld id="{EDE4C143-813B-4B7B-BE97-BF7ACA2DC775}" type="datetimeFigureOut">
               <a:rPr lang="ko-KR" altLang="en-US" smtClean="0"/>
-              <a:t>2020-02-26</a:t>
+              <a:t>2020-05-26</a:t>
             </a:fld>
             <a:endParaRPr lang="ko-KR" altLang="en-US"/>
           </a:p>
@@ -2905,7 +2926,7 @@
           <a:p>
             <a:fld id="{EDE4C143-813B-4B7B-BE97-BF7ACA2DC775}" type="datetimeFigureOut">
               <a:rPr lang="ko-KR" altLang="en-US" smtClean="0"/>
-              <a:t>2020-02-26</a:t>
+              <a:t>2020-05-26</a:t>
             </a:fld>
             <a:endParaRPr lang="ko-KR" altLang="en-US"/>
           </a:p>
@@ -3659,9 +3680,17 @@
 </p:sld>
 </file>
 
-<file path=ppt/slides/slide2.xml><?xml version="1.0" encoding="utf-8"?>
+<file path=ppt/slides/slide10.xml><?xml version="1.0" encoding="utf-8"?>
 <p:sld xmlns:a="http://schemas.openxmlformats.org/drawingml/2006/main" xmlns:r="http://schemas.openxmlformats.org/officeDocument/2006/relationships" xmlns:p="http://schemas.openxmlformats.org/presentationml/2006/main">
   <p:cSld>
+    <p:bg>
+      <p:bgPr>
+        <a:solidFill>
+          <a:schemeClr val="bg1"/>
+        </a:solidFill>
+        <a:effectLst/>
+      </p:bgPr>
+    </p:bg>
     <p:spTree>
       <p:nvGrpSpPr>
         <p:cNvPr id="1" name=""/>
@@ -3676,11 +3705,4295 @@
           <a:chExt cx="0" cy="0"/>
         </a:xfrm>
       </p:grpSpPr>
+      <p:sp useBgFill="1">
+        <p:nvSpPr>
+          <p:cNvPr id="8" name="Rectangle 7">
+            <a:extLst>
+              <a:ext uri="{FF2B5EF4-FFF2-40B4-BE49-F238E27FC236}">
+                <a16:creationId xmlns:a16="http://schemas.microsoft.com/office/drawing/2014/main" id="{A52B99F1-B2DC-437E-A8A1-A57F2F29F8D1}"/>
+              </a:ext>
+              <a:ext uri="{C183D7F6-B498-43B3-948B-1728B52AA6E4}">
+                <adec:decorative xmlns:adec="http://schemas.microsoft.com/office/drawing/2017/decorative" val="1"/>
+              </a:ext>
+            </a:extLst>
+          </p:cNvPr>
+          <p:cNvSpPr>
+            <a:spLocks noGrp="1" noRot="1" noChangeAspect="1" noMove="1" noResize="1" noEditPoints="1" noAdjustHandles="1" noChangeArrowheads="1" noChangeShapeType="1" noTextEdit="1"/>
+          </p:cNvSpPr>
+          <p:nvPr>
+            <p:extLst>
+              <p:ext uri="{386F3935-93C4-4BCD-93E2-E3B085C9AB24}">
+                <p16:designElem xmlns:p16="http://schemas.microsoft.com/office/powerpoint/2015/main" val="1"/>
+              </p:ext>
+            </p:extLst>
+          </p:nvPr>
+        </p:nvSpPr>
+        <p:spPr>
+          <a:xfrm>
+            <a:off x="0" y="0"/>
+            <a:ext cx="12192000" cy="6858000"/>
+          </a:xfrm>
+          <a:prstGeom prst="rect">
+            <a:avLst/>
+          </a:prstGeom>
+          <a:ln>
+            <a:noFill/>
+          </a:ln>
+        </p:spPr>
+        <p:style>
+          <a:lnRef idx="2">
+            <a:schemeClr val="accent1">
+              <a:shade val="50000"/>
+            </a:schemeClr>
+          </a:lnRef>
+          <a:fillRef idx="1">
+            <a:schemeClr val="accent1"/>
+          </a:fillRef>
+          <a:effectRef idx="0">
+            <a:schemeClr val="accent1"/>
+          </a:effectRef>
+          <a:fontRef idx="minor">
+            <a:schemeClr val="lt1"/>
+          </a:fontRef>
+        </p:style>
+        <p:txBody>
+          <a:bodyPr rtlCol="0" anchor="ctr"/>
+          <a:lstStyle/>
+          <a:p>
+            <a:pPr algn="ctr"/>
+            <a:endParaRPr lang="en-US"/>
+          </a:p>
+        </p:txBody>
+      </p:sp>
+      <p:sp useBgFill="1">
+        <p:nvSpPr>
+          <p:cNvPr id="10" name="Rectangle 9">
+            <a:extLst>
+              <a:ext uri="{FF2B5EF4-FFF2-40B4-BE49-F238E27FC236}">
+                <a16:creationId xmlns:a16="http://schemas.microsoft.com/office/drawing/2014/main" id="{55F8BA08-3E38-4B70-B93A-74F08E092206}"/>
+              </a:ext>
+              <a:ext uri="{C183D7F6-B498-43B3-948B-1728B52AA6E4}">
+                <adec:decorative xmlns:adec="http://schemas.microsoft.com/office/drawing/2017/decorative" val="1"/>
+              </a:ext>
+            </a:extLst>
+          </p:cNvPr>
+          <p:cNvSpPr>
+            <a:spLocks noGrp="1" noRot="1" noChangeAspect="1" noMove="1" noResize="1" noEditPoints="1" noAdjustHandles="1" noChangeArrowheads="1" noChangeShapeType="1" noTextEdit="1"/>
+          </p:cNvSpPr>
+          <p:nvPr>
+            <p:extLst>
+              <p:ext uri="{386F3935-93C4-4BCD-93E2-E3B085C9AB24}">
+                <p16:designElem xmlns:p16="http://schemas.microsoft.com/office/powerpoint/2015/main" val="1"/>
+              </p:ext>
+            </p:extLst>
+          </p:nvPr>
+        </p:nvSpPr>
+        <p:spPr>
+          <a:xfrm>
+            <a:off x="558209" y="684398"/>
+            <a:ext cx="11167447" cy="5206040"/>
+          </a:xfrm>
+          <a:prstGeom prst="rect">
+            <a:avLst/>
+          </a:prstGeom>
+          <a:ln w="12700">
+            <a:solidFill>
+              <a:srgbClr val="E1E1E1"/>
+            </a:solidFill>
+          </a:ln>
+          <a:effectLst>
+            <a:outerShdw blurRad="50800" dist="38100" dir="2700000" algn="tl" rotWithShape="0">
+              <a:schemeClr val="bg2">
+                <a:lumMod val="85000"/>
+                <a:alpha val="50000"/>
+              </a:schemeClr>
+            </a:outerShdw>
+          </a:effectLst>
+        </p:spPr>
+        <p:style>
+          <a:lnRef idx="2">
+            <a:schemeClr val="accent1">
+              <a:shade val="50000"/>
+            </a:schemeClr>
+          </a:lnRef>
+          <a:fillRef idx="1">
+            <a:schemeClr val="accent1"/>
+          </a:fillRef>
+          <a:effectRef idx="0">
+            <a:schemeClr val="accent1"/>
+          </a:effectRef>
+          <a:fontRef idx="minor">
+            <a:schemeClr val="lt1"/>
+          </a:fontRef>
+        </p:style>
+        <p:txBody>
+          <a:bodyPr rtlCol="0" anchor="ctr"/>
+          <a:lstStyle/>
+          <a:p>
+            <a:pPr marL="0" marR="0" lvl="0" indent="0" algn="ctr" defTabSz="914400" rtl="0" eaLnBrk="1" fontAlgn="auto" latinLnBrk="0" hangingPunct="1">
+              <a:lnSpc>
+                <a:spcPct val="100000"/>
+              </a:lnSpc>
+              <a:spcBef>
+                <a:spcPts val="0"/>
+              </a:spcBef>
+              <a:spcAft>
+                <a:spcPts val="0"/>
+              </a:spcAft>
+              <a:buClrTx/>
+              <a:buSzTx/>
+              <a:buFontTx/>
+              <a:buNone/>
+              <a:tabLst/>
+              <a:defRPr/>
+            </a:pPr>
+            <a:endParaRPr kumimoji="0" lang="en-US" sz="1800" b="0" i="0" u="none" strike="noStrike" kern="1200" cap="none" spc="0" normalizeH="0" baseline="0" noProof="0">
+              <a:ln>
+                <a:noFill/>
+              </a:ln>
+              <a:solidFill>
+                <a:prstClr val="white"/>
+              </a:solidFill>
+              <a:effectLst/>
+              <a:uLnTx/>
+              <a:uFillTx/>
+              <a:latin typeface="Calibri" panose="020F0502020204030204"/>
+              <a:ea typeface="+mn-ea"/>
+              <a:cs typeface="+mn-cs"/>
+            </a:endParaRPr>
+          </a:p>
+        </p:txBody>
+      </p:sp>
       <p:sp>
         <p:nvSpPr>
           <p:cNvPr id="2" name="제목 1">
             <a:extLst>
               <a:ext uri="{FF2B5EF4-FFF2-40B4-BE49-F238E27FC236}">
+                <a16:creationId xmlns:a16="http://schemas.microsoft.com/office/drawing/2014/main" id="{FA754389-F930-4405-847E-CAF7170AD626}"/>
+              </a:ext>
+            </a:extLst>
+          </p:cNvPr>
+          <p:cNvSpPr>
+            <a:spLocks noGrp="1"/>
+          </p:cNvSpPr>
+          <p:nvPr>
+            <p:ph type="title"/>
+          </p:nvPr>
+        </p:nvSpPr>
+        <p:spPr>
+          <a:xfrm>
+            <a:off x="765925" y="1092857"/>
+            <a:ext cx="4535156" cy="4389120"/>
+          </a:xfrm>
+        </p:spPr>
+        <p:txBody>
+          <a:bodyPr>
+            <a:normAutofit/>
+          </a:bodyPr>
+          <a:lstStyle/>
+          <a:p>
+            <a:r>
+              <a:rPr lang="ko-KR" altLang="en-US" sz="4000" dirty="0"/>
+              <a:t>입력 받기 </a:t>
+            </a:r>
+            <a:r>
+              <a:rPr lang="en-US" altLang="ko-KR" sz="4000" dirty="0"/>
+              <a:t>- </a:t>
+            </a:r>
+            <a:r>
+              <a:rPr lang="ko-KR" altLang="en-US" sz="4000" dirty="0"/>
+              <a:t>마우스</a:t>
+            </a:r>
+          </a:p>
+        </p:txBody>
+      </p:sp>
+      <p:sp>
+        <p:nvSpPr>
+          <p:cNvPr id="12" name="Rectangle 11">
+            <a:extLst>
+              <a:ext uri="{FF2B5EF4-FFF2-40B4-BE49-F238E27FC236}">
+                <a16:creationId xmlns:a16="http://schemas.microsoft.com/office/drawing/2014/main" id="{357F1B33-79AB-4A71-8CEC-4546D709B8C8}"/>
+              </a:ext>
+              <a:ext uri="{C183D7F6-B498-43B3-948B-1728B52AA6E4}">
+                <adec:decorative xmlns:adec="http://schemas.microsoft.com/office/drawing/2017/decorative" val="1"/>
+              </a:ext>
+            </a:extLst>
+          </p:cNvPr>
+          <p:cNvSpPr>
+            <a:spLocks noGrp="1" noRot="1" noChangeAspect="1" noMove="1" noResize="1" noEditPoints="1" noAdjustHandles="1" noChangeArrowheads="1" noChangeShapeType="1" noTextEdit="1"/>
+          </p:cNvSpPr>
+          <p:nvPr>
+            <p:extLst>
+              <p:ext uri="{386F3935-93C4-4BCD-93E2-E3B085C9AB24}">
+                <p16:designElem xmlns:p16="http://schemas.microsoft.com/office/powerpoint/2015/main" val="1"/>
+              </p:ext>
+            </p:extLst>
+          </p:nvPr>
+        </p:nvSpPr>
+        <p:spPr>
+          <a:xfrm>
+            <a:off x="498834" y="2935374"/>
+            <a:ext cx="128016" cy="704088"/>
+          </a:xfrm>
+          <a:prstGeom prst="rect">
+            <a:avLst/>
+          </a:prstGeom>
+          <a:solidFill>
+            <a:schemeClr val="accent2"/>
+          </a:solidFill>
+          <a:ln>
+            <a:noFill/>
+          </a:ln>
+        </p:spPr>
+        <p:style>
+          <a:lnRef idx="2">
+            <a:schemeClr val="accent1">
+              <a:shade val="50000"/>
+            </a:schemeClr>
+          </a:lnRef>
+          <a:fillRef idx="1">
+            <a:schemeClr val="accent1"/>
+          </a:fillRef>
+          <a:effectRef idx="0">
+            <a:schemeClr val="accent1"/>
+          </a:effectRef>
+          <a:fontRef idx="minor">
+            <a:schemeClr val="lt1"/>
+          </a:fontRef>
+        </p:style>
+        <p:txBody>
+          <a:bodyPr rtlCol="0" anchor="ctr"/>
+          <a:lstStyle/>
+          <a:p>
+            <a:pPr algn="ctr"/>
+            <a:endParaRPr lang="en-US">
+              <a:solidFill>
+                <a:prstClr val="white"/>
+              </a:solidFill>
+              <a:latin typeface="Calibri" panose="020F0502020204030204"/>
+            </a:endParaRPr>
+          </a:p>
+        </p:txBody>
+      </p:sp>
+      <p:sp>
+        <p:nvSpPr>
+          <p:cNvPr id="3" name="내용 개체 틀 2">
+            <a:extLst>
+              <a:ext uri="{FF2B5EF4-FFF2-40B4-BE49-F238E27FC236}">
+                <a16:creationId xmlns:a16="http://schemas.microsoft.com/office/drawing/2014/main" id="{0A198608-79CC-4390-A925-F12E2B035475}"/>
+              </a:ext>
+            </a:extLst>
+          </p:cNvPr>
+          <p:cNvSpPr>
+            <a:spLocks noGrp="1"/>
+          </p:cNvSpPr>
+          <p:nvPr>
+            <p:ph idx="1"/>
+          </p:nvPr>
+        </p:nvSpPr>
+        <p:spPr>
+          <a:xfrm>
+            <a:off x="5301081" y="1092857"/>
+            <a:ext cx="6332710" cy="4389120"/>
+          </a:xfrm>
+        </p:spPr>
+        <p:txBody>
+          <a:bodyPr anchor="ctr">
+            <a:normAutofit/>
+          </a:bodyPr>
+          <a:lstStyle/>
+          <a:p>
+            <a:r>
+              <a:rPr lang="ko-KR" altLang="en-US" sz="2000" dirty="0"/>
+              <a:t>마우스 위치</a:t>
+            </a:r>
+            <a:endParaRPr lang="en-US" altLang="ko-KR" sz="2000" dirty="0"/>
+          </a:p>
+          <a:p>
+            <a:pPr lvl="1"/>
+            <a:r>
+              <a:rPr lang="en-US" altLang="ko-KR" sz="2000" dirty="0" err="1"/>
+              <a:t>Input.MousePosition</a:t>
+            </a:r>
+            <a:r>
+              <a:rPr lang="en-US" altLang="ko-KR" sz="2000" dirty="0"/>
+              <a:t>(</a:t>
+            </a:r>
+            <a:r>
+              <a:rPr lang="ko-KR" altLang="en-US" sz="2000" dirty="0"/>
+              <a:t>숫자</a:t>
+            </a:r>
+            <a:r>
+              <a:rPr lang="en-US" altLang="ko-KR" sz="2000" dirty="0"/>
+              <a:t>) -&gt; </a:t>
+            </a:r>
+            <a:r>
+              <a:rPr lang="ko-KR" altLang="en-US" sz="2000" dirty="0"/>
+              <a:t>눌린 상태</a:t>
+            </a:r>
+            <a:endParaRPr lang="en-US" altLang="ko-KR" sz="2000" dirty="0"/>
+          </a:p>
+          <a:p>
+            <a:pPr lvl="1"/>
+            <a:endParaRPr lang="en-US" altLang="ko-KR" sz="2000" dirty="0"/>
+          </a:p>
+          <a:p>
+            <a:r>
+              <a:rPr lang="ko-KR" altLang="en-US" sz="2000" dirty="0"/>
+              <a:t>클릭</a:t>
+            </a:r>
+            <a:endParaRPr lang="en-US" altLang="ko-KR" sz="2000" dirty="0"/>
+          </a:p>
+          <a:p>
+            <a:pPr lvl="1"/>
+            <a:r>
+              <a:rPr lang="en-US" altLang="ko-KR" sz="2000" dirty="0" err="1"/>
+              <a:t>Input.GetMouseButton</a:t>
+            </a:r>
+            <a:r>
+              <a:rPr lang="en-US" altLang="ko-KR" sz="2000" dirty="0"/>
+              <a:t>(</a:t>
+            </a:r>
+            <a:r>
+              <a:rPr lang="ko-KR" altLang="en-US" sz="2000" dirty="0"/>
+              <a:t>숫자</a:t>
+            </a:r>
+            <a:r>
+              <a:rPr lang="en-US" altLang="ko-KR" sz="2000" dirty="0"/>
+              <a:t>) -&gt; </a:t>
+            </a:r>
+            <a:r>
+              <a:rPr lang="ko-KR" altLang="en-US" sz="2000" dirty="0"/>
+              <a:t>눌린 상태</a:t>
+            </a:r>
+            <a:endParaRPr lang="en-US" altLang="ko-KR" sz="2000" dirty="0"/>
+          </a:p>
+          <a:p>
+            <a:pPr lvl="1"/>
+            <a:r>
+              <a:rPr lang="en-US" altLang="ko-KR" sz="2000" dirty="0" err="1"/>
+              <a:t>Input.GetMouseButtonUp</a:t>
+            </a:r>
+            <a:r>
+              <a:rPr lang="en-US" altLang="ko-KR" sz="2000" dirty="0"/>
+              <a:t>(</a:t>
+            </a:r>
+            <a:r>
+              <a:rPr lang="ko-KR" altLang="en-US" sz="2000" dirty="0"/>
+              <a:t>숫자</a:t>
+            </a:r>
+            <a:r>
+              <a:rPr lang="en-US" altLang="ko-KR" sz="2000" dirty="0"/>
+              <a:t>) -&gt; </a:t>
+            </a:r>
+            <a:r>
+              <a:rPr lang="ko-KR" altLang="en-US" sz="2000" dirty="0"/>
+              <a:t>누를 때</a:t>
+            </a:r>
+            <a:endParaRPr lang="en-US" altLang="ko-KR" sz="2000" dirty="0"/>
+          </a:p>
+          <a:p>
+            <a:pPr lvl="1"/>
+            <a:r>
+              <a:rPr lang="en-US" altLang="ko-KR" sz="2000" dirty="0" err="1"/>
+              <a:t>Input.GetMouseButton</a:t>
+            </a:r>
+            <a:r>
+              <a:rPr lang="en-US" altLang="ko-KR" sz="2000" dirty="0"/>
+              <a:t>(</a:t>
+            </a:r>
+            <a:r>
+              <a:rPr lang="ko-KR" altLang="en-US" sz="2000" dirty="0"/>
+              <a:t>숫자</a:t>
+            </a:r>
+            <a:r>
+              <a:rPr lang="en-US" altLang="ko-KR" sz="2000" dirty="0"/>
+              <a:t>) -&gt; </a:t>
+            </a:r>
+            <a:r>
+              <a:rPr lang="ko-KR" altLang="en-US" sz="2000" dirty="0"/>
+              <a:t>뗄 때</a:t>
+            </a:r>
+            <a:endParaRPr lang="en-US" altLang="ko-KR" sz="2000" dirty="0"/>
+          </a:p>
+          <a:p>
+            <a:pPr lvl="2"/>
+            <a:r>
+              <a:rPr lang="ko-KR" altLang="en-US" dirty="0"/>
+              <a:t>왼쪽</a:t>
+            </a:r>
+            <a:r>
+              <a:rPr lang="en-US" altLang="ko-KR" dirty="0"/>
+              <a:t>(0) </a:t>
+            </a:r>
+            <a:r>
+              <a:rPr lang="ko-KR" altLang="en-US" dirty="0"/>
+              <a:t>오른쪽</a:t>
+            </a:r>
+            <a:r>
+              <a:rPr lang="en-US" altLang="ko-KR" dirty="0"/>
+              <a:t>(1) </a:t>
+            </a:r>
+            <a:r>
+              <a:rPr lang="ko-KR" altLang="en-US" dirty="0"/>
+              <a:t>휠</a:t>
+            </a:r>
+            <a:r>
+              <a:rPr lang="en-US" altLang="ko-KR" dirty="0"/>
+              <a:t>(2)</a:t>
+            </a:r>
+          </a:p>
+          <a:p>
+            <a:pPr lvl="1"/>
+            <a:endParaRPr lang="en-US" altLang="ko-KR" sz="2000" dirty="0"/>
+          </a:p>
+          <a:p>
+            <a:pPr lvl="1"/>
+            <a:endParaRPr lang="en-US" altLang="ko-KR" sz="2000" dirty="0"/>
+          </a:p>
+          <a:p>
+            <a:pPr lvl="1"/>
+            <a:endParaRPr lang="ko-KR" altLang="en-US" sz="2000" dirty="0"/>
+          </a:p>
+        </p:txBody>
+      </p:sp>
+    </p:spTree>
+    <p:extLst>
+      <p:ext uri="{BB962C8B-B14F-4D97-AF65-F5344CB8AC3E}">
+        <p14:creationId xmlns:p14="http://schemas.microsoft.com/office/powerpoint/2010/main" val="2022363711"/>
+      </p:ext>
+    </p:extLst>
+  </p:cSld>
+  <p:clrMapOvr>
+    <a:masterClrMapping/>
+  </p:clrMapOvr>
+</p:sld>
+</file>
+
+<file path=ppt/slides/slide11.xml><?xml version="1.0" encoding="utf-8"?>
+<p:sld xmlns:a="http://schemas.openxmlformats.org/drawingml/2006/main" xmlns:r="http://schemas.openxmlformats.org/officeDocument/2006/relationships" xmlns:p="http://schemas.openxmlformats.org/presentationml/2006/main">
+  <p:cSld>
+    <p:bg>
+      <p:bgPr>
+        <a:solidFill>
+          <a:schemeClr val="bg1"/>
+        </a:solidFill>
+        <a:effectLst/>
+      </p:bgPr>
+    </p:bg>
+    <p:spTree>
+      <p:nvGrpSpPr>
+        <p:cNvPr id="1" name=""/>
+        <p:cNvGrpSpPr/>
+        <p:nvPr/>
+      </p:nvGrpSpPr>
+      <p:grpSpPr>
+        <a:xfrm>
+          <a:off x="0" y="0"/>
+          <a:ext cx="0" cy="0"/>
+          <a:chOff x="0" y="0"/>
+          <a:chExt cx="0" cy="0"/>
+        </a:xfrm>
+      </p:grpSpPr>
+      <p:sp useBgFill="1">
+        <p:nvSpPr>
+          <p:cNvPr id="20" name="Rectangle 19">
+            <a:extLst>
+              <a:ext uri="{FF2B5EF4-FFF2-40B4-BE49-F238E27FC236}">
+                <a16:creationId xmlns:a16="http://schemas.microsoft.com/office/drawing/2014/main" id="{84ECDE7A-6944-466D-8FFE-149A29BA6BAE}"/>
+              </a:ext>
+              <a:ext uri="{C183D7F6-B498-43B3-948B-1728B52AA6E4}">
+                <adec:decorative xmlns:adec="http://schemas.microsoft.com/office/drawing/2017/decorative" val="1"/>
+              </a:ext>
+            </a:extLst>
+          </p:cNvPr>
+          <p:cNvSpPr>
+            <a:spLocks noGrp="1" noRot="1" noChangeAspect="1" noMove="1" noResize="1" noEditPoints="1" noAdjustHandles="1" noChangeArrowheads="1" noChangeShapeType="1" noTextEdit="1"/>
+          </p:cNvSpPr>
+          <p:nvPr>
+            <p:extLst>
+              <p:ext uri="{386F3935-93C4-4BCD-93E2-E3B085C9AB24}">
+                <p16:designElem xmlns:p16="http://schemas.microsoft.com/office/powerpoint/2015/main" val="1"/>
+              </p:ext>
+            </p:extLst>
+          </p:nvPr>
+        </p:nvSpPr>
+        <p:spPr>
+          <a:xfrm>
+            <a:off x="0" y="0"/>
+            <a:ext cx="12192000" cy="6858000"/>
+          </a:xfrm>
+          <a:prstGeom prst="rect">
+            <a:avLst/>
+          </a:prstGeom>
+          <a:ln>
+            <a:noFill/>
+          </a:ln>
+        </p:spPr>
+        <p:style>
+          <a:lnRef idx="2">
+            <a:schemeClr val="accent1">
+              <a:shade val="50000"/>
+            </a:schemeClr>
+          </a:lnRef>
+          <a:fillRef idx="1">
+            <a:schemeClr val="accent1"/>
+          </a:fillRef>
+          <a:effectRef idx="0">
+            <a:schemeClr val="accent1"/>
+          </a:effectRef>
+          <a:fontRef idx="minor">
+            <a:schemeClr val="lt1"/>
+          </a:fontRef>
+        </p:style>
+        <p:txBody>
+          <a:bodyPr rtlCol="0" anchor="ctr"/>
+          <a:lstStyle/>
+          <a:p>
+            <a:pPr algn="ctr"/>
+            <a:endParaRPr lang="en-US"/>
+          </a:p>
+        </p:txBody>
+      </p:sp>
+      <p:sp useBgFill="1">
+        <p:nvSpPr>
+          <p:cNvPr id="22" name="Rectangle 21">
+            <a:extLst>
+              <a:ext uri="{FF2B5EF4-FFF2-40B4-BE49-F238E27FC236}">
+                <a16:creationId xmlns:a16="http://schemas.microsoft.com/office/drawing/2014/main" id="{B3420082-9415-44EC-802E-C77D71D59C57}"/>
+              </a:ext>
+              <a:ext uri="{C183D7F6-B498-43B3-948B-1728B52AA6E4}">
+                <adec:decorative xmlns:adec="http://schemas.microsoft.com/office/drawing/2017/decorative" val="1"/>
+              </a:ext>
+            </a:extLst>
+          </p:cNvPr>
+          <p:cNvSpPr>
+            <a:spLocks noGrp="1" noRot="1" noChangeAspect="1" noMove="1" noResize="1" noEditPoints="1" noAdjustHandles="1" noChangeArrowheads="1" noChangeShapeType="1" noTextEdit="1"/>
+          </p:cNvSpPr>
+          <p:nvPr>
+            <p:extLst>
+              <p:ext uri="{386F3935-93C4-4BCD-93E2-E3B085C9AB24}">
+                <p16:designElem xmlns:p16="http://schemas.microsoft.com/office/powerpoint/2015/main" val="1"/>
+              </p:ext>
+            </p:extLst>
+          </p:nvPr>
+        </p:nvSpPr>
+        <p:spPr>
+          <a:xfrm>
+            <a:off x="558209" y="0"/>
+            <a:ext cx="11167447" cy="2018806"/>
+          </a:xfrm>
+          <a:prstGeom prst="rect">
+            <a:avLst/>
+          </a:prstGeom>
+          <a:ln w="12700">
+            <a:solidFill>
+              <a:srgbClr val="E1E1E1"/>
+            </a:solidFill>
+          </a:ln>
+          <a:effectLst>
+            <a:outerShdw blurRad="50800" dist="38100" dir="2700000" algn="tl" rotWithShape="0">
+              <a:schemeClr val="bg1">
+                <a:lumMod val="85000"/>
+                <a:alpha val="50000"/>
+              </a:schemeClr>
+            </a:outerShdw>
+          </a:effectLst>
+        </p:spPr>
+        <p:style>
+          <a:lnRef idx="2">
+            <a:schemeClr val="accent1">
+              <a:shade val="50000"/>
+            </a:schemeClr>
+          </a:lnRef>
+          <a:fillRef idx="1">
+            <a:schemeClr val="accent1"/>
+          </a:fillRef>
+          <a:effectRef idx="0">
+            <a:schemeClr val="accent1"/>
+          </a:effectRef>
+          <a:fontRef idx="minor">
+            <a:schemeClr val="lt1"/>
+          </a:fontRef>
+        </p:style>
+        <p:txBody>
+          <a:bodyPr rtlCol="0" anchor="ctr"/>
+          <a:lstStyle/>
+          <a:p>
+            <a:pPr marL="0" marR="0" lvl="0" indent="0" algn="ctr" defTabSz="914400" rtl="0" eaLnBrk="1" fontAlgn="auto" latinLnBrk="0" hangingPunct="1">
+              <a:lnSpc>
+                <a:spcPct val="100000"/>
+              </a:lnSpc>
+              <a:spcBef>
+                <a:spcPts val="0"/>
+              </a:spcBef>
+              <a:spcAft>
+                <a:spcPts val="0"/>
+              </a:spcAft>
+              <a:buClrTx/>
+              <a:buSzTx/>
+              <a:buFontTx/>
+              <a:buNone/>
+              <a:tabLst/>
+              <a:defRPr/>
+            </a:pPr>
+            <a:endParaRPr kumimoji="0" lang="en-US" sz="1800" b="0" i="0" u="none" strike="noStrike" kern="1200" cap="none" spc="0" normalizeH="0" baseline="0" noProof="0">
+              <a:ln>
+                <a:noFill/>
+              </a:ln>
+              <a:solidFill>
+                <a:prstClr val="white"/>
+              </a:solidFill>
+              <a:effectLst/>
+              <a:uLnTx/>
+              <a:uFillTx/>
+              <a:latin typeface="Calibri" panose="020F0502020204030204"/>
+              <a:ea typeface="+mn-ea"/>
+              <a:cs typeface="+mn-cs"/>
+            </a:endParaRPr>
+          </a:p>
+        </p:txBody>
+      </p:sp>
+      <p:sp useBgFill="1">
+        <p:nvSpPr>
+          <p:cNvPr id="24" name="Rectangle 23">
+            <a:extLst>
+              <a:ext uri="{FF2B5EF4-FFF2-40B4-BE49-F238E27FC236}">
+                <a16:creationId xmlns:a16="http://schemas.microsoft.com/office/drawing/2014/main" id="{55A52C45-1FCB-4636-A80F-2849B8226C01}"/>
+              </a:ext>
+              <a:ext uri="{C183D7F6-B498-43B3-948B-1728B52AA6E4}">
+                <adec:decorative xmlns:adec="http://schemas.microsoft.com/office/drawing/2017/decorative" val="1"/>
+              </a:ext>
+            </a:extLst>
+          </p:cNvPr>
+          <p:cNvSpPr>
+            <a:spLocks noGrp="1" noRot="1" noChangeAspect="1" noMove="1" noResize="1" noEditPoints="1" noAdjustHandles="1" noChangeArrowheads="1" noChangeShapeType="1" noTextEdit="1"/>
+          </p:cNvSpPr>
+          <p:nvPr>
+            <p:extLst>
+              <p:ext uri="{386F3935-93C4-4BCD-93E2-E3B085C9AB24}">
+                <p16:designElem xmlns:p16="http://schemas.microsoft.com/office/powerpoint/2015/main" val="1"/>
+              </p:ext>
+            </p:extLst>
+          </p:nvPr>
+        </p:nvSpPr>
+        <p:spPr>
+          <a:xfrm>
+            <a:off x="566928" y="0"/>
+            <a:ext cx="11155680" cy="2011680"/>
+          </a:xfrm>
+          <a:prstGeom prst="rect">
+            <a:avLst/>
+          </a:prstGeom>
+          <a:ln w="12700">
+            <a:noFill/>
+          </a:ln>
+          <a:effectLst/>
+        </p:spPr>
+        <p:style>
+          <a:lnRef idx="2">
+            <a:schemeClr val="accent1">
+              <a:shade val="50000"/>
+            </a:schemeClr>
+          </a:lnRef>
+          <a:fillRef idx="1">
+            <a:schemeClr val="accent1"/>
+          </a:fillRef>
+          <a:effectRef idx="0">
+            <a:schemeClr val="accent1"/>
+          </a:effectRef>
+          <a:fontRef idx="minor">
+            <a:schemeClr val="lt1"/>
+          </a:fontRef>
+        </p:style>
+        <p:txBody>
+          <a:bodyPr rtlCol="0" anchor="ctr"/>
+          <a:lstStyle/>
+          <a:p>
+            <a:pPr marL="0" marR="0" lvl="0" indent="0" algn="ctr" defTabSz="914400" rtl="0" eaLnBrk="1" fontAlgn="auto" latinLnBrk="0" hangingPunct="1">
+              <a:lnSpc>
+                <a:spcPct val="100000"/>
+              </a:lnSpc>
+              <a:spcBef>
+                <a:spcPts val="0"/>
+              </a:spcBef>
+              <a:spcAft>
+                <a:spcPts val="0"/>
+              </a:spcAft>
+              <a:buClrTx/>
+              <a:buSzTx/>
+              <a:buFontTx/>
+              <a:buNone/>
+              <a:tabLst/>
+              <a:defRPr/>
+            </a:pPr>
+            <a:endParaRPr kumimoji="0" lang="en-US" sz="1800" b="0" i="0" u="none" strike="noStrike" kern="1200" cap="none" spc="0" normalizeH="0" baseline="0" noProof="0">
+              <a:ln>
+                <a:noFill/>
+              </a:ln>
+              <a:solidFill>
+                <a:prstClr val="white"/>
+              </a:solidFill>
+              <a:effectLst/>
+              <a:uLnTx/>
+              <a:uFillTx/>
+              <a:latin typeface="Calibri" panose="020F0502020204030204"/>
+              <a:ea typeface="+mn-ea"/>
+              <a:cs typeface="+mn-cs"/>
+            </a:endParaRPr>
+          </a:p>
+        </p:txBody>
+      </p:sp>
+      <p:sp>
+        <p:nvSpPr>
+          <p:cNvPr id="2" name="제목 1">
+            <a:extLst>
+              <a:ext uri="{FF2B5EF4-FFF2-40B4-BE49-F238E27FC236}">
+                <a16:creationId xmlns:a16="http://schemas.microsoft.com/office/drawing/2014/main" id="{CD114CE1-D965-46E5-8647-0FB347E08E75}"/>
+              </a:ext>
+            </a:extLst>
+          </p:cNvPr>
+          <p:cNvSpPr>
+            <a:spLocks noGrp="1"/>
+          </p:cNvSpPr>
+          <p:nvPr>
+            <p:ph type="title"/>
+          </p:nvPr>
+        </p:nvSpPr>
+        <p:spPr>
+          <a:xfrm>
+            <a:off x="1115568" y="548640"/>
+            <a:ext cx="10168128" cy="1179576"/>
+          </a:xfrm>
+        </p:spPr>
+        <p:txBody>
+          <a:bodyPr>
+            <a:normAutofit/>
+          </a:bodyPr>
+          <a:lstStyle/>
+          <a:p>
+            <a:r>
+              <a:rPr lang="en-US" altLang="ko-KR" sz="4000"/>
+              <a:t>+ </a:t>
+            </a:r>
+            <a:r>
+              <a:rPr lang="ko-KR" altLang="en-US" sz="4000"/>
+              <a:t>메시지 출력하기</a:t>
+            </a:r>
+          </a:p>
+        </p:txBody>
+      </p:sp>
+      <p:sp>
+        <p:nvSpPr>
+          <p:cNvPr id="26" name="Rectangle 25">
+            <a:extLst>
+              <a:ext uri="{FF2B5EF4-FFF2-40B4-BE49-F238E27FC236}">
+                <a16:creationId xmlns:a16="http://schemas.microsoft.com/office/drawing/2014/main" id="{768EB4DD-3704-43AD-92B3-C4E0C6EA92CB}"/>
+              </a:ext>
+              <a:ext uri="{C183D7F6-B498-43B3-948B-1728B52AA6E4}">
+                <adec:decorative xmlns:adec="http://schemas.microsoft.com/office/drawing/2017/decorative" val="1"/>
+              </a:ext>
+            </a:extLst>
+          </p:cNvPr>
+          <p:cNvSpPr>
+            <a:spLocks noGrp="1" noRot="1" noChangeAspect="1" noMove="1" noResize="1" noEditPoints="1" noAdjustHandles="1" noChangeArrowheads="1" noChangeShapeType="1" noTextEdit="1"/>
+          </p:cNvSpPr>
+          <p:nvPr>
+            <p:extLst>
+              <p:ext uri="{386F3935-93C4-4BCD-93E2-E3B085C9AB24}">
+                <p16:designElem xmlns:p16="http://schemas.microsoft.com/office/powerpoint/2015/main" val="1"/>
+              </p:ext>
+            </p:extLst>
+          </p:nvPr>
+        </p:nvSpPr>
+        <p:spPr>
+          <a:xfrm>
+            <a:off x="498834" y="770799"/>
+            <a:ext cx="128016" cy="704088"/>
+          </a:xfrm>
+          <a:prstGeom prst="rect">
+            <a:avLst/>
+          </a:prstGeom>
+          <a:solidFill>
+            <a:schemeClr val="accent2"/>
+          </a:solidFill>
+          <a:ln>
+            <a:noFill/>
+          </a:ln>
+        </p:spPr>
+        <p:style>
+          <a:lnRef idx="2">
+            <a:schemeClr val="accent1">
+              <a:shade val="50000"/>
+            </a:schemeClr>
+          </a:lnRef>
+          <a:fillRef idx="1">
+            <a:schemeClr val="accent1"/>
+          </a:fillRef>
+          <a:effectRef idx="0">
+            <a:schemeClr val="accent1"/>
+          </a:effectRef>
+          <a:fontRef idx="minor">
+            <a:schemeClr val="lt1"/>
+          </a:fontRef>
+        </p:style>
+        <p:txBody>
+          <a:bodyPr rtlCol="0" anchor="ctr"/>
+          <a:lstStyle/>
+          <a:p>
+            <a:pPr marL="0" marR="0" lvl="0" indent="0" algn="ctr" defTabSz="914400" rtl="0" eaLnBrk="1" fontAlgn="auto" latinLnBrk="0" hangingPunct="1">
+              <a:lnSpc>
+                <a:spcPct val="100000"/>
+              </a:lnSpc>
+              <a:spcBef>
+                <a:spcPts val="0"/>
+              </a:spcBef>
+              <a:spcAft>
+                <a:spcPts val="0"/>
+              </a:spcAft>
+              <a:buClrTx/>
+              <a:buSzTx/>
+              <a:buFontTx/>
+              <a:buNone/>
+              <a:tabLst/>
+              <a:defRPr/>
+            </a:pPr>
+            <a:endParaRPr kumimoji="0" lang="en-US" sz="1800" b="0" i="0" u="none" strike="noStrike" kern="1200" cap="none" spc="0" normalizeH="0" baseline="0" noProof="0">
+              <a:ln>
+                <a:noFill/>
+              </a:ln>
+              <a:solidFill>
+                <a:prstClr val="white"/>
+              </a:solidFill>
+              <a:effectLst/>
+              <a:uLnTx/>
+              <a:uFillTx/>
+              <a:latin typeface="Calibri" panose="020F0502020204030204"/>
+              <a:ea typeface="+mn-ea"/>
+              <a:cs typeface="+mn-cs"/>
+            </a:endParaRPr>
+          </a:p>
+        </p:txBody>
+      </p:sp>
+      <p:pic>
+        <p:nvPicPr>
+          <p:cNvPr id="4" name="그림 3">
+            <a:extLst>
+              <a:ext uri="{FF2B5EF4-FFF2-40B4-BE49-F238E27FC236}">
+                <a16:creationId xmlns:a16="http://schemas.microsoft.com/office/drawing/2014/main" id="{5ACAF120-B093-4944-A04B-8CCCA78AC290}"/>
+              </a:ext>
+            </a:extLst>
+          </p:cNvPr>
+          <p:cNvPicPr>
+            <a:picLocks noChangeAspect="1"/>
+          </p:cNvPicPr>
+          <p:nvPr/>
+        </p:nvPicPr>
+        <p:blipFill rotWithShape="1">
+          <a:blip r:embed="rId2"/>
+          <a:srcRect l="5134" r="28807"/>
+          <a:stretch/>
+        </p:blipFill>
+        <p:spPr>
+          <a:xfrm>
+            <a:off x="908304" y="2478024"/>
+            <a:ext cx="6009855" cy="3694176"/>
+          </a:xfrm>
+          <a:prstGeom prst="rect">
+            <a:avLst/>
+          </a:prstGeom>
+        </p:spPr>
+      </p:pic>
+      <p:sp>
+        <p:nvSpPr>
+          <p:cNvPr id="3" name="내용 개체 틀 2">
+            <a:extLst>
+              <a:ext uri="{FF2B5EF4-FFF2-40B4-BE49-F238E27FC236}">
+                <a16:creationId xmlns:a16="http://schemas.microsoft.com/office/drawing/2014/main" id="{8A06AFA1-4D98-4A76-9738-953DA1C3960B}"/>
+              </a:ext>
+            </a:extLst>
+          </p:cNvPr>
+          <p:cNvSpPr>
+            <a:spLocks noGrp="1"/>
+          </p:cNvSpPr>
+          <p:nvPr>
+            <p:ph idx="1"/>
+          </p:nvPr>
+        </p:nvSpPr>
+        <p:spPr>
+          <a:xfrm>
+            <a:off x="7411453" y="2478024"/>
+            <a:ext cx="3872243" cy="3694176"/>
+          </a:xfrm>
+        </p:spPr>
+        <p:txBody>
+          <a:bodyPr anchor="ctr">
+            <a:normAutofit/>
+          </a:bodyPr>
+          <a:lstStyle/>
+          <a:p>
+            <a:r>
+              <a:rPr lang="ko-KR" altLang="en-US" sz="1800" dirty="0"/>
+              <a:t>유니티 </a:t>
+            </a:r>
+            <a:r>
+              <a:rPr lang="en-US" altLang="ko-KR" sz="1800" dirty="0"/>
+              <a:t>Console(</a:t>
+            </a:r>
+            <a:r>
+              <a:rPr lang="ko-KR" altLang="en-US" sz="1800" dirty="0"/>
+              <a:t>콘솔</a:t>
+            </a:r>
+            <a:r>
+              <a:rPr lang="en-US" altLang="ko-KR" sz="1800" dirty="0"/>
+              <a:t>)</a:t>
+            </a:r>
+            <a:r>
+              <a:rPr lang="ko-KR" altLang="en-US" sz="1800" dirty="0"/>
+              <a:t>창에 메시지를 출력할 수 있다</a:t>
+            </a:r>
+            <a:endParaRPr lang="en-US" altLang="ko-KR" sz="1800" dirty="0"/>
+          </a:p>
+          <a:p>
+            <a:r>
+              <a:rPr lang="ko-KR" altLang="en-US" sz="1800" dirty="0"/>
+              <a:t>생각대로 작동하는지 확인할 때 주로 사용한다</a:t>
+            </a:r>
+            <a:endParaRPr lang="en-US" altLang="ko-KR" sz="1800" dirty="0"/>
+          </a:p>
+          <a:p>
+            <a:r>
+              <a:rPr lang="en-US" altLang="ko-KR" sz="1800" dirty="0" err="1"/>
+              <a:t>Debug.Log</a:t>
+            </a:r>
+            <a:r>
+              <a:rPr lang="en-US" altLang="ko-KR" sz="1800" dirty="0"/>
+              <a:t>(“String”); </a:t>
+            </a:r>
+            <a:r>
+              <a:rPr lang="ko-KR" altLang="en-US" sz="1800" dirty="0"/>
+              <a:t>형식으로 사용할 수 있다</a:t>
+            </a:r>
+            <a:r>
+              <a:rPr lang="en-US" altLang="ko-KR" sz="1800" dirty="0"/>
+              <a:t>.</a:t>
+            </a:r>
+          </a:p>
+          <a:p>
+            <a:pPr marL="0" indent="0">
+              <a:buNone/>
+            </a:pPr>
+            <a:endParaRPr lang="ko-KR" altLang="en-US" sz="1800" dirty="0"/>
+          </a:p>
+        </p:txBody>
+      </p:sp>
+    </p:spTree>
+    <p:extLst>
+      <p:ext uri="{BB962C8B-B14F-4D97-AF65-F5344CB8AC3E}">
+        <p14:creationId xmlns:p14="http://schemas.microsoft.com/office/powerpoint/2010/main" val="2086818581"/>
+      </p:ext>
+    </p:extLst>
+  </p:cSld>
+  <p:clrMapOvr>
+    <a:masterClrMapping/>
+  </p:clrMapOvr>
+</p:sld>
+</file>
+
+<file path=ppt/slides/slide12.xml><?xml version="1.0" encoding="utf-8"?>
+<p:sld xmlns:a="http://schemas.openxmlformats.org/drawingml/2006/main" xmlns:r="http://schemas.openxmlformats.org/officeDocument/2006/relationships" xmlns:p="http://schemas.openxmlformats.org/presentationml/2006/main">
+  <p:cSld>
+    <p:bg>
+      <p:bgPr>
+        <a:solidFill>
+          <a:schemeClr val="bg1">
+            <a:tint val="95000"/>
+            <a:satMod val="170000"/>
+          </a:schemeClr>
+        </a:solidFill>
+        <a:effectLst/>
+      </p:bgPr>
+    </p:bg>
+    <p:spTree>
+      <p:nvGrpSpPr>
+        <p:cNvPr id="1" name=""/>
+        <p:cNvGrpSpPr/>
+        <p:nvPr/>
+      </p:nvGrpSpPr>
+      <p:grpSpPr>
+        <a:xfrm>
+          <a:off x="0" y="0"/>
+          <a:ext cx="0" cy="0"/>
+          <a:chOff x="0" y="0"/>
+          <a:chExt cx="0" cy="0"/>
+        </a:xfrm>
+      </p:grpSpPr>
+      <p:pic>
+        <p:nvPicPr>
+          <p:cNvPr id="4" name="내용 개체 틀 3" descr="스크린샷, 모니터, 화면, 검은색이(가) 표시된 사진&#10;&#10;자동 생성된 설명">
+            <a:extLst>
+              <a:ext uri="{FF2B5EF4-FFF2-40B4-BE49-F238E27FC236}">
+                <a16:creationId xmlns:a16="http://schemas.microsoft.com/office/drawing/2014/main" id="{5BE0218C-DF27-4DAE-BD86-261C9B6992B3}"/>
+              </a:ext>
+            </a:extLst>
+          </p:cNvPr>
+          <p:cNvPicPr>
+            <a:picLocks noChangeAspect="1"/>
+          </p:cNvPicPr>
+          <p:nvPr/>
+        </p:nvPicPr>
+        <p:blipFill rotWithShape="1">
+          <a:blip r:embed="rId2"/>
+          <a:srcRect r="4469" b="1"/>
+          <a:stretch/>
+        </p:blipFill>
+        <p:spPr>
+          <a:xfrm>
+            <a:off x="20" y="10"/>
+            <a:ext cx="12188932" cy="6857990"/>
+          </a:xfrm>
+          <a:prstGeom prst="rect">
+            <a:avLst/>
+          </a:prstGeom>
+        </p:spPr>
+      </p:pic>
+      <p:sp>
+        <p:nvSpPr>
+          <p:cNvPr id="17" name="Freeform: Shape 16">
+            <a:extLst>
+              <a:ext uri="{FF2B5EF4-FFF2-40B4-BE49-F238E27FC236}">
+                <a16:creationId xmlns:a16="http://schemas.microsoft.com/office/drawing/2014/main" id="{5E8D2E83-FB3A-40E7-A9E5-7AB389D612B4}"/>
+              </a:ext>
+              <a:ext uri="{C183D7F6-B498-43B3-948B-1728B52AA6E4}">
+                <adec:decorative xmlns:adec="http://schemas.microsoft.com/office/drawing/2017/decorative" val="1"/>
+              </a:ext>
+            </a:extLst>
+          </p:cNvPr>
+          <p:cNvSpPr>
+            <a:spLocks noGrp="1" noRot="1" noChangeAspect="1" noMove="1" noResize="1" noEditPoints="1" noAdjustHandles="1" noChangeArrowheads="1" noChangeShapeType="1" noTextEdit="1"/>
+          </p:cNvSpPr>
+          <p:nvPr>
+            <p:extLst>
+              <p:ext uri="{386F3935-93C4-4BCD-93E2-E3B085C9AB24}">
+                <p16:designElem xmlns:p16="http://schemas.microsoft.com/office/powerpoint/2015/main" val="1"/>
+              </p:ext>
+            </p:extLst>
+          </p:nvPr>
+        </p:nvSpPr>
+        <p:spPr>
+          <a:xfrm>
+            <a:off x="0" y="4023809"/>
+            <a:ext cx="11016943" cy="2262375"/>
+          </a:xfrm>
+          <a:custGeom>
+            <a:avLst/>
+            <a:gdLst>
+              <a:gd name="connsiteX0" fmla="*/ 0 w 11016943"/>
+              <a:gd name="connsiteY0" fmla="*/ 0 h 2262375"/>
+              <a:gd name="connsiteX1" fmla="*/ 9969166 w 11016943"/>
+              <a:gd name="connsiteY1" fmla="*/ 0 h 2262375"/>
+              <a:gd name="connsiteX2" fmla="*/ 11016943 w 11016943"/>
+              <a:gd name="connsiteY2" fmla="*/ 2262375 h 2262375"/>
+              <a:gd name="connsiteX3" fmla="*/ 4942050 w 11016943"/>
+              <a:gd name="connsiteY3" fmla="*/ 2262375 h 2262375"/>
+              <a:gd name="connsiteX4" fmla="*/ 4582160 w 11016943"/>
+              <a:gd name="connsiteY4" fmla="*/ 2262375 h 2262375"/>
+              <a:gd name="connsiteX5" fmla="*/ 0 w 11016943"/>
+              <a:gd name="connsiteY5" fmla="*/ 2262375 h 2262375"/>
+            </a:gdLst>
+            <a:ahLst/>
+            <a:cxnLst>
+              <a:cxn ang="0">
+                <a:pos x="connsiteX0" y="connsiteY0"/>
+              </a:cxn>
+              <a:cxn ang="0">
+                <a:pos x="connsiteX1" y="connsiteY1"/>
+              </a:cxn>
+              <a:cxn ang="0">
+                <a:pos x="connsiteX2" y="connsiteY2"/>
+              </a:cxn>
+              <a:cxn ang="0">
+                <a:pos x="connsiteX3" y="connsiteY3"/>
+              </a:cxn>
+              <a:cxn ang="0">
+                <a:pos x="connsiteX4" y="connsiteY4"/>
+              </a:cxn>
+              <a:cxn ang="0">
+                <a:pos x="connsiteX5" y="connsiteY5"/>
+              </a:cxn>
+            </a:cxnLst>
+            <a:rect l="l" t="t" r="r" b="b"/>
+            <a:pathLst>
+              <a:path w="11016943" h="2262375">
+                <a:moveTo>
+                  <a:pt x="0" y="0"/>
+                </a:moveTo>
+                <a:lnTo>
+                  <a:pt x="9969166" y="0"/>
+                </a:lnTo>
+                <a:lnTo>
+                  <a:pt x="11016943" y="2262375"/>
+                </a:lnTo>
+                <a:lnTo>
+                  <a:pt x="4942050" y="2262375"/>
+                </a:lnTo>
+                <a:lnTo>
+                  <a:pt x="4582160" y="2262375"/>
+                </a:lnTo>
+                <a:lnTo>
+                  <a:pt x="0" y="2262375"/>
+                </a:lnTo>
+                <a:close/>
+              </a:path>
+            </a:pathLst>
+          </a:custGeom>
+          <a:solidFill>
+            <a:schemeClr val="bg1">
+              <a:lumMod val="85000"/>
+              <a:lumOff val="15000"/>
+              <a:alpha val="88000"/>
+            </a:schemeClr>
+          </a:solidFill>
+          <a:ln>
+            <a:noFill/>
+          </a:ln>
+        </p:spPr>
+        <p:style>
+          <a:lnRef idx="2">
+            <a:schemeClr val="accent1">
+              <a:shade val="50000"/>
+            </a:schemeClr>
+          </a:lnRef>
+          <a:fillRef idx="1">
+            <a:schemeClr val="accent1"/>
+          </a:fillRef>
+          <a:effectRef idx="0">
+            <a:schemeClr val="accent1"/>
+          </a:effectRef>
+          <a:fontRef idx="minor">
+            <a:schemeClr val="lt1"/>
+          </a:fontRef>
+        </p:style>
+        <p:txBody>
+          <a:bodyPr wrap="square" rtlCol="0" anchor="ctr">
+            <a:noAutofit/>
+          </a:bodyPr>
+          <a:lstStyle/>
+          <a:p>
+            <a:pPr algn="ctr"/>
+            <a:endParaRPr lang="en-US"/>
+          </a:p>
+        </p:txBody>
+      </p:sp>
+      <p:sp>
+        <p:nvSpPr>
+          <p:cNvPr id="2" name="제목 1">
+            <a:extLst>
+              <a:ext uri="{FF2B5EF4-FFF2-40B4-BE49-F238E27FC236}">
+                <a16:creationId xmlns:a16="http://schemas.microsoft.com/office/drawing/2014/main" id="{95303761-344A-4AF3-9B45-5167CBD1DB5C}"/>
+              </a:ext>
+            </a:extLst>
+          </p:cNvPr>
+          <p:cNvSpPr>
+            <a:spLocks noGrp="1"/>
+          </p:cNvSpPr>
+          <p:nvPr>
+            <p:ph type="title"/>
+          </p:nvPr>
+        </p:nvSpPr>
+        <p:spPr>
+          <a:xfrm>
+            <a:off x="618062" y="4185749"/>
+            <a:ext cx="9265771" cy="622836"/>
+          </a:xfrm>
+        </p:spPr>
+        <p:txBody>
+          <a:bodyPr>
+            <a:normAutofit/>
+          </a:bodyPr>
+          <a:lstStyle/>
+          <a:p>
+            <a:r>
+              <a:rPr lang="ko-KR" altLang="en-US" sz="3600"/>
+              <a:t>입력 테스트하기</a:t>
+            </a:r>
+          </a:p>
+        </p:txBody>
+      </p:sp>
+      <p:sp>
+        <p:nvSpPr>
+          <p:cNvPr id="9" name="Content Placeholder 8">
+            <a:extLst>
+              <a:ext uri="{FF2B5EF4-FFF2-40B4-BE49-F238E27FC236}">
+                <a16:creationId xmlns:a16="http://schemas.microsoft.com/office/drawing/2014/main" id="{BFBCE5E4-A694-4275-9A82-688CEDBB48EB}"/>
+              </a:ext>
+            </a:extLst>
+          </p:cNvPr>
+          <p:cNvSpPr>
+            <a:spLocks noGrp="1"/>
+          </p:cNvSpPr>
+          <p:nvPr>
+            <p:ph idx="1"/>
+          </p:nvPr>
+        </p:nvSpPr>
+        <p:spPr>
+          <a:xfrm>
+            <a:off x="618063" y="4856921"/>
+            <a:ext cx="9565028" cy="1249240"/>
+          </a:xfrm>
+        </p:spPr>
+        <p:txBody>
+          <a:bodyPr>
+            <a:normAutofit/>
+          </a:bodyPr>
+          <a:lstStyle/>
+          <a:p>
+            <a:r>
+              <a:rPr lang="en-US" sz="1800" dirty="0"/>
+              <a:t>Update() </a:t>
+            </a:r>
+            <a:r>
+              <a:rPr lang="ko-KR" altLang="en-US" sz="1800" dirty="0"/>
+              <a:t>안쪽에 </a:t>
+            </a:r>
+            <a:r>
+              <a:rPr lang="en-US" altLang="ko-KR" sz="1800" dirty="0"/>
+              <a:t>if(</a:t>
+            </a:r>
+            <a:r>
+              <a:rPr lang="en-US" altLang="ko-KR" sz="1800" dirty="0" err="1"/>
+              <a:t>Input.GetMouseButton</a:t>
+            </a:r>
+            <a:r>
+              <a:rPr lang="en-US" altLang="ko-KR" sz="1800" dirty="0"/>
+              <a:t>(0)) </a:t>
+            </a:r>
+            <a:r>
+              <a:rPr lang="en-US" altLang="ko-KR" sz="1800" dirty="0" err="1"/>
+              <a:t>Debug.Log</a:t>
+            </a:r>
+            <a:r>
+              <a:rPr lang="en-US" altLang="ko-KR" sz="1800" dirty="0"/>
+              <a:t>("</a:t>
+            </a:r>
+            <a:r>
+              <a:rPr lang="ko-KR" altLang="en-US" sz="1800" dirty="0"/>
+              <a:t>마우스 클릭 중</a:t>
+            </a:r>
+            <a:r>
+              <a:rPr lang="en-US" altLang="ko-KR" sz="1800" dirty="0"/>
+              <a:t>"</a:t>
+            </a:r>
+            <a:r>
+              <a:rPr lang="ko-KR" altLang="en-US" sz="1800" dirty="0"/>
+              <a:t> </a:t>
+            </a:r>
+            <a:r>
+              <a:rPr lang="en-US" altLang="ko-KR" sz="1800" dirty="0"/>
+              <a:t>+ </a:t>
+            </a:r>
+            <a:r>
+              <a:rPr lang="en-US" altLang="ko-KR" sz="1800" dirty="0" err="1"/>
+              <a:t>Input.GetMouseButton</a:t>
+            </a:r>
+            <a:r>
+              <a:rPr lang="en-US" altLang="ko-KR" sz="1800" dirty="0"/>
+              <a:t>(0)); </a:t>
+            </a:r>
+            <a:r>
+              <a:rPr lang="ko-KR" altLang="en-US" sz="1800" dirty="0"/>
+              <a:t>를 넣고 실행</a:t>
+            </a:r>
+            <a:endParaRPr lang="en-US" sz="1800" dirty="0"/>
+          </a:p>
+        </p:txBody>
+      </p:sp>
+      <p:sp>
+        <p:nvSpPr>
+          <p:cNvPr id="5" name="TextBox 4">
+            <a:extLst>
+              <a:ext uri="{FF2B5EF4-FFF2-40B4-BE49-F238E27FC236}">
+                <a16:creationId xmlns:a16="http://schemas.microsoft.com/office/drawing/2014/main" id="{0100200F-64F9-4865-8D7E-25D60203F599}"/>
+              </a:ext>
+            </a:extLst>
+          </p:cNvPr>
+          <p:cNvSpPr txBox="1"/>
+          <p:nvPr/>
+        </p:nvSpPr>
+        <p:spPr>
+          <a:xfrm>
+            <a:off x="20" y="6172201"/>
+            <a:ext cx="12188932" cy="685799"/>
+          </a:xfrm>
+          <a:prstGeom prst="rect">
+            <a:avLst/>
+          </a:prstGeom>
+          <a:solidFill>
+            <a:srgbClr val="000000">
+              <a:alpha val="50000"/>
+            </a:srgbClr>
+          </a:solidFill>
+          <a:ln>
+            <a:noFill/>
+          </a:ln>
+        </p:spPr>
+        <p:txBody>
+          <a:bodyPr wrap="square" rtlCol="0">
+            <a:normAutofit/>
+          </a:bodyPr>
+          <a:lstStyle/>
+          <a:p>
+            <a:pPr algn="ctr">
+              <a:spcAft>
+                <a:spcPts val="600"/>
+              </a:spcAft>
+            </a:pPr>
+            <a:r>
+              <a:rPr lang="ko-KR" altLang="en-US" sz="1400">
+                <a:solidFill>
+                  <a:srgbClr val="FFFFFF"/>
+                </a:solidFill>
+              </a:rPr>
+              <a:t>한 번 따라해보자</a:t>
+            </a:r>
+            <a:r>
+              <a:rPr lang="en-US" altLang="ko-KR" sz="1400">
+                <a:solidFill>
+                  <a:srgbClr val="FFFFFF"/>
+                </a:solidFill>
+              </a:rPr>
+              <a:t>!</a:t>
+            </a:r>
+            <a:endParaRPr lang="ko-KR" altLang="en-US" sz="1400">
+              <a:solidFill>
+                <a:srgbClr val="FFFFFF"/>
+              </a:solidFill>
+            </a:endParaRPr>
+          </a:p>
+        </p:txBody>
+      </p:sp>
+    </p:spTree>
+    <p:extLst>
+      <p:ext uri="{BB962C8B-B14F-4D97-AF65-F5344CB8AC3E}">
+        <p14:creationId xmlns:p14="http://schemas.microsoft.com/office/powerpoint/2010/main" val="610981782"/>
+      </p:ext>
+    </p:extLst>
+  </p:cSld>
+  <p:clrMapOvr>
+    <a:overrideClrMapping bg1="dk1" tx1="lt1" bg2="dk2" tx2="lt2" accent1="accent1" accent2="accent2" accent3="accent3" accent4="accent4" accent5="accent5" accent6="accent6" hlink="hlink" folHlink="folHlink"/>
+  </p:clrMapOvr>
+</p:sld>
+</file>
+
+<file path=ppt/slides/slide13.xml><?xml version="1.0" encoding="utf-8"?>
+<p:sld xmlns:a="http://schemas.openxmlformats.org/drawingml/2006/main" xmlns:r="http://schemas.openxmlformats.org/officeDocument/2006/relationships" xmlns:p="http://schemas.openxmlformats.org/presentationml/2006/main">
+  <p:cSld>
+    <p:bg>
+      <p:bgPr>
+        <a:solidFill>
+          <a:schemeClr val="bg1"/>
+        </a:solidFill>
+        <a:effectLst/>
+      </p:bgPr>
+    </p:bg>
+    <p:spTree>
+      <p:nvGrpSpPr>
+        <p:cNvPr id="1" name=""/>
+        <p:cNvGrpSpPr/>
+        <p:nvPr/>
+      </p:nvGrpSpPr>
+      <p:grpSpPr>
+        <a:xfrm>
+          <a:off x="0" y="0"/>
+          <a:ext cx="0" cy="0"/>
+          <a:chOff x="0" y="0"/>
+          <a:chExt cx="0" cy="0"/>
+        </a:xfrm>
+      </p:grpSpPr>
+      <p:sp useBgFill="1">
+        <p:nvSpPr>
+          <p:cNvPr id="7" name="Rectangle 6">
+            <a:extLst>
+              <a:ext uri="{FF2B5EF4-FFF2-40B4-BE49-F238E27FC236}">
+                <a16:creationId xmlns:a16="http://schemas.microsoft.com/office/drawing/2014/main" id="{BAD76F3E-3A97-486B-B402-44400A8B9173}"/>
+              </a:ext>
+              <a:ext uri="{C183D7F6-B498-43B3-948B-1728B52AA6E4}">
+                <adec:decorative xmlns:adec="http://schemas.microsoft.com/office/drawing/2017/decorative" val="1"/>
+              </a:ext>
+            </a:extLst>
+          </p:cNvPr>
+          <p:cNvSpPr>
+            <a:spLocks noGrp="1" noRot="1" noChangeAspect="1" noMove="1" noResize="1" noEditPoints="1" noAdjustHandles="1" noChangeArrowheads="1" noChangeShapeType="1" noTextEdit="1"/>
+          </p:cNvSpPr>
+          <p:nvPr>
+            <p:extLst>
+              <p:ext uri="{386F3935-93C4-4BCD-93E2-E3B085C9AB24}">
+                <p16:designElem xmlns:p16="http://schemas.microsoft.com/office/powerpoint/2015/main" val="1"/>
+              </p:ext>
+            </p:extLst>
+          </p:nvPr>
+        </p:nvSpPr>
+        <p:spPr>
+          <a:xfrm>
+            <a:off x="0" y="0"/>
+            <a:ext cx="12192000" cy="6858000"/>
+          </a:xfrm>
+          <a:prstGeom prst="rect">
+            <a:avLst/>
+          </a:prstGeom>
+          <a:ln>
+            <a:noFill/>
+          </a:ln>
+        </p:spPr>
+        <p:style>
+          <a:lnRef idx="2">
+            <a:schemeClr val="accent1">
+              <a:shade val="50000"/>
+            </a:schemeClr>
+          </a:lnRef>
+          <a:fillRef idx="1">
+            <a:schemeClr val="accent1"/>
+          </a:fillRef>
+          <a:effectRef idx="0">
+            <a:schemeClr val="accent1"/>
+          </a:effectRef>
+          <a:fontRef idx="minor">
+            <a:schemeClr val="lt1"/>
+          </a:fontRef>
+        </p:style>
+        <p:txBody>
+          <a:bodyPr rtlCol="0" anchor="ctr"/>
+          <a:lstStyle/>
+          <a:p>
+            <a:pPr algn="ctr"/>
+            <a:endParaRPr lang="en-US"/>
+          </a:p>
+        </p:txBody>
+      </p:sp>
+      <p:sp>
+        <p:nvSpPr>
+          <p:cNvPr id="2" name="제목 1">
+            <a:extLst>
+              <a:ext uri="{FF2B5EF4-FFF2-40B4-BE49-F238E27FC236}">
+                <a16:creationId xmlns:a16="http://schemas.microsoft.com/office/drawing/2014/main" id="{EBEF36A9-21E6-4D4D-A079-8E9353693773}"/>
+              </a:ext>
+            </a:extLst>
+          </p:cNvPr>
+          <p:cNvSpPr>
+            <a:spLocks noGrp="1"/>
+          </p:cNvSpPr>
+          <p:nvPr>
+            <p:ph type="title"/>
+          </p:nvPr>
+        </p:nvSpPr>
+        <p:spPr>
+          <a:xfrm>
+            <a:off x="838199" y="1093788"/>
+            <a:ext cx="10506455" cy="2967208"/>
+          </a:xfrm>
+        </p:spPr>
+        <p:txBody>
+          <a:bodyPr vert="horz" lIns="91440" tIns="45720" rIns="91440" bIns="45720" rtlCol="0" anchor="b">
+            <a:normAutofit/>
+          </a:bodyPr>
+          <a:lstStyle/>
+          <a:p>
+            <a:pPr latinLnBrk="0"/>
+            <a:r>
+              <a:rPr lang="ko-KR" altLang="en-US" sz="8000" kern="1200">
+                <a:solidFill>
+                  <a:schemeClr val="tx1"/>
+                </a:solidFill>
+                <a:latin typeface="+mj-lt"/>
+                <a:ea typeface="+mj-ea"/>
+                <a:cs typeface="+mj-cs"/>
+              </a:rPr>
+              <a:t>이동시키기</a:t>
+            </a:r>
+          </a:p>
+        </p:txBody>
+      </p:sp>
+      <p:sp>
+        <p:nvSpPr>
+          <p:cNvPr id="9" name="Rectangle 8">
+            <a:extLst>
+              <a:ext uri="{FF2B5EF4-FFF2-40B4-BE49-F238E27FC236}">
+                <a16:creationId xmlns:a16="http://schemas.microsoft.com/office/drawing/2014/main" id="{391F6B52-91F4-4AEB-B6DB-29FEBCF28C8B}"/>
+              </a:ext>
+              <a:ext uri="{C183D7F6-B498-43B3-948B-1728B52AA6E4}">
+                <adec:decorative xmlns:adec="http://schemas.microsoft.com/office/drawing/2017/decorative" val="1"/>
+              </a:ext>
+            </a:extLst>
+          </p:cNvPr>
+          <p:cNvSpPr>
+            <a:spLocks noGrp="1" noRot="1" noChangeAspect="1" noMove="1" noResize="1" noEditPoints="1" noAdjustHandles="1" noChangeArrowheads="1" noChangeShapeType="1" noTextEdit="1"/>
+          </p:cNvSpPr>
+          <p:nvPr>
+            <p:extLst>
+              <p:ext uri="{386F3935-93C4-4BCD-93E2-E3B085C9AB24}">
+                <p16:designElem xmlns:p16="http://schemas.microsoft.com/office/powerpoint/2015/main" val="1"/>
+              </p:ext>
+            </p:extLst>
+          </p:nvPr>
+        </p:nvSpPr>
+        <p:spPr>
+          <a:xfrm>
+            <a:off x="841248" y="4331166"/>
+            <a:ext cx="10506456" cy="18288"/>
+          </a:xfrm>
+          <a:prstGeom prst="rect">
+            <a:avLst/>
+          </a:prstGeom>
+          <a:solidFill>
+            <a:srgbClr val="D5D5D5"/>
+          </a:solidFill>
+          <a:ln w="3175">
+            <a:noFill/>
+          </a:ln>
+          <a:effectLst/>
+        </p:spPr>
+        <p:style>
+          <a:lnRef idx="2">
+            <a:schemeClr val="accent1">
+              <a:shade val="50000"/>
+            </a:schemeClr>
+          </a:lnRef>
+          <a:fillRef idx="1">
+            <a:schemeClr val="accent1"/>
+          </a:fillRef>
+          <a:effectRef idx="0">
+            <a:schemeClr val="accent1"/>
+          </a:effectRef>
+          <a:fontRef idx="minor">
+            <a:schemeClr val="lt1"/>
+          </a:fontRef>
+        </p:style>
+        <p:txBody>
+          <a:bodyPr rtlCol="0" anchor="ctr"/>
+          <a:lstStyle/>
+          <a:p>
+            <a:pPr algn="ctr"/>
+            <a:endParaRPr lang="en-US">
+              <a:solidFill>
+                <a:prstClr val="white"/>
+              </a:solidFill>
+              <a:latin typeface="Calibri" panose="020F0502020204030204"/>
+            </a:endParaRPr>
+          </a:p>
+        </p:txBody>
+      </p:sp>
+      <p:sp>
+        <p:nvSpPr>
+          <p:cNvPr id="11" name="Rectangle 10">
+            <a:extLst>
+              <a:ext uri="{FF2B5EF4-FFF2-40B4-BE49-F238E27FC236}">
+                <a16:creationId xmlns:a16="http://schemas.microsoft.com/office/drawing/2014/main" id="{2CD6F061-7C53-44F4-9794-953DB70A451B}"/>
+              </a:ext>
+              <a:ext uri="{C183D7F6-B498-43B3-948B-1728B52AA6E4}">
+                <adec:decorative xmlns:adec="http://schemas.microsoft.com/office/drawing/2017/decorative" val="1"/>
+              </a:ext>
+            </a:extLst>
+          </p:cNvPr>
+          <p:cNvSpPr>
+            <a:spLocks noGrp="1" noRot="1" noChangeAspect="1" noMove="1" noResize="1" noEditPoints="1" noAdjustHandles="1" noChangeArrowheads="1" noChangeShapeType="1" noTextEdit="1"/>
+          </p:cNvSpPr>
+          <p:nvPr>
+            <p:extLst>
+              <p:ext uri="{386F3935-93C4-4BCD-93E2-E3B085C9AB24}">
+                <p16:designElem xmlns:p16="http://schemas.microsoft.com/office/powerpoint/2015/main" val="1"/>
+              </p:ext>
+            </p:extLst>
+          </p:nvPr>
+        </p:nvSpPr>
+        <p:spPr>
+          <a:xfrm rot="5400000">
+            <a:off x="9346882" y="2348839"/>
+            <a:ext cx="54864" cy="3946779"/>
+          </a:xfrm>
+          <a:prstGeom prst="rect">
+            <a:avLst/>
+          </a:prstGeom>
+          <a:solidFill>
+            <a:schemeClr val="accent2"/>
+          </a:solidFill>
+          <a:ln>
+            <a:noFill/>
+          </a:ln>
+        </p:spPr>
+        <p:style>
+          <a:lnRef idx="2">
+            <a:schemeClr val="accent1">
+              <a:shade val="50000"/>
+            </a:schemeClr>
+          </a:lnRef>
+          <a:fillRef idx="1">
+            <a:schemeClr val="accent1"/>
+          </a:fillRef>
+          <a:effectRef idx="0">
+            <a:schemeClr val="accent1"/>
+          </a:effectRef>
+          <a:fontRef idx="minor">
+            <a:schemeClr val="lt1"/>
+          </a:fontRef>
+        </p:style>
+        <p:txBody>
+          <a:bodyPr rtlCol="0" anchor="ctr"/>
+          <a:lstStyle/>
+          <a:p>
+            <a:pPr marL="0" marR="0" lvl="0" indent="0" algn="ctr" defTabSz="914400" rtl="0" eaLnBrk="1" fontAlgn="auto" latinLnBrk="0" hangingPunct="1">
+              <a:lnSpc>
+                <a:spcPct val="100000"/>
+              </a:lnSpc>
+              <a:spcBef>
+                <a:spcPts val="0"/>
+              </a:spcBef>
+              <a:spcAft>
+                <a:spcPts val="0"/>
+              </a:spcAft>
+              <a:buClrTx/>
+              <a:buSzTx/>
+              <a:buFontTx/>
+              <a:buNone/>
+              <a:tabLst/>
+              <a:defRPr/>
+            </a:pPr>
+            <a:endParaRPr kumimoji="0" lang="en-US" sz="1800" b="0" i="0" u="none" strike="noStrike" kern="1200" cap="none" spc="0" normalizeH="0" baseline="0" noProof="0">
+              <a:ln>
+                <a:noFill/>
+              </a:ln>
+              <a:solidFill>
+                <a:prstClr val="white"/>
+              </a:solidFill>
+              <a:effectLst/>
+              <a:uLnTx/>
+              <a:uFillTx/>
+              <a:latin typeface="Calibri" panose="020F0502020204030204"/>
+              <a:ea typeface="+mn-ea"/>
+              <a:cs typeface="+mn-cs"/>
+            </a:endParaRPr>
+          </a:p>
+        </p:txBody>
+      </p:sp>
+    </p:spTree>
+    <p:extLst>
+      <p:ext uri="{BB962C8B-B14F-4D97-AF65-F5344CB8AC3E}">
+        <p14:creationId xmlns:p14="http://schemas.microsoft.com/office/powerpoint/2010/main" val="2073597272"/>
+      </p:ext>
+    </p:extLst>
+  </p:cSld>
+  <p:clrMapOvr>
+    <a:masterClrMapping/>
+  </p:clrMapOvr>
+</p:sld>
+</file>
+
+<file path=ppt/slides/slide14.xml><?xml version="1.0" encoding="utf-8"?>
+<p:sld xmlns:a="http://schemas.openxmlformats.org/drawingml/2006/main" xmlns:r="http://schemas.openxmlformats.org/officeDocument/2006/relationships" xmlns:p="http://schemas.openxmlformats.org/presentationml/2006/main">
+  <p:cSld>
+    <p:bg>
+      <p:bgPr>
+        <a:solidFill>
+          <a:schemeClr val="bg1"/>
+        </a:solidFill>
+        <a:effectLst/>
+      </p:bgPr>
+    </p:bg>
+    <p:spTree>
+      <p:nvGrpSpPr>
+        <p:cNvPr id="1" name=""/>
+        <p:cNvGrpSpPr/>
+        <p:nvPr/>
+      </p:nvGrpSpPr>
+      <p:grpSpPr>
+        <a:xfrm>
+          <a:off x="0" y="0"/>
+          <a:ext cx="0" cy="0"/>
+          <a:chOff x="0" y="0"/>
+          <a:chExt cx="0" cy="0"/>
+        </a:xfrm>
+      </p:grpSpPr>
+      <p:sp>
+        <p:nvSpPr>
+          <p:cNvPr id="8" name="Rectangle 7">
+            <a:extLst>
+              <a:ext uri="{FF2B5EF4-FFF2-40B4-BE49-F238E27FC236}">
+                <a16:creationId xmlns:a16="http://schemas.microsoft.com/office/drawing/2014/main" id="{179F7551-E956-43CB-8F36-268A5DA443BE}"/>
+              </a:ext>
+              <a:ext uri="{C183D7F6-B498-43B3-948B-1728B52AA6E4}">
+                <adec:decorative xmlns:adec="http://schemas.microsoft.com/office/drawing/2017/decorative" val="1"/>
+              </a:ext>
+            </a:extLst>
+          </p:cNvPr>
+          <p:cNvSpPr>
+            <a:spLocks noGrp="1" noRot="1" noChangeAspect="1" noMove="1" noResize="1" noEditPoints="1" noAdjustHandles="1" noChangeArrowheads="1" noChangeShapeType="1" noTextEdit="1"/>
+          </p:cNvSpPr>
+          <p:nvPr>
+            <p:extLst>
+              <p:ext uri="{386F3935-93C4-4BCD-93E2-E3B085C9AB24}">
+                <p16:designElem xmlns:p16="http://schemas.microsoft.com/office/powerpoint/2015/main" val="1"/>
+              </p:ext>
+            </p:extLst>
+          </p:nvPr>
+        </p:nvSpPr>
+        <p:spPr>
+          <a:xfrm>
+            <a:off x="1524" y="0"/>
+            <a:ext cx="12188952" cy="6858000"/>
+          </a:xfrm>
+          <a:prstGeom prst="rect">
+            <a:avLst/>
+          </a:prstGeom>
+          <a:solidFill>
+            <a:schemeClr val="tx1"/>
+          </a:solidFill>
+          <a:ln>
+            <a:noFill/>
+          </a:ln>
+        </p:spPr>
+        <p:style>
+          <a:lnRef idx="2">
+            <a:schemeClr val="accent1">
+              <a:shade val="50000"/>
+            </a:schemeClr>
+          </a:lnRef>
+          <a:fillRef idx="1">
+            <a:schemeClr val="accent1"/>
+          </a:fillRef>
+          <a:effectRef idx="0">
+            <a:schemeClr val="accent1"/>
+          </a:effectRef>
+          <a:fontRef idx="minor">
+            <a:schemeClr val="lt1"/>
+          </a:fontRef>
+        </p:style>
+        <p:txBody>
+          <a:bodyPr rtlCol="0" anchor="ctr"/>
+          <a:lstStyle/>
+          <a:p>
+            <a:pPr marL="0" marR="0" lvl="0" indent="0" algn="ctr" defTabSz="914400" rtl="0" eaLnBrk="1" fontAlgn="auto" latinLnBrk="0" hangingPunct="1">
+              <a:lnSpc>
+                <a:spcPct val="100000"/>
+              </a:lnSpc>
+              <a:spcBef>
+                <a:spcPts val="0"/>
+              </a:spcBef>
+              <a:spcAft>
+                <a:spcPts val="0"/>
+              </a:spcAft>
+              <a:buClrTx/>
+              <a:buSzTx/>
+              <a:buFontTx/>
+              <a:buNone/>
+              <a:tabLst/>
+              <a:defRPr/>
+            </a:pPr>
+            <a:endParaRPr kumimoji="0" lang="en-US" sz="1800" b="0" i="0" u="none" strike="noStrike" kern="1200" cap="none" spc="0" normalizeH="0" baseline="0" noProof="0">
+              <a:ln>
+                <a:noFill/>
+              </a:ln>
+              <a:solidFill>
+                <a:prstClr val="white"/>
+              </a:solidFill>
+              <a:effectLst/>
+              <a:uLnTx/>
+              <a:uFillTx/>
+              <a:latin typeface="Calibri" panose="020F0502020204030204"/>
+              <a:ea typeface="+mn-ea"/>
+              <a:cs typeface="+mn-cs"/>
+            </a:endParaRPr>
+          </a:p>
+        </p:txBody>
+      </p:sp>
+      <p:sp>
+        <p:nvSpPr>
+          <p:cNvPr id="10" name="Freeform: Shape 9">
+            <a:extLst>
+              <a:ext uri="{FF2B5EF4-FFF2-40B4-BE49-F238E27FC236}">
+                <a16:creationId xmlns:a16="http://schemas.microsoft.com/office/drawing/2014/main" id="{80677D43-DB57-4254-BD60-C0C10917DBC4}"/>
+              </a:ext>
+              <a:ext uri="{C183D7F6-B498-43B3-948B-1728B52AA6E4}">
+                <adec:decorative xmlns:adec="http://schemas.microsoft.com/office/drawing/2017/decorative" val="1"/>
+              </a:ext>
+            </a:extLst>
+          </p:cNvPr>
+          <p:cNvSpPr>
+            <a:spLocks noGrp="1" noRot="1" noChangeAspect="1" noMove="1" noResize="1" noEditPoints="1" noAdjustHandles="1" noChangeArrowheads="1" noChangeShapeType="1" noTextEdit="1"/>
+          </p:cNvSpPr>
+          <p:nvPr>
+            <p:extLst>
+              <p:ext uri="{386F3935-93C4-4BCD-93E2-E3B085C9AB24}">
+                <p16:designElem xmlns:p16="http://schemas.microsoft.com/office/powerpoint/2015/main" val="1"/>
+              </p:ext>
+            </p:extLst>
+          </p:nvPr>
+        </p:nvSpPr>
+        <p:spPr>
+          <a:xfrm>
+            <a:off x="4293155" y="457200"/>
+            <a:ext cx="7898845" cy="5909113"/>
+          </a:xfrm>
+          <a:custGeom>
+            <a:avLst/>
+            <a:gdLst>
+              <a:gd name="connsiteX0" fmla="*/ 3848214 w 7898845"/>
+              <a:gd name="connsiteY0" fmla="*/ 0 h 5909113"/>
+              <a:gd name="connsiteX1" fmla="*/ 7898845 w 7898845"/>
+              <a:gd name="connsiteY1" fmla="*/ 0 h 5909113"/>
+              <a:gd name="connsiteX2" fmla="*/ 7898845 w 7898845"/>
+              <a:gd name="connsiteY2" fmla="*/ 5907437 h 5909113"/>
+              <a:gd name="connsiteX3" fmla="*/ 7778213 w 7898845"/>
+              <a:gd name="connsiteY3" fmla="*/ 5907437 h 5909113"/>
+              <a:gd name="connsiteX4" fmla="*/ 7778213 w 7898845"/>
+              <a:gd name="connsiteY4" fmla="*/ 5909093 h 5909113"/>
+              <a:gd name="connsiteX5" fmla="*/ 7485321 w 7898845"/>
+              <a:gd name="connsiteY5" fmla="*/ 5909093 h 5909113"/>
+              <a:gd name="connsiteX6" fmla="*/ 7485321 w 7898845"/>
+              <a:gd name="connsiteY6" fmla="*/ 5909094 h 5909113"/>
+              <a:gd name="connsiteX7" fmla="*/ 4228895 w 7898845"/>
+              <a:gd name="connsiteY7" fmla="*/ 5909094 h 5909113"/>
+              <a:gd name="connsiteX8" fmla="*/ 4228895 w 7898845"/>
+              <a:gd name="connsiteY8" fmla="*/ 5909112 h 5909113"/>
+              <a:gd name="connsiteX9" fmla="*/ 3936003 w 7898845"/>
+              <a:gd name="connsiteY9" fmla="*/ 5909112 h 5909113"/>
+              <a:gd name="connsiteX10" fmla="*/ 3936003 w 7898845"/>
+              <a:gd name="connsiteY10" fmla="*/ 5909113 h 5909113"/>
+              <a:gd name="connsiteX11" fmla="*/ 0 w 7898845"/>
+              <a:gd name="connsiteY11" fmla="*/ 5909113 h 5909113"/>
+              <a:gd name="connsiteX12" fmla="*/ 2796838 w 7898845"/>
+              <a:gd name="connsiteY12" fmla="*/ 1676 h 5909113"/>
+              <a:gd name="connsiteX13" fmla="*/ 2916686 w 7898845"/>
+              <a:gd name="connsiteY13" fmla="*/ 1676 h 5909113"/>
+              <a:gd name="connsiteX14" fmla="*/ 2917470 w 7898845"/>
+              <a:gd name="connsiteY14" fmla="*/ 20 h 5909113"/>
+              <a:gd name="connsiteX15" fmla="*/ 3210362 w 7898845"/>
+              <a:gd name="connsiteY15" fmla="*/ 20 h 5909113"/>
+              <a:gd name="connsiteX16" fmla="*/ 3210362 w 7898845"/>
+              <a:gd name="connsiteY16" fmla="*/ 19 h 5909113"/>
+              <a:gd name="connsiteX17" fmla="*/ 3555322 w 7898845"/>
+              <a:gd name="connsiteY17" fmla="*/ 19 h 5909113"/>
+              <a:gd name="connsiteX18" fmla="*/ 3555322 w 7898845"/>
+              <a:gd name="connsiteY18" fmla="*/ 1 h 5909113"/>
+              <a:gd name="connsiteX19" fmla="*/ 3848214 w 7898845"/>
+              <a:gd name="connsiteY19" fmla="*/ 1 h 5909113"/>
+            </a:gdLst>
+            <a:ahLst/>
+            <a:cxnLst>
+              <a:cxn ang="0">
+                <a:pos x="connsiteX0" y="connsiteY0"/>
+              </a:cxn>
+              <a:cxn ang="0">
+                <a:pos x="connsiteX1" y="connsiteY1"/>
+              </a:cxn>
+              <a:cxn ang="0">
+                <a:pos x="connsiteX2" y="connsiteY2"/>
+              </a:cxn>
+              <a:cxn ang="0">
+                <a:pos x="connsiteX3" y="connsiteY3"/>
+              </a:cxn>
+              <a:cxn ang="0">
+                <a:pos x="connsiteX4" y="connsiteY4"/>
+              </a:cxn>
+              <a:cxn ang="0">
+                <a:pos x="connsiteX5" y="connsiteY5"/>
+              </a:cxn>
+              <a:cxn ang="0">
+                <a:pos x="connsiteX6" y="connsiteY6"/>
+              </a:cxn>
+              <a:cxn ang="0">
+                <a:pos x="connsiteX7" y="connsiteY7"/>
+              </a:cxn>
+              <a:cxn ang="0">
+                <a:pos x="connsiteX8" y="connsiteY8"/>
+              </a:cxn>
+              <a:cxn ang="0">
+                <a:pos x="connsiteX9" y="connsiteY9"/>
+              </a:cxn>
+              <a:cxn ang="0">
+                <a:pos x="connsiteX10" y="connsiteY10"/>
+              </a:cxn>
+              <a:cxn ang="0">
+                <a:pos x="connsiteX11" y="connsiteY11"/>
+              </a:cxn>
+              <a:cxn ang="0">
+                <a:pos x="connsiteX12" y="connsiteY12"/>
+              </a:cxn>
+              <a:cxn ang="0">
+                <a:pos x="connsiteX13" y="connsiteY13"/>
+              </a:cxn>
+              <a:cxn ang="0">
+                <a:pos x="connsiteX14" y="connsiteY14"/>
+              </a:cxn>
+              <a:cxn ang="0">
+                <a:pos x="connsiteX15" y="connsiteY15"/>
+              </a:cxn>
+              <a:cxn ang="0">
+                <a:pos x="connsiteX16" y="connsiteY16"/>
+              </a:cxn>
+              <a:cxn ang="0">
+                <a:pos x="connsiteX17" y="connsiteY17"/>
+              </a:cxn>
+              <a:cxn ang="0">
+                <a:pos x="connsiteX18" y="connsiteY18"/>
+              </a:cxn>
+              <a:cxn ang="0">
+                <a:pos x="connsiteX19" y="connsiteY19"/>
+              </a:cxn>
+            </a:cxnLst>
+            <a:rect l="l" t="t" r="r" b="b"/>
+            <a:pathLst>
+              <a:path w="7898845" h="5909113">
+                <a:moveTo>
+                  <a:pt x="3848214" y="0"/>
+                </a:moveTo>
+                <a:lnTo>
+                  <a:pt x="7898845" y="0"/>
+                </a:lnTo>
+                <a:lnTo>
+                  <a:pt x="7898845" y="5907437"/>
+                </a:lnTo>
+                <a:lnTo>
+                  <a:pt x="7778213" y="5907437"/>
+                </a:lnTo>
+                <a:lnTo>
+                  <a:pt x="7778213" y="5909093"/>
+                </a:lnTo>
+                <a:lnTo>
+                  <a:pt x="7485321" y="5909093"/>
+                </a:lnTo>
+                <a:lnTo>
+                  <a:pt x="7485321" y="5909094"/>
+                </a:lnTo>
+                <a:lnTo>
+                  <a:pt x="4228895" y="5909094"/>
+                </a:lnTo>
+                <a:lnTo>
+                  <a:pt x="4228895" y="5909112"/>
+                </a:lnTo>
+                <a:lnTo>
+                  <a:pt x="3936003" y="5909112"/>
+                </a:lnTo>
+                <a:lnTo>
+                  <a:pt x="3936003" y="5909113"/>
+                </a:lnTo>
+                <a:lnTo>
+                  <a:pt x="0" y="5909113"/>
+                </a:lnTo>
+                <a:lnTo>
+                  <a:pt x="2796838" y="1676"/>
+                </a:lnTo>
+                <a:lnTo>
+                  <a:pt x="2916686" y="1676"/>
+                </a:lnTo>
+                <a:lnTo>
+                  <a:pt x="2917470" y="20"/>
+                </a:lnTo>
+                <a:lnTo>
+                  <a:pt x="3210362" y="20"/>
+                </a:lnTo>
+                <a:lnTo>
+                  <a:pt x="3210362" y="19"/>
+                </a:lnTo>
+                <a:lnTo>
+                  <a:pt x="3555322" y="19"/>
+                </a:lnTo>
+                <a:lnTo>
+                  <a:pt x="3555322" y="1"/>
+                </a:lnTo>
+                <a:lnTo>
+                  <a:pt x="3848214" y="1"/>
+                </a:lnTo>
+                <a:close/>
+              </a:path>
+            </a:pathLst>
+          </a:custGeom>
+          <a:solidFill>
+            <a:srgbClr val="B4B4B4">
+              <a:alpha val="50000"/>
+            </a:srgbClr>
+          </a:solidFill>
+          <a:ln>
+            <a:noFill/>
+          </a:ln>
+        </p:spPr>
+        <p:style>
+          <a:lnRef idx="2">
+            <a:schemeClr val="accent1">
+              <a:shade val="50000"/>
+            </a:schemeClr>
+          </a:lnRef>
+          <a:fillRef idx="1">
+            <a:schemeClr val="accent1"/>
+          </a:fillRef>
+          <a:effectRef idx="0">
+            <a:schemeClr val="accent1"/>
+          </a:effectRef>
+          <a:fontRef idx="minor">
+            <a:schemeClr val="lt1"/>
+          </a:fontRef>
+        </p:style>
+        <p:txBody>
+          <a:bodyPr wrap="square" rtlCol="0" anchor="ctr">
+            <a:noAutofit/>
+          </a:bodyPr>
+          <a:lstStyle/>
+          <a:p>
+            <a:pPr marL="0" marR="0" lvl="0" indent="0" algn="ctr" defTabSz="914400" rtl="0" eaLnBrk="1" fontAlgn="auto" latinLnBrk="0" hangingPunct="1">
+              <a:lnSpc>
+                <a:spcPct val="100000"/>
+              </a:lnSpc>
+              <a:spcBef>
+                <a:spcPts val="0"/>
+              </a:spcBef>
+              <a:spcAft>
+                <a:spcPts val="0"/>
+              </a:spcAft>
+              <a:buClrTx/>
+              <a:buSzTx/>
+              <a:buFontTx/>
+              <a:buNone/>
+              <a:tabLst/>
+              <a:defRPr/>
+            </a:pPr>
+            <a:endParaRPr kumimoji="0" lang="en-US" sz="1800" b="0" i="0" u="none" strike="noStrike" kern="1200" cap="none" spc="0" normalizeH="0" baseline="0" noProof="0">
+              <a:ln>
+                <a:noFill/>
+              </a:ln>
+              <a:solidFill>
+                <a:prstClr val="white"/>
+              </a:solidFill>
+              <a:effectLst/>
+              <a:uLnTx/>
+              <a:uFillTx/>
+              <a:latin typeface="Calibri" panose="020F0502020204030204"/>
+              <a:ea typeface="+mn-ea"/>
+              <a:cs typeface="+mn-cs"/>
+            </a:endParaRPr>
+          </a:p>
+        </p:txBody>
+      </p:sp>
+      <p:sp>
+        <p:nvSpPr>
+          <p:cNvPr id="12" name="Freeform: Shape 11">
+            <a:extLst>
+              <a:ext uri="{FF2B5EF4-FFF2-40B4-BE49-F238E27FC236}">
+                <a16:creationId xmlns:a16="http://schemas.microsoft.com/office/drawing/2014/main" id="{DF0924E5-8F0D-47CB-B59E-155AFCF8C3CB}"/>
+              </a:ext>
+              <a:ext uri="{C183D7F6-B498-43B3-948B-1728B52AA6E4}">
+                <adec:decorative xmlns:adec="http://schemas.microsoft.com/office/drawing/2017/decorative" val="1"/>
+              </a:ext>
+            </a:extLst>
+          </p:cNvPr>
+          <p:cNvSpPr>
+            <a:spLocks noGrp="1" noRot="1" noChangeAspect="1" noMove="1" noResize="1" noEditPoints="1" noAdjustHandles="1" noChangeArrowheads="1" noChangeShapeType="1" noTextEdit="1"/>
+          </p:cNvSpPr>
+          <p:nvPr>
+            <p:extLst>
+              <p:ext uri="{386F3935-93C4-4BCD-93E2-E3B085C9AB24}">
+                <p16:designElem xmlns:p16="http://schemas.microsoft.com/office/powerpoint/2015/main" val="1"/>
+              </p:ext>
+            </p:extLst>
+          </p:nvPr>
+        </p:nvSpPr>
+        <p:spPr>
+          <a:xfrm>
+            <a:off x="0" y="458858"/>
+            <a:ext cx="6769978" cy="5907437"/>
+          </a:xfrm>
+          <a:custGeom>
+            <a:avLst/>
+            <a:gdLst>
+              <a:gd name="connsiteX0" fmla="*/ 0 w 6769978"/>
+              <a:gd name="connsiteY0" fmla="*/ 0 h 5905761"/>
+              <a:gd name="connsiteX1" fmla="*/ 6769978 w 6769978"/>
+              <a:gd name="connsiteY1" fmla="*/ 0 h 5905761"/>
+              <a:gd name="connsiteX2" fmla="*/ 3973138 w 6769978"/>
+              <a:gd name="connsiteY2" fmla="*/ 5905761 h 5905761"/>
+              <a:gd name="connsiteX3" fmla="*/ 0 w 6769978"/>
+              <a:gd name="connsiteY3" fmla="*/ 5905761 h 5905761"/>
+            </a:gdLst>
+            <a:ahLst/>
+            <a:cxnLst>
+              <a:cxn ang="0">
+                <a:pos x="connsiteX0" y="connsiteY0"/>
+              </a:cxn>
+              <a:cxn ang="0">
+                <a:pos x="connsiteX1" y="connsiteY1"/>
+              </a:cxn>
+              <a:cxn ang="0">
+                <a:pos x="connsiteX2" y="connsiteY2"/>
+              </a:cxn>
+              <a:cxn ang="0">
+                <a:pos x="connsiteX3" y="connsiteY3"/>
+              </a:cxn>
+            </a:cxnLst>
+            <a:rect l="l" t="t" r="r" b="b"/>
+            <a:pathLst>
+              <a:path w="6769978" h="5905761">
+                <a:moveTo>
+                  <a:pt x="0" y="0"/>
+                </a:moveTo>
+                <a:lnTo>
+                  <a:pt x="6769978" y="0"/>
+                </a:lnTo>
+                <a:lnTo>
+                  <a:pt x="3973138" y="5905761"/>
+                </a:lnTo>
+                <a:lnTo>
+                  <a:pt x="0" y="5905761"/>
+                </a:lnTo>
+                <a:close/>
+              </a:path>
+            </a:pathLst>
+          </a:custGeom>
+          <a:solidFill>
+            <a:srgbClr val="303030"/>
+          </a:solidFill>
+          <a:ln>
+            <a:noFill/>
+          </a:ln>
+        </p:spPr>
+        <p:style>
+          <a:lnRef idx="2">
+            <a:schemeClr val="accent1">
+              <a:shade val="50000"/>
+            </a:schemeClr>
+          </a:lnRef>
+          <a:fillRef idx="1">
+            <a:schemeClr val="accent1"/>
+          </a:fillRef>
+          <a:effectRef idx="0">
+            <a:schemeClr val="accent1"/>
+          </a:effectRef>
+          <a:fontRef idx="minor">
+            <a:schemeClr val="lt1"/>
+          </a:fontRef>
+        </p:style>
+        <p:txBody>
+          <a:bodyPr wrap="square" rtlCol="0" anchor="ctr">
+            <a:noAutofit/>
+          </a:bodyPr>
+          <a:lstStyle/>
+          <a:p>
+            <a:pPr marL="0" marR="0" lvl="0" indent="0" algn="ctr" defTabSz="914400" rtl="0" eaLnBrk="1" fontAlgn="auto" latinLnBrk="0" hangingPunct="1">
+              <a:lnSpc>
+                <a:spcPct val="100000"/>
+              </a:lnSpc>
+              <a:spcBef>
+                <a:spcPts val="0"/>
+              </a:spcBef>
+              <a:spcAft>
+                <a:spcPts val="0"/>
+              </a:spcAft>
+              <a:buClrTx/>
+              <a:buSzTx/>
+              <a:buFontTx/>
+              <a:buNone/>
+              <a:tabLst/>
+              <a:defRPr/>
+            </a:pPr>
+            <a:endParaRPr kumimoji="0" lang="en-US" sz="1800" b="0" i="0" u="none" strike="noStrike" kern="1200" cap="none" spc="0" normalizeH="0" baseline="0" noProof="0">
+              <a:ln>
+                <a:noFill/>
+              </a:ln>
+              <a:solidFill>
+                <a:prstClr val="black">
+                  <a:lumMod val="95000"/>
+                </a:prstClr>
+              </a:solidFill>
+              <a:effectLst/>
+              <a:uLnTx/>
+              <a:uFillTx/>
+              <a:latin typeface="Calibri" panose="020F0502020204030204"/>
+              <a:ea typeface="+mn-ea"/>
+              <a:cs typeface="+mn-cs"/>
+            </a:endParaRPr>
+          </a:p>
+        </p:txBody>
+      </p:sp>
+      <p:sp>
+        <p:nvSpPr>
+          <p:cNvPr id="2" name="제목 1">
+            <a:extLst>
+              <a:ext uri="{FF2B5EF4-FFF2-40B4-BE49-F238E27FC236}">
+                <a16:creationId xmlns:a16="http://schemas.microsoft.com/office/drawing/2014/main" id="{C403FDBB-C1D7-4204-B2D2-F1DA2B21ED2F}"/>
+              </a:ext>
+            </a:extLst>
+          </p:cNvPr>
+          <p:cNvSpPr>
+            <a:spLocks noGrp="1"/>
+          </p:cNvSpPr>
+          <p:nvPr>
+            <p:ph type="title"/>
+          </p:nvPr>
+        </p:nvSpPr>
+        <p:spPr>
+          <a:xfrm>
+            <a:off x="838200" y="992088"/>
+            <a:ext cx="4277264" cy="2862729"/>
+          </a:xfrm>
+        </p:spPr>
+        <p:txBody>
+          <a:bodyPr anchor="b">
+            <a:normAutofit/>
+          </a:bodyPr>
+          <a:lstStyle/>
+          <a:p>
+            <a:r>
+              <a:rPr lang="ko-KR" altLang="en-US" sz="4800">
+                <a:solidFill>
+                  <a:srgbClr val="FFFFFF"/>
+                </a:solidFill>
+              </a:rPr>
+              <a:t>유니티에서의 위치 개념</a:t>
+            </a:r>
+          </a:p>
+        </p:txBody>
+      </p:sp>
+      <p:sp>
+        <p:nvSpPr>
+          <p:cNvPr id="3" name="내용 개체 틀 2">
+            <a:extLst>
+              <a:ext uri="{FF2B5EF4-FFF2-40B4-BE49-F238E27FC236}">
+                <a16:creationId xmlns:a16="http://schemas.microsoft.com/office/drawing/2014/main" id="{C720AEFA-4705-4441-9F9E-2E6129BD686F}"/>
+              </a:ext>
+            </a:extLst>
+          </p:cNvPr>
+          <p:cNvSpPr>
+            <a:spLocks noGrp="1"/>
+          </p:cNvSpPr>
+          <p:nvPr>
+            <p:ph idx="1"/>
+          </p:nvPr>
+        </p:nvSpPr>
+        <p:spPr>
+          <a:xfrm>
+            <a:off x="6769978" y="1338724"/>
+            <a:ext cx="4583821" cy="4415146"/>
+          </a:xfrm>
+        </p:spPr>
+        <p:txBody>
+          <a:bodyPr anchor="ctr">
+            <a:normAutofit/>
+          </a:bodyPr>
+          <a:lstStyle/>
+          <a:p>
+            <a:r>
+              <a:rPr lang="en-US" altLang="ko-KR" sz="2000">
+                <a:solidFill>
+                  <a:schemeClr val="bg1"/>
+                </a:solidFill>
+              </a:rPr>
+              <a:t>Local </a:t>
+            </a:r>
+            <a:r>
+              <a:rPr lang="ko-KR" altLang="en-US" sz="2000">
+                <a:solidFill>
+                  <a:schemeClr val="bg1"/>
+                </a:solidFill>
+              </a:rPr>
+              <a:t>부모와 자식 사이의 위치 관계</a:t>
+            </a:r>
+            <a:endParaRPr lang="en-US" altLang="ko-KR" sz="2000">
+              <a:solidFill>
+                <a:schemeClr val="bg1"/>
+              </a:solidFill>
+            </a:endParaRPr>
+          </a:p>
+          <a:p>
+            <a:pPr lvl="1"/>
+            <a:r>
+              <a:rPr lang="en-US" altLang="ko-KR" sz="2000">
+                <a:solidFill>
+                  <a:schemeClr val="bg1"/>
+                </a:solidFill>
+              </a:rPr>
+              <a:t>transform.localPosition </a:t>
+            </a:r>
+            <a:r>
+              <a:rPr lang="ko-KR" altLang="en-US" sz="2000">
+                <a:solidFill>
+                  <a:schemeClr val="bg1"/>
+                </a:solidFill>
+              </a:rPr>
+              <a:t>을</a:t>
+            </a:r>
+            <a:r>
+              <a:rPr lang="en-US" altLang="ko-KR" sz="2000">
+                <a:solidFill>
+                  <a:schemeClr val="bg1"/>
+                </a:solidFill>
+              </a:rPr>
+              <a:t> </a:t>
+            </a:r>
+            <a:r>
+              <a:rPr lang="ko-KR" altLang="en-US" sz="2000">
+                <a:solidFill>
+                  <a:schemeClr val="bg1"/>
+                </a:solidFill>
+              </a:rPr>
+              <a:t>사용해서 불러올 수 있다</a:t>
+            </a:r>
+            <a:r>
+              <a:rPr lang="en-US" altLang="ko-KR" sz="2000">
+                <a:solidFill>
+                  <a:schemeClr val="bg1"/>
+                </a:solidFill>
+              </a:rPr>
+              <a:t>.</a:t>
+            </a:r>
+          </a:p>
+          <a:p>
+            <a:pPr lvl="1"/>
+            <a:endParaRPr lang="en-US" altLang="ko-KR" sz="2000">
+              <a:solidFill>
+                <a:schemeClr val="bg1"/>
+              </a:solidFill>
+            </a:endParaRPr>
+          </a:p>
+          <a:p>
+            <a:r>
+              <a:rPr lang="en-US" altLang="ko-KR" sz="2000">
+                <a:solidFill>
+                  <a:schemeClr val="bg1"/>
+                </a:solidFill>
+              </a:rPr>
+              <a:t>Global </a:t>
+            </a:r>
+            <a:r>
+              <a:rPr lang="ko-KR" altLang="en-US" sz="2000">
+                <a:solidFill>
+                  <a:schemeClr val="bg1"/>
+                </a:solidFill>
+              </a:rPr>
+              <a:t>월드 기준 절대적인 위치 관계</a:t>
+            </a:r>
+            <a:endParaRPr lang="en-US" altLang="ko-KR" sz="2000">
+              <a:solidFill>
+                <a:schemeClr val="bg1"/>
+              </a:solidFill>
+            </a:endParaRPr>
+          </a:p>
+          <a:p>
+            <a:pPr lvl="1"/>
+            <a:r>
+              <a:rPr lang="en-US" altLang="ko-KR" sz="2000">
+                <a:solidFill>
+                  <a:schemeClr val="bg1"/>
+                </a:solidFill>
+              </a:rPr>
+              <a:t>transform.position </a:t>
+            </a:r>
+            <a:r>
+              <a:rPr lang="ko-KR" altLang="en-US" sz="2000">
+                <a:solidFill>
+                  <a:schemeClr val="bg1"/>
+                </a:solidFill>
+              </a:rPr>
+              <a:t>을 참고해서 불러울 수 있다</a:t>
+            </a:r>
+            <a:r>
+              <a:rPr lang="en-US" altLang="ko-KR" sz="2000">
+                <a:solidFill>
+                  <a:schemeClr val="bg1"/>
+                </a:solidFill>
+              </a:rPr>
+              <a:t>.</a:t>
+            </a:r>
+            <a:endParaRPr lang="ko-KR" altLang="en-US" sz="2000">
+              <a:solidFill>
+                <a:schemeClr val="bg1"/>
+              </a:solidFill>
+            </a:endParaRPr>
+          </a:p>
+        </p:txBody>
+      </p:sp>
+    </p:spTree>
+    <p:extLst>
+      <p:ext uri="{BB962C8B-B14F-4D97-AF65-F5344CB8AC3E}">
+        <p14:creationId xmlns:p14="http://schemas.microsoft.com/office/powerpoint/2010/main" val="966276826"/>
+      </p:ext>
+    </p:extLst>
+  </p:cSld>
+  <p:clrMapOvr>
+    <a:overrideClrMapping bg1="dk1" tx1="lt1" bg2="dk2" tx2="lt2" accent1="accent1" accent2="accent2" accent3="accent3" accent4="accent4" accent5="accent5" accent6="accent6" hlink="hlink" folHlink="folHlink"/>
+  </p:clrMapOvr>
+</p:sld>
+</file>
+
+<file path=ppt/slides/slide15.xml><?xml version="1.0" encoding="utf-8"?>
+<p:sld xmlns:a="http://schemas.openxmlformats.org/drawingml/2006/main" xmlns:r="http://schemas.openxmlformats.org/officeDocument/2006/relationships" xmlns:p="http://schemas.openxmlformats.org/presentationml/2006/main">
+  <p:cSld>
+    <p:bg>
+      <p:bgPr>
+        <a:solidFill>
+          <a:schemeClr val="bg1"/>
+        </a:solidFill>
+        <a:effectLst/>
+      </p:bgPr>
+    </p:bg>
+    <p:spTree>
+      <p:nvGrpSpPr>
+        <p:cNvPr id="1" name=""/>
+        <p:cNvGrpSpPr/>
+        <p:nvPr/>
+      </p:nvGrpSpPr>
+      <p:grpSpPr>
+        <a:xfrm>
+          <a:off x="0" y="0"/>
+          <a:ext cx="0" cy="0"/>
+          <a:chOff x="0" y="0"/>
+          <a:chExt cx="0" cy="0"/>
+        </a:xfrm>
+      </p:grpSpPr>
+      <p:sp>
+        <p:nvSpPr>
+          <p:cNvPr id="8" name="Freeform: Shape 7">
+            <a:extLst>
+              <a:ext uri="{FF2B5EF4-FFF2-40B4-BE49-F238E27FC236}">
+                <a16:creationId xmlns:a16="http://schemas.microsoft.com/office/drawing/2014/main" id="{8C3DEBB2-D54E-470C-86B3-631BDDF6CCA6}"/>
+              </a:ext>
+              <a:ext uri="{C183D7F6-B498-43B3-948B-1728B52AA6E4}">
+                <adec:decorative xmlns:adec="http://schemas.microsoft.com/office/drawing/2017/decorative" val="1"/>
+              </a:ext>
+            </a:extLst>
+          </p:cNvPr>
+          <p:cNvSpPr>
+            <a:spLocks noGrp="1" noRot="1" noChangeAspect="1" noMove="1" noResize="1" noEditPoints="1" noAdjustHandles="1" noChangeArrowheads="1" noChangeShapeType="1" noTextEdit="1"/>
+          </p:cNvSpPr>
+          <p:nvPr>
+            <p:extLst>
+              <p:ext uri="{386F3935-93C4-4BCD-93E2-E3B085C9AB24}">
+                <p16:designElem xmlns:p16="http://schemas.microsoft.com/office/powerpoint/2015/main" val="1"/>
+              </p:ext>
+            </p:extLst>
+          </p:nvPr>
+        </p:nvSpPr>
+        <p:spPr>
+          <a:xfrm flipV="1">
+            <a:off x="1" y="845820"/>
+            <a:ext cx="6087194" cy="5166360"/>
+          </a:xfrm>
+          <a:custGeom>
+            <a:avLst/>
+            <a:gdLst>
+              <a:gd name="connsiteX0" fmla="*/ 0 w 6087194"/>
+              <a:gd name="connsiteY0" fmla="*/ 0 h 5166360"/>
+              <a:gd name="connsiteX1" fmla="*/ 155740 w 6087194"/>
+              <a:gd name="connsiteY1" fmla="*/ 0 h 5166360"/>
+              <a:gd name="connsiteX2" fmla="*/ 5867656 w 6087194"/>
+              <a:gd name="connsiteY2" fmla="*/ 0 h 5166360"/>
+              <a:gd name="connsiteX3" fmla="*/ 6087194 w 6087194"/>
+              <a:gd name="connsiteY3" fmla="*/ 0 h 5166360"/>
+              <a:gd name="connsiteX4" fmla="*/ 3693315 w 6087194"/>
+              <a:gd name="connsiteY4" fmla="*/ 5166360 h 5166360"/>
+              <a:gd name="connsiteX5" fmla="*/ 3473777 w 6087194"/>
+              <a:gd name="connsiteY5" fmla="*/ 5166360 h 5166360"/>
+              <a:gd name="connsiteX6" fmla="*/ 155740 w 6087194"/>
+              <a:gd name="connsiteY6" fmla="*/ 5166360 h 5166360"/>
+              <a:gd name="connsiteX7" fmla="*/ 0 w 6087194"/>
+              <a:gd name="connsiteY7" fmla="*/ 5166360 h 5166360"/>
+            </a:gdLst>
+            <a:ahLst/>
+            <a:cxnLst>
+              <a:cxn ang="0">
+                <a:pos x="connsiteX0" y="connsiteY0"/>
+              </a:cxn>
+              <a:cxn ang="0">
+                <a:pos x="connsiteX1" y="connsiteY1"/>
+              </a:cxn>
+              <a:cxn ang="0">
+                <a:pos x="connsiteX2" y="connsiteY2"/>
+              </a:cxn>
+              <a:cxn ang="0">
+                <a:pos x="connsiteX3" y="connsiteY3"/>
+              </a:cxn>
+              <a:cxn ang="0">
+                <a:pos x="connsiteX4" y="connsiteY4"/>
+              </a:cxn>
+              <a:cxn ang="0">
+                <a:pos x="connsiteX5" y="connsiteY5"/>
+              </a:cxn>
+              <a:cxn ang="0">
+                <a:pos x="connsiteX6" y="connsiteY6"/>
+              </a:cxn>
+              <a:cxn ang="0">
+                <a:pos x="connsiteX7" y="connsiteY7"/>
+              </a:cxn>
+            </a:cxnLst>
+            <a:rect l="l" t="t" r="r" b="b"/>
+            <a:pathLst>
+              <a:path w="6087194" h="5166360">
+                <a:moveTo>
+                  <a:pt x="0" y="0"/>
+                </a:moveTo>
+                <a:lnTo>
+                  <a:pt x="155740" y="0"/>
+                </a:lnTo>
+                <a:lnTo>
+                  <a:pt x="5867656" y="0"/>
+                </a:lnTo>
+                <a:lnTo>
+                  <a:pt x="6087194" y="0"/>
+                </a:lnTo>
+                <a:lnTo>
+                  <a:pt x="3693315" y="5166360"/>
+                </a:lnTo>
+                <a:lnTo>
+                  <a:pt x="3473777" y="5166360"/>
+                </a:lnTo>
+                <a:lnTo>
+                  <a:pt x="155740" y="5166360"/>
+                </a:lnTo>
+                <a:lnTo>
+                  <a:pt x="0" y="5166360"/>
+                </a:lnTo>
+                <a:close/>
+              </a:path>
+            </a:pathLst>
+          </a:custGeom>
+          <a:solidFill>
+            <a:srgbClr val="303030"/>
+          </a:solidFill>
+          <a:ln>
+            <a:noFill/>
+          </a:ln>
+        </p:spPr>
+        <p:style>
+          <a:lnRef idx="2">
+            <a:schemeClr val="accent1">
+              <a:shade val="50000"/>
+            </a:schemeClr>
+          </a:lnRef>
+          <a:fillRef idx="1">
+            <a:schemeClr val="accent1"/>
+          </a:fillRef>
+          <a:effectRef idx="0">
+            <a:schemeClr val="accent1"/>
+          </a:effectRef>
+          <a:fontRef idx="minor">
+            <a:schemeClr val="lt1"/>
+          </a:fontRef>
+        </p:style>
+        <p:txBody>
+          <a:bodyPr wrap="square" rtlCol="0" anchor="ctr">
+            <a:noAutofit/>
+          </a:bodyPr>
+          <a:lstStyle/>
+          <a:p>
+            <a:pPr algn="ctr"/>
+            <a:endParaRPr lang="en-US"/>
+          </a:p>
+        </p:txBody>
+      </p:sp>
+      <p:sp>
+        <p:nvSpPr>
+          <p:cNvPr id="10" name="Freeform: Shape 9">
+            <a:extLst>
+              <a:ext uri="{FF2B5EF4-FFF2-40B4-BE49-F238E27FC236}">
+                <a16:creationId xmlns:a16="http://schemas.microsoft.com/office/drawing/2014/main" id="{847C7588-8C18-44D9-8469-ABB9865FE117}"/>
+              </a:ext>
+              <a:ext uri="{C183D7F6-B498-43B3-948B-1728B52AA6E4}">
+                <adec:decorative xmlns:adec="http://schemas.microsoft.com/office/drawing/2017/decorative" val="1"/>
+              </a:ext>
+            </a:extLst>
+          </p:cNvPr>
+          <p:cNvSpPr>
+            <a:spLocks noGrp="1" noRot="1" noChangeAspect="1" noMove="1" noResize="1" noEditPoints="1" noAdjustHandles="1" noChangeArrowheads="1" noChangeShapeType="1" noTextEdit="1"/>
+          </p:cNvSpPr>
+          <p:nvPr>
+            <p:extLst>
+              <p:ext uri="{386F3935-93C4-4BCD-93E2-E3B085C9AB24}">
+                <p16:designElem xmlns:p16="http://schemas.microsoft.com/office/powerpoint/2015/main" val="1"/>
+              </p:ext>
+            </p:extLst>
+          </p:nvPr>
+        </p:nvSpPr>
+        <p:spPr>
+          <a:xfrm flipV="1">
+            <a:off x="3726915" y="844868"/>
+            <a:ext cx="8465085" cy="5167312"/>
+          </a:xfrm>
+          <a:custGeom>
+            <a:avLst/>
+            <a:gdLst>
+              <a:gd name="connsiteX0" fmla="*/ 0 w 8465085"/>
+              <a:gd name="connsiteY0" fmla="*/ 952 h 5167312"/>
+              <a:gd name="connsiteX1" fmla="*/ 1898594 w 8465085"/>
+              <a:gd name="connsiteY1" fmla="*/ 952 h 5167312"/>
+              <a:gd name="connsiteX2" fmla="*/ 1898594 w 8465085"/>
+              <a:gd name="connsiteY2" fmla="*/ 0 h 5167312"/>
+              <a:gd name="connsiteX3" fmla="*/ 0 w 8465085"/>
+              <a:gd name="connsiteY3" fmla="*/ 0 h 5167312"/>
+              <a:gd name="connsiteX4" fmla="*/ 221324 w 8465085"/>
+              <a:gd name="connsiteY4" fmla="*/ 5167312 h 5167312"/>
+              <a:gd name="connsiteX5" fmla="*/ 7243482 w 8465085"/>
+              <a:gd name="connsiteY5" fmla="*/ 5167312 h 5167312"/>
+              <a:gd name="connsiteX6" fmla="*/ 8465085 w 8465085"/>
+              <a:gd name="connsiteY6" fmla="*/ 5167312 h 5167312"/>
+              <a:gd name="connsiteX7" fmla="*/ 8465085 w 8465085"/>
+              <a:gd name="connsiteY7" fmla="*/ 0 h 5167312"/>
+              <a:gd name="connsiteX8" fmla="*/ 7243482 w 8465085"/>
+              <a:gd name="connsiteY8" fmla="*/ 0 h 5167312"/>
+              <a:gd name="connsiteX9" fmla="*/ 2610976 w 8465085"/>
+              <a:gd name="connsiteY9" fmla="*/ 0 h 5167312"/>
+              <a:gd name="connsiteX10" fmla="*/ 2610976 w 8465085"/>
+              <a:gd name="connsiteY10" fmla="*/ 952 h 5167312"/>
+              <a:gd name="connsiteX11" fmla="*/ 2615203 w 8465085"/>
+              <a:gd name="connsiteY11" fmla="*/ 952 h 5167312"/>
+            </a:gdLst>
+            <a:ahLst/>
+            <a:cxnLst>
+              <a:cxn ang="0">
+                <a:pos x="connsiteX0" y="connsiteY0"/>
+              </a:cxn>
+              <a:cxn ang="0">
+                <a:pos x="connsiteX1" y="connsiteY1"/>
+              </a:cxn>
+              <a:cxn ang="0">
+                <a:pos x="connsiteX2" y="connsiteY2"/>
+              </a:cxn>
+              <a:cxn ang="0">
+                <a:pos x="connsiteX3" y="connsiteY3"/>
+              </a:cxn>
+              <a:cxn ang="0">
+                <a:pos x="connsiteX4" y="connsiteY4"/>
+              </a:cxn>
+              <a:cxn ang="0">
+                <a:pos x="connsiteX5" y="connsiteY5"/>
+              </a:cxn>
+              <a:cxn ang="0">
+                <a:pos x="connsiteX6" y="connsiteY6"/>
+              </a:cxn>
+              <a:cxn ang="0">
+                <a:pos x="connsiteX7" y="connsiteY7"/>
+              </a:cxn>
+              <a:cxn ang="0">
+                <a:pos x="connsiteX8" y="connsiteY8"/>
+              </a:cxn>
+              <a:cxn ang="0">
+                <a:pos x="connsiteX9" y="connsiteY9"/>
+              </a:cxn>
+              <a:cxn ang="0">
+                <a:pos x="connsiteX10" y="connsiteY10"/>
+              </a:cxn>
+              <a:cxn ang="0">
+                <a:pos x="connsiteX11" y="connsiteY11"/>
+              </a:cxn>
+            </a:cxnLst>
+            <a:rect l="l" t="t" r="r" b="b"/>
+            <a:pathLst>
+              <a:path w="8465085" h="5167312">
+                <a:moveTo>
+                  <a:pt x="0" y="952"/>
+                </a:moveTo>
+                <a:lnTo>
+                  <a:pt x="1898594" y="952"/>
+                </a:lnTo>
+                <a:lnTo>
+                  <a:pt x="1898594" y="0"/>
+                </a:lnTo>
+                <a:lnTo>
+                  <a:pt x="0" y="0"/>
+                </a:lnTo>
+                <a:close/>
+                <a:moveTo>
+                  <a:pt x="221324" y="5167312"/>
+                </a:moveTo>
+                <a:lnTo>
+                  <a:pt x="7243482" y="5167312"/>
+                </a:lnTo>
+                <a:lnTo>
+                  <a:pt x="8465085" y="5167312"/>
+                </a:lnTo>
+                <a:lnTo>
+                  <a:pt x="8465085" y="0"/>
+                </a:lnTo>
+                <a:lnTo>
+                  <a:pt x="7243482" y="0"/>
+                </a:lnTo>
+                <a:lnTo>
+                  <a:pt x="2610976" y="0"/>
+                </a:lnTo>
+                <a:lnTo>
+                  <a:pt x="2610976" y="952"/>
+                </a:lnTo>
+                <a:lnTo>
+                  <a:pt x="2615203" y="952"/>
+                </a:lnTo>
+                <a:close/>
+              </a:path>
+            </a:pathLst>
+          </a:custGeom>
+          <a:solidFill>
+            <a:srgbClr val="A6A6A6">
+              <a:alpha val="49804"/>
+            </a:srgbClr>
+          </a:solidFill>
+          <a:ln>
+            <a:noFill/>
+          </a:ln>
+        </p:spPr>
+        <p:style>
+          <a:lnRef idx="2">
+            <a:schemeClr val="accent1">
+              <a:shade val="50000"/>
+            </a:schemeClr>
+          </a:lnRef>
+          <a:fillRef idx="1">
+            <a:schemeClr val="accent1"/>
+          </a:fillRef>
+          <a:effectRef idx="0">
+            <a:schemeClr val="accent1"/>
+          </a:effectRef>
+          <a:fontRef idx="minor">
+            <a:schemeClr val="lt1"/>
+          </a:fontRef>
+        </p:style>
+        <p:txBody>
+          <a:bodyPr wrap="square" rtlCol="0" anchor="ctr">
+            <a:noAutofit/>
+          </a:bodyPr>
+          <a:lstStyle/>
+          <a:p>
+            <a:pPr algn="ctr"/>
+            <a:endParaRPr lang="en-US"/>
+          </a:p>
+        </p:txBody>
+      </p:sp>
+      <p:sp>
+        <p:nvSpPr>
+          <p:cNvPr id="2" name="제목 1">
+            <a:extLst>
+              <a:ext uri="{FF2B5EF4-FFF2-40B4-BE49-F238E27FC236}">
+                <a16:creationId xmlns:a16="http://schemas.microsoft.com/office/drawing/2014/main" id="{FAA3CBA8-8286-4ABE-8BB7-259C2CC5C792}"/>
+              </a:ext>
+            </a:extLst>
+          </p:cNvPr>
+          <p:cNvSpPr>
+            <a:spLocks noGrp="1"/>
+          </p:cNvSpPr>
+          <p:nvPr>
+            <p:ph type="title"/>
+          </p:nvPr>
+        </p:nvSpPr>
+        <p:spPr>
+          <a:xfrm>
+            <a:off x="838199" y="1841614"/>
+            <a:ext cx="3409508" cy="3173819"/>
+          </a:xfrm>
+        </p:spPr>
+        <p:txBody>
+          <a:bodyPr>
+            <a:normAutofit/>
+          </a:bodyPr>
+          <a:lstStyle/>
+          <a:p>
+            <a:r>
+              <a:rPr lang="ko-KR" altLang="en-US">
+                <a:solidFill>
+                  <a:schemeClr val="bg1"/>
+                </a:solidFill>
+              </a:rPr>
+              <a:t>이동하기</a:t>
+            </a:r>
+          </a:p>
+        </p:txBody>
+      </p:sp>
+      <p:sp>
+        <p:nvSpPr>
+          <p:cNvPr id="3" name="내용 개체 틀 2">
+            <a:extLst>
+              <a:ext uri="{FF2B5EF4-FFF2-40B4-BE49-F238E27FC236}">
+                <a16:creationId xmlns:a16="http://schemas.microsoft.com/office/drawing/2014/main" id="{ED0902E2-3E39-4BEA-AEC1-3DD8B8DCBE5B}"/>
+              </a:ext>
+            </a:extLst>
+          </p:cNvPr>
+          <p:cNvSpPr>
+            <a:spLocks noGrp="1"/>
+          </p:cNvSpPr>
+          <p:nvPr>
+            <p:ph idx="1"/>
+          </p:nvPr>
+        </p:nvSpPr>
+        <p:spPr>
+          <a:xfrm>
+            <a:off x="6096000" y="1137208"/>
+            <a:ext cx="5257800" cy="4582632"/>
+          </a:xfrm>
+        </p:spPr>
+        <p:txBody>
+          <a:bodyPr anchor="ctr">
+            <a:normAutofit/>
+          </a:bodyPr>
+          <a:lstStyle/>
+          <a:p>
+            <a:r>
+              <a:rPr lang="en-US" altLang="ko-KR" sz="2000"/>
+              <a:t>Global</a:t>
+            </a:r>
+          </a:p>
+          <a:p>
+            <a:pPr lvl="1"/>
+            <a:r>
+              <a:rPr lang="en-US" altLang="ko-KR" sz="2000"/>
+              <a:t>transform.Translate(x, y, z, Space.World);</a:t>
+            </a:r>
+          </a:p>
+          <a:p>
+            <a:pPr lvl="2"/>
+            <a:r>
+              <a:rPr lang="en-US" altLang="ko-KR" dirty="0"/>
+              <a:t>World</a:t>
+            </a:r>
+            <a:r>
+              <a:rPr lang="ko-KR" altLang="en-US" dirty="0"/>
+              <a:t>의 절대 좌표 방향으로 움직인다</a:t>
+            </a:r>
+            <a:r>
+              <a:rPr lang="en-US" altLang="ko-KR" dirty="0"/>
+              <a:t>.</a:t>
+            </a:r>
+          </a:p>
+          <a:p>
+            <a:r>
+              <a:rPr lang="en-US" altLang="ko-KR" sz="2000"/>
+              <a:t>Local</a:t>
+            </a:r>
+          </a:p>
+          <a:p>
+            <a:pPr lvl="1"/>
+            <a:r>
+              <a:rPr lang="en-US" altLang="ko-KR" sz="2000"/>
+              <a:t>transform.Translate(x, y, z, Space.Self);</a:t>
+            </a:r>
+          </a:p>
+          <a:p>
+            <a:pPr lvl="2"/>
+            <a:r>
+              <a:rPr lang="ko-KR" altLang="en-US" dirty="0"/>
+              <a:t>자신이 보고 있는 방향으로 움직인다 </a:t>
+            </a:r>
+            <a:r>
+              <a:rPr lang="en-US" altLang="ko-KR" dirty="0"/>
+              <a:t>(</a:t>
+            </a:r>
+            <a:r>
+              <a:rPr lang="en-US" altLang="ko-KR"/>
+              <a:t>defult</a:t>
+            </a:r>
+            <a:r>
+              <a:rPr lang="ko-KR" altLang="en-US" dirty="0"/>
+              <a:t>값</a:t>
+            </a:r>
+            <a:r>
+              <a:rPr lang="en-US" altLang="ko-KR" dirty="0"/>
+              <a:t>)</a:t>
+            </a:r>
+          </a:p>
+          <a:p>
+            <a:pPr lvl="1"/>
+            <a:endParaRPr lang="ko-KR" altLang="en-US" sz="2000"/>
+          </a:p>
+        </p:txBody>
+      </p:sp>
+    </p:spTree>
+    <p:extLst>
+      <p:ext uri="{BB962C8B-B14F-4D97-AF65-F5344CB8AC3E}">
+        <p14:creationId xmlns:p14="http://schemas.microsoft.com/office/powerpoint/2010/main" val="260239269"/>
+      </p:ext>
+    </p:extLst>
+  </p:cSld>
+  <p:clrMapOvr>
+    <a:masterClrMapping/>
+  </p:clrMapOvr>
+</p:sld>
+</file>
+
+<file path=ppt/slides/slide16.xml><?xml version="1.0" encoding="utf-8"?>
+<p:sld xmlns:a="http://schemas.openxmlformats.org/drawingml/2006/main" xmlns:r="http://schemas.openxmlformats.org/officeDocument/2006/relationships" xmlns:p="http://schemas.openxmlformats.org/presentationml/2006/main">
+  <p:cSld>
+    <p:bg>
+      <p:bgPr>
+        <a:solidFill>
+          <a:schemeClr val="bg1"/>
+        </a:solidFill>
+        <a:effectLst/>
+      </p:bgPr>
+    </p:bg>
+    <p:spTree>
+      <p:nvGrpSpPr>
+        <p:cNvPr id="1" name=""/>
+        <p:cNvGrpSpPr/>
+        <p:nvPr/>
+      </p:nvGrpSpPr>
+      <p:grpSpPr>
+        <a:xfrm>
+          <a:off x="0" y="0"/>
+          <a:ext cx="0" cy="0"/>
+          <a:chOff x="0" y="0"/>
+          <a:chExt cx="0" cy="0"/>
+        </a:xfrm>
+      </p:grpSpPr>
+      <p:sp useBgFill="1">
+        <p:nvSpPr>
+          <p:cNvPr id="7" name="Rectangle 6">
+            <a:extLst>
+              <a:ext uri="{FF2B5EF4-FFF2-40B4-BE49-F238E27FC236}">
+                <a16:creationId xmlns:a16="http://schemas.microsoft.com/office/drawing/2014/main" id="{BAD76F3E-3A97-486B-B402-44400A8B9173}"/>
+              </a:ext>
+              <a:ext uri="{C183D7F6-B498-43B3-948B-1728B52AA6E4}">
+                <adec:decorative xmlns:adec="http://schemas.microsoft.com/office/drawing/2017/decorative" val="1"/>
+              </a:ext>
+            </a:extLst>
+          </p:cNvPr>
+          <p:cNvSpPr>
+            <a:spLocks noGrp="1" noRot="1" noChangeAspect="1" noMove="1" noResize="1" noEditPoints="1" noAdjustHandles="1" noChangeArrowheads="1" noChangeShapeType="1" noTextEdit="1"/>
+          </p:cNvSpPr>
+          <p:nvPr>
+            <p:extLst>
+              <p:ext uri="{386F3935-93C4-4BCD-93E2-E3B085C9AB24}">
+                <p16:designElem xmlns:p16="http://schemas.microsoft.com/office/powerpoint/2015/main" val="1"/>
+              </p:ext>
+            </p:extLst>
+          </p:nvPr>
+        </p:nvSpPr>
+        <p:spPr>
+          <a:xfrm>
+            <a:off x="0" y="0"/>
+            <a:ext cx="12192000" cy="6858000"/>
+          </a:xfrm>
+          <a:prstGeom prst="rect">
+            <a:avLst/>
+          </a:prstGeom>
+          <a:ln>
+            <a:noFill/>
+          </a:ln>
+        </p:spPr>
+        <p:style>
+          <a:lnRef idx="2">
+            <a:schemeClr val="accent1">
+              <a:shade val="50000"/>
+            </a:schemeClr>
+          </a:lnRef>
+          <a:fillRef idx="1">
+            <a:schemeClr val="accent1"/>
+          </a:fillRef>
+          <a:effectRef idx="0">
+            <a:schemeClr val="accent1"/>
+          </a:effectRef>
+          <a:fontRef idx="minor">
+            <a:schemeClr val="lt1"/>
+          </a:fontRef>
+        </p:style>
+        <p:txBody>
+          <a:bodyPr rtlCol="0" anchor="ctr"/>
+          <a:lstStyle/>
+          <a:p>
+            <a:pPr algn="ctr"/>
+            <a:endParaRPr lang="en-US"/>
+          </a:p>
+        </p:txBody>
+      </p:sp>
+      <p:sp>
+        <p:nvSpPr>
+          <p:cNvPr id="2" name="제목 1">
+            <a:extLst>
+              <a:ext uri="{FF2B5EF4-FFF2-40B4-BE49-F238E27FC236}">
+                <a16:creationId xmlns:a16="http://schemas.microsoft.com/office/drawing/2014/main" id="{EBEF36A9-21E6-4D4D-A079-8E9353693773}"/>
+              </a:ext>
+            </a:extLst>
+          </p:cNvPr>
+          <p:cNvSpPr>
+            <a:spLocks noGrp="1"/>
+          </p:cNvSpPr>
+          <p:nvPr>
+            <p:ph type="title"/>
+          </p:nvPr>
+        </p:nvSpPr>
+        <p:spPr>
+          <a:xfrm>
+            <a:off x="838199" y="1093788"/>
+            <a:ext cx="10506455" cy="2967208"/>
+          </a:xfrm>
+        </p:spPr>
+        <p:txBody>
+          <a:bodyPr vert="horz" lIns="91440" tIns="45720" rIns="91440" bIns="45720" rtlCol="0" anchor="b">
+            <a:normAutofit/>
+          </a:bodyPr>
+          <a:lstStyle/>
+          <a:p>
+            <a:pPr latinLnBrk="0"/>
+            <a:r>
+              <a:rPr lang="ko-KR" altLang="en-US" sz="8000" kern="1200" dirty="0">
+                <a:solidFill>
+                  <a:schemeClr val="tx1"/>
+                </a:solidFill>
+                <a:latin typeface="+mj-lt"/>
+                <a:ea typeface="+mj-ea"/>
+                <a:cs typeface="+mj-cs"/>
+              </a:rPr>
+              <a:t>회전</a:t>
+            </a:r>
+            <a:r>
+              <a:rPr lang="en-US" altLang="ko-KR" sz="8000" kern="1200" dirty="0">
+                <a:solidFill>
+                  <a:schemeClr val="tx1"/>
+                </a:solidFill>
+                <a:latin typeface="+mj-lt"/>
+                <a:ea typeface="+mj-ea"/>
+                <a:cs typeface="+mj-cs"/>
+              </a:rPr>
+              <a:t>&amp;</a:t>
+            </a:r>
+            <a:r>
+              <a:rPr lang="ko-KR" altLang="en-US" sz="8000" kern="1200" dirty="0">
+                <a:solidFill>
+                  <a:schemeClr val="tx1"/>
+                </a:solidFill>
+                <a:latin typeface="+mj-lt"/>
+                <a:ea typeface="+mj-ea"/>
+                <a:cs typeface="+mj-cs"/>
+              </a:rPr>
+              <a:t>가속시키기</a:t>
+            </a:r>
+            <a:endParaRPr lang="en-US" altLang="ko-KR" sz="8000" kern="1200" dirty="0">
+              <a:solidFill>
+                <a:schemeClr val="tx1"/>
+              </a:solidFill>
+              <a:latin typeface="+mj-lt"/>
+              <a:ea typeface="+mj-ea"/>
+              <a:cs typeface="+mj-cs"/>
+            </a:endParaRPr>
+          </a:p>
+        </p:txBody>
+      </p:sp>
+      <p:sp>
+        <p:nvSpPr>
+          <p:cNvPr id="9" name="Rectangle 8">
+            <a:extLst>
+              <a:ext uri="{FF2B5EF4-FFF2-40B4-BE49-F238E27FC236}">
+                <a16:creationId xmlns:a16="http://schemas.microsoft.com/office/drawing/2014/main" id="{391F6B52-91F4-4AEB-B6DB-29FEBCF28C8B}"/>
+              </a:ext>
+              <a:ext uri="{C183D7F6-B498-43B3-948B-1728B52AA6E4}">
+                <adec:decorative xmlns:adec="http://schemas.microsoft.com/office/drawing/2017/decorative" val="1"/>
+              </a:ext>
+            </a:extLst>
+          </p:cNvPr>
+          <p:cNvSpPr>
+            <a:spLocks noGrp="1" noRot="1" noChangeAspect="1" noMove="1" noResize="1" noEditPoints="1" noAdjustHandles="1" noChangeArrowheads="1" noChangeShapeType="1" noTextEdit="1"/>
+          </p:cNvSpPr>
+          <p:nvPr>
+            <p:extLst>
+              <p:ext uri="{386F3935-93C4-4BCD-93E2-E3B085C9AB24}">
+                <p16:designElem xmlns:p16="http://schemas.microsoft.com/office/powerpoint/2015/main" val="1"/>
+              </p:ext>
+            </p:extLst>
+          </p:nvPr>
+        </p:nvSpPr>
+        <p:spPr>
+          <a:xfrm>
+            <a:off x="841248" y="4331166"/>
+            <a:ext cx="10506456" cy="18288"/>
+          </a:xfrm>
+          <a:prstGeom prst="rect">
+            <a:avLst/>
+          </a:prstGeom>
+          <a:solidFill>
+            <a:srgbClr val="D5D5D5"/>
+          </a:solidFill>
+          <a:ln w="3175">
+            <a:noFill/>
+          </a:ln>
+          <a:effectLst/>
+        </p:spPr>
+        <p:style>
+          <a:lnRef idx="2">
+            <a:schemeClr val="accent1">
+              <a:shade val="50000"/>
+            </a:schemeClr>
+          </a:lnRef>
+          <a:fillRef idx="1">
+            <a:schemeClr val="accent1"/>
+          </a:fillRef>
+          <a:effectRef idx="0">
+            <a:schemeClr val="accent1"/>
+          </a:effectRef>
+          <a:fontRef idx="minor">
+            <a:schemeClr val="lt1"/>
+          </a:fontRef>
+        </p:style>
+        <p:txBody>
+          <a:bodyPr rtlCol="0" anchor="ctr"/>
+          <a:lstStyle/>
+          <a:p>
+            <a:pPr algn="ctr"/>
+            <a:endParaRPr lang="en-US">
+              <a:solidFill>
+                <a:prstClr val="white"/>
+              </a:solidFill>
+              <a:latin typeface="Calibri" panose="020F0502020204030204"/>
+            </a:endParaRPr>
+          </a:p>
+        </p:txBody>
+      </p:sp>
+      <p:sp>
+        <p:nvSpPr>
+          <p:cNvPr id="11" name="Rectangle 10">
+            <a:extLst>
+              <a:ext uri="{FF2B5EF4-FFF2-40B4-BE49-F238E27FC236}">
+                <a16:creationId xmlns:a16="http://schemas.microsoft.com/office/drawing/2014/main" id="{2CD6F061-7C53-44F4-9794-953DB70A451B}"/>
+              </a:ext>
+              <a:ext uri="{C183D7F6-B498-43B3-948B-1728B52AA6E4}">
+                <adec:decorative xmlns:adec="http://schemas.microsoft.com/office/drawing/2017/decorative" val="1"/>
+              </a:ext>
+            </a:extLst>
+          </p:cNvPr>
+          <p:cNvSpPr>
+            <a:spLocks noGrp="1" noRot="1" noChangeAspect="1" noMove="1" noResize="1" noEditPoints="1" noAdjustHandles="1" noChangeArrowheads="1" noChangeShapeType="1" noTextEdit="1"/>
+          </p:cNvSpPr>
+          <p:nvPr>
+            <p:extLst>
+              <p:ext uri="{386F3935-93C4-4BCD-93E2-E3B085C9AB24}">
+                <p16:designElem xmlns:p16="http://schemas.microsoft.com/office/powerpoint/2015/main" val="1"/>
+              </p:ext>
+            </p:extLst>
+          </p:nvPr>
+        </p:nvSpPr>
+        <p:spPr>
+          <a:xfrm rot="5400000">
+            <a:off x="9346882" y="2348839"/>
+            <a:ext cx="54864" cy="3946779"/>
+          </a:xfrm>
+          <a:prstGeom prst="rect">
+            <a:avLst/>
+          </a:prstGeom>
+          <a:solidFill>
+            <a:schemeClr val="accent2"/>
+          </a:solidFill>
+          <a:ln>
+            <a:noFill/>
+          </a:ln>
+        </p:spPr>
+        <p:style>
+          <a:lnRef idx="2">
+            <a:schemeClr val="accent1">
+              <a:shade val="50000"/>
+            </a:schemeClr>
+          </a:lnRef>
+          <a:fillRef idx="1">
+            <a:schemeClr val="accent1"/>
+          </a:fillRef>
+          <a:effectRef idx="0">
+            <a:schemeClr val="accent1"/>
+          </a:effectRef>
+          <a:fontRef idx="minor">
+            <a:schemeClr val="lt1"/>
+          </a:fontRef>
+        </p:style>
+        <p:txBody>
+          <a:bodyPr rtlCol="0" anchor="ctr"/>
+          <a:lstStyle/>
+          <a:p>
+            <a:pPr marL="0" marR="0" lvl="0" indent="0" algn="ctr" defTabSz="914400" rtl="0" eaLnBrk="1" fontAlgn="auto" latinLnBrk="0" hangingPunct="1">
+              <a:lnSpc>
+                <a:spcPct val="100000"/>
+              </a:lnSpc>
+              <a:spcBef>
+                <a:spcPts val="0"/>
+              </a:spcBef>
+              <a:spcAft>
+                <a:spcPts val="0"/>
+              </a:spcAft>
+              <a:buClrTx/>
+              <a:buSzTx/>
+              <a:buFontTx/>
+              <a:buNone/>
+              <a:tabLst/>
+              <a:defRPr/>
+            </a:pPr>
+            <a:endParaRPr kumimoji="0" lang="en-US" sz="1800" b="0" i="0" u="none" strike="noStrike" kern="1200" cap="none" spc="0" normalizeH="0" baseline="0" noProof="0">
+              <a:ln>
+                <a:noFill/>
+              </a:ln>
+              <a:solidFill>
+                <a:prstClr val="white"/>
+              </a:solidFill>
+              <a:effectLst/>
+              <a:uLnTx/>
+              <a:uFillTx/>
+              <a:latin typeface="Calibri" panose="020F0502020204030204"/>
+              <a:ea typeface="+mn-ea"/>
+              <a:cs typeface="+mn-cs"/>
+            </a:endParaRPr>
+          </a:p>
+        </p:txBody>
+      </p:sp>
+    </p:spTree>
+    <p:extLst>
+      <p:ext uri="{BB962C8B-B14F-4D97-AF65-F5344CB8AC3E}">
+        <p14:creationId xmlns:p14="http://schemas.microsoft.com/office/powerpoint/2010/main" val="29227330"/>
+      </p:ext>
+    </p:extLst>
+  </p:cSld>
+  <p:clrMapOvr>
+    <a:masterClrMapping/>
+  </p:clrMapOvr>
+</p:sld>
+</file>
+
+<file path=ppt/slides/slide17.xml><?xml version="1.0" encoding="utf-8"?>
+<p:sld xmlns:a="http://schemas.openxmlformats.org/drawingml/2006/main" xmlns:r="http://schemas.openxmlformats.org/officeDocument/2006/relationships" xmlns:p="http://schemas.openxmlformats.org/presentationml/2006/main">
+  <p:cSld>
+    <p:bg>
+      <p:bgPr>
+        <a:solidFill>
+          <a:schemeClr val="bg1"/>
+        </a:solidFill>
+        <a:effectLst/>
+      </p:bgPr>
+    </p:bg>
+    <p:spTree>
+      <p:nvGrpSpPr>
+        <p:cNvPr id="1" name=""/>
+        <p:cNvGrpSpPr/>
+        <p:nvPr/>
+      </p:nvGrpSpPr>
+      <p:grpSpPr>
+        <a:xfrm>
+          <a:off x="0" y="0"/>
+          <a:ext cx="0" cy="0"/>
+          <a:chOff x="0" y="0"/>
+          <a:chExt cx="0" cy="0"/>
+        </a:xfrm>
+      </p:grpSpPr>
+      <p:sp useBgFill="1">
+        <p:nvSpPr>
+          <p:cNvPr id="7" name="Rectangle 6">
+            <a:extLst>
+              <a:ext uri="{FF2B5EF4-FFF2-40B4-BE49-F238E27FC236}">
+                <a16:creationId xmlns:a16="http://schemas.microsoft.com/office/drawing/2014/main" id="{BAD76F3E-3A97-486B-B402-44400A8B9173}"/>
+              </a:ext>
+              <a:ext uri="{C183D7F6-B498-43B3-948B-1728B52AA6E4}">
+                <adec:decorative xmlns:adec="http://schemas.microsoft.com/office/drawing/2017/decorative" val="1"/>
+              </a:ext>
+            </a:extLst>
+          </p:cNvPr>
+          <p:cNvSpPr>
+            <a:spLocks noGrp="1" noRot="1" noChangeAspect="1" noMove="1" noResize="1" noEditPoints="1" noAdjustHandles="1" noChangeArrowheads="1" noChangeShapeType="1" noTextEdit="1"/>
+          </p:cNvSpPr>
+          <p:nvPr>
+            <p:extLst>
+              <p:ext uri="{386F3935-93C4-4BCD-93E2-E3B085C9AB24}">
+                <p16:designElem xmlns:p16="http://schemas.microsoft.com/office/powerpoint/2015/main" val="1"/>
+              </p:ext>
+            </p:extLst>
+          </p:nvPr>
+        </p:nvSpPr>
+        <p:spPr>
+          <a:xfrm>
+            <a:off x="0" y="0"/>
+            <a:ext cx="12192000" cy="6858000"/>
+          </a:xfrm>
+          <a:prstGeom prst="rect">
+            <a:avLst/>
+          </a:prstGeom>
+          <a:ln>
+            <a:noFill/>
+          </a:ln>
+        </p:spPr>
+        <p:style>
+          <a:lnRef idx="2">
+            <a:schemeClr val="accent1">
+              <a:shade val="50000"/>
+            </a:schemeClr>
+          </a:lnRef>
+          <a:fillRef idx="1">
+            <a:schemeClr val="accent1"/>
+          </a:fillRef>
+          <a:effectRef idx="0">
+            <a:schemeClr val="accent1"/>
+          </a:effectRef>
+          <a:fontRef idx="minor">
+            <a:schemeClr val="lt1"/>
+          </a:fontRef>
+        </p:style>
+        <p:txBody>
+          <a:bodyPr rtlCol="0" anchor="ctr"/>
+          <a:lstStyle/>
+          <a:p>
+            <a:pPr algn="ctr"/>
+            <a:endParaRPr lang="en-US"/>
+          </a:p>
+        </p:txBody>
+      </p:sp>
+      <p:sp>
+        <p:nvSpPr>
+          <p:cNvPr id="2" name="제목 1">
+            <a:extLst>
+              <a:ext uri="{FF2B5EF4-FFF2-40B4-BE49-F238E27FC236}">
+                <a16:creationId xmlns:a16="http://schemas.microsoft.com/office/drawing/2014/main" id="{ECDD6327-800A-46E4-B9A0-CDF59249F520}"/>
+              </a:ext>
+            </a:extLst>
+          </p:cNvPr>
+          <p:cNvSpPr>
+            <a:spLocks noGrp="1"/>
+          </p:cNvSpPr>
+          <p:nvPr>
+            <p:ph type="title"/>
+          </p:nvPr>
+        </p:nvSpPr>
+        <p:spPr>
+          <a:xfrm>
+            <a:off x="838199" y="1093788"/>
+            <a:ext cx="10506455" cy="2967208"/>
+          </a:xfrm>
+        </p:spPr>
+        <p:txBody>
+          <a:bodyPr vert="horz" lIns="91440" tIns="45720" rIns="91440" bIns="45720" rtlCol="0" anchor="b">
+            <a:normAutofit/>
+          </a:bodyPr>
+          <a:lstStyle/>
+          <a:p>
+            <a:pPr latinLnBrk="0"/>
+            <a:r>
+              <a:rPr lang="ko-KR" altLang="en-US" sz="8000" kern="1200">
+                <a:solidFill>
+                  <a:schemeClr val="tx1"/>
+                </a:solidFill>
+                <a:latin typeface="+mj-lt"/>
+                <a:ea typeface="+mj-ea"/>
+                <a:cs typeface="+mj-cs"/>
+              </a:rPr>
+              <a:t>프레임 개념</a:t>
+            </a:r>
+          </a:p>
+        </p:txBody>
+      </p:sp>
+      <p:sp>
+        <p:nvSpPr>
+          <p:cNvPr id="9" name="Rectangle 8">
+            <a:extLst>
+              <a:ext uri="{FF2B5EF4-FFF2-40B4-BE49-F238E27FC236}">
+                <a16:creationId xmlns:a16="http://schemas.microsoft.com/office/drawing/2014/main" id="{391F6B52-91F4-4AEB-B6DB-29FEBCF28C8B}"/>
+              </a:ext>
+              <a:ext uri="{C183D7F6-B498-43B3-948B-1728B52AA6E4}">
+                <adec:decorative xmlns:adec="http://schemas.microsoft.com/office/drawing/2017/decorative" val="1"/>
+              </a:ext>
+            </a:extLst>
+          </p:cNvPr>
+          <p:cNvSpPr>
+            <a:spLocks noGrp="1" noRot="1" noChangeAspect="1" noMove="1" noResize="1" noEditPoints="1" noAdjustHandles="1" noChangeArrowheads="1" noChangeShapeType="1" noTextEdit="1"/>
+          </p:cNvSpPr>
+          <p:nvPr>
+            <p:extLst>
+              <p:ext uri="{386F3935-93C4-4BCD-93E2-E3B085C9AB24}">
+                <p16:designElem xmlns:p16="http://schemas.microsoft.com/office/powerpoint/2015/main" val="1"/>
+              </p:ext>
+            </p:extLst>
+          </p:nvPr>
+        </p:nvSpPr>
+        <p:spPr>
+          <a:xfrm>
+            <a:off x="841248" y="4331166"/>
+            <a:ext cx="10506456" cy="18288"/>
+          </a:xfrm>
+          <a:prstGeom prst="rect">
+            <a:avLst/>
+          </a:prstGeom>
+          <a:solidFill>
+            <a:srgbClr val="D5D5D5"/>
+          </a:solidFill>
+          <a:ln w="3175">
+            <a:noFill/>
+          </a:ln>
+          <a:effectLst/>
+        </p:spPr>
+        <p:style>
+          <a:lnRef idx="2">
+            <a:schemeClr val="accent1">
+              <a:shade val="50000"/>
+            </a:schemeClr>
+          </a:lnRef>
+          <a:fillRef idx="1">
+            <a:schemeClr val="accent1"/>
+          </a:fillRef>
+          <a:effectRef idx="0">
+            <a:schemeClr val="accent1"/>
+          </a:effectRef>
+          <a:fontRef idx="minor">
+            <a:schemeClr val="lt1"/>
+          </a:fontRef>
+        </p:style>
+        <p:txBody>
+          <a:bodyPr rtlCol="0" anchor="ctr"/>
+          <a:lstStyle/>
+          <a:p>
+            <a:pPr algn="ctr"/>
+            <a:endParaRPr lang="en-US">
+              <a:solidFill>
+                <a:prstClr val="white"/>
+              </a:solidFill>
+              <a:latin typeface="Calibri" panose="020F0502020204030204"/>
+            </a:endParaRPr>
+          </a:p>
+        </p:txBody>
+      </p:sp>
+      <p:sp>
+        <p:nvSpPr>
+          <p:cNvPr id="11" name="Rectangle 10">
+            <a:extLst>
+              <a:ext uri="{FF2B5EF4-FFF2-40B4-BE49-F238E27FC236}">
+                <a16:creationId xmlns:a16="http://schemas.microsoft.com/office/drawing/2014/main" id="{2CD6F061-7C53-44F4-9794-953DB70A451B}"/>
+              </a:ext>
+              <a:ext uri="{C183D7F6-B498-43B3-948B-1728B52AA6E4}">
+                <adec:decorative xmlns:adec="http://schemas.microsoft.com/office/drawing/2017/decorative" val="1"/>
+              </a:ext>
+            </a:extLst>
+          </p:cNvPr>
+          <p:cNvSpPr>
+            <a:spLocks noGrp="1" noRot="1" noChangeAspect="1" noMove="1" noResize="1" noEditPoints="1" noAdjustHandles="1" noChangeArrowheads="1" noChangeShapeType="1" noTextEdit="1"/>
+          </p:cNvSpPr>
+          <p:nvPr>
+            <p:extLst>
+              <p:ext uri="{386F3935-93C4-4BCD-93E2-E3B085C9AB24}">
+                <p16:designElem xmlns:p16="http://schemas.microsoft.com/office/powerpoint/2015/main" val="1"/>
+              </p:ext>
+            </p:extLst>
+          </p:nvPr>
+        </p:nvSpPr>
+        <p:spPr>
+          <a:xfrm rot="5400000">
+            <a:off x="9346882" y="2348839"/>
+            <a:ext cx="54864" cy="3946779"/>
+          </a:xfrm>
+          <a:prstGeom prst="rect">
+            <a:avLst/>
+          </a:prstGeom>
+          <a:solidFill>
+            <a:schemeClr val="accent2"/>
+          </a:solidFill>
+          <a:ln>
+            <a:noFill/>
+          </a:ln>
+        </p:spPr>
+        <p:style>
+          <a:lnRef idx="2">
+            <a:schemeClr val="accent1">
+              <a:shade val="50000"/>
+            </a:schemeClr>
+          </a:lnRef>
+          <a:fillRef idx="1">
+            <a:schemeClr val="accent1"/>
+          </a:fillRef>
+          <a:effectRef idx="0">
+            <a:schemeClr val="accent1"/>
+          </a:effectRef>
+          <a:fontRef idx="minor">
+            <a:schemeClr val="lt1"/>
+          </a:fontRef>
+        </p:style>
+        <p:txBody>
+          <a:bodyPr rtlCol="0" anchor="ctr"/>
+          <a:lstStyle/>
+          <a:p>
+            <a:pPr marL="0" marR="0" lvl="0" indent="0" algn="ctr" defTabSz="914400" rtl="0" eaLnBrk="1" fontAlgn="auto" latinLnBrk="0" hangingPunct="1">
+              <a:lnSpc>
+                <a:spcPct val="100000"/>
+              </a:lnSpc>
+              <a:spcBef>
+                <a:spcPts val="0"/>
+              </a:spcBef>
+              <a:spcAft>
+                <a:spcPts val="0"/>
+              </a:spcAft>
+              <a:buClrTx/>
+              <a:buSzTx/>
+              <a:buFontTx/>
+              <a:buNone/>
+              <a:tabLst/>
+              <a:defRPr/>
+            </a:pPr>
+            <a:endParaRPr kumimoji="0" lang="en-US" sz="1800" b="0" i="0" u="none" strike="noStrike" kern="1200" cap="none" spc="0" normalizeH="0" baseline="0" noProof="0">
+              <a:ln>
+                <a:noFill/>
+              </a:ln>
+              <a:solidFill>
+                <a:prstClr val="white"/>
+              </a:solidFill>
+              <a:effectLst/>
+              <a:uLnTx/>
+              <a:uFillTx/>
+              <a:latin typeface="Calibri" panose="020F0502020204030204"/>
+              <a:ea typeface="+mn-ea"/>
+              <a:cs typeface="+mn-cs"/>
+            </a:endParaRPr>
+          </a:p>
+        </p:txBody>
+      </p:sp>
+    </p:spTree>
+    <p:extLst>
+      <p:ext uri="{BB962C8B-B14F-4D97-AF65-F5344CB8AC3E}">
+        <p14:creationId xmlns:p14="http://schemas.microsoft.com/office/powerpoint/2010/main" val="4247780741"/>
+      </p:ext>
+    </p:extLst>
+  </p:cSld>
+  <p:clrMapOvr>
+    <a:masterClrMapping/>
+  </p:clrMapOvr>
+</p:sld>
+</file>
+
+<file path=ppt/slides/slide18.xml><?xml version="1.0" encoding="utf-8"?>
+<p:sld xmlns:a="http://schemas.openxmlformats.org/drawingml/2006/main" xmlns:r="http://schemas.openxmlformats.org/officeDocument/2006/relationships" xmlns:p="http://schemas.openxmlformats.org/presentationml/2006/main">
+  <p:cSld>
+    <p:bg>
+      <p:bgPr>
+        <a:solidFill>
+          <a:schemeClr val="bg1"/>
+        </a:solidFill>
+        <a:effectLst/>
+      </p:bgPr>
+    </p:bg>
+    <p:spTree>
+      <p:nvGrpSpPr>
+        <p:cNvPr id="1" name=""/>
+        <p:cNvGrpSpPr/>
+        <p:nvPr/>
+      </p:nvGrpSpPr>
+      <p:grpSpPr>
+        <a:xfrm>
+          <a:off x="0" y="0"/>
+          <a:ext cx="0" cy="0"/>
+          <a:chOff x="0" y="0"/>
+          <a:chExt cx="0" cy="0"/>
+        </a:xfrm>
+      </p:grpSpPr>
+      <p:sp useBgFill="1">
+        <p:nvSpPr>
+          <p:cNvPr id="7" name="Rectangle 6">
+            <a:extLst>
+              <a:ext uri="{FF2B5EF4-FFF2-40B4-BE49-F238E27FC236}">
+                <a16:creationId xmlns:a16="http://schemas.microsoft.com/office/drawing/2014/main" id="{F1C4E306-BC28-4A7B-871B-1926F6FA6EF3}"/>
+              </a:ext>
+              <a:ext uri="{C183D7F6-B498-43B3-948B-1728B52AA6E4}">
+                <adec:decorative xmlns:adec="http://schemas.microsoft.com/office/drawing/2017/decorative" val="1"/>
+              </a:ext>
+            </a:extLst>
+          </p:cNvPr>
+          <p:cNvSpPr>
+            <a:spLocks noGrp="1" noRot="1" noChangeAspect="1" noMove="1" noResize="1" noEditPoints="1" noAdjustHandles="1" noChangeArrowheads="1" noChangeShapeType="1" noTextEdit="1"/>
+          </p:cNvSpPr>
+          <p:nvPr>
+            <p:extLst>
+              <p:ext uri="{386F3935-93C4-4BCD-93E2-E3B085C9AB24}">
+                <p16:designElem xmlns:p16="http://schemas.microsoft.com/office/powerpoint/2015/main" val="1"/>
+              </p:ext>
+            </p:extLst>
+          </p:nvPr>
+        </p:nvSpPr>
+        <p:spPr>
+          <a:xfrm>
+            <a:off x="0" y="0"/>
+            <a:ext cx="12192000" cy="6858000"/>
+          </a:xfrm>
+          <a:prstGeom prst="rect">
+            <a:avLst/>
+          </a:prstGeom>
+          <a:ln>
+            <a:noFill/>
+          </a:ln>
+        </p:spPr>
+        <p:style>
+          <a:lnRef idx="2">
+            <a:schemeClr val="accent1">
+              <a:shade val="50000"/>
+            </a:schemeClr>
+          </a:lnRef>
+          <a:fillRef idx="1">
+            <a:schemeClr val="accent1"/>
+          </a:fillRef>
+          <a:effectRef idx="0">
+            <a:schemeClr val="accent1"/>
+          </a:effectRef>
+          <a:fontRef idx="minor">
+            <a:schemeClr val="lt1"/>
+          </a:fontRef>
+        </p:style>
+        <p:txBody>
+          <a:bodyPr rtlCol="0" anchor="ctr"/>
+          <a:lstStyle/>
+          <a:p>
+            <a:pPr algn="ctr"/>
+            <a:endParaRPr lang="en-US"/>
+          </a:p>
+        </p:txBody>
+      </p:sp>
+      <p:sp useBgFill="1">
+        <p:nvSpPr>
+          <p:cNvPr id="9" name="Freeform: Shape 8">
+            <a:extLst>
+              <a:ext uri="{FF2B5EF4-FFF2-40B4-BE49-F238E27FC236}">
+                <a16:creationId xmlns:a16="http://schemas.microsoft.com/office/drawing/2014/main" id="{C3ECC9B4-989C-4F71-A6BC-DEBC1D9FD0BD}"/>
+              </a:ext>
+              <a:ext uri="{C183D7F6-B498-43B3-948B-1728B52AA6E4}">
+                <adec:decorative xmlns:adec="http://schemas.microsoft.com/office/drawing/2017/decorative" val="1"/>
+              </a:ext>
+            </a:extLst>
+          </p:cNvPr>
+          <p:cNvSpPr>
+            <a:spLocks noGrp="1" noRot="1" noChangeAspect="1" noMove="1" noResize="1" noEditPoints="1" noAdjustHandles="1" noChangeArrowheads="1" noChangeShapeType="1" noTextEdit="1"/>
+          </p:cNvSpPr>
+          <p:nvPr>
+            <p:extLst>
+              <p:ext uri="{386F3935-93C4-4BCD-93E2-E3B085C9AB24}">
+                <p16:designElem xmlns:p16="http://schemas.microsoft.com/office/powerpoint/2015/main" val="1"/>
+              </p:ext>
+            </p:extLst>
+          </p:nvPr>
+        </p:nvSpPr>
+        <p:spPr>
+          <a:xfrm>
+            <a:off x="0" y="0"/>
+            <a:ext cx="8452322" cy="6858000"/>
+          </a:xfrm>
+          <a:custGeom>
+            <a:avLst/>
+            <a:gdLst>
+              <a:gd name="connsiteX0" fmla="*/ 0 w 8452322"/>
+              <a:gd name="connsiteY0" fmla="*/ 0 h 6858000"/>
+              <a:gd name="connsiteX1" fmla="*/ 7447992 w 8452322"/>
+              <a:gd name="connsiteY1" fmla="*/ 0 h 6858000"/>
+              <a:gd name="connsiteX2" fmla="*/ 7501089 w 8452322"/>
+              <a:gd name="connsiteY2" fmla="*/ 79009 h 6858000"/>
+              <a:gd name="connsiteX3" fmla="*/ 8452322 w 8452322"/>
+              <a:gd name="connsiteY3" fmla="*/ 3429001 h 6858000"/>
+              <a:gd name="connsiteX4" fmla="*/ 7501089 w 8452322"/>
+              <a:gd name="connsiteY4" fmla="*/ 6778993 h 6858000"/>
+              <a:gd name="connsiteX5" fmla="*/ 7447994 w 8452322"/>
+              <a:gd name="connsiteY5" fmla="*/ 6858000 h 6858000"/>
+              <a:gd name="connsiteX6" fmla="*/ 0 w 8452322"/>
+              <a:gd name="connsiteY6" fmla="*/ 6858000 h 6858000"/>
+            </a:gdLst>
+            <a:ahLst/>
+            <a:cxnLst>
+              <a:cxn ang="0">
+                <a:pos x="connsiteX0" y="connsiteY0"/>
+              </a:cxn>
+              <a:cxn ang="0">
+                <a:pos x="connsiteX1" y="connsiteY1"/>
+              </a:cxn>
+              <a:cxn ang="0">
+                <a:pos x="connsiteX2" y="connsiteY2"/>
+              </a:cxn>
+              <a:cxn ang="0">
+                <a:pos x="connsiteX3" y="connsiteY3"/>
+              </a:cxn>
+              <a:cxn ang="0">
+                <a:pos x="connsiteX4" y="connsiteY4"/>
+              </a:cxn>
+              <a:cxn ang="0">
+                <a:pos x="connsiteX5" y="connsiteY5"/>
+              </a:cxn>
+              <a:cxn ang="0">
+                <a:pos x="connsiteX6" y="connsiteY6"/>
+              </a:cxn>
+            </a:cxnLst>
+            <a:rect l="l" t="t" r="r" b="b"/>
+            <a:pathLst>
+              <a:path w="8452322" h="6858000">
+                <a:moveTo>
+                  <a:pt x="0" y="0"/>
+                </a:moveTo>
+                <a:lnTo>
+                  <a:pt x="7447992" y="0"/>
+                </a:lnTo>
+                <a:lnTo>
+                  <a:pt x="7501089" y="79009"/>
+                </a:lnTo>
+                <a:cubicBezTo>
+                  <a:pt x="8098524" y="1013167"/>
+                  <a:pt x="8452322" y="2172770"/>
+                  <a:pt x="8452322" y="3429001"/>
+                </a:cubicBezTo>
+                <a:cubicBezTo>
+                  <a:pt x="8452322" y="4685233"/>
+                  <a:pt x="8098524" y="5844836"/>
+                  <a:pt x="7501089" y="6778993"/>
+                </a:cubicBezTo>
+                <a:lnTo>
+                  <a:pt x="7447994" y="6858000"/>
+                </a:lnTo>
+                <a:lnTo>
+                  <a:pt x="0" y="6858000"/>
+                </a:lnTo>
+                <a:close/>
+              </a:path>
+            </a:pathLst>
+          </a:custGeom>
+          <a:ln w="9525">
+            <a:solidFill>
+              <a:srgbClr val="EFEFEF"/>
+            </a:solidFill>
+          </a:ln>
+          <a:effectLst>
+            <a:outerShdw blurRad="50800" dist="38100" algn="l" rotWithShape="0">
+              <a:schemeClr val="bg1">
+                <a:lumMod val="85000"/>
+                <a:alpha val="50000"/>
+              </a:schemeClr>
+            </a:outerShdw>
+          </a:effectLst>
+        </p:spPr>
+        <p:style>
+          <a:lnRef idx="2">
+            <a:schemeClr val="accent1">
+              <a:shade val="50000"/>
+            </a:schemeClr>
+          </a:lnRef>
+          <a:fillRef idx="1">
+            <a:schemeClr val="accent1"/>
+          </a:fillRef>
+          <a:effectRef idx="0">
+            <a:schemeClr val="accent1"/>
+          </a:effectRef>
+          <a:fontRef idx="minor">
+            <a:schemeClr val="lt1"/>
+          </a:fontRef>
+        </p:style>
+        <p:txBody>
+          <a:bodyPr wrap="square" rtlCol="0" anchor="ctr">
+            <a:noAutofit/>
+          </a:bodyPr>
+          <a:lstStyle/>
+          <a:p>
+            <a:pPr marL="0" marR="0" lvl="0" indent="0" algn="ctr" defTabSz="914400" rtl="0" eaLnBrk="1" fontAlgn="auto" latinLnBrk="0" hangingPunct="1">
+              <a:lnSpc>
+                <a:spcPct val="100000"/>
+              </a:lnSpc>
+              <a:spcBef>
+                <a:spcPts val="0"/>
+              </a:spcBef>
+              <a:spcAft>
+                <a:spcPts val="0"/>
+              </a:spcAft>
+              <a:buClrTx/>
+              <a:buSzTx/>
+              <a:buFontTx/>
+              <a:buNone/>
+              <a:tabLst/>
+              <a:defRPr/>
+            </a:pPr>
+            <a:endParaRPr kumimoji="0" lang="en-US" sz="1800" b="0" i="0" u="none" strike="noStrike" kern="1200" cap="none" spc="0" normalizeH="0" baseline="0" noProof="0">
+              <a:ln>
+                <a:noFill/>
+              </a:ln>
+              <a:solidFill>
+                <a:prstClr val="white"/>
+              </a:solidFill>
+              <a:effectLst/>
+              <a:uLnTx/>
+              <a:uFillTx/>
+              <a:latin typeface="Calibri" panose="020F0502020204030204"/>
+              <a:ea typeface="+mn-ea"/>
+              <a:cs typeface="+mn-cs"/>
+            </a:endParaRPr>
+          </a:p>
+        </p:txBody>
+      </p:sp>
+      <p:sp useBgFill="1">
+        <p:nvSpPr>
+          <p:cNvPr id="11" name="Freeform: Shape 10">
+            <a:extLst>
+              <a:ext uri="{FF2B5EF4-FFF2-40B4-BE49-F238E27FC236}">
+                <a16:creationId xmlns:a16="http://schemas.microsoft.com/office/drawing/2014/main" id="{E20AF01B-D099-4710-BF18-E2832A9B61CF}"/>
+              </a:ext>
+              <a:ext uri="{C183D7F6-B498-43B3-948B-1728B52AA6E4}">
+                <adec:decorative xmlns:adec="http://schemas.microsoft.com/office/drawing/2017/decorative" val="1"/>
+              </a:ext>
+            </a:extLst>
+          </p:cNvPr>
+          <p:cNvSpPr>
+            <a:spLocks noGrp="1" noRot="1" noChangeAspect="1" noMove="1" noResize="1" noEditPoints="1" noAdjustHandles="1" noChangeArrowheads="1" noChangeShapeType="1" noTextEdit="1"/>
+          </p:cNvSpPr>
+          <p:nvPr>
+            <p:extLst>
+              <p:ext uri="{386F3935-93C4-4BCD-93E2-E3B085C9AB24}">
+                <p16:designElem xmlns:p16="http://schemas.microsoft.com/office/powerpoint/2015/main" val="1"/>
+              </p:ext>
+            </p:extLst>
+          </p:nvPr>
+        </p:nvSpPr>
+        <p:spPr>
+          <a:xfrm>
+            <a:off x="0" y="0"/>
+            <a:ext cx="8443572" cy="6858000"/>
+          </a:xfrm>
+          <a:custGeom>
+            <a:avLst/>
+            <a:gdLst>
+              <a:gd name="connsiteX0" fmla="*/ 0 w 8443572"/>
+              <a:gd name="connsiteY0" fmla="*/ 0 h 6858000"/>
+              <a:gd name="connsiteX1" fmla="*/ 7439242 w 8443572"/>
+              <a:gd name="connsiteY1" fmla="*/ 0 h 6858000"/>
+              <a:gd name="connsiteX2" fmla="*/ 7492339 w 8443572"/>
+              <a:gd name="connsiteY2" fmla="*/ 79009 h 6858000"/>
+              <a:gd name="connsiteX3" fmla="*/ 8443572 w 8443572"/>
+              <a:gd name="connsiteY3" fmla="*/ 3429001 h 6858000"/>
+              <a:gd name="connsiteX4" fmla="*/ 7492339 w 8443572"/>
+              <a:gd name="connsiteY4" fmla="*/ 6778993 h 6858000"/>
+              <a:gd name="connsiteX5" fmla="*/ 7439244 w 8443572"/>
+              <a:gd name="connsiteY5" fmla="*/ 6858000 h 6858000"/>
+              <a:gd name="connsiteX6" fmla="*/ 0 w 8443572"/>
+              <a:gd name="connsiteY6" fmla="*/ 6858000 h 6858000"/>
+            </a:gdLst>
+            <a:ahLst/>
+            <a:cxnLst>
+              <a:cxn ang="0">
+                <a:pos x="connsiteX0" y="connsiteY0"/>
+              </a:cxn>
+              <a:cxn ang="0">
+                <a:pos x="connsiteX1" y="connsiteY1"/>
+              </a:cxn>
+              <a:cxn ang="0">
+                <a:pos x="connsiteX2" y="connsiteY2"/>
+              </a:cxn>
+              <a:cxn ang="0">
+                <a:pos x="connsiteX3" y="connsiteY3"/>
+              </a:cxn>
+              <a:cxn ang="0">
+                <a:pos x="connsiteX4" y="connsiteY4"/>
+              </a:cxn>
+              <a:cxn ang="0">
+                <a:pos x="connsiteX5" y="connsiteY5"/>
+              </a:cxn>
+              <a:cxn ang="0">
+                <a:pos x="connsiteX6" y="connsiteY6"/>
+              </a:cxn>
+            </a:cxnLst>
+            <a:rect l="l" t="t" r="r" b="b"/>
+            <a:pathLst>
+              <a:path w="8443572" h="6858000">
+                <a:moveTo>
+                  <a:pt x="0" y="0"/>
+                </a:moveTo>
+                <a:lnTo>
+                  <a:pt x="7439242" y="0"/>
+                </a:lnTo>
+                <a:lnTo>
+                  <a:pt x="7492339" y="79009"/>
+                </a:lnTo>
+                <a:cubicBezTo>
+                  <a:pt x="8089774" y="1013167"/>
+                  <a:pt x="8443572" y="2172770"/>
+                  <a:pt x="8443572" y="3429001"/>
+                </a:cubicBezTo>
+                <a:cubicBezTo>
+                  <a:pt x="8443572" y="4685233"/>
+                  <a:pt x="8089774" y="5844836"/>
+                  <a:pt x="7492339" y="6778993"/>
+                </a:cubicBezTo>
+                <a:lnTo>
+                  <a:pt x="7439244" y="6858000"/>
+                </a:lnTo>
+                <a:lnTo>
+                  <a:pt x="0" y="6858000"/>
+                </a:lnTo>
+                <a:close/>
+              </a:path>
+            </a:pathLst>
+          </a:custGeom>
+          <a:ln w="9525">
+            <a:noFill/>
+          </a:ln>
+          <a:effectLst/>
+        </p:spPr>
+        <p:style>
+          <a:lnRef idx="2">
+            <a:schemeClr val="accent1">
+              <a:shade val="50000"/>
+            </a:schemeClr>
+          </a:lnRef>
+          <a:fillRef idx="1">
+            <a:schemeClr val="accent1"/>
+          </a:fillRef>
+          <a:effectRef idx="0">
+            <a:schemeClr val="accent1"/>
+          </a:effectRef>
+          <a:fontRef idx="minor">
+            <a:schemeClr val="lt1"/>
+          </a:fontRef>
+        </p:style>
+        <p:txBody>
+          <a:bodyPr wrap="square" rtlCol="0" anchor="ctr">
+            <a:noAutofit/>
+          </a:bodyPr>
+          <a:lstStyle/>
+          <a:p>
+            <a:pPr marL="0" marR="0" lvl="0" indent="0" algn="ctr" defTabSz="914400" rtl="0" eaLnBrk="1" fontAlgn="auto" latinLnBrk="0" hangingPunct="1">
+              <a:lnSpc>
+                <a:spcPct val="100000"/>
+              </a:lnSpc>
+              <a:spcBef>
+                <a:spcPts val="0"/>
+              </a:spcBef>
+              <a:spcAft>
+                <a:spcPts val="0"/>
+              </a:spcAft>
+              <a:buClrTx/>
+              <a:buSzTx/>
+              <a:buFontTx/>
+              <a:buNone/>
+              <a:tabLst/>
+              <a:defRPr/>
+            </a:pPr>
+            <a:endParaRPr kumimoji="0" lang="en-US" sz="1800" b="0" i="0" u="none" strike="noStrike" kern="1200" cap="none" spc="0" normalizeH="0" baseline="0" noProof="0">
+              <a:ln>
+                <a:noFill/>
+              </a:ln>
+              <a:solidFill>
+                <a:prstClr val="white"/>
+              </a:solidFill>
+              <a:effectLst/>
+              <a:uLnTx/>
+              <a:uFillTx/>
+              <a:latin typeface="Calibri" panose="020F0502020204030204"/>
+              <a:ea typeface="+mn-ea"/>
+              <a:cs typeface="+mn-cs"/>
+            </a:endParaRPr>
+          </a:p>
+        </p:txBody>
+      </p:sp>
+      <p:sp>
+        <p:nvSpPr>
+          <p:cNvPr id="2" name="제목 1">
+            <a:extLst>
+              <a:ext uri="{FF2B5EF4-FFF2-40B4-BE49-F238E27FC236}">
+                <a16:creationId xmlns:a16="http://schemas.microsoft.com/office/drawing/2014/main" id="{DC08F057-14AE-4487-BB0A-95A386BA5528}"/>
+              </a:ext>
+            </a:extLst>
+          </p:cNvPr>
+          <p:cNvSpPr>
+            <a:spLocks noGrp="1"/>
+          </p:cNvSpPr>
+          <p:nvPr>
+            <p:ph type="title"/>
+          </p:nvPr>
+        </p:nvSpPr>
+        <p:spPr>
+          <a:xfrm>
+            <a:off x="616893" y="1238250"/>
+            <a:ext cx="7835429" cy="4381500"/>
+          </a:xfrm>
+        </p:spPr>
+        <p:txBody>
+          <a:bodyPr vert="horz" lIns="91440" tIns="45720" rIns="91440" bIns="45720" rtlCol="0" anchor="ctr">
+            <a:normAutofit/>
+          </a:bodyPr>
+          <a:lstStyle/>
+          <a:p>
+            <a:pPr latinLnBrk="0"/>
+            <a:r>
+              <a:rPr lang="ko-KR" altLang="en-US" sz="7200" kern="1200" dirty="0">
+                <a:solidFill>
+                  <a:schemeClr val="tx1"/>
+                </a:solidFill>
+                <a:latin typeface="+mj-lt"/>
+                <a:ea typeface="+mj-ea"/>
+                <a:cs typeface="+mj-cs"/>
+              </a:rPr>
+              <a:t>실습 </a:t>
+            </a:r>
+            <a:r>
+              <a:rPr lang="en-US" altLang="ko-KR" sz="7200" kern="1200" dirty="0">
+                <a:solidFill>
+                  <a:schemeClr val="tx1"/>
+                </a:solidFill>
+                <a:latin typeface="+mj-lt"/>
+                <a:ea typeface="+mj-ea"/>
+                <a:cs typeface="+mj-cs"/>
+              </a:rPr>
+              <a:t>– </a:t>
+            </a:r>
+            <a:r>
+              <a:rPr lang="ko-KR" altLang="en-US" sz="7200" kern="1200" dirty="0">
+                <a:solidFill>
+                  <a:schemeClr val="tx1"/>
+                </a:solidFill>
+                <a:latin typeface="+mj-lt"/>
+                <a:ea typeface="+mj-ea"/>
+                <a:cs typeface="+mj-cs"/>
+              </a:rPr>
+              <a:t>벽돌 깨기 바 만들기</a:t>
+            </a:r>
+          </a:p>
+        </p:txBody>
+      </p:sp>
+      <p:sp>
+        <p:nvSpPr>
+          <p:cNvPr id="13" name="Rectangle 12">
+            <a:extLst>
+              <a:ext uri="{FF2B5EF4-FFF2-40B4-BE49-F238E27FC236}">
+                <a16:creationId xmlns:a16="http://schemas.microsoft.com/office/drawing/2014/main" id="{B0E4BB4F-99AB-4C4E-A763-C5AC5273DF5D}"/>
+              </a:ext>
+              <a:ext uri="{C183D7F6-B498-43B3-948B-1728B52AA6E4}">
+                <adec:decorative xmlns:adec="http://schemas.microsoft.com/office/drawing/2017/decorative" val="1"/>
+              </a:ext>
+            </a:extLst>
+          </p:cNvPr>
+          <p:cNvSpPr>
+            <a:spLocks noGrp="1" noRot="1" noChangeAspect="1" noMove="1" noResize="1" noEditPoints="1" noAdjustHandles="1" noChangeArrowheads="1" noChangeShapeType="1" noTextEdit="1"/>
+          </p:cNvSpPr>
+          <p:nvPr>
+            <p:extLst>
+              <p:ext uri="{386F3935-93C4-4BCD-93E2-E3B085C9AB24}">
+                <p16:designElem xmlns:p16="http://schemas.microsoft.com/office/powerpoint/2015/main" val="1"/>
+              </p:ext>
+            </p:extLst>
+          </p:nvPr>
+        </p:nvSpPr>
+        <p:spPr>
+          <a:xfrm>
+            <a:off x="0" y="2827916"/>
+            <a:ext cx="128016" cy="1188720"/>
+          </a:xfrm>
+          <a:prstGeom prst="rect">
+            <a:avLst/>
+          </a:prstGeom>
+          <a:solidFill>
+            <a:schemeClr val="accent2"/>
+          </a:solidFill>
+          <a:ln>
+            <a:noFill/>
+          </a:ln>
+        </p:spPr>
+        <p:style>
+          <a:lnRef idx="2">
+            <a:schemeClr val="accent1">
+              <a:shade val="50000"/>
+            </a:schemeClr>
+          </a:lnRef>
+          <a:fillRef idx="1">
+            <a:schemeClr val="accent1"/>
+          </a:fillRef>
+          <a:effectRef idx="0">
+            <a:schemeClr val="accent1"/>
+          </a:effectRef>
+          <a:fontRef idx="minor">
+            <a:schemeClr val="lt1"/>
+          </a:fontRef>
+        </p:style>
+        <p:txBody>
+          <a:bodyPr rtlCol="0" anchor="ctr"/>
+          <a:lstStyle/>
+          <a:p>
+            <a:pPr marL="0" marR="0" lvl="0" indent="0" algn="ctr" defTabSz="914400" rtl="0" eaLnBrk="1" fontAlgn="auto" latinLnBrk="0" hangingPunct="1">
+              <a:lnSpc>
+                <a:spcPct val="100000"/>
+              </a:lnSpc>
+              <a:spcBef>
+                <a:spcPts val="0"/>
+              </a:spcBef>
+              <a:spcAft>
+                <a:spcPts val="0"/>
+              </a:spcAft>
+              <a:buClrTx/>
+              <a:buSzTx/>
+              <a:buFontTx/>
+              <a:buNone/>
+              <a:tabLst/>
+              <a:defRPr/>
+            </a:pPr>
+            <a:endParaRPr kumimoji="0" lang="en-US" sz="1800" b="0" i="0" u="none" strike="noStrike" kern="1200" cap="none" spc="0" normalizeH="0" baseline="0" noProof="0">
+              <a:ln>
+                <a:noFill/>
+              </a:ln>
+              <a:solidFill>
+                <a:prstClr val="white"/>
+              </a:solidFill>
+              <a:effectLst/>
+              <a:uLnTx/>
+              <a:uFillTx/>
+              <a:latin typeface="Calibri" panose="020F0502020204030204"/>
+              <a:ea typeface="+mn-ea"/>
+              <a:cs typeface="+mn-cs"/>
+            </a:endParaRPr>
+          </a:p>
+        </p:txBody>
+      </p:sp>
+    </p:spTree>
+    <p:extLst>
+      <p:ext uri="{BB962C8B-B14F-4D97-AF65-F5344CB8AC3E}">
+        <p14:creationId xmlns:p14="http://schemas.microsoft.com/office/powerpoint/2010/main" val="3280881064"/>
+      </p:ext>
+    </p:extLst>
+  </p:cSld>
+  <p:clrMapOvr>
+    <a:masterClrMapping/>
+  </p:clrMapOvr>
+</p:sld>
+</file>
+
+<file path=ppt/slides/slide2.xml><?xml version="1.0" encoding="utf-8"?>
+<p:sld xmlns:a="http://schemas.openxmlformats.org/drawingml/2006/main" xmlns:r="http://schemas.openxmlformats.org/officeDocument/2006/relationships" xmlns:p="http://schemas.openxmlformats.org/presentationml/2006/main">
+  <p:cSld>
+    <p:bg>
+      <p:bgPr>
+        <a:solidFill>
+          <a:schemeClr val="bg1"/>
+        </a:solidFill>
+        <a:effectLst/>
+      </p:bgPr>
+    </p:bg>
+    <p:spTree>
+      <p:nvGrpSpPr>
+        <p:cNvPr id="1" name=""/>
+        <p:cNvGrpSpPr/>
+        <p:nvPr/>
+      </p:nvGrpSpPr>
+      <p:grpSpPr>
+        <a:xfrm>
+          <a:off x="0" y="0"/>
+          <a:ext cx="0" cy="0"/>
+          <a:chOff x="0" y="0"/>
+          <a:chExt cx="0" cy="0"/>
+        </a:xfrm>
+      </p:grpSpPr>
+      <p:sp>
+        <p:nvSpPr>
+          <p:cNvPr id="19" name="Rectangle 18">
+            <a:extLst>
+              <a:ext uri="{FF2B5EF4-FFF2-40B4-BE49-F238E27FC236}">
+                <a16:creationId xmlns:a16="http://schemas.microsoft.com/office/drawing/2014/main" id="{AFA67CD3-AB4E-4A7A-BEB8-53C445D8C44E}"/>
+              </a:ext>
+              <a:ext uri="{C183D7F6-B498-43B3-948B-1728B52AA6E4}">
+                <adec:decorative xmlns:adec="http://schemas.microsoft.com/office/drawing/2017/decorative" val="1"/>
+              </a:ext>
+            </a:extLst>
+          </p:cNvPr>
+          <p:cNvSpPr>
+            <a:spLocks noGrp="1" noRot="1" noChangeAspect="1" noMove="1" noResize="1" noEditPoints="1" noAdjustHandles="1" noChangeArrowheads="1" noChangeShapeType="1" noTextEdit="1"/>
+          </p:cNvSpPr>
+          <p:nvPr>
+            <p:extLst>
+              <p:ext uri="{386F3935-93C4-4BCD-93E2-E3B085C9AB24}">
+                <p16:designElem xmlns:p16="http://schemas.microsoft.com/office/powerpoint/2015/main" val="1"/>
+              </p:ext>
+            </p:extLst>
+          </p:nvPr>
+        </p:nvSpPr>
+        <p:spPr>
+          <a:xfrm>
+            <a:off x="6577125" y="3726"/>
+            <a:ext cx="5614875" cy="6858000"/>
+          </a:xfrm>
+          <a:prstGeom prst="rect">
+            <a:avLst/>
+          </a:prstGeom>
+          <a:gradFill>
+            <a:gsLst>
+              <a:gs pos="0">
+                <a:schemeClr val="accent1">
+                  <a:lumMod val="100000"/>
+                  <a:alpha val="82000"/>
+                </a:schemeClr>
+              </a:gs>
+              <a:gs pos="25000">
+                <a:schemeClr val="accent1">
+                  <a:alpha val="60000"/>
+                </a:schemeClr>
+              </a:gs>
+              <a:gs pos="94000">
+                <a:schemeClr val="bg2">
+                  <a:lumMod val="75000"/>
+                </a:schemeClr>
+              </a:gs>
+              <a:gs pos="100000">
+                <a:schemeClr val="bg2">
+                  <a:lumMod val="75000"/>
+                </a:schemeClr>
+              </a:gs>
+            </a:gsLst>
+            <a:lin ang="4200000" scaled="0"/>
+          </a:gradFill>
+          <a:ln>
+            <a:noFill/>
+          </a:ln>
+        </p:spPr>
+        <p:style>
+          <a:lnRef idx="2">
+            <a:schemeClr val="accent1">
+              <a:shade val="50000"/>
+            </a:schemeClr>
+          </a:lnRef>
+          <a:fillRef idx="1">
+            <a:schemeClr val="accent1"/>
+          </a:fillRef>
+          <a:effectRef idx="0">
+            <a:schemeClr val="accent1"/>
+          </a:effectRef>
+          <a:fontRef idx="minor">
+            <a:schemeClr val="lt1"/>
+          </a:fontRef>
+        </p:style>
+        <p:txBody>
+          <a:bodyPr rtlCol="0" anchor="ctr"/>
+          <a:lstStyle/>
+          <a:p>
+            <a:pPr algn="ctr"/>
+            <a:endParaRPr lang="en-US"/>
+          </a:p>
+        </p:txBody>
+      </p:sp>
+      <p:pic>
+        <p:nvPicPr>
+          <p:cNvPr id="21" name="Picture 20">
+            <a:extLst>
+              <a:ext uri="{FF2B5EF4-FFF2-40B4-BE49-F238E27FC236}">
+                <a16:creationId xmlns:a16="http://schemas.microsoft.com/office/drawing/2014/main" id="{07CF545F-9C2E-4446-97CD-AD92990C2B68}"/>
+              </a:ext>
+              <a:ext uri="{C183D7F6-B498-43B3-948B-1728B52AA6E4}">
+                <adec:decorative xmlns:adec="http://schemas.microsoft.com/office/drawing/2017/decorative" val="1"/>
+              </a:ext>
+            </a:extLst>
+          </p:cNvPr>
+          <p:cNvPicPr>
+            <a:picLocks noGrp="1" noRot="1" noChangeAspect="1" noMove="1" noResize="1" noEditPoints="1" noAdjustHandles="1" noChangeArrowheads="1" noChangeShapeType="1" noCrop="1"/>
+          </p:cNvPicPr>
+          <p:nvPr>
+            <p:extLst>
+              <p:ext uri="{386F3935-93C4-4BCD-93E2-E3B085C9AB24}">
+                <p16:designElem xmlns:p16="http://schemas.microsoft.com/office/powerpoint/2015/main" val="1"/>
+              </p:ext>
+            </p:extLst>
+          </p:nvPr>
+        </p:nvPicPr>
+        <p:blipFill>
+          <a:blip r:embed="rId2">
+            <a:extLst>
+              <a:ext uri="{28A0092B-C50C-407E-A947-70E740481C1C}">
+                <a14:useLocalDpi xmlns:a14="http://schemas.microsoft.com/office/drawing/2010/main" val="0"/>
+              </a:ext>
+            </a:extLst>
+          </a:blip>
+          <a:stretch>
+            <a:fillRect/>
+          </a:stretch>
+        </p:blipFill>
+        <p:spPr>
+          <a:xfrm flipH="1">
+            <a:off x="0" y="0"/>
+            <a:ext cx="12192000" cy="6858000"/>
+          </a:xfrm>
+          <a:prstGeom prst="rect">
+            <a:avLst/>
+          </a:prstGeom>
+        </p:spPr>
+      </p:pic>
+      <p:sp>
+        <p:nvSpPr>
+          <p:cNvPr id="2" name="제목 1">
+            <a:extLst>
+              <a:ext uri="{FF2B5EF4-FFF2-40B4-BE49-F238E27FC236}">
                 <a16:creationId xmlns:a16="http://schemas.microsoft.com/office/drawing/2014/main" id="{E7E746C0-A285-4959-ACA0-5BC4363FA605}"/>
               </a:ext>
             </a:extLst>
@@ -3692,12 +8005,26 @@
             <p:ph type="title"/>
           </p:nvPr>
         </p:nvSpPr>
-        <p:spPr/>
-        <p:txBody>
-          <a:bodyPr/>
-          <a:lstStyle/>
-          <a:p>
-            <a:endParaRPr lang="ko-KR" altLang="en-US"/>
+        <p:spPr>
+          <a:xfrm>
+            <a:off x="801340" y="802955"/>
+            <a:ext cx="4977976" cy="1454051"/>
+          </a:xfrm>
+        </p:spPr>
+        <p:txBody>
+          <a:bodyPr>
+            <a:normAutofit/>
+          </a:bodyPr>
+          <a:lstStyle/>
+          <a:p>
+            <a:r>
+              <a:rPr lang="ko-KR" altLang="en-US" dirty="0">
+                <a:solidFill>
+                  <a:srgbClr val="000000"/>
+                </a:solidFill>
+              </a:rPr>
+              <a:t>목차</a:t>
+            </a:r>
           </a:p>
         </p:txBody>
       </p:sp>
@@ -3717,19 +8044,3090 @@
             <p:ph idx="1"/>
           </p:nvPr>
         </p:nvSpPr>
-        <p:spPr/>
-        <p:txBody>
-          <a:bodyPr/>
-          <a:lstStyle/>
-          <a:p>
-            <a:endParaRPr lang="ko-KR" altLang="en-US"/>
-          </a:p>
-        </p:txBody>
-      </p:sp>
+        <p:spPr>
+          <a:xfrm>
+            <a:off x="797809" y="2421682"/>
+            <a:ext cx="4977578" cy="3639289"/>
+          </a:xfrm>
+        </p:spPr>
+        <p:txBody>
+          <a:bodyPr anchor="ctr">
+            <a:normAutofit/>
+          </a:bodyPr>
+          <a:lstStyle/>
+          <a:p>
+            <a:pPr marL="514350" indent="-514350">
+              <a:buFont typeface="+mj-lt"/>
+              <a:buAutoNum type="arabicPeriod"/>
+            </a:pPr>
+            <a:r>
+              <a:rPr lang="ko-KR" altLang="en-US" sz="2000" dirty="0">
+                <a:solidFill>
+                  <a:srgbClr val="000000"/>
+                </a:solidFill>
+              </a:rPr>
+              <a:t>스크립트란</a:t>
+            </a:r>
+            <a:r>
+              <a:rPr lang="en-US" altLang="ko-KR" sz="2000" dirty="0">
+                <a:solidFill>
+                  <a:srgbClr val="000000"/>
+                </a:solidFill>
+              </a:rPr>
+              <a:t>?</a:t>
+            </a:r>
+          </a:p>
+          <a:p>
+            <a:pPr marL="514350" indent="-514350">
+              <a:buFont typeface="+mj-lt"/>
+              <a:buAutoNum type="arabicPeriod"/>
+            </a:pPr>
+            <a:r>
+              <a:rPr lang="ko-KR" altLang="en-US" sz="2000" dirty="0">
+                <a:solidFill>
+                  <a:srgbClr val="000000"/>
+                </a:solidFill>
+              </a:rPr>
+              <a:t>입력 처리</a:t>
+            </a:r>
+            <a:endParaRPr lang="en-US" altLang="ko-KR" sz="2000" dirty="0">
+              <a:solidFill>
+                <a:srgbClr val="000000"/>
+              </a:solidFill>
+            </a:endParaRPr>
+          </a:p>
+          <a:p>
+            <a:pPr marL="514350" indent="-514350">
+              <a:buFont typeface="+mj-lt"/>
+              <a:buAutoNum type="arabicPeriod"/>
+            </a:pPr>
+            <a:r>
+              <a:rPr lang="ko-KR" altLang="en-US" sz="2000" dirty="0">
+                <a:solidFill>
+                  <a:srgbClr val="000000"/>
+                </a:solidFill>
+              </a:rPr>
+              <a:t>이동시키기</a:t>
+            </a:r>
+            <a:endParaRPr lang="en-US" altLang="ko-KR" sz="2000" dirty="0">
+              <a:solidFill>
+                <a:srgbClr val="000000"/>
+              </a:solidFill>
+            </a:endParaRPr>
+          </a:p>
+          <a:p>
+            <a:pPr marL="514350" indent="-514350">
+              <a:buFont typeface="+mj-lt"/>
+              <a:buAutoNum type="arabicPeriod"/>
+            </a:pPr>
+            <a:r>
+              <a:rPr lang="ko-KR" altLang="en-US" sz="2000" dirty="0">
+                <a:solidFill>
+                  <a:srgbClr val="000000"/>
+                </a:solidFill>
+              </a:rPr>
+              <a:t>회전</a:t>
+            </a:r>
+            <a:r>
+              <a:rPr lang="en-US" altLang="ko-KR" sz="2000" dirty="0">
+                <a:solidFill>
+                  <a:srgbClr val="000000"/>
+                </a:solidFill>
+              </a:rPr>
+              <a:t>&amp;</a:t>
+            </a:r>
+            <a:r>
+              <a:rPr lang="ko-KR" altLang="en-US" sz="2000" dirty="0">
+                <a:solidFill>
+                  <a:srgbClr val="000000"/>
+                </a:solidFill>
+              </a:rPr>
+              <a:t>가속 시키기</a:t>
+            </a:r>
+            <a:endParaRPr lang="en-US" altLang="ko-KR" sz="2000" dirty="0">
+              <a:solidFill>
+                <a:srgbClr val="000000"/>
+              </a:solidFill>
+            </a:endParaRPr>
+          </a:p>
+          <a:p>
+            <a:pPr marL="514350" indent="-514350">
+              <a:buFont typeface="+mj-lt"/>
+              <a:buAutoNum type="arabicPeriod"/>
+            </a:pPr>
+            <a:r>
+              <a:rPr lang="ko-KR" altLang="en-US" sz="2000" dirty="0">
+                <a:solidFill>
+                  <a:srgbClr val="000000"/>
+                </a:solidFill>
+              </a:rPr>
+              <a:t>프레임 개념</a:t>
+            </a:r>
+            <a:endParaRPr lang="en-US" altLang="ko-KR" sz="2000" dirty="0">
+              <a:solidFill>
+                <a:srgbClr val="000000"/>
+              </a:solidFill>
+            </a:endParaRPr>
+          </a:p>
+          <a:p>
+            <a:pPr marL="514350" indent="-514350">
+              <a:buFont typeface="+mj-lt"/>
+              <a:buAutoNum type="arabicPeriod"/>
+            </a:pPr>
+            <a:r>
+              <a:rPr lang="ko-KR" altLang="en-US" sz="2000" dirty="0">
+                <a:solidFill>
+                  <a:srgbClr val="000000"/>
+                </a:solidFill>
+              </a:rPr>
+              <a:t>실습 </a:t>
+            </a:r>
+            <a:r>
+              <a:rPr lang="en-US" altLang="ko-KR" sz="2000" dirty="0">
+                <a:solidFill>
+                  <a:srgbClr val="000000"/>
+                </a:solidFill>
+              </a:rPr>
+              <a:t>– </a:t>
+            </a:r>
+            <a:r>
+              <a:rPr lang="ko-KR" altLang="en-US" sz="2000" dirty="0">
+                <a:solidFill>
+                  <a:srgbClr val="000000"/>
+                </a:solidFill>
+              </a:rPr>
+              <a:t>벽돌 깨기 게임 바 만들기</a:t>
+            </a:r>
+          </a:p>
+        </p:txBody>
+      </p:sp>
+      <p:sp>
+        <p:nvSpPr>
+          <p:cNvPr id="40" name="Freeform 62">
+            <a:extLst>
+              <a:ext uri="{FF2B5EF4-FFF2-40B4-BE49-F238E27FC236}">
+                <a16:creationId xmlns:a16="http://schemas.microsoft.com/office/drawing/2014/main" id="{339C8D78-A644-462F-B674-F440635E5353}"/>
+              </a:ext>
+              <a:ext uri="{C183D7F6-B498-43B3-948B-1728B52AA6E4}">
+                <adec:decorative xmlns:adec="http://schemas.microsoft.com/office/drawing/2017/decorative" val="1"/>
+              </a:ext>
+            </a:extLst>
+          </p:cNvPr>
+          <p:cNvSpPr>
+            <a:spLocks noGrp="1" noRot="1" noChangeAspect="1" noMove="1" noResize="1" noEditPoints="1" noAdjustHandles="1" noChangeArrowheads="1" noChangeShapeType="1" noTextEdit="1"/>
+          </p:cNvSpPr>
+          <p:nvPr>
+            <p:extLst>
+              <p:ext uri="{386F3935-93C4-4BCD-93E2-E3B085C9AB24}">
+                <p16:designElem xmlns:p16="http://schemas.microsoft.com/office/powerpoint/2015/main" val="1"/>
+              </p:ext>
+            </p:extLst>
+          </p:nvPr>
+        </p:nvSpPr>
+        <p:spPr>
+          <a:xfrm flipH="1">
+            <a:off x="7191562" y="738619"/>
+            <a:ext cx="5000438" cy="5400962"/>
+          </a:xfrm>
+          <a:custGeom>
+            <a:avLst/>
+            <a:gdLst>
+              <a:gd name="connsiteX0" fmla="*/ 2299956 w 5000438"/>
+              <a:gd name="connsiteY0" fmla="*/ 0 h 5400962"/>
+              <a:gd name="connsiteX1" fmla="*/ 5000438 w 5000438"/>
+              <a:gd name="connsiteY1" fmla="*/ 2700481 h 5400962"/>
+              <a:gd name="connsiteX2" fmla="*/ 2299956 w 5000438"/>
+              <a:gd name="connsiteY2" fmla="*/ 5400962 h 5400962"/>
+              <a:gd name="connsiteX3" fmla="*/ 60675 w 5000438"/>
+              <a:gd name="connsiteY3" fmla="*/ 4210346 h 5400962"/>
+              <a:gd name="connsiteX4" fmla="*/ 0 w 5000438"/>
+              <a:gd name="connsiteY4" fmla="*/ 4110472 h 5400962"/>
+              <a:gd name="connsiteX5" fmla="*/ 0 w 5000438"/>
+              <a:gd name="connsiteY5" fmla="*/ 1290491 h 5400962"/>
+              <a:gd name="connsiteX6" fmla="*/ 60675 w 5000438"/>
+              <a:gd name="connsiteY6" fmla="*/ 1190617 h 5400962"/>
+              <a:gd name="connsiteX7" fmla="*/ 2299956 w 5000438"/>
+              <a:gd name="connsiteY7" fmla="*/ 0 h 5400962"/>
+            </a:gdLst>
+            <a:ahLst/>
+            <a:cxnLst>
+              <a:cxn ang="0">
+                <a:pos x="connsiteX0" y="connsiteY0"/>
+              </a:cxn>
+              <a:cxn ang="0">
+                <a:pos x="connsiteX1" y="connsiteY1"/>
+              </a:cxn>
+              <a:cxn ang="0">
+                <a:pos x="connsiteX2" y="connsiteY2"/>
+              </a:cxn>
+              <a:cxn ang="0">
+                <a:pos x="connsiteX3" y="connsiteY3"/>
+              </a:cxn>
+              <a:cxn ang="0">
+                <a:pos x="connsiteX4" y="connsiteY4"/>
+              </a:cxn>
+              <a:cxn ang="0">
+                <a:pos x="connsiteX5" y="connsiteY5"/>
+              </a:cxn>
+              <a:cxn ang="0">
+                <a:pos x="connsiteX6" y="connsiteY6"/>
+              </a:cxn>
+              <a:cxn ang="0">
+                <a:pos x="connsiteX7" y="connsiteY7"/>
+              </a:cxn>
+            </a:cxnLst>
+            <a:rect l="l" t="t" r="r" b="b"/>
+            <a:pathLst>
+              <a:path w="5000438" h="5400962">
+                <a:moveTo>
+                  <a:pt x="2299956" y="0"/>
+                </a:moveTo>
+                <a:cubicBezTo>
+                  <a:pt x="3791390" y="0"/>
+                  <a:pt x="5000438" y="1209047"/>
+                  <a:pt x="5000438" y="2700481"/>
+                </a:cubicBezTo>
+                <a:cubicBezTo>
+                  <a:pt x="5000438" y="4191915"/>
+                  <a:pt x="3791390" y="5400962"/>
+                  <a:pt x="2299956" y="5400962"/>
+                </a:cubicBezTo>
+                <a:cubicBezTo>
+                  <a:pt x="1367810" y="5400962"/>
+                  <a:pt x="545971" y="4928678"/>
+                  <a:pt x="60675" y="4210346"/>
+                </a:cubicBezTo>
+                <a:lnTo>
+                  <a:pt x="0" y="4110472"/>
+                </a:lnTo>
+                <a:lnTo>
+                  <a:pt x="0" y="1290491"/>
+                </a:lnTo>
+                <a:lnTo>
+                  <a:pt x="60675" y="1190617"/>
+                </a:lnTo>
+                <a:cubicBezTo>
+                  <a:pt x="545971" y="472284"/>
+                  <a:pt x="1367810" y="0"/>
+                  <a:pt x="2299956" y="0"/>
+                </a:cubicBezTo>
+                <a:close/>
+              </a:path>
+            </a:pathLst>
+          </a:custGeom>
+          <a:solidFill>
+            <a:srgbClr val="FFFFFF"/>
+          </a:solidFill>
+          <a:ln>
+            <a:gradFill>
+              <a:gsLst>
+                <a:gs pos="0">
+                  <a:schemeClr val="accent1">
+                    <a:lumMod val="40000"/>
+                    <a:lumOff val="60000"/>
+                  </a:schemeClr>
+                </a:gs>
+                <a:gs pos="23000">
+                  <a:schemeClr val="accent1">
+                    <a:lumMod val="45000"/>
+                    <a:lumOff val="55000"/>
+                  </a:schemeClr>
+                </a:gs>
+                <a:gs pos="83000">
+                  <a:schemeClr val="bg2">
+                    <a:lumMod val="85000"/>
+                  </a:schemeClr>
+                </a:gs>
+                <a:gs pos="100000">
+                  <a:schemeClr val="bg2">
+                    <a:lumMod val="85000"/>
+                  </a:schemeClr>
+                </a:gs>
+              </a:gsLst>
+              <a:lin ang="5400000" scaled="1"/>
+            </a:gradFill>
+          </a:ln>
+        </p:spPr>
+        <p:style>
+          <a:lnRef idx="2">
+            <a:schemeClr val="accent1">
+              <a:shade val="50000"/>
+            </a:schemeClr>
+          </a:lnRef>
+          <a:fillRef idx="1">
+            <a:schemeClr val="accent1"/>
+          </a:fillRef>
+          <a:effectRef idx="0">
+            <a:schemeClr val="accent1"/>
+          </a:effectRef>
+          <a:fontRef idx="minor">
+            <a:schemeClr val="lt1"/>
+          </a:fontRef>
+        </p:style>
+        <p:txBody>
+          <a:bodyPr wrap="square" rtlCol="0" anchor="ctr">
+            <a:noAutofit/>
+          </a:bodyPr>
+          <a:lstStyle/>
+          <a:p>
+            <a:pPr algn="ctr"/>
+            <a:endParaRPr lang="en-US"/>
+          </a:p>
+        </p:txBody>
+      </p:sp>
+      <p:pic>
+        <p:nvPicPr>
+          <p:cNvPr id="7" name="Graphic 6">
+            <a:extLst>
+              <a:ext uri="{FF2B5EF4-FFF2-40B4-BE49-F238E27FC236}">
+                <a16:creationId xmlns:a16="http://schemas.microsoft.com/office/drawing/2014/main" id="{9CCE8722-C988-4F47-A132-35B30123B01E}"/>
+              </a:ext>
+            </a:extLst>
+          </p:cNvPr>
+          <p:cNvPicPr>
+            <a:picLocks noChangeAspect="1"/>
+          </p:cNvPicPr>
+          <p:nvPr/>
+        </p:nvPicPr>
+        <p:blipFill>
+          <a:blip r:embed="rId3">
+            <a:extLst>
+              <a:ext uri="{28A0092B-C50C-407E-A947-70E740481C1C}">
+                <a14:useLocalDpi xmlns:a14="http://schemas.microsoft.com/office/drawing/2010/main" val="0"/>
+              </a:ext>
+              <a:ext uri="{96DAC541-7B7A-43D3-8B79-37D633B846F1}">
+                <asvg:svgBlip xmlns:asvg="http://schemas.microsoft.com/office/drawing/2016/SVG/main" r:embed="rId4"/>
+              </a:ext>
+            </a:extLst>
+          </a:blip>
+          <a:stretch>
+            <a:fillRect/>
+          </a:stretch>
+        </p:blipFill>
+        <p:spPr>
+          <a:xfrm>
+            <a:off x="8121726" y="1629089"/>
+            <a:ext cx="3620021" cy="3620021"/>
+          </a:xfrm>
+          <a:prstGeom prst="rect">
+            <a:avLst/>
+          </a:prstGeom>
+        </p:spPr>
+      </p:pic>
     </p:spTree>
     <p:extLst>
       <p:ext uri="{BB962C8B-B14F-4D97-AF65-F5344CB8AC3E}">
         <p14:creationId xmlns:p14="http://schemas.microsoft.com/office/powerpoint/2010/main" val="417433174"/>
+      </p:ext>
+    </p:extLst>
+  </p:cSld>
+  <p:clrMapOvr>
+    <a:masterClrMapping/>
+  </p:clrMapOvr>
+</p:sld>
+</file>
+
+<file path=ppt/slides/slide3.xml><?xml version="1.0" encoding="utf-8"?>
+<p:sld xmlns:a="http://schemas.openxmlformats.org/drawingml/2006/main" xmlns:r="http://schemas.openxmlformats.org/officeDocument/2006/relationships" xmlns:p="http://schemas.openxmlformats.org/presentationml/2006/main">
+  <p:cSld>
+    <p:bg>
+      <p:bgPr>
+        <a:solidFill>
+          <a:schemeClr val="bg1"/>
+        </a:solidFill>
+        <a:effectLst/>
+      </p:bgPr>
+    </p:bg>
+    <p:spTree>
+      <p:nvGrpSpPr>
+        <p:cNvPr id="1" name=""/>
+        <p:cNvGrpSpPr/>
+        <p:nvPr/>
+      </p:nvGrpSpPr>
+      <p:grpSpPr>
+        <a:xfrm>
+          <a:off x="0" y="0"/>
+          <a:ext cx="0" cy="0"/>
+          <a:chOff x="0" y="0"/>
+          <a:chExt cx="0" cy="0"/>
+        </a:xfrm>
+      </p:grpSpPr>
+      <p:sp useBgFill="1">
+        <p:nvSpPr>
+          <p:cNvPr id="7" name="Rectangle 6">
+            <a:extLst>
+              <a:ext uri="{FF2B5EF4-FFF2-40B4-BE49-F238E27FC236}">
+                <a16:creationId xmlns:a16="http://schemas.microsoft.com/office/drawing/2014/main" id="{BAD76F3E-3A97-486B-B402-44400A8B9173}"/>
+              </a:ext>
+              <a:ext uri="{C183D7F6-B498-43B3-948B-1728B52AA6E4}">
+                <adec:decorative xmlns:adec="http://schemas.microsoft.com/office/drawing/2017/decorative" val="1"/>
+              </a:ext>
+            </a:extLst>
+          </p:cNvPr>
+          <p:cNvSpPr>
+            <a:spLocks noGrp="1" noRot="1" noChangeAspect="1" noMove="1" noResize="1" noEditPoints="1" noAdjustHandles="1" noChangeArrowheads="1" noChangeShapeType="1" noTextEdit="1"/>
+          </p:cNvSpPr>
+          <p:nvPr>
+            <p:extLst>
+              <p:ext uri="{386F3935-93C4-4BCD-93E2-E3B085C9AB24}">
+                <p16:designElem xmlns:p16="http://schemas.microsoft.com/office/powerpoint/2015/main" val="1"/>
+              </p:ext>
+            </p:extLst>
+          </p:nvPr>
+        </p:nvSpPr>
+        <p:spPr>
+          <a:xfrm>
+            <a:off x="0" y="0"/>
+            <a:ext cx="12192000" cy="6858000"/>
+          </a:xfrm>
+          <a:prstGeom prst="rect">
+            <a:avLst/>
+          </a:prstGeom>
+          <a:ln>
+            <a:noFill/>
+          </a:ln>
+        </p:spPr>
+        <p:style>
+          <a:lnRef idx="2">
+            <a:schemeClr val="accent1">
+              <a:shade val="50000"/>
+            </a:schemeClr>
+          </a:lnRef>
+          <a:fillRef idx="1">
+            <a:schemeClr val="accent1"/>
+          </a:fillRef>
+          <a:effectRef idx="0">
+            <a:schemeClr val="accent1"/>
+          </a:effectRef>
+          <a:fontRef idx="minor">
+            <a:schemeClr val="lt1"/>
+          </a:fontRef>
+        </p:style>
+        <p:txBody>
+          <a:bodyPr rtlCol="0" anchor="ctr"/>
+          <a:lstStyle/>
+          <a:p>
+            <a:pPr algn="ctr"/>
+            <a:endParaRPr lang="en-US"/>
+          </a:p>
+        </p:txBody>
+      </p:sp>
+      <p:sp>
+        <p:nvSpPr>
+          <p:cNvPr id="2" name="제목 1">
+            <a:extLst>
+              <a:ext uri="{FF2B5EF4-FFF2-40B4-BE49-F238E27FC236}">
+                <a16:creationId xmlns:a16="http://schemas.microsoft.com/office/drawing/2014/main" id="{BCC76229-20F9-4448-BE0B-BD1DE3A77D3A}"/>
+              </a:ext>
+            </a:extLst>
+          </p:cNvPr>
+          <p:cNvSpPr>
+            <a:spLocks noGrp="1"/>
+          </p:cNvSpPr>
+          <p:nvPr>
+            <p:ph type="title"/>
+          </p:nvPr>
+        </p:nvSpPr>
+        <p:spPr>
+          <a:xfrm>
+            <a:off x="838199" y="1093788"/>
+            <a:ext cx="10506455" cy="2967208"/>
+          </a:xfrm>
+        </p:spPr>
+        <p:txBody>
+          <a:bodyPr vert="horz" lIns="91440" tIns="45720" rIns="91440" bIns="45720" rtlCol="0" anchor="b">
+            <a:normAutofit/>
+          </a:bodyPr>
+          <a:lstStyle/>
+          <a:p>
+            <a:pPr latinLnBrk="0"/>
+            <a:r>
+              <a:rPr lang="ko-KR" altLang="en-US" sz="8000" kern="1200">
+                <a:solidFill>
+                  <a:schemeClr val="tx1"/>
+                </a:solidFill>
+                <a:latin typeface="+mj-lt"/>
+                <a:ea typeface="+mj-ea"/>
+                <a:cs typeface="+mj-cs"/>
+              </a:rPr>
+              <a:t>유니티 스크립트</a:t>
+            </a:r>
+          </a:p>
+        </p:txBody>
+      </p:sp>
+      <p:sp>
+        <p:nvSpPr>
+          <p:cNvPr id="9" name="Rectangle 8">
+            <a:extLst>
+              <a:ext uri="{FF2B5EF4-FFF2-40B4-BE49-F238E27FC236}">
+                <a16:creationId xmlns:a16="http://schemas.microsoft.com/office/drawing/2014/main" id="{391F6B52-91F4-4AEB-B6DB-29FEBCF28C8B}"/>
+              </a:ext>
+              <a:ext uri="{C183D7F6-B498-43B3-948B-1728B52AA6E4}">
+                <adec:decorative xmlns:adec="http://schemas.microsoft.com/office/drawing/2017/decorative" val="1"/>
+              </a:ext>
+            </a:extLst>
+          </p:cNvPr>
+          <p:cNvSpPr>
+            <a:spLocks noGrp="1" noRot="1" noChangeAspect="1" noMove="1" noResize="1" noEditPoints="1" noAdjustHandles="1" noChangeArrowheads="1" noChangeShapeType="1" noTextEdit="1"/>
+          </p:cNvSpPr>
+          <p:nvPr>
+            <p:extLst>
+              <p:ext uri="{386F3935-93C4-4BCD-93E2-E3B085C9AB24}">
+                <p16:designElem xmlns:p16="http://schemas.microsoft.com/office/powerpoint/2015/main" val="1"/>
+              </p:ext>
+            </p:extLst>
+          </p:nvPr>
+        </p:nvSpPr>
+        <p:spPr>
+          <a:xfrm>
+            <a:off x="841248" y="4331166"/>
+            <a:ext cx="10506456" cy="18288"/>
+          </a:xfrm>
+          <a:prstGeom prst="rect">
+            <a:avLst/>
+          </a:prstGeom>
+          <a:solidFill>
+            <a:srgbClr val="D5D5D5"/>
+          </a:solidFill>
+          <a:ln w="3175">
+            <a:noFill/>
+          </a:ln>
+          <a:effectLst/>
+        </p:spPr>
+        <p:style>
+          <a:lnRef idx="2">
+            <a:schemeClr val="accent1">
+              <a:shade val="50000"/>
+            </a:schemeClr>
+          </a:lnRef>
+          <a:fillRef idx="1">
+            <a:schemeClr val="accent1"/>
+          </a:fillRef>
+          <a:effectRef idx="0">
+            <a:schemeClr val="accent1"/>
+          </a:effectRef>
+          <a:fontRef idx="minor">
+            <a:schemeClr val="lt1"/>
+          </a:fontRef>
+        </p:style>
+        <p:txBody>
+          <a:bodyPr rtlCol="0" anchor="ctr"/>
+          <a:lstStyle/>
+          <a:p>
+            <a:pPr algn="ctr"/>
+            <a:endParaRPr lang="en-US">
+              <a:solidFill>
+                <a:prstClr val="white"/>
+              </a:solidFill>
+              <a:latin typeface="Calibri" panose="020F0502020204030204"/>
+            </a:endParaRPr>
+          </a:p>
+        </p:txBody>
+      </p:sp>
+      <p:sp>
+        <p:nvSpPr>
+          <p:cNvPr id="11" name="Rectangle 10">
+            <a:extLst>
+              <a:ext uri="{FF2B5EF4-FFF2-40B4-BE49-F238E27FC236}">
+                <a16:creationId xmlns:a16="http://schemas.microsoft.com/office/drawing/2014/main" id="{2CD6F061-7C53-44F4-9794-953DB70A451B}"/>
+              </a:ext>
+              <a:ext uri="{C183D7F6-B498-43B3-948B-1728B52AA6E4}">
+                <adec:decorative xmlns:adec="http://schemas.microsoft.com/office/drawing/2017/decorative" val="1"/>
+              </a:ext>
+            </a:extLst>
+          </p:cNvPr>
+          <p:cNvSpPr>
+            <a:spLocks noGrp="1" noRot="1" noChangeAspect="1" noMove="1" noResize="1" noEditPoints="1" noAdjustHandles="1" noChangeArrowheads="1" noChangeShapeType="1" noTextEdit="1"/>
+          </p:cNvSpPr>
+          <p:nvPr>
+            <p:extLst>
+              <p:ext uri="{386F3935-93C4-4BCD-93E2-E3B085C9AB24}">
+                <p16:designElem xmlns:p16="http://schemas.microsoft.com/office/powerpoint/2015/main" val="1"/>
+              </p:ext>
+            </p:extLst>
+          </p:nvPr>
+        </p:nvSpPr>
+        <p:spPr>
+          <a:xfrm rot="5400000">
+            <a:off x="9346882" y="2348839"/>
+            <a:ext cx="54864" cy="3946779"/>
+          </a:xfrm>
+          <a:prstGeom prst="rect">
+            <a:avLst/>
+          </a:prstGeom>
+          <a:solidFill>
+            <a:schemeClr val="accent2"/>
+          </a:solidFill>
+          <a:ln>
+            <a:noFill/>
+          </a:ln>
+        </p:spPr>
+        <p:style>
+          <a:lnRef idx="2">
+            <a:schemeClr val="accent1">
+              <a:shade val="50000"/>
+            </a:schemeClr>
+          </a:lnRef>
+          <a:fillRef idx="1">
+            <a:schemeClr val="accent1"/>
+          </a:fillRef>
+          <a:effectRef idx="0">
+            <a:schemeClr val="accent1"/>
+          </a:effectRef>
+          <a:fontRef idx="minor">
+            <a:schemeClr val="lt1"/>
+          </a:fontRef>
+        </p:style>
+        <p:txBody>
+          <a:bodyPr rtlCol="0" anchor="ctr"/>
+          <a:lstStyle/>
+          <a:p>
+            <a:pPr marL="0" marR="0" lvl="0" indent="0" algn="ctr" defTabSz="914400" rtl="0" eaLnBrk="1" fontAlgn="auto" latinLnBrk="0" hangingPunct="1">
+              <a:lnSpc>
+                <a:spcPct val="100000"/>
+              </a:lnSpc>
+              <a:spcBef>
+                <a:spcPts val="0"/>
+              </a:spcBef>
+              <a:spcAft>
+                <a:spcPts val="0"/>
+              </a:spcAft>
+              <a:buClrTx/>
+              <a:buSzTx/>
+              <a:buFontTx/>
+              <a:buNone/>
+              <a:tabLst/>
+              <a:defRPr/>
+            </a:pPr>
+            <a:endParaRPr kumimoji="0" lang="en-US" sz="1800" b="0" i="0" u="none" strike="noStrike" kern="1200" cap="none" spc="0" normalizeH="0" baseline="0" noProof="0">
+              <a:ln>
+                <a:noFill/>
+              </a:ln>
+              <a:solidFill>
+                <a:prstClr val="white"/>
+              </a:solidFill>
+              <a:effectLst/>
+              <a:uLnTx/>
+              <a:uFillTx/>
+              <a:latin typeface="Calibri" panose="020F0502020204030204"/>
+              <a:ea typeface="+mn-ea"/>
+              <a:cs typeface="+mn-cs"/>
+            </a:endParaRPr>
+          </a:p>
+        </p:txBody>
+      </p:sp>
+    </p:spTree>
+    <p:extLst>
+      <p:ext uri="{BB962C8B-B14F-4D97-AF65-F5344CB8AC3E}">
+        <p14:creationId xmlns:p14="http://schemas.microsoft.com/office/powerpoint/2010/main" val="1011789004"/>
+      </p:ext>
+    </p:extLst>
+  </p:cSld>
+  <p:clrMapOvr>
+    <a:masterClrMapping/>
+  </p:clrMapOvr>
+</p:sld>
+</file>
+
+<file path=ppt/slides/slide4.xml><?xml version="1.0" encoding="utf-8"?>
+<p:sld xmlns:a="http://schemas.openxmlformats.org/drawingml/2006/main" xmlns:r="http://schemas.openxmlformats.org/officeDocument/2006/relationships" xmlns:p="http://schemas.openxmlformats.org/presentationml/2006/main">
+  <p:cSld>
+    <p:bg>
+      <p:bgPr>
+        <a:solidFill>
+          <a:schemeClr val="bg1"/>
+        </a:solidFill>
+        <a:effectLst/>
+      </p:bgPr>
+    </p:bg>
+    <p:spTree>
+      <p:nvGrpSpPr>
+        <p:cNvPr id="1" name=""/>
+        <p:cNvGrpSpPr/>
+        <p:nvPr/>
+      </p:nvGrpSpPr>
+      <p:grpSpPr>
+        <a:xfrm>
+          <a:off x="0" y="0"/>
+          <a:ext cx="0" cy="0"/>
+          <a:chOff x="0" y="0"/>
+          <a:chExt cx="0" cy="0"/>
+        </a:xfrm>
+      </p:grpSpPr>
+      <p:sp useBgFill="1">
+        <p:nvSpPr>
+          <p:cNvPr id="17" name="Rectangle 16">
+            <a:extLst>
+              <a:ext uri="{FF2B5EF4-FFF2-40B4-BE49-F238E27FC236}">
+                <a16:creationId xmlns:a16="http://schemas.microsoft.com/office/drawing/2014/main" id="{A52B99F1-B2DC-437E-A8A1-A57F2F29F8D1}"/>
+              </a:ext>
+              <a:ext uri="{C183D7F6-B498-43B3-948B-1728B52AA6E4}">
+                <adec:decorative xmlns:adec="http://schemas.microsoft.com/office/drawing/2017/decorative" val="1"/>
+              </a:ext>
+            </a:extLst>
+          </p:cNvPr>
+          <p:cNvSpPr>
+            <a:spLocks noGrp="1" noRot="1" noChangeAspect="1" noMove="1" noResize="1" noEditPoints="1" noAdjustHandles="1" noChangeArrowheads="1" noChangeShapeType="1" noTextEdit="1"/>
+          </p:cNvSpPr>
+          <p:nvPr>
+            <p:extLst>
+              <p:ext uri="{386F3935-93C4-4BCD-93E2-E3B085C9AB24}">
+                <p16:designElem xmlns:p16="http://schemas.microsoft.com/office/powerpoint/2015/main" val="1"/>
+              </p:ext>
+            </p:extLst>
+          </p:nvPr>
+        </p:nvSpPr>
+        <p:spPr>
+          <a:xfrm>
+            <a:off x="0" y="0"/>
+            <a:ext cx="12192000" cy="6858000"/>
+          </a:xfrm>
+          <a:prstGeom prst="rect">
+            <a:avLst/>
+          </a:prstGeom>
+          <a:ln>
+            <a:noFill/>
+          </a:ln>
+        </p:spPr>
+        <p:style>
+          <a:lnRef idx="2">
+            <a:schemeClr val="accent1">
+              <a:shade val="50000"/>
+            </a:schemeClr>
+          </a:lnRef>
+          <a:fillRef idx="1">
+            <a:schemeClr val="accent1"/>
+          </a:fillRef>
+          <a:effectRef idx="0">
+            <a:schemeClr val="accent1"/>
+          </a:effectRef>
+          <a:fontRef idx="minor">
+            <a:schemeClr val="lt1"/>
+          </a:fontRef>
+        </p:style>
+        <p:txBody>
+          <a:bodyPr rtlCol="0" anchor="ctr"/>
+          <a:lstStyle/>
+          <a:p>
+            <a:pPr algn="ctr"/>
+            <a:endParaRPr lang="en-US"/>
+          </a:p>
+        </p:txBody>
+      </p:sp>
+      <p:sp useBgFill="1">
+        <p:nvSpPr>
+          <p:cNvPr id="19" name="Rectangle 18">
+            <a:extLst>
+              <a:ext uri="{FF2B5EF4-FFF2-40B4-BE49-F238E27FC236}">
+                <a16:creationId xmlns:a16="http://schemas.microsoft.com/office/drawing/2014/main" id="{55F8BA08-3E38-4B70-B93A-74F08E092206}"/>
+              </a:ext>
+              <a:ext uri="{C183D7F6-B498-43B3-948B-1728B52AA6E4}">
+                <adec:decorative xmlns:adec="http://schemas.microsoft.com/office/drawing/2017/decorative" val="1"/>
+              </a:ext>
+            </a:extLst>
+          </p:cNvPr>
+          <p:cNvSpPr>
+            <a:spLocks noGrp="1" noRot="1" noChangeAspect="1" noMove="1" noResize="1" noEditPoints="1" noAdjustHandles="1" noChangeArrowheads="1" noChangeShapeType="1" noTextEdit="1"/>
+          </p:cNvSpPr>
+          <p:nvPr>
+            <p:extLst>
+              <p:ext uri="{386F3935-93C4-4BCD-93E2-E3B085C9AB24}">
+                <p16:designElem xmlns:p16="http://schemas.microsoft.com/office/powerpoint/2015/main" val="1"/>
+              </p:ext>
+            </p:extLst>
+          </p:nvPr>
+        </p:nvSpPr>
+        <p:spPr>
+          <a:xfrm>
+            <a:off x="558209" y="684398"/>
+            <a:ext cx="11167447" cy="5206040"/>
+          </a:xfrm>
+          <a:prstGeom prst="rect">
+            <a:avLst/>
+          </a:prstGeom>
+          <a:ln w="12700">
+            <a:solidFill>
+              <a:srgbClr val="E1E1E1"/>
+            </a:solidFill>
+          </a:ln>
+          <a:effectLst>
+            <a:outerShdw blurRad="50800" dist="38100" dir="2700000" algn="tl" rotWithShape="0">
+              <a:schemeClr val="bg2">
+                <a:lumMod val="85000"/>
+                <a:alpha val="50000"/>
+              </a:schemeClr>
+            </a:outerShdw>
+          </a:effectLst>
+        </p:spPr>
+        <p:style>
+          <a:lnRef idx="2">
+            <a:schemeClr val="accent1">
+              <a:shade val="50000"/>
+            </a:schemeClr>
+          </a:lnRef>
+          <a:fillRef idx="1">
+            <a:schemeClr val="accent1"/>
+          </a:fillRef>
+          <a:effectRef idx="0">
+            <a:schemeClr val="accent1"/>
+          </a:effectRef>
+          <a:fontRef idx="minor">
+            <a:schemeClr val="lt1"/>
+          </a:fontRef>
+        </p:style>
+        <p:txBody>
+          <a:bodyPr rtlCol="0" anchor="ctr"/>
+          <a:lstStyle/>
+          <a:p>
+            <a:pPr marL="0" marR="0" lvl="0" indent="0" algn="ctr" defTabSz="914400" rtl="0" eaLnBrk="1" fontAlgn="auto" latinLnBrk="0" hangingPunct="1">
+              <a:lnSpc>
+                <a:spcPct val="100000"/>
+              </a:lnSpc>
+              <a:spcBef>
+                <a:spcPts val="0"/>
+              </a:spcBef>
+              <a:spcAft>
+                <a:spcPts val="0"/>
+              </a:spcAft>
+              <a:buClrTx/>
+              <a:buSzTx/>
+              <a:buFontTx/>
+              <a:buNone/>
+              <a:tabLst/>
+              <a:defRPr/>
+            </a:pPr>
+            <a:endParaRPr kumimoji="0" lang="en-US" sz="1800" b="0" i="0" u="none" strike="noStrike" kern="1200" cap="none" spc="0" normalizeH="0" baseline="0" noProof="0">
+              <a:ln>
+                <a:noFill/>
+              </a:ln>
+              <a:solidFill>
+                <a:prstClr val="white"/>
+              </a:solidFill>
+              <a:effectLst/>
+              <a:uLnTx/>
+              <a:uFillTx/>
+              <a:latin typeface="Calibri" panose="020F0502020204030204"/>
+              <a:ea typeface="+mn-ea"/>
+              <a:cs typeface="+mn-cs"/>
+            </a:endParaRPr>
+          </a:p>
+        </p:txBody>
+      </p:sp>
+      <p:sp>
+        <p:nvSpPr>
+          <p:cNvPr id="2" name="제목 1">
+            <a:extLst>
+              <a:ext uri="{FF2B5EF4-FFF2-40B4-BE49-F238E27FC236}">
+                <a16:creationId xmlns:a16="http://schemas.microsoft.com/office/drawing/2014/main" id="{DBD125C3-ED01-421C-A500-73FD8DAA8854}"/>
+              </a:ext>
+            </a:extLst>
+          </p:cNvPr>
+          <p:cNvSpPr>
+            <a:spLocks noGrp="1"/>
+          </p:cNvSpPr>
+          <p:nvPr>
+            <p:ph type="title"/>
+          </p:nvPr>
+        </p:nvSpPr>
+        <p:spPr>
+          <a:xfrm>
+            <a:off x="1045029" y="1092857"/>
+            <a:ext cx="3669704" cy="4389120"/>
+          </a:xfrm>
+        </p:spPr>
+        <p:txBody>
+          <a:bodyPr>
+            <a:normAutofit/>
+          </a:bodyPr>
+          <a:lstStyle/>
+          <a:p>
+            <a:r>
+              <a:rPr lang="ko-KR" altLang="en-US" sz="4000"/>
+              <a:t>스크립트 </a:t>
+            </a:r>
+            <a:r>
+              <a:rPr lang="en-US" altLang="ko-KR" sz="4000"/>
+              <a:t>(Script)</a:t>
+            </a:r>
+            <a:endParaRPr lang="ko-KR" altLang="en-US" sz="4000"/>
+          </a:p>
+        </p:txBody>
+      </p:sp>
+      <p:sp>
+        <p:nvSpPr>
+          <p:cNvPr id="21" name="Rectangle 20">
+            <a:extLst>
+              <a:ext uri="{FF2B5EF4-FFF2-40B4-BE49-F238E27FC236}">
+                <a16:creationId xmlns:a16="http://schemas.microsoft.com/office/drawing/2014/main" id="{357F1B33-79AB-4A71-8CEC-4546D709B8C8}"/>
+              </a:ext>
+              <a:ext uri="{C183D7F6-B498-43B3-948B-1728B52AA6E4}">
+                <adec:decorative xmlns:adec="http://schemas.microsoft.com/office/drawing/2017/decorative" val="1"/>
+              </a:ext>
+            </a:extLst>
+          </p:cNvPr>
+          <p:cNvSpPr>
+            <a:spLocks noGrp="1" noRot="1" noChangeAspect="1" noMove="1" noResize="1" noEditPoints="1" noAdjustHandles="1" noChangeArrowheads="1" noChangeShapeType="1" noTextEdit="1"/>
+          </p:cNvSpPr>
+          <p:nvPr>
+            <p:extLst>
+              <p:ext uri="{386F3935-93C4-4BCD-93E2-E3B085C9AB24}">
+                <p16:designElem xmlns:p16="http://schemas.microsoft.com/office/powerpoint/2015/main" val="1"/>
+              </p:ext>
+            </p:extLst>
+          </p:nvPr>
+        </p:nvSpPr>
+        <p:spPr>
+          <a:xfrm>
+            <a:off x="498834" y="2935374"/>
+            <a:ext cx="128016" cy="704088"/>
+          </a:xfrm>
+          <a:prstGeom prst="rect">
+            <a:avLst/>
+          </a:prstGeom>
+          <a:solidFill>
+            <a:schemeClr val="accent2"/>
+          </a:solidFill>
+          <a:ln>
+            <a:noFill/>
+          </a:ln>
+        </p:spPr>
+        <p:style>
+          <a:lnRef idx="2">
+            <a:schemeClr val="accent1">
+              <a:shade val="50000"/>
+            </a:schemeClr>
+          </a:lnRef>
+          <a:fillRef idx="1">
+            <a:schemeClr val="accent1"/>
+          </a:fillRef>
+          <a:effectRef idx="0">
+            <a:schemeClr val="accent1"/>
+          </a:effectRef>
+          <a:fontRef idx="minor">
+            <a:schemeClr val="lt1"/>
+          </a:fontRef>
+        </p:style>
+        <p:txBody>
+          <a:bodyPr rtlCol="0" anchor="ctr"/>
+          <a:lstStyle/>
+          <a:p>
+            <a:pPr algn="ctr"/>
+            <a:endParaRPr lang="en-US">
+              <a:solidFill>
+                <a:prstClr val="white"/>
+              </a:solidFill>
+              <a:latin typeface="Calibri" panose="020F0502020204030204"/>
+            </a:endParaRPr>
+          </a:p>
+        </p:txBody>
+      </p:sp>
+      <p:sp>
+        <p:nvSpPr>
+          <p:cNvPr id="3" name="내용 개체 틀 2">
+            <a:extLst>
+              <a:ext uri="{FF2B5EF4-FFF2-40B4-BE49-F238E27FC236}">
+                <a16:creationId xmlns:a16="http://schemas.microsoft.com/office/drawing/2014/main" id="{D2EBA37F-D80D-4D85-ACCE-4CBE52812404}"/>
+              </a:ext>
+            </a:extLst>
+          </p:cNvPr>
+          <p:cNvSpPr>
+            <a:spLocks noGrp="1"/>
+          </p:cNvSpPr>
+          <p:nvPr>
+            <p:ph idx="1"/>
+          </p:nvPr>
+        </p:nvSpPr>
+        <p:spPr>
+          <a:xfrm>
+            <a:off x="5572679" y="1092857"/>
+            <a:ext cx="6061112" cy="4389120"/>
+          </a:xfrm>
+        </p:spPr>
+        <p:txBody>
+          <a:bodyPr anchor="ctr">
+            <a:normAutofit/>
+          </a:bodyPr>
+          <a:lstStyle/>
+          <a:p>
+            <a:r>
+              <a:rPr lang="ko-KR" altLang="en-US" sz="2000" dirty="0"/>
+              <a:t>스크립트</a:t>
+            </a:r>
+            <a:endParaRPr lang="en-US" altLang="ko-KR" sz="2000" dirty="0"/>
+          </a:p>
+          <a:p>
+            <a:pPr lvl="1"/>
+            <a:endParaRPr lang="en-US" altLang="ko-KR" sz="1600" dirty="0"/>
+          </a:p>
+          <a:p>
+            <a:pPr lvl="1"/>
+            <a:r>
+              <a:rPr lang="ko-KR" altLang="en-US" sz="2000" dirty="0"/>
+              <a:t>유니티의 컴포넌트로는 게임을 만들기 어렵다</a:t>
+            </a:r>
+            <a:endParaRPr lang="en-US" altLang="ko-KR" sz="2000" dirty="0"/>
+          </a:p>
+          <a:p>
+            <a:pPr lvl="1"/>
+            <a:endParaRPr lang="en-US" altLang="ko-KR" sz="1600" dirty="0"/>
+          </a:p>
+          <a:p>
+            <a:pPr lvl="1"/>
+            <a:r>
+              <a:rPr lang="ko-KR" altLang="en-US" sz="2000" dirty="0"/>
+              <a:t>유니티가 제공 못해주는 기능 만들기</a:t>
+            </a:r>
+            <a:endParaRPr lang="en-US" altLang="ko-KR" sz="2000" dirty="0"/>
+          </a:p>
+          <a:p>
+            <a:pPr lvl="1"/>
+            <a:endParaRPr lang="en-US" altLang="ko-KR" sz="2000" dirty="0"/>
+          </a:p>
+          <a:p>
+            <a:pPr lvl="1"/>
+            <a:r>
+              <a:rPr lang="ko-KR" altLang="en-US" sz="2000" dirty="0"/>
+              <a:t>게임 실행 전 나타나지 않는다</a:t>
+            </a:r>
+            <a:endParaRPr lang="en-US" altLang="ko-KR" sz="2000" dirty="0"/>
+          </a:p>
+          <a:p>
+            <a:pPr lvl="2"/>
+            <a:r>
+              <a:rPr lang="ko-KR" altLang="en-US" dirty="0"/>
+              <a:t>클래스와 인스턴스의 차이점</a:t>
+            </a:r>
+            <a:endParaRPr lang="en-US" altLang="ko-KR" dirty="0"/>
+          </a:p>
+        </p:txBody>
+      </p:sp>
+    </p:spTree>
+    <p:extLst>
+      <p:ext uri="{BB962C8B-B14F-4D97-AF65-F5344CB8AC3E}">
+        <p14:creationId xmlns:p14="http://schemas.microsoft.com/office/powerpoint/2010/main" val="1590856899"/>
+      </p:ext>
+    </p:extLst>
+  </p:cSld>
+  <p:clrMapOvr>
+    <a:masterClrMapping/>
+  </p:clrMapOvr>
+</p:sld>
+</file>
+
+<file path=ppt/slides/slide5.xml><?xml version="1.0" encoding="utf-8"?>
+<p:sld xmlns:a="http://schemas.openxmlformats.org/drawingml/2006/main" xmlns:r="http://schemas.openxmlformats.org/officeDocument/2006/relationships" xmlns:p="http://schemas.openxmlformats.org/presentationml/2006/main">
+  <p:cSld>
+    <p:bg>
+      <p:bgPr>
+        <a:solidFill>
+          <a:schemeClr val="bg1"/>
+        </a:solidFill>
+        <a:effectLst/>
+      </p:bgPr>
+    </p:bg>
+    <p:spTree>
+      <p:nvGrpSpPr>
+        <p:cNvPr id="1" name=""/>
+        <p:cNvGrpSpPr/>
+        <p:nvPr/>
+      </p:nvGrpSpPr>
+      <p:grpSpPr>
+        <a:xfrm>
+          <a:off x="0" y="0"/>
+          <a:ext cx="0" cy="0"/>
+          <a:chOff x="0" y="0"/>
+          <a:chExt cx="0" cy="0"/>
+        </a:xfrm>
+      </p:grpSpPr>
+      <p:sp>
+        <p:nvSpPr>
+          <p:cNvPr id="30" name="Rectangle 29">
+            <a:extLst>
+              <a:ext uri="{FF2B5EF4-FFF2-40B4-BE49-F238E27FC236}">
+                <a16:creationId xmlns:a16="http://schemas.microsoft.com/office/drawing/2014/main" id="{6EBF06A5-4173-45DE-87B1-0791E098A374}"/>
+              </a:ext>
+              <a:ext uri="{C183D7F6-B498-43B3-948B-1728B52AA6E4}">
+                <adec:decorative xmlns:adec="http://schemas.microsoft.com/office/drawing/2017/decorative" val="1"/>
+              </a:ext>
+            </a:extLst>
+          </p:cNvPr>
+          <p:cNvSpPr>
+            <a:spLocks noGrp="1" noRot="1" noChangeAspect="1" noMove="1" noResize="1" noEditPoints="1" noAdjustHandles="1" noChangeArrowheads="1" noChangeShapeType="1" noTextEdit="1"/>
+          </p:cNvSpPr>
+          <p:nvPr>
+            <p:extLst>
+              <p:ext uri="{386F3935-93C4-4BCD-93E2-E3B085C9AB24}">
+                <p16:designElem xmlns:p16="http://schemas.microsoft.com/office/powerpoint/2015/main" val="1"/>
+              </p:ext>
+            </p:extLst>
+          </p:nvPr>
+        </p:nvSpPr>
+        <p:spPr>
+          <a:xfrm>
+            <a:off x="0" y="0"/>
+            <a:ext cx="12192000" cy="6858000"/>
+          </a:xfrm>
+          <a:prstGeom prst="rect">
+            <a:avLst/>
+          </a:prstGeom>
+          <a:solidFill>
+            <a:srgbClr val="FFFFFF"/>
+          </a:solidFill>
+          <a:ln>
+            <a:noFill/>
+          </a:ln>
+        </p:spPr>
+        <p:style>
+          <a:lnRef idx="2">
+            <a:schemeClr val="accent1">
+              <a:shade val="50000"/>
+            </a:schemeClr>
+          </a:lnRef>
+          <a:fillRef idx="1">
+            <a:schemeClr val="accent1"/>
+          </a:fillRef>
+          <a:effectRef idx="0">
+            <a:schemeClr val="accent1"/>
+          </a:effectRef>
+          <a:fontRef idx="minor">
+            <a:schemeClr val="lt1"/>
+          </a:fontRef>
+        </p:style>
+        <p:txBody>
+          <a:bodyPr rtlCol="0" anchor="ctr"/>
+          <a:lstStyle/>
+          <a:p>
+            <a:pPr algn="ctr"/>
+            <a:endParaRPr lang="en-US"/>
+          </a:p>
+        </p:txBody>
+      </p:sp>
+      <p:pic>
+        <p:nvPicPr>
+          <p:cNvPr id="4" name="내용 개체 틀 3">
+            <a:extLst>
+              <a:ext uri="{FF2B5EF4-FFF2-40B4-BE49-F238E27FC236}">
+                <a16:creationId xmlns:a16="http://schemas.microsoft.com/office/drawing/2014/main" id="{021BBDC2-7B4C-4360-8308-58151BBC839B}"/>
+              </a:ext>
+            </a:extLst>
+          </p:cNvPr>
+          <p:cNvPicPr>
+            <a:picLocks noChangeAspect="1"/>
+          </p:cNvPicPr>
+          <p:nvPr/>
+        </p:nvPicPr>
+        <p:blipFill rotWithShape="1">
+          <a:blip r:embed="rId2"/>
+          <a:srcRect r="13430" b="-4"/>
+          <a:stretch/>
+        </p:blipFill>
+        <p:spPr>
+          <a:xfrm>
+            <a:off x="6728728" y="1690688"/>
+            <a:ext cx="5463273" cy="5167312"/>
+          </a:xfrm>
+          <a:custGeom>
+            <a:avLst/>
+            <a:gdLst/>
+            <a:ahLst/>
+            <a:cxnLst/>
+            <a:rect l="l" t="t" r="r" b="b"/>
+            <a:pathLst>
+              <a:path w="5463273" h="5167312">
+                <a:moveTo>
+                  <a:pt x="2391664" y="0"/>
+                </a:moveTo>
+                <a:lnTo>
+                  <a:pt x="2729598" y="0"/>
+                </a:lnTo>
+                <a:lnTo>
+                  <a:pt x="3668014" y="0"/>
+                </a:lnTo>
+                <a:lnTo>
+                  <a:pt x="5463273" y="0"/>
+                </a:lnTo>
+                <a:lnTo>
+                  <a:pt x="5463273" y="5167310"/>
+                </a:lnTo>
+                <a:lnTo>
+                  <a:pt x="3668014" y="5167310"/>
+                </a:lnTo>
+                <a:lnTo>
+                  <a:pt x="3668014" y="5167312"/>
+                </a:lnTo>
+                <a:lnTo>
+                  <a:pt x="0" y="5167312"/>
+                </a:lnTo>
+                <a:lnTo>
+                  <a:pt x="2393879" y="952"/>
+                </a:lnTo>
+                <a:lnTo>
+                  <a:pt x="2391664" y="952"/>
+                </a:lnTo>
+                <a:close/>
+              </a:path>
+            </a:pathLst>
+          </a:custGeom>
+        </p:spPr>
+      </p:pic>
+      <p:sp>
+        <p:nvSpPr>
+          <p:cNvPr id="32" name="Freeform: Shape 31">
+            <a:extLst>
+              <a:ext uri="{FF2B5EF4-FFF2-40B4-BE49-F238E27FC236}">
+                <a16:creationId xmlns:a16="http://schemas.microsoft.com/office/drawing/2014/main" id="{581DAA37-DAFB-47C9-9EE7-11C030BEC838}"/>
+              </a:ext>
+              <a:ext uri="{C183D7F6-B498-43B3-948B-1728B52AA6E4}">
+                <adec:decorative xmlns:adec="http://schemas.microsoft.com/office/drawing/2017/decorative" val="1"/>
+              </a:ext>
+            </a:extLst>
+          </p:cNvPr>
+          <p:cNvSpPr>
+            <a:spLocks noGrp="1" noRot="1" noChangeAspect="1" noMove="1" noResize="1" noEditPoints="1" noAdjustHandles="1" noChangeArrowheads="1" noChangeShapeType="1" noTextEdit="1"/>
+          </p:cNvSpPr>
+          <p:nvPr>
+            <p:extLst>
+              <p:ext uri="{386F3935-93C4-4BCD-93E2-E3B085C9AB24}">
+                <p16:designElem xmlns:p16="http://schemas.microsoft.com/office/powerpoint/2015/main" val="1"/>
+              </p:ext>
+            </p:extLst>
+          </p:nvPr>
+        </p:nvSpPr>
+        <p:spPr>
+          <a:xfrm>
+            <a:off x="1" y="1690688"/>
+            <a:ext cx="8958061" cy="5167312"/>
+          </a:xfrm>
+          <a:custGeom>
+            <a:avLst/>
+            <a:gdLst>
+              <a:gd name="connsiteX0" fmla="*/ 0 w 8958061"/>
+              <a:gd name="connsiteY0" fmla="*/ 0 h 5167312"/>
+              <a:gd name="connsiteX1" fmla="*/ 7885684 w 8958061"/>
+              <a:gd name="connsiteY1" fmla="*/ 0 h 5167312"/>
+              <a:gd name="connsiteX2" fmla="*/ 7884964 w 8958061"/>
+              <a:gd name="connsiteY2" fmla="*/ 952 h 5167312"/>
+              <a:gd name="connsiteX3" fmla="*/ 8958061 w 8958061"/>
+              <a:gd name="connsiteY3" fmla="*/ 952 h 5167312"/>
+              <a:gd name="connsiteX4" fmla="*/ 6564182 w 8958061"/>
+              <a:gd name="connsiteY4" fmla="*/ 5167312 h 5167312"/>
+              <a:gd name="connsiteX5" fmla="*/ 3026607 w 8958061"/>
+              <a:gd name="connsiteY5" fmla="*/ 5167312 h 5167312"/>
+              <a:gd name="connsiteX6" fmla="*/ 3026607 w 8958061"/>
+              <a:gd name="connsiteY6" fmla="*/ 5166360 h 5167312"/>
+              <a:gd name="connsiteX7" fmla="*/ 0 w 8958061"/>
+              <a:gd name="connsiteY7" fmla="*/ 5166360 h 5167312"/>
+            </a:gdLst>
+            <a:ahLst/>
+            <a:cxnLst>
+              <a:cxn ang="0">
+                <a:pos x="connsiteX0" y="connsiteY0"/>
+              </a:cxn>
+              <a:cxn ang="0">
+                <a:pos x="connsiteX1" y="connsiteY1"/>
+              </a:cxn>
+              <a:cxn ang="0">
+                <a:pos x="connsiteX2" y="connsiteY2"/>
+              </a:cxn>
+              <a:cxn ang="0">
+                <a:pos x="connsiteX3" y="connsiteY3"/>
+              </a:cxn>
+              <a:cxn ang="0">
+                <a:pos x="connsiteX4" y="connsiteY4"/>
+              </a:cxn>
+              <a:cxn ang="0">
+                <a:pos x="connsiteX5" y="connsiteY5"/>
+              </a:cxn>
+              <a:cxn ang="0">
+                <a:pos x="connsiteX6" y="connsiteY6"/>
+              </a:cxn>
+              <a:cxn ang="0">
+                <a:pos x="connsiteX7" y="connsiteY7"/>
+              </a:cxn>
+            </a:cxnLst>
+            <a:rect l="l" t="t" r="r" b="b"/>
+            <a:pathLst>
+              <a:path w="8958061" h="5167312">
+                <a:moveTo>
+                  <a:pt x="0" y="0"/>
+                </a:moveTo>
+                <a:lnTo>
+                  <a:pt x="7885684" y="0"/>
+                </a:lnTo>
+                <a:lnTo>
+                  <a:pt x="7884964" y="952"/>
+                </a:lnTo>
+                <a:lnTo>
+                  <a:pt x="8958061" y="952"/>
+                </a:lnTo>
+                <a:lnTo>
+                  <a:pt x="6564182" y="5167312"/>
+                </a:lnTo>
+                <a:lnTo>
+                  <a:pt x="3026607" y="5167312"/>
+                </a:lnTo>
+                <a:lnTo>
+                  <a:pt x="3026607" y="5166360"/>
+                </a:lnTo>
+                <a:lnTo>
+                  <a:pt x="0" y="5166360"/>
+                </a:lnTo>
+                <a:close/>
+              </a:path>
+            </a:pathLst>
+          </a:custGeom>
+          <a:solidFill>
+            <a:srgbClr val="303030"/>
+          </a:solidFill>
+          <a:ln>
+            <a:noFill/>
+          </a:ln>
+        </p:spPr>
+        <p:style>
+          <a:lnRef idx="2">
+            <a:schemeClr val="accent1">
+              <a:shade val="50000"/>
+            </a:schemeClr>
+          </a:lnRef>
+          <a:fillRef idx="1">
+            <a:schemeClr val="accent1"/>
+          </a:fillRef>
+          <a:effectRef idx="0">
+            <a:schemeClr val="accent1"/>
+          </a:effectRef>
+          <a:fontRef idx="minor">
+            <a:schemeClr val="lt1"/>
+          </a:fontRef>
+        </p:style>
+        <p:txBody>
+          <a:bodyPr wrap="square" rtlCol="0" anchor="ctr">
+            <a:noAutofit/>
+          </a:bodyPr>
+          <a:lstStyle/>
+          <a:p>
+            <a:pPr algn="ctr"/>
+            <a:endParaRPr lang="en-US"/>
+          </a:p>
+        </p:txBody>
+      </p:sp>
+      <p:sp>
+        <p:nvSpPr>
+          <p:cNvPr id="2" name="제목 1">
+            <a:extLst>
+              <a:ext uri="{FF2B5EF4-FFF2-40B4-BE49-F238E27FC236}">
+                <a16:creationId xmlns:a16="http://schemas.microsoft.com/office/drawing/2014/main" id="{AE766D2F-3495-42FC-9B20-4D56CAAB6333}"/>
+              </a:ext>
+            </a:extLst>
+          </p:cNvPr>
+          <p:cNvSpPr>
+            <a:spLocks noGrp="1"/>
+          </p:cNvSpPr>
+          <p:nvPr>
+            <p:ph type="title"/>
+          </p:nvPr>
+        </p:nvSpPr>
+        <p:spPr>
+          <a:xfrm>
+            <a:off x="841248" y="365759"/>
+            <a:ext cx="7769352" cy="1325880"/>
+          </a:xfrm>
+        </p:spPr>
+        <p:txBody>
+          <a:bodyPr anchor="ctr">
+            <a:normAutofit/>
+          </a:bodyPr>
+          <a:lstStyle/>
+          <a:p>
+            <a:r>
+              <a:rPr lang="ko-KR" altLang="en-US">
+                <a:solidFill>
+                  <a:schemeClr val="bg1"/>
+                </a:solidFill>
+              </a:rPr>
+              <a:t>스크립트 만들어보기</a:t>
+            </a:r>
+          </a:p>
+        </p:txBody>
+      </p:sp>
+      <p:sp>
+        <p:nvSpPr>
+          <p:cNvPr id="34" name="Freeform: Shape 33">
+            <a:extLst>
+              <a:ext uri="{FF2B5EF4-FFF2-40B4-BE49-F238E27FC236}">
+                <a16:creationId xmlns:a16="http://schemas.microsoft.com/office/drawing/2014/main" id="{F4CBD955-7E14-485C-919F-EC1D1B9BC25C}"/>
+              </a:ext>
+              <a:ext uri="{C183D7F6-B498-43B3-948B-1728B52AA6E4}">
+                <adec:decorative xmlns:adec="http://schemas.microsoft.com/office/drawing/2017/decorative" val="1"/>
+              </a:ext>
+            </a:extLst>
+          </p:cNvPr>
+          <p:cNvSpPr>
+            <a:spLocks noGrp="1" noRot="1" noChangeAspect="1" noMove="1" noResize="1" noEditPoints="1" noAdjustHandles="1" noChangeArrowheads="1" noChangeShapeType="1" noTextEdit="1"/>
+          </p:cNvSpPr>
+          <p:nvPr>
+            <p:extLst>
+              <p:ext uri="{386F3935-93C4-4BCD-93E2-E3B085C9AB24}">
+                <p16:designElem xmlns:p16="http://schemas.microsoft.com/office/powerpoint/2015/main" val="1"/>
+              </p:ext>
+            </p:extLst>
+          </p:nvPr>
+        </p:nvSpPr>
+        <p:spPr>
+          <a:xfrm>
+            <a:off x="9205410" y="2"/>
+            <a:ext cx="2986590" cy="1511301"/>
+          </a:xfrm>
+          <a:custGeom>
+            <a:avLst/>
+            <a:gdLst>
+              <a:gd name="connsiteX0" fmla="*/ 697617 w 2986590"/>
+              <a:gd name="connsiteY0" fmla="*/ 0 h 1511301"/>
+              <a:gd name="connsiteX1" fmla="*/ 1096710 w 2986590"/>
+              <a:gd name="connsiteY1" fmla="*/ 0 h 1511301"/>
+              <a:gd name="connsiteX2" fmla="*/ 1191330 w 2986590"/>
+              <a:gd name="connsiteY2" fmla="*/ 0 h 1511301"/>
+              <a:gd name="connsiteX3" fmla="*/ 2986590 w 2986590"/>
+              <a:gd name="connsiteY3" fmla="*/ 0 h 1511301"/>
+              <a:gd name="connsiteX4" fmla="*/ 2986590 w 2986590"/>
+              <a:gd name="connsiteY4" fmla="*/ 1511301 h 1511301"/>
+              <a:gd name="connsiteX5" fmla="*/ 1191330 w 2986590"/>
+              <a:gd name="connsiteY5" fmla="*/ 1511301 h 1511301"/>
+              <a:gd name="connsiteX6" fmla="*/ 399093 w 2986590"/>
+              <a:gd name="connsiteY6" fmla="*/ 1511301 h 1511301"/>
+              <a:gd name="connsiteX7" fmla="*/ 0 w 2986590"/>
+              <a:gd name="connsiteY7" fmla="*/ 1511301 h 1511301"/>
+            </a:gdLst>
+            <a:ahLst/>
+            <a:cxnLst>
+              <a:cxn ang="0">
+                <a:pos x="connsiteX0" y="connsiteY0"/>
+              </a:cxn>
+              <a:cxn ang="0">
+                <a:pos x="connsiteX1" y="connsiteY1"/>
+              </a:cxn>
+              <a:cxn ang="0">
+                <a:pos x="connsiteX2" y="connsiteY2"/>
+              </a:cxn>
+              <a:cxn ang="0">
+                <a:pos x="connsiteX3" y="connsiteY3"/>
+              </a:cxn>
+              <a:cxn ang="0">
+                <a:pos x="connsiteX4" y="connsiteY4"/>
+              </a:cxn>
+              <a:cxn ang="0">
+                <a:pos x="connsiteX5" y="connsiteY5"/>
+              </a:cxn>
+              <a:cxn ang="0">
+                <a:pos x="connsiteX6" y="connsiteY6"/>
+              </a:cxn>
+              <a:cxn ang="0">
+                <a:pos x="connsiteX7" y="connsiteY7"/>
+              </a:cxn>
+            </a:cxnLst>
+            <a:rect l="l" t="t" r="r" b="b"/>
+            <a:pathLst>
+              <a:path w="2986590" h="1511301">
+                <a:moveTo>
+                  <a:pt x="697617" y="0"/>
+                </a:moveTo>
+                <a:lnTo>
+                  <a:pt x="1096710" y="0"/>
+                </a:lnTo>
+                <a:lnTo>
+                  <a:pt x="1191330" y="0"/>
+                </a:lnTo>
+                <a:lnTo>
+                  <a:pt x="2986590" y="0"/>
+                </a:lnTo>
+                <a:lnTo>
+                  <a:pt x="2986590" y="1511301"/>
+                </a:lnTo>
+                <a:lnTo>
+                  <a:pt x="1191330" y="1511301"/>
+                </a:lnTo>
+                <a:lnTo>
+                  <a:pt x="399093" y="1511301"/>
+                </a:lnTo>
+                <a:lnTo>
+                  <a:pt x="0" y="1511301"/>
+                </a:lnTo>
+                <a:close/>
+              </a:path>
+            </a:pathLst>
+          </a:custGeom>
+          <a:solidFill>
+            <a:schemeClr val="accent4"/>
+          </a:solidFill>
+          <a:ln>
+            <a:noFill/>
+          </a:ln>
+        </p:spPr>
+        <p:style>
+          <a:lnRef idx="2">
+            <a:schemeClr val="accent1">
+              <a:shade val="50000"/>
+            </a:schemeClr>
+          </a:lnRef>
+          <a:fillRef idx="1">
+            <a:schemeClr val="accent1"/>
+          </a:fillRef>
+          <a:effectRef idx="0">
+            <a:schemeClr val="accent1"/>
+          </a:effectRef>
+          <a:fontRef idx="minor">
+            <a:schemeClr val="lt1"/>
+          </a:fontRef>
+        </p:style>
+        <p:txBody>
+          <a:bodyPr wrap="square" rtlCol="0" anchor="ctr">
+            <a:noAutofit/>
+          </a:bodyPr>
+          <a:lstStyle/>
+          <a:p>
+            <a:pPr algn="ctr"/>
+            <a:endParaRPr lang="en-US"/>
+          </a:p>
+        </p:txBody>
+      </p:sp>
+      <p:sp>
+        <p:nvSpPr>
+          <p:cNvPr id="8" name="Content Placeholder 7">
+            <a:extLst>
+              <a:ext uri="{FF2B5EF4-FFF2-40B4-BE49-F238E27FC236}">
+                <a16:creationId xmlns:a16="http://schemas.microsoft.com/office/drawing/2014/main" id="{AA00A024-9EDF-46DF-96BF-349AC538FD84}"/>
+              </a:ext>
+            </a:extLst>
+          </p:cNvPr>
+          <p:cNvSpPr>
+            <a:spLocks noGrp="1"/>
+          </p:cNvSpPr>
+          <p:nvPr>
+            <p:ph idx="1"/>
+          </p:nvPr>
+        </p:nvSpPr>
+        <p:spPr>
+          <a:xfrm>
+            <a:off x="841248" y="2209800"/>
+            <a:ext cx="5887479" cy="4010025"/>
+          </a:xfrm>
+        </p:spPr>
+        <p:txBody>
+          <a:bodyPr anchor="t">
+            <a:normAutofit/>
+          </a:bodyPr>
+          <a:lstStyle/>
+          <a:p>
+            <a:r>
+              <a:rPr lang="en-US" sz="2000">
+                <a:solidFill>
+                  <a:srgbClr val="FFFFFF"/>
+                </a:solidFill>
+              </a:rPr>
+              <a:t>Start()</a:t>
+            </a:r>
+          </a:p>
+          <a:p>
+            <a:pPr lvl="1"/>
+            <a:r>
+              <a:rPr lang="ko-KR" altLang="en-US" sz="2000">
+                <a:solidFill>
+                  <a:srgbClr val="FFFFFF"/>
+                </a:solidFill>
+              </a:rPr>
+              <a:t>게임을 시작할 때만 한 번 실행된다</a:t>
+            </a:r>
+            <a:endParaRPr lang="en-US" altLang="ko-KR" sz="2000">
+              <a:solidFill>
+                <a:srgbClr val="FFFFFF"/>
+              </a:solidFill>
+            </a:endParaRPr>
+          </a:p>
+          <a:p>
+            <a:pPr lvl="1"/>
+            <a:r>
+              <a:rPr lang="en-US" sz="2000">
+                <a:solidFill>
+                  <a:srgbClr val="FFFFFF"/>
+                </a:solidFill>
+              </a:rPr>
+              <a:t>Update() </a:t>
+            </a:r>
+            <a:r>
+              <a:rPr lang="ko-KR" altLang="en-US" sz="2000">
+                <a:solidFill>
+                  <a:srgbClr val="FFFFFF"/>
+                </a:solidFill>
+              </a:rPr>
+              <a:t>실행 전에 실행된다</a:t>
+            </a:r>
+            <a:endParaRPr lang="en-US" altLang="ko-KR" sz="2000">
+              <a:solidFill>
+                <a:srgbClr val="FFFFFF"/>
+              </a:solidFill>
+            </a:endParaRPr>
+          </a:p>
+          <a:p>
+            <a:pPr lvl="1"/>
+            <a:r>
+              <a:rPr lang="ko-KR" altLang="en-US" sz="2000">
+                <a:solidFill>
+                  <a:srgbClr val="FFFFFF"/>
+                </a:solidFill>
+              </a:rPr>
+              <a:t>주로 초기화를 목적으로 사용한다</a:t>
+            </a:r>
+            <a:endParaRPr lang="en-US" altLang="ko-KR" sz="2000">
+              <a:solidFill>
+                <a:srgbClr val="FFFFFF"/>
+              </a:solidFill>
+            </a:endParaRPr>
+          </a:p>
+          <a:p>
+            <a:pPr marL="457200" lvl="1" indent="0">
+              <a:buNone/>
+            </a:pPr>
+            <a:endParaRPr lang="en-US" sz="2000">
+              <a:solidFill>
+                <a:srgbClr val="FFFFFF"/>
+              </a:solidFill>
+            </a:endParaRPr>
+          </a:p>
+          <a:p>
+            <a:r>
+              <a:rPr lang="en-US" sz="2000">
+                <a:solidFill>
+                  <a:srgbClr val="FFFFFF"/>
+                </a:solidFill>
+              </a:rPr>
+              <a:t>Update()</a:t>
+            </a:r>
+          </a:p>
+          <a:p>
+            <a:pPr lvl="1"/>
+            <a:r>
+              <a:rPr lang="ko-KR" altLang="en-US" sz="2000">
+                <a:solidFill>
+                  <a:srgbClr val="FFFFFF"/>
+                </a:solidFill>
+              </a:rPr>
+              <a:t>한 프레임마다 한 번 실행된다</a:t>
+            </a:r>
+            <a:endParaRPr lang="en-US" altLang="ko-KR" sz="2000">
+              <a:solidFill>
+                <a:srgbClr val="FFFFFF"/>
+              </a:solidFill>
+            </a:endParaRPr>
+          </a:p>
+          <a:p>
+            <a:pPr lvl="1"/>
+            <a:r>
+              <a:rPr lang="ko-KR" altLang="en-US" sz="2000">
+                <a:solidFill>
+                  <a:srgbClr val="FFFFFF"/>
+                </a:solidFill>
+              </a:rPr>
+              <a:t>만약 입력값이 존재하면 입력을 받은 후 실행된다</a:t>
+            </a:r>
+            <a:endParaRPr lang="en-US" sz="2000">
+              <a:solidFill>
+                <a:srgbClr val="FFFFFF"/>
+              </a:solidFill>
+            </a:endParaRPr>
+          </a:p>
+        </p:txBody>
+      </p:sp>
+    </p:spTree>
+    <p:extLst>
+      <p:ext uri="{BB962C8B-B14F-4D97-AF65-F5344CB8AC3E}">
+        <p14:creationId xmlns:p14="http://schemas.microsoft.com/office/powerpoint/2010/main" val="122038370"/>
+      </p:ext>
+    </p:extLst>
+  </p:cSld>
+  <p:clrMapOvr>
+    <a:overrideClrMapping bg1="dk1" tx1="lt1" bg2="dk2" tx2="lt2" accent1="accent1" accent2="accent2" accent3="accent3" accent4="accent4" accent5="accent5" accent6="accent6" hlink="hlink" folHlink="folHlink"/>
+  </p:clrMapOvr>
+</p:sld>
+</file>
+
+<file path=ppt/slides/slide6.xml><?xml version="1.0" encoding="utf-8"?>
+<p:sld xmlns:a="http://schemas.openxmlformats.org/drawingml/2006/main" xmlns:r="http://schemas.openxmlformats.org/officeDocument/2006/relationships" xmlns:p="http://schemas.openxmlformats.org/presentationml/2006/main">
+  <p:cSld>
+    <p:bg>
+      <p:bgPr>
+        <a:solidFill>
+          <a:schemeClr val="bg1"/>
+        </a:solidFill>
+        <a:effectLst/>
+      </p:bgPr>
+    </p:bg>
+    <p:spTree>
+      <p:nvGrpSpPr>
+        <p:cNvPr id="1" name=""/>
+        <p:cNvGrpSpPr/>
+        <p:nvPr/>
+      </p:nvGrpSpPr>
+      <p:grpSpPr>
+        <a:xfrm>
+          <a:off x="0" y="0"/>
+          <a:ext cx="0" cy="0"/>
+          <a:chOff x="0" y="0"/>
+          <a:chExt cx="0" cy="0"/>
+        </a:xfrm>
+      </p:grpSpPr>
+      <p:sp>
+        <p:nvSpPr>
+          <p:cNvPr id="2" name="제목 1">
+            <a:extLst>
+              <a:ext uri="{FF2B5EF4-FFF2-40B4-BE49-F238E27FC236}">
+                <a16:creationId xmlns:a16="http://schemas.microsoft.com/office/drawing/2014/main" id="{AF04183B-E9EC-43D3-B216-FF9424486E8B}"/>
+              </a:ext>
+            </a:extLst>
+          </p:cNvPr>
+          <p:cNvSpPr>
+            <a:spLocks noGrp="1"/>
+          </p:cNvSpPr>
+          <p:nvPr>
+            <p:ph type="title"/>
+          </p:nvPr>
+        </p:nvSpPr>
+        <p:spPr>
+          <a:xfrm>
+            <a:off x="4965430" y="629268"/>
+            <a:ext cx="6586491" cy="1286160"/>
+          </a:xfrm>
+        </p:spPr>
+        <p:txBody>
+          <a:bodyPr anchor="b">
+            <a:normAutofit/>
+          </a:bodyPr>
+          <a:lstStyle/>
+          <a:p>
+            <a:r>
+              <a:rPr lang="ko-KR" altLang="en-US" dirty="0"/>
+              <a:t>이벤트 함수</a:t>
+            </a:r>
+          </a:p>
+        </p:txBody>
+      </p:sp>
+      <p:sp>
+        <p:nvSpPr>
+          <p:cNvPr id="3" name="내용 개체 틀 2">
+            <a:extLst>
+              <a:ext uri="{FF2B5EF4-FFF2-40B4-BE49-F238E27FC236}">
+                <a16:creationId xmlns:a16="http://schemas.microsoft.com/office/drawing/2014/main" id="{CAAA8F6B-025E-4FB6-8AB8-B5CFA8FAAEAE}"/>
+              </a:ext>
+            </a:extLst>
+          </p:cNvPr>
+          <p:cNvSpPr>
+            <a:spLocks noGrp="1"/>
+          </p:cNvSpPr>
+          <p:nvPr>
+            <p:ph idx="1"/>
+          </p:nvPr>
+        </p:nvSpPr>
+        <p:spPr>
+          <a:xfrm>
+            <a:off x="4965431" y="2438400"/>
+            <a:ext cx="6586489" cy="3785419"/>
+          </a:xfrm>
+        </p:spPr>
+        <p:txBody>
+          <a:bodyPr>
+            <a:normAutofit/>
+          </a:bodyPr>
+          <a:lstStyle/>
+          <a:p>
+            <a:r>
+              <a:rPr lang="ko-KR" altLang="en-US" sz="2000"/>
+              <a:t>유니티가 자동으로 실행하는 함수들</a:t>
+            </a:r>
+            <a:endParaRPr lang="en-US" altLang="ko-KR" sz="2000"/>
+          </a:p>
+          <a:p>
+            <a:pPr lvl="1"/>
+            <a:r>
+              <a:rPr lang="en-US" altLang="ko-KR" sz="2000"/>
+              <a:t>Start()</a:t>
+            </a:r>
+            <a:r>
+              <a:rPr lang="ko-KR" altLang="en-US" sz="2000"/>
+              <a:t>와</a:t>
+            </a:r>
+            <a:r>
+              <a:rPr lang="en-US" altLang="ko-KR" sz="2000"/>
+              <a:t> Update()</a:t>
+            </a:r>
+            <a:r>
+              <a:rPr lang="ko-KR" altLang="en-US" sz="2000"/>
+              <a:t>가 이것들에 포함된다</a:t>
+            </a:r>
+            <a:r>
+              <a:rPr lang="en-US" altLang="ko-KR" sz="2000"/>
+              <a:t>.</a:t>
+            </a:r>
+          </a:p>
+          <a:p>
+            <a:pPr lvl="1"/>
+            <a:r>
+              <a:rPr lang="en-US" altLang="ko-KR" sz="2000"/>
+              <a:t>MonoBehaviour</a:t>
+            </a:r>
+            <a:r>
+              <a:rPr lang="ko-KR" altLang="en-US" sz="2000"/>
+              <a:t>에서 상속받는다</a:t>
+            </a:r>
+            <a:endParaRPr lang="en-US" altLang="ko-KR" sz="2000"/>
+          </a:p>
+          <a:p>
+            <a:pPr marL="457200" lvl="1" indent="0">
+              <a:buNone/>
+            </a:pPr>
+            <a:endParaRPr lang="en-US" altLang="ko-KR" sz="2000"/>
+          </a:p>
+        </p:txBody>
+      </p:sp>
+      <p:pic>
+        <p:nvPicPr>
+          <p:cNvPr id="1026" name="Picture 2">
+            <a:extLst>
+              <a:ext uri="{FF2B5EF4-FFF2-40B4-BE49-F238E27FC236}">
+                <a16:creationId xmlns:a16="http://schemas.microsoft.com/office/drawing/2014/main" id="{BFBC7D7D-E946-4C12-A5A2-4C189BC5B4A7}"/>
+              </a:ext>
+            </a:extLst>
+          </p:cNvPr>
+          <p:cNvPicPr>
+            <a:picLocks noChangeAspect="1" noChangeArrowheads="1"/>
+          </p:cNvPicPr>
+          <p:nvPr/>
+        </p:nvPicPr>
+        <p:blipFill rotWithShape="1">
+          <a:blip r:embed="rId2">
+            <a:extLst>
+              <a:ext uri="{28A0092B-C50C-407E-A947-70E740481C1C}">
+                <a14:useLocalDpi xmlns:a14="http://schemas.microsoft.com/office/drawing/2010/main" val="0"/>
+              </a:ext>
+            </a:extLst>
+          </a:blip>
+          <a:srcRect l="16981" r="16607" b="-2"/>
+          <a:stretch/>
+        </p:blipFill>
+        <p:spPr bwMode="auto">
+          <a:xfrm>
+            <a:off x="20" y="10"/>
+            <a:ext cx="4635571" cy="6857990"/>
+          </a:xfrm>
+          <a:prstGeom prst="rect">
+            <a:avLst/>
+          </a:prstGeom>
+          <a:noFill/>
+          <a:effectLst/>
+          <a:extLst>
+            <a:ext uri="{909E8E84-426E-40DD-AFC4-6F175D3DCCD1}">
+              <a14:hiddenFill xmlns:a14="http://schemas.microsoft.com/office/drawing/2010/main">
+                <a:solidFill>
+                  <a:srgbClr val="FFFFFF"/>
+                </a:solidFill>
+              </a14:hiddenFill>
+            </a:ext>
+          </a:extLst>
+        </p:spPr>
+      </p:pic>
+      <p:cxnSp>
+        <p:nvCxnSpPr>
+          <p:cNvPr id="71" name="Straight Connector 70">
+            <a:extLst>
+              <a:ext uri="{FF2B5EF4-FFF2-40B4-BE49-F238E27FC236}">
+                <a16:creationId xmlns:a16="http://schemas.microsoft.com/office/drawing/2014/main" id="{A7F400EE-A8A5-48AF-B4D6-291B52C6F0B0}"/>
+              </a:ext>
+              <a:ext uri="{C183D7F6-B498-43B3-948B-1728B52AA6E4}">
+                <adec:decorative xmlns:adec="http://schemas.microsoft.com/office/drawing/2017/decorative" val="1"/>
+              </a:ext>
+            </a:extLst>
+          </p:cNvPr>
+          <p:cNvCxnSpPr>
+            <a:cxnSpLocks noGrp="1" noRot="1" noChangeAspect="1" noMove="1" noResize="1" noEditPoints="1" noAdjustHandles="1" noChangeArrowheads="1" noChangeShapeType="1"/>
+          </p:cNvCxnSpPr>
+          <p:nvPr>
+            <p:extLst>
+              <p:ext uri="{386F3935-93C4-4BCD-93E2-E3B085C9AB24}">
+                <p16:designElem xmlns:p16="http://schemas.microsoft.com/office/powerpoint/2015/main" val="1"/>
+              </p:ext>
+            </p:extLst>
+          </p:nvPr>
+        </p:nvCxnSpPr>
+        <p:spPr>
+          <a:xfrm>
+            <a:off x="5080934" y="2115117"/>
+            <a:ext cx="6309360" cy="0"/>
+          </a:xfrm>
+          <a:prstGeom prst="line">
+            <a:avLst/>
+          </a:prstGeom>
+          <a:ln w="19050">
+            <a:solidFill>
+              <a:srgbClr val="E1B694"/>
+            </a:solidFill>
+          </a:ln>
+        </p:spPr>
+        <p:style>
+          <a:lnRef idx="1">
+            <a:schemeClr val="accent1"/>
+          </a:lnRef>
+          <a:fillRef idx="0">
+            <a:schemeClr val="accent1"/>
+          </a:fillRef>
+          <a:effectRef idx="0">
+            <a:schemeClr val="accent1"/>
+          </a:effectRef>
+          <a:fontRef idx="minor">
+            <a:schemeClr val="tx1"/>
+          </a:fontRef>
+        </p:style>
+      </p:cxnSp>
+      <p:sp>
+        <p:nvSpPr>
+          <p:cNvPr id="4" name="TextBox 3">
+            <a:extLst>
+              <a:ext uri="{FF2B5EF4-FFF2-40B4-BE49-F238E27FC236}">
+                <a16:creationId xmlns:a16="http://schemas.microsoft.com/office/drawing/2014/main" id="{B19A0A05-15BA-45A3-A74E-FD74D516F035}"/>
+              </a:ext>
+            </a:extLst>
+          </p:cNvPr>
+          <p:cNvSpPr txBox="1"/>
+          <p:nvPr/>
+        </p:nvSpPr>
+        <p:spPr>
+          <a:xfrm>
+            <a:off x="4965430" y="4232759"/>
+            <a:ext cx="5533292" cy="1200329"/>
+          </a:xfrm>
+          <a:prstGeom prst="rect">
+            <a:avLst/>
+          </a:prstGeom>
+          <a:noFill/>
+        </p:spPr>
+        <p:txBody>
+          <a:bodyPr wrap="square" rtlCol="0">
+            <a:spAutoFit/>
+          </a:bodyPr>
+          <a:lstStyle/>
+          <a:p>
+            <a:pPr>
+              <a:spcAft>
+                <a:spcPts val="600"/>
+              </a:spcAft>
+            </a:pPr>
+            <a:r>
+              <a:rPr lang="ko-KR" altLang="en-US" sz="2400" dirty="0"/>
+              <a:t>유니티 문서</a:t>
+            </a:r>
+            <a:r>
+              <a:rPr lang="en-US" altLang="ko-KR" sz="2400" dirty="0"/>
+              <a:t>: </a:t>
+            </a:r>
+            <a:r>
+              <a:rPr lang="en-US" altLang="ko-KR" sz="2400" dirty="0">
+                <a:hlinkClick r:id="rId3"/>
+              </a:rPr>
+              <a:t>https://docs.unity3d.com/kr/530/Manual/ExecutionOrder.html</a:t>
+            </a:r>
+            <a:endParaRPr lang="ko-KR" altLang="en-US" sz="2400" dirty="0"/>
+          </a:p>
+        </p:txBody>
+      </p:sp>
+    </p:spTree>
+    <p:extLst>
+      <p:ext uri="{BB962C8B-B14F-4D97-AF65-F5344CB8AC3E}">
+        <p14:creationId xmlns:p14="http://schemas.microsoft.com/office/powerpoint/2010/main" val="132776390"/>
+      </p:ext>
+    </p:extLst>
+  </p:cSld>
+  <p:clrMapOvr>
+    <a:masterClrMapping/>
+  </p:clrMapOvr>
+</p:sld>
+</file>
+
+<file path=ppt/slides/slide7.xml><?xml version="1.0" encoding="utf-8"?>
+<p:sld xmlns:a="http://schemas.openxmlformats.org/drawingml/2006/main" xmlns:r="http://schemas.openxmlformats.org/officeDocument/2006/relationships" xmlns:p="http://schemas.openxmlformats.org/presentationml/2006/main">
+  <p:cSld>
+    <p:bg>
+      <p:bgPr>
+        <a:solidFill>
+          <a:schemeClr val="bg1"/>
+        </a:solidFill>
+        <a:effectLst/>
+      </p:bgPr>
+    </p:bg>
+    <p:spTree>
+      <p:nvGrpSpPr>
+        <p:cNvPr id="1" name=""/>
+        <p:cNvGrpSpPr/>
+        <p:nvPr/>
+      </p:nvGrpSpPr>
+      <p:grpSpPr>
+        <a:xfrm>
+          <a:off x="0" y="0"/>
+          <a:ext cx="0" cy="0"/>
+          <a:chOff x="0" y="0"/>
+          <a:chExt cx="0" cy="0"/>
+        </a:xfrm>
+      </p:grpSpPr>
+      <p:sp useBgFill="1">
+        <p:nvSpPr>
+          <p:cNvPr id="7" name="Rectangle 6">
+            <a:extLst>
+              <a:ext uri="{FF2B5EF4-FFF2-40B4-BE49-F238E27FC236}">
+                <a16:creationId xmlns:a16="http://schemas.microsoft.com/office/drawing/2014/main" id="{B35D3C1D-A6AE-4FCA-BB76-A4748CE5DE55}"/>
+              </a:ext>
+              <a:ext uri="{C183D7F6-B498-43B3-948B-1728B52AA6E4}">
+                <adec:decorative xmlns:adec="http://schemas.microsoft.com/office/drawing/2017/decorative" val="1"/>
+              </a:ext>
+            </a:extLst>
+          </p:cNvPr>
+          <p:cNvSpPr>
+            <a:spLocks noGrp="1" noRot="1" noChangeAspect="1" noMove="1" noResize="1" noEditPoints="1" noAdjustHandles="1" noChangeArrowheads="1" noChangeShapeType="1" noTextEdit="1"/>
+          </p:cNvSpPr>
+          <p:nvPr>
+            <p:extLst>
+              <p:ext uri="{386F3935-93C4-4BCD-93E2-E3B085C9AB24}">
+                <p16:designElem xmlns:p16="http://schemas.microsoft.com/office/powerpoint/2015/main" val="1"/>
+              </p:ext>
+            </p:extLst>
+          </p:nvPr>
+        </p:nvSpPr>
+        <p:spPr>
+          <a:xfrm>
+            <a:off x="0" y="0"/>
+            <a:ext cx="12192000" cy="6858000"/>
+          </a:xfrm>
+          <a:prstGeom prst="rect">
+            <a:avLst/>
+          </a:prstGeom>
+          <a:ln>
+            <a:noFill/>
+          </a:ln>
+        </p:spPr>
+        <p:style>
+          <a:lnRef idx="2">
+            <a:schemeClr val="accent1">
+              <a:shade val="50000"/>
+            </a:schemeClr>
+          </a:lnRef>
+          <a:fillRef idx="1">
+            <a:schemeClr val="accent1"/>
+          </a:fillRef>
+          <a:effectRef idx="0">
+            <a:schemeClr val="accent1"/>
+          </a:effectRef>
+          <a:fontRef idx="minor">
+            <a:schemeClr val="lt1"/>
+          </a:fontRef>
+        </p:style>
+        <p:txBody>
+          <a:bodyPr rtlCol="0" anchor="ctr"/>
+          <a:lstStyle/>
+          <a:p>
+            <a:pPr algn="ctr"/>
+            <a:endParaRPr lang="en-US"/>
+          </a:p>
+        </p:txBody>
+      </p:sp>
+      <p:sp>
+        <p:nvSpPr>
+          <p:cNvPr id="2" name="제목 1">
+            <a:extLst>
+              <a:ext uri="{FF2B5EF4-FFF2-40B4-BE49-F238E27FC236}">
+                <a16:creationId xmlns:a16="http://schemas.microsoft.com/office/drawing/2014/main" id="{C3130591-502E-421C-AD4E-CEA264C09C2F}"/>
+              </a:ext>
+            </a:extLst>
+          </p:cNvPr>
+          <p:cNvSpPr>
+            <a:spLocks noGrp="1"/>
+          </p:cNvSpPr>
+          <p:nvPr>
+            <p:ph type="title"/>
+          </p:nvPr>
+        </p:nvSpPr>
+        <p:spPr>
+          <a:xfrm>
+            <a:off x="558210" y="1365472"/>
+            <a:ext cx="10978470" cy="3564636"/>
+          </a:xfrm>
+        </p:spPr>
+        <p:txBody>
+          <a:bodyPr vert="horz" lIns="91440" tIns="45720" rIns="91440" bIns="45720" rtlCol="0" anchor="ctr">
+            <a:normAutofit/>
+          </a:bodyPr>
+          <a:lstStyle/>
+          <a:p>
+            <a:pPr latinLnBrk="0"/>
+            <a:r>
+              <a:rPr lang="ko-KR" altLang="en-US" sz="8800" kern="1200">
+                <a:solidFill>
+                  <a:schemeClr val="tx1"/>
+                </a:solidFill>
+                <a:latin typeface="+mj-lt"/>
+                <a:ea typeface="+mj-ea"/>
+                <a:cs typeface="+mj-cs"/>
+              </a:rPr>
+              <a:t>입력 처리</a:t>
+            </a:r>
+          </a:p>
+        </p:txBody>
+      </p:sp>
+      <p:sp>
+        <p:nvSpPr>
+          <p:cNvPr id="9" name="Rectangle 8">
+            <a:extLst>
+              <a:ext uri="{FF2B5EF4-FFF2-40B4-BE49-F238E27FC236}">
+                <a16:creationId xmlns:a16="http://schemas.microsoft.com/office/drawing/2014/main" id="{6D5BF818-2283-4CC9-A120-9225CEDFA6D2}"/>
+              </a:ext>
+              <a:ext uri="{C183D7F6-B498-43B3-948B-1728B52AA6E4}">
+                <adec:decorative xmlns:adec="http://schemas.microsoft.com/office/drawing/2017/decorative" val="1"/>
+              </a:ext>
+            </a:extLst>
+          </p:cNvPr>
+          <p:cNvSpPr>
+            <a:spLocks noGrp="1" noRot="1" noChangeAspect="1" noMove="1" noResize="1" noEditPoints="1" noAdjustHandles="1" noChangeArrowheads="1" noChangeShapeType="1" noTextEdit="1"/>
+          </p:cNvSpPr>
+          <p:nvPr>
+            <p:extLst>
+              <p:ext uri="{386F3935-93C4-4BCD-93E2-E3B085C9AB24}">
+                <p16:designElem xmlns:p16="http://schemas.microsoft.com/office/powerpoint/2015/main" val="1"/>
+              </p:ext>
+            </p:extLst>
+          </p:nvPr>
+        </p:nvSpPr>
+        <p:spPr>
+          <a:xfrm>
+            <a:off x="0" y="1913350"/>
+            <a:ext cx="128016" cy="2468880"/>
+          </a:xfrm>
+          <a:prstGeom prst="rect">
+            <a:avLst/>
+          </a:prstGeom>
+          <a:solidFill>
+            <a:schemeClr val="accent2"/>
+          </a:solidFill>
+          <a:ln>
+            <a:noFill/>
+          </a:ln>
+        </p:spPr>
+        <p:style>
+          <a:lnRef idx="2">
+            <a:schemeClr val="accent1">
+              <a:shade val="50000"/>
+            </a:schemeClr>
+          </a:lnRef>
+          <a:fillRef idx="1">
+            <a:schemeClr val="accent1"/>
+          </a:fillRef>
+          <a:effectRef idx="0">
+            <a:schemeClr val="accent1"/>
+          </a:effectRef>
+          <a:fontRef idx="minor">
+            <a:schemeClr val="lt1"/>
+          </a:fontRef>
+        </p:style>
+        <p:txBody>
+          <a:bodyPr rtlCol="0" anchor="ctr"/>
+          <a:lstStyle/>
+          <a:p>
+            <a:pPr marL="0" marR="0" lvl="0" indent="0" algn="ctr" defTabSz="914400" rtl="0" eaLnBrk="1" fontAlgn="auto" latinLnBrk="0" hangingPunct="1">
+              <a:lnSpc>
+                <a:spcPct val="100000"/>
+              </a:lnSpc>
+              <a:spcBef>
+                <a:spcPts val="0"/>
+              </a:spcBef>
+              <a:spcAft>
+                <a:spcPts val="0"/>
+              </a:spcAft>
+              <a:buClrTx/>
+              <a:buSzTx/>
+              <a:buFontTx/>
+              <a:buNone/>
+              <a:tabLst/>
+              <a:defRPr/>
+            </a:pPr>
+            <a:endParaRPr kumimoji="0" lang="en-US" sz="1800" b="0" i="0" u="none" strike="noStrike" kern="1200" cap="none" spc="0" normalizeH="0" baseline="0" noProof="0" dirty="0">
+              <a:ln>
+                <a:noFill/>
+              </a:ln>
+              <a:solidFill>
+                <a:prstClr val="white"/>
+              </a:solidFill>
+              <a:effectLst/>
+              <a:uLnTx/>
+              <a:uFillTx/>
+              <a:latin typeface="Calibri" panose="020F0502020204030204"/>
+              <a:ea typeface="+mn-ea"/>
+              <a:cs typeface="+mn-cs"/>
+            </a:endParaRPr>
+          </a:p>
+        </p:txBody>
+      </p:sp>
+      <p:sp>
+        <p:nvSpPr>
+          <p:cNvPr id="11" name="Rectangle 10">
+            <a:extLst>
+              <a:ext uri="{FF2B5EF4-FFF2-40B4-BE49-F238E27FC236}">
+                <a16:creationId xmlns:a16="http://schemas.microsoft.com/office/drawing/2014/main" id="{063A42EF-20CC-4BCC-9D0B-222CF3AAE8C9}"/>
+              </a:ext>
+              <a:ext uri="{C183D7F6-B498-43B3-948B-1728B52AA6E4}">
+                <adec:decorative xmlns:adec="http://schemas.microsoft.com/office/drawing/2017/decorative" val="1"/>
+              </a:ext>
+            </a:extLst>
+          </p:cNvPr>
+          <p:cNvSpPr>
+            <a:spLocks noGrp="1" noRot="1" noChangeAspect="1" noMove="1" noResize="1" noEditPoints="1" noAdjustHandles="1" noChangeArrowheads="1" noChangeShapeType="1" noTextEdit="1"/>
+          </p:cNvSpPr>
+          <p:nvPr>
+            <p:extLst>
+              <p:ext uri="{386F3935-93C4-4BCD-93E2-E3B085C9AB24}">
+                <p16:designElem xmlns:p16="http://schemas.microsoft.com/office/powerpoint/2015/main" val="1"/>
+              </p:ext>
+            </p:extLst>
+          </p:nvPr>
+        </p:nvSpPr>
+        <p:spPr>
+          <a:xfrm>
+            <a:off x="650945" y="5831269"/>
+            <a:ext cx="10927080" cy="18288"/>
+          </a:xfrm>
+          <a:prstGeom prst="rect">
+            <a:avLst/>
+          </a:prstGeom>
+          <a:solidFill>
+            <a:srgbClr val="D5D5D5"/>
+          </a:solidFill>
+          <a:ln w="3175">
+            <a:noFill/>
+          </a:ln>
+          <a:effectLst/>
+        </p:spPr>
+        <p:style>
+          <a:lnRef idx="2">
+            <a:schemeClr val="accent1">
+              <a:shade val="50000"/>
+            </a:schemeClr>
+          </a:lnRef>
+          <a:fillRef idx="1">
+            <a:schemeClr val="accent1"/>
+          </a:fillRef>
+          <a:effectRef idx="0">
+            <a:schemeClr val="accent1"/>
+          </a:effectRef>
+          <a:fontRef idx="minor">
+            <a:schemeClr val="lt1"/>
+          </a:fontRef>
+        </p:style>
+        <p:txBody>
+          <a:bodyPr rtlCol="0" anchor="ctr"/>
+          <a:lstStyle/>
+          <a:p>
+            <a:pPr algn="ctr"/>
+            <a:endParaRPr lang="en-US">
+              <a:solidFill>
+                <a:prstClr val="white"/>
+              </a:solidFill>
+              <a:latin typeface="Calibri" panose="020F0502020204030204"/>
+            </a:endParaRPr>
+          </a:p>
+        </p:txBody>
+      </p:sp>
+    </p:spTree>
+    <p:extLst>
+      <p:ext uri="{BB962C8B-B14F-4D97-AF65-F5344CB8AC3E}">
+        <p14:creationId xmlns:p14="http://schemas.microsoft.com/office/powerpoint/2010/main" val="752312733"/>
+      </p:ext>
+    </p:extLst>
+  </p:cSld>
+  <p:clrMapOvr>
+    <a:masterClrMapping/>
+  </p:clrMapOvr>
+</p:sld>
+</file>
+
+<file path=ppt/slides/slide8.xml><?xml version="1.0" encoding="utf-8"?>
+<p:sld xmlns:a="http://schemas.openxmlformats.org/drawingml/2006/main" xmlns:r="http://schemas.openxmlformats.org/officeDocument/2006/relationships" xmlns:p="http://schemas.openxmlformats.org/presentationml/2006/main">
+  <p:cSld>
+    <p:bg>
+      <p:bgPr>
+        <a:solidFill>
+          <a:schemeClr val="bg1"/>
+        </a:solidFill>
+        <a:effectLst/>
+      </p:bgPr>
+    </p:bg>
+    <p:spTree>
+      <p:nvGrpSpPr>
+        <p:cNvPr id="1" name=""/>
+        <p:cNvGrpSpPr/>
+        <p:nvPr/>
+      </p:nvGrpSpPr>
+      <p:grpSpPr>
+        <a:xfrm>
+          <a:off x="0" y="0"/>
+          <a:ext cx="0" cy="0"/>
+          <a:chOff x="0" y="0"/>
+          <a:chExt cx="0" cy="0"/>
+        </a:xfrm>
+      </p:grpSpPr>
+      <p:sp useBgFill="1">
+        <p:nvSpPr>
+          <p:cNvPr id="8" name="Rectangle 7">
+            <a:extLst>
+              <a:ext uri="{FF2B5EF4-FFF2-40B4-BE49-F238E27FC236}">
+                <a16:creationId xmlns:a16="http://schemas.microsoft.com/office/drawing/2014/main" id="{A52B99F1-B2DC-437E-A8A1-A57F2F29F8D1}"/>
+              </a:ext>
+              <a:ext uri="{C183D7F6-B498-43B3-948B-1728B52AA6E4}">
+                <adec:decorative xmlns:adec="http://schemas.microsoft.com/office/drawing/2017/decorative" val="1"/>
+              </a:ext>
+            </a:extLst>
+          </p:cNvPr>
+          <p:cNvSpPr>
+            <a:spLocks noGrp="1" noRot="1" noChangeAspect="1" noMove="1" noResize="1" noEditPoints="1" noAdjustHandles="1" noChangeArrowheads="1" noChangeShapeType="1" noTextEdit="1"/>
+          </p:cNvSpPr>
+          <p:nvPr>
+            <p:extLst>
+              <p:ext uri="{386F3935-93C4-4BCD-93E2-E3B085C9AB24}">
+                <p16:designElem xmlns:p16="http://schemas.microsoft.com/office/powerpoint/2015/main" val="1"/>
+              </p:ext>
+            </p:extLst>
+          </p:nvPr>
+        </p:nvSpPr>
+        <p:spPr>
+          <a:xfrm>
+            <a:off x="0" y="0"/>
+            <a:ext cx="12192000" cy="6858000"/>
+          </a:xfrm>
+          <a:prstGeom prst="rect">
+            <a:avLst/>
+          </a:prstGeom>
+          <a:ln>
+            <a:noFill/>
+          </a:ln>
+        </p:spPr>
+        <p:style>
+          <a:lnRef idx="2">
+            <a:schemeClr val="accent1">
+              <a:shade val="50000"/>
+            </a:schemeClr>
+          </a:lnRef>
+          <a:fillRef idx="1">
+            <a:schemeClr val="accent1"/>
+          </a:fillRef>
+          <a:effectRef idx="0">
+            <a:schemeClr val="accent1"/>
+          </a:effectRef>
+          <a:fontRef idx="minor">
+            <a:schemeClr val="lt1"/>
+          </a:fontRef>
+        </p:style>
+        <p:txBody>
+          <a:bodyPr rtlCol="0" anchor="ctr"/>
+          <a:lstStyle/>
+          <a:p>
+            <a:pPr algn="ctr"/>
+            <a:endParaRPr lang="en-US"/>
+          </a:p>
+        </p:txBody>
+      </p:sp>
+      <p:sp useBgFill="1">
+        <p:nvSpPr>
+          <p:cNvPr id="10" name="Rectangle 9">
+            <a:extLst>
+              <a:ext uri="{FF2B5EF4-FFF2-40B4-BE49-F238E27FC236}">
+                <a16:creationId xmlns:a16="http://schemas.microsoft.com/office/drawing/2014/main" id="{55F8BA08-3E38-4B70-B93A-74F08E092206}"/>
+              </a:ext>
+              <a:ext uri="{C183D7F6-B498-43B3-948B-1728B52AA6E4}">
+                <adec:decorative xmlns:adec="http://schemas.microsoft.com/office/drawing/2017/decorative" val="1"/>
+              </a:ext>
+            </a:extLst>
+          </p:cNvPr>
+          <p:cNvSpPr>
+            <a:spLocks noGrp="1" noRot="1" noChangeAspect="1" noMove="1" noResize="1" noEditPoints="1" noAdjustHandles="1" noChangeArrowheads="1" noChangeShapeType="1" noTextEdit="1"/>
+          </p:cNvSpPr>
+          <p:nvPr>
+            <p:extLst>
+              <p:ext uri="{386F3935-93C4-4BCD-93E2-E3B085C9AB24}">
+                <p16:designElem xmlns:p16="http://schemas.microsoft.com/office/powerpoint/2015/main" val="1"/>
+              </p:ext>
+            </p:extLst>
+          </p:nvPr>
+        </p:nvSpPr>
+        <p:spPr>
+          <a:xfrm>
+            <a:off x="558209" y="684398"/>
+            <a:ext cx="11167447" cy="5206040"/>
+          </a:xfrm>
+          <a:prstGeom prst="rect">
+            <a:avLst/>
+          </a:prstGeom>
+          <a:ln w="12700">
+            <a:solidFill>
+              <a:srgbClr val="E1E1E1"/>
+            </a:solidFill>
+          </a:ln>
+          <a:effectLst>
+            <a:outerShdw blurRad="50800" dist="38100" dir="2700000" algn="tl" rotWithShape="0">
+              <a:schemeClr val="bg2">
+                <a:lumMod val="85000"/>
+                <a:alpha val="50000"/>
+              </a:schemeClr>
+            </a:outerShdw>
+          </a:effectLst>
+        </p:spPr>
+        <p:style>
+          <a:lnRef idx="2">
+            <a:schemeClr val="accent1">
+              <a:shade val="50000"/>
+            </a:schemeClr>
+          </a:lnRef>
+          <a:fillRef idx="1">
+            <a:schemeClr val="accent1"/>
+          </a:fillRef>
+          <a:effectRef idx="0">
+            <a:schemeClr val="accent1"/>
+          </a:effectRef>
+          <a:fontRef idx="minor">
+            <a:schemeClr val="lt1"/>
+          </a:fontRef>
+        </p:style>
+        <p:txBody>
+          <a:bodyPr rtlCol="0" anchor="ctr"/>
+          <a:lstStyle/>
+          <a:p>
+            <a:pPr marL="0" marR="0" lvl="0" indent="0" algn="ctr" defTabSz="914400" rtl="0" eaLnBrk="1" fontAlgn="auto" latinLnBrk="0" hangingPunct="1">
+              <a:lnSpc>
+                <a:spcPct val="100000"/>
+              </a:lnSpc>
+              <a:spcBef>
+                <a:spcPts val="0"/>
+              </a:spcBef>
+              <a:spcAft>
+                <a:spcPts val="0"/>
+              </a:spcAft>
+              <a:buClrTx/>
+              <a:buSzTx/>
+              <a:buFontTx/>
+              <a:buNone/>
+              <a:tabLst/>
+              <a:defRPr/>
+            </a:pPr>
+            <a:endParaRPr kumimoji="0" lang="en-US" sz="1800" b="0" i="0" u="none" strike="noStrike" kern="1200" cap="none" spc="0" normalizeH="0" baseline="0" noProof="0">
+              <a:ln>
+                <a:noFill/>
+              </a:ln>
+              <a:solidFill>
+                <a:prstClr val="white"/>
+              </a:solidFill>
+              <a:effectLst/>
+              <a:uLnTx/>
+              <a:uFillTx/>
+              <a:latin typeface="Calibri" panose="020F0502020204030204"/>
+              <a:ea typeface="+mn-ea"/>
+              <a:cs typeface="+mn-cs"/>
+            </a:endParaRPr>
+          </a:p>
+        </p:txBody>
+      </p:sp>
+      <p:sp>
+        <p:nvSpPr>
+          <p:cNvPr id="2" name="제목 1">
+            <a:extLst>
+              <a:ext uri="{FF2B5EF4-FFF2-40B4-BE49-F238E27FC236}">
+                <a16:creationId xmlns:a16="http://schemas.microsoft.com/office/drawing/2014/main" id="{EDCE3269-F6FD-40A6-A07B-22007B1881CC}"/>
+              </a:ext>
+            </a:extLst>
+          </p:cNvPr>
+          <p:cNvSpPr>
+            <a:spLocks noGrp="1"/>
+          </p:cNvSpPr>
+          <p:nvPr>
+            <p:ph type="title"/>
+          </p:nvPr>
+        </p:nvSpPr>
+        <p:spPr>
+          <a:xfrm>
+            <a:off x="1045029" y="1092857"/>
+            <a:ext cx="3669704" cy="4389120"/>
+          </a:xfrm>
+        </p:spPr>
+        <p:txBody>
+          <a:bodyPr>
+            <a:normAutofit/>
+          </a:bodyPr>
+          <a:lstStyle/>
+          <a:p>
+            <a:r>
+              <a:rPr lang="ko-KR" altLang="en-US" sz="4000"/>
+              <a:t>입력이란</a:t>
+            </a:r>
+            <a:r>
+              <a:rPr lang="en-US" altLang="ko-KR" sz="4000"/>
+              <a:t>?</a:t>
+            </a:r>
+            <a:endParaRPr lang="ko-KR" altLang="en-US" sz="4000"/>
+          </a:p>
+        </p:txBody>
+      </p:sp>
+      <p:sp>
+        <p:nvSpPr>
+          <p:cNvPr id="12" name="Rectangle 11">
+            <a:extLst>
+              <a:ext uri="{FF2B5EF4-FFF2-40B4-BE49-F238E27FC236}">
+                <a16:creationId xmlns:a16="http://schemas.microsoft.com/office/drawing/2014/main" id="{357F1B33-79AB-4A71-8CEC-4546D709B8C8}"/>
+              </a:ext>
+              <a:ext uri="{C183D7F6-B498-43B3-948B-1728B52AA6E4}">
+                <adec:decorative xmlns:adec="http://schemas.microsoft.com/office/drawing/2017/decorative" val="1"/>
+              </a:ext>
+            </a:extLst>
+          </p:cNvPr>
+          <p:cNvSpPr>
+            <a:spLocks noGrp="1" noRot="1" noChangeAspect="1" noMove="1" noResize="1" noEditPoints="1" noAdjustHandles="1" noChangeArrowheads="1" noChangeShapeType="1" noTextEdit="1"/>
+          </p:cNvSpPr>
+          <p:nvPr>
+            <p:extLst>
+              <p:ext uri="{386F3935-93C4-4BCD-93E2-E3B085C9AB24}">
+                <p16:designElem xmlns:p16="http://schemas.microsoft.com/office/powerpoint/2015/main" val="1"/>
+              </p:ext>
+            </p:extLst>
+          </p:nvPr>
+        </p:nvSpPr>
+        <p:spPr>
+          <a:xfrm>
+            <a:off x="498834" y="2935374"/>
+            <a:ext cx="128016" cy="704088"/>
+          </a:xfrm>
+          <a:prstGeom prst="rect">
+            <a:avLst/>
+          </a:prstGeom>
+          <a:solidFill>
+            <a:schemeClr val="accent2"/>
+          </a:solidFill>
+          <a:ln>
+            <a:noFill/>
+          </a:ln>
+        </p:spPr>
+        <p:style>
+          <a:lnRef idx="2">
+            <a:schemeClr val="accent1">
+              <a:shade val="50000"/>
+            </a:schemeClr>
+          </a:lnRef>
+          <a:fillRef idx="1">
+            <a:schemeClr val="accent1"/>
+          </a:fillRef>
+          <a:effectRef idx="0">
+            <a:schemeClr val="accent1"/>
+          </a:effectRef>
+          <a:fontRef idx="minor">
+            <a:schemeClr val="lt1"/>
+          </a:fontRef>
+        </p:style>
+        <p:txBody>
+          <a:bodyPr rtlCol="0" anchor="ctr"/>
+          <a:lstStyle/>
+          <a:p>
+            <a:pPr algn="ctr"/>
+            <a:endParaRPr lang="en-US">
+              <a:solidFill>
+                <a:prstClr val="white"/>
+              </a:solidFill>
+              <a:latin typeface="Calibri" panose="020F0502020204030204"/>
+            </a:endParaRPr>
+          </a:p>
+        </p:txBody>
+      </p:sp>
+      <p:sp>
+        <p:nvSpPr>
+          <p:cNvPr id="3" name="내용 개체 틀 2">
+            <a:extLst>
+              <a:ext uri="{FF2B5EF4-FFF2-40B4-BE49-F238E27FC236}">
+                <a16:creationId xmlns:a16="http://schemas.microsoft.com/office/drawing/2014/main" id="{AA38BB54-4B02-42D7-83E9-23889F43973F}"/>
+              </a:ext>
+            </a:extLst>
+          </p:cNvPr>
+          <p:cNvSpPr>
+            <a:spLocks noGrp="1"/>
+          </p:cNvSpPr>
+          <p:nvPr>
+            <p:ph idx="1"/>
+          </p:nvPr>
+        </p:nvSpPr>
+        <p:spPr>
+          <a:xfrm>
+            <a:off x="5572679" y="1092857"/>
+            <a:ext cx="5670087" cy="4389120"/>
+          </a:xfrm>
+        </p:spPr>
+        <p:txBody>
+          <a:bodyPr anchor="ctr">
+            <a:normAutofit/>
+          </a:bodyPr>
+          <a:lstStyle/>
+          <a:p>
+            <a:r>
+              <a:rPr lang="ko-KR" altLang="en-US" sz="2000" dirty="0"/>
+              <a:t>키보드</a:t>
+            </a:r>
+            <a:r>
+              <a:rPr lang="en-US" altLang="ko-KR" sz="2000" dirty="0"/>
+              <a:t>, </a:t>
+            </a:r>
+            <a:r>
+              <a:rPr lang="ko-KR" altLang="en-US" sz="2000" dirty="0"/>
+              <a:t>마우스</a:t>
+            </a:r>
+            <a:r>
+              <a:rPr lang="en-US" altLang="ko-KR" sz="2000" dirty="0"/>
+              <a:t>, </a:t>
+            </a:r>
+            <a:r>
+              <a:rPr lang="ko-KR" altLang="en-US" sz="2000" dirty="0"/>
+              <a:t>콘솔</a:t>
+            </a:r>
+            <a:r>
+              <a:rPr lang="en-US" altLang="ko-KR" sz="2000" dirty="0"/>
+              <a:t>, </a:t>
+            </a:r>
+            <a:r>
+              <a:rPr lang="ko-KR" altLang="en-US" sz="2000" dirty="0"/>
+              <a:t>스마트폰 터치 등</a:t>
+            </a:r>
+            <a:r>
+              <a:rPr lang="en-US" altLang="ko-KR" sz="2000" dirty="0"/>
+              <a:t>… </a:t>
+            </a:r>
+            <a:r>
+              <a:rPr lang="ko-KR" altLang="en-US" sz="2000" dirty="0"/>
+              <a:t>모든 입력을 처리할 수 있다</a:t>
+            </a:r>
+            <a:r>
+              <a:rPr lang="en-US" altLang="ko-KR" sz="2000" dirty="0"/>
+              <a:t>.</a:t>
+            </a:r>
+          </a:p>
+          <a:p>
+            <a:r>
+              <a:rPr lang="en-US" altLang="ko-KR" sz="2000" dirty="0"/>
+              <a:t>Input </a:t>
+            </a:r>
+            <a:r>
+              <a:rPr lang="ko-KR" altLang="en-US" sz="2000" dirty="0"/>
+              <a:t>클래스에 모두 </a:t>
+            </a:r>
+            <a:r>
+              <a:rPr lang="ko-KR" altLang="en-US" sz="2000" dirty="0" err="1"/>
+              <a:t>정의돼있다</a:t>
+            </a:r>
+            <a:r>
+              <a:rPr lang="en-US" altLang="ko-KR" sz="2000" dirty="0"/>
+              <a:t>.</a:t>
+            </a:r>
+          </a:p>
+        </p:txBody>
+      </p:sp>
+    </p:spTree>
+    <p:extLst>
+      <p:ext uri="{BB962C8B-B14F-4D97-AF65-F5344CB8AC3E}">
+        <p14:creationId xmlns:p14="http://schemas.microsoft.com/office/powerpoint/2010/main" val="1226249877"/>
+      </p:ext>
+    </p:extLst>
+  </p:cSld>
+  <p:clrMapOvr>
+    <a:masterClrMapping/>
+  </p:clrMapOvr>
+</p:sld>
+</file>
+
+<file path=ppt/slides/slide9.xml><?xml version="1.0" encoding="utf-8"?>
+<p:sld xmlns:a="http://schemas.openxmlformats.org/drawingml/2006/main" xmlns:r="http://schemas.openxmlformats.org/officeDocument/2006/relationships" xmlns:p="http://schemas.openxmlformats.org/presentationml/2006/main">
+  <p:cSld>
+    <p:bg>
+      <p:bgPr>
+        <a:solidFill>
+          <a:schemeClr val="bg1"/>
+        </a:solidFill>
+        <a:effectLst/>
+      </p:bgPr>
+    </p:bg>
+    <p:spTree>
+      <p:nvGrpSpPr>
+        <p:cNvPr id="1" name=""/>
+        <p:cNvGrpSpPr/>
+        <p:nvPr/>
+      </p:nvGrpSpPr>
+      <p:grpSpPr>
+        <a:xfrm>
+          <a:off x="0" y="0"/>
+          <a:ext cx="0" cy="0"/>
+          <a:chOff x="0" y="0"/>
+          <a:chExt cx="0" cy="0"/>
+        </a:xfrm>
+      </p:grpSpPr>
+      <p:sp useBgFill="1">
+        <p:nvSpPr>
+          <p:cNvPr id="8" name="Rectangle 7">
+            <a:extLst>
+              <a:ext uri="{FF2B5EF4-FFF2-40B4-BE49-F238E27FC236}">
+                <a16:creationId xmlns:a16="http://schemas.microsoft.com/office/drawing/2014/main" id="{A52B99F1-B2DC-437E-A8A1-A57F2F29F8D1}"/>
+              </a:ext>
+              <a:ext uri="{C183D7F6-B498-43B3-948B-1728B52AA6E4}">
+                <adec:decorative xmlns:adec="http://schemas.microsoft.com/office/drawing/2017/decorative" val="1"/>
+              </a:ext>
+            </a:extLst>
+          </p:cNvPr>
+          <p:cNvSpPr>
+            <a:spLocks noGrp="1" noRot="1" noChangeAspect="1" noMove="1" noResize="1" noEditPoints="1" noAdjustHandles="1" noChangeArrowheads="1" noChangeShapeType="1" noTextEdit="1"/>
+          </p:cNvSpPr>
+          <p:nvPr>
+            <p:extLst>
+              <p:ext uri="{386F3935-93C4-4BCD-93E2-E3B085C9AB24}">
+                <p16:designElem xmlns:p16="http://schemas.microsoft.com/office/powerpoint/2015/main" val="1"/>
+              </p:ext>
+            </p:extLst>
+          </p:nvPr>
+        </p:nvSpPr>
+        <p:spPr>
+          <a:xfrm>
+            <a:off x="0" y="0"/>
+            <a:ext cx="12192000" cy="6858000"/>
+          </a:xfrm>
+          <a:prstGeom prst="rect">
+            <a:avLst/>
+          </a:prstGeom>
+          <a:ln>
+            <a:noFill/>
+          </a:ln>
+        </p:spPr>
+        <p:style>
+          <a:lnRef idx="2">
+            <a:schemeClr val="accent1">
+              <a:shade val="50000"/>
+            </a:schemeClr>
+          </a:lnRef>
+          <a:fillRef idx="1">
+            <a:schemeClr val="accent1"/>
+          </a:fillRef>
+          <a:effectRef idx="0">
+            <a:schemeClr val="accent1"/>
+          </a:effectRef>
+          <a:fontRef idx="minor">
+            <a:schemeClr val="lt1"/>
+          </a:fontRef>
+        </p:style>
+        <p:txBody>
+          <a:bodyPr rtlCol="0" anchor="ctr"/>
+          <a:lstStyle/>
+          <a:p>
+            <a:pPr algn="ctr"/>
+            <a:endParaRPr lang="en-US"/>
+          </a:p>
+        </p:txBody>
+      </p:sp>
+      <p:sp useBgFill="1">
+        <p:nvSpPr>
+          <p:cNvPr id="10" name="Rectangle 9">
+            <a:extLst>
+              <a:ext uri="{FF2B5EF4-FFF2-40B4-BE49-F238E27FC236}">
+                <a16:creationId xmlns:a16="http://schemas.microsoft.com/office/drawing/2014/main" id="{55F8BA08-3E38-4B70-B93A-74F08E092206}"/>
+              </a:ext>
+              <a:ext uri="{C183D7F6-B498-43B3-948B-1728B52AA6E4}">
+                <adec:decorative xmlns:adec="http://schemas.microsoft.com/office/drawing/2017/decorative" val="1"/>
+              </a:ext>
+            </a:extLst>
+          </p:cNvPr>
+          <p:cNvSpPr>
+            <a:spLocks noGrp="1" noRot="1" noChangeAspect="1" noMove="1" noResize="1" noEditPoints="1" noAdjustHandles="1" noChangeArrowheads="1" noChangeShapeType="1" noTextEdit="1"/>
+          </p:cNvSpPr>
+          <p:nvPr>
+            <p:extLst>
+              <p:ext uri="{386F3935-93C4-4BCD-93E2-E3B085C9AB24}">
+                <p16:designElem xmlns:p16="http://schemas.microsoft.com/office/powerpoint/2015/main" val="1"/>
+              </p:ext>
+            </p:extLst>
+          </p:nvPr>
+        </p:nvSpPr>
+        <p:spPr>
+          <a:xfrm>
+            <a:off x="558209" y="684398"/>
+            <a:ext cx="11167447" cy="5206040"/>
+          </a:xfrm>
+          <a:prstGeom prst="rect">
+            <a:avLst/>
+          </a:prstGeom>
+          <a:ln w="12700">
+            <a:solidFill>
+              <a:srgbClr val="E1E1E1"/>
+            </a:solidFill>
+          </a:ln>
+          <a:effectLst>
+            <a:outerShdw blurRad="50800" dist="38100" dir="2700000" algn="tl" rotWithShape="0">
+              <a:schemeClr val="bg2">
+                <a:lumMod val="85000"/>
+                <a:alpha val="50000"/>
+              </a:schemeClr>
+            </a:outerShdw>
+          </a:effectLst>
+        </p:spPr>
+        <p:style>
+          <a:lnRef idx="2">
+            <a:schemeClr val="accent1">
+              <a:shade val="50000"/>
+            </a:schemeClr>
+          </a:lnRef>
+          <a:fillRef idx="1">
+            <a:schemeClr val="accent1"/>
+          </a:fillRef>
+          <a:effectRef idx="0">
+            <a:schemeClr val="accent1"/>
+          </a:effectRef>
+          <a:fontRef idx="minor">
+            <a:schemeClr val="lt1"/>
+          </a:fontRef>
+        </p:style>
+        <p:txBody>
+          <a:bodyPr rtlCol="0" anchor="ctr"/>
+          <a:lstStyle/>
+          <a:p>
+            <a:pPr marL="0" marR="0" lvl="0" indent="0" algn="ctr" defTabSz="914400" rtl="0" eaLnBrk="1" fontAlgn="auto" latinLnBrk="0" hangingPunct="1">
+              <a:lnSpc>
+                <a:spcPct val="100000"/>
+              </a:lnSpc>
+              <a:spcBef>
+                <a:spcPts val="0"/>
+              </a:spcBef>
+              <a:spcAft>
+                <a:spcPts val="0"/>
+              </a:spcAft>
+              <a:buClrTx/>
+              <a:buSzTx/>
+              <a:buFontTx/>
+              <a:buNone/>
+              <a:tabLst/>
+              <a:defRPr/>
+            </a:pPr>
+            <a:endParaRPr kumimoji="0" lang="en-US" sz="1800" b="0" i="0" u="none" strike="noStrike" kern="1200" cap="none" spc="0" normalizeH="0" baseline="0" noProof="0">
+              <a:ln>
+                <a:noFill/>
+              </a:ln>
+              <a:solidFill>
+                <a:prstClr val="white"/>
+              </a:solidFill>
+              <a:effectLst/>
+              <a:uLnTx/>
+              <a:uFillTx/>
+              <a:latin typeface="Calibri" panose="020F0502020204030204"/>
+              <a:ea typeface="+mn-ea"/>
+              <a:cs typeface="+mn-cs"/>
+            </a:endParaRPr>
+          </a:p>
+        </p:txBody>
+      </p:sp>
+      <p:sp>
+        <p:nvSpPr>
+          <p:cNvPr id="2" name="제목 1">
+            <a:extLst>
+              <a:ext uri="{FF2B5EF4-FFF2-40B4-BE49-F238E27FC236}">
+                <a16:creationId xmlns:a16="http://schemas.microsoft.com/office/drawing/2014/main" id="{3B994BB1-7C0A-4BE1-8C65-84526A615389}"/>
+              </a:ext>
+            </a:extLst>
+          </p:cNvPr>
+          <p:cNvSpPr>
+            <a:spLocks noGrp="1"/>
+          </p:cNvSpPr>
+          <p:nvPr>
+            <p:ph type="title"/>
+          </p:nvPr>
+        </p:nvSpPr>
+        <p:spPr>
+          <a:xfrm>
+            <a:off x="814241" y="1092857"/>
+            <a:ext cx="4630422" cy="4389120"/>
+          </a:xfrm>
+        </p:spPr>
+        <p:txBody>
+          <a:bodyPr>
+            <a:normAutofit/>
+          </a:bodyPr>
+          <a:lstStyle/>
+          <a:p>
+            <a:r>
+              <a:rPr lang="ko-KR" altLang="en-US" sz="4000" dirty="0"/>
+              <a:t>입력 받기 </a:t>
+            </a:r>
+            <a:r>
+              <a:rPr lang="en-US" altLang="ko-KR" sz="4000" dirty="0"/>
+              <a:t>– </a:t>
+            </a:r>
+            <a:r>
+              <a:rPr lang="ko-KR" altLang="en-US" sz="4000" dirty="0"/>
+              <a:t>키보드</a:t>
+            </a:r>
+          </a:p>
+        </p:txBody>
+      </p:sp>
+      <p:sp>
+        <p:nvSpPr>
+          <p:cNvPr id="12" name="Rectangle 11">
+            <a:extLst>
+              <a:ext uri="{FF2B5EF4-FFF2-40B4-BE49-F238E27FC236}">
+                <a16:creationId xmlns:a16="http://schemas.microsoft.com/office/drawing/2014/main" id="{357F1B33-79AB-4A71-8CEC-4546D709B8C8}"/>
+              </a:ext>
+              <a:ext uri="{C183D7F6-B498-43B3-948B-1728B52AA6E4}">
+                <adec:decorative xmlns:adec="http://schemas.microsoft.com/office/drawing/2017/decorative" val="1"/>
+              </a:ext>
+            </a:extLst>
+          </p:cNvPr>
+          <p:cNvSpPr>
+            <a:spLocks noGrp="1" noRot="1" noChangeAspect="1" noMove="1" noResize="1" noEditPoints="1" noAdjustHandles="1" noChangeArrowheads="1" noChangeShapeType="1" noTextEdit="1"/>
+          </p:cNvSpPr>
+          <p:nvPr>
+            <p:extLst>
+              <p:ext uri="{386F3935-93C4-4BCD-93E2-E3B085C9AB24}">
+                <p16:designElem xmlns:p16="http://schemas.microsoft.com/office/powerpoint/2015/main" val="1"/>
+              </p:ext>
+            </p:extLst>
+          </p:nvPr>
+        </p:nvSpPr>
+        <p:spPr>
+          <a:xfrm>
+            <a:off x="498834" y="2935374"/>
+            <a:ext cx="128016" cy="704088"/>
+          </a:xfrm>
+          <a:prstGeom prst="rect">
+            <a:avLst/>
+          </a:prstGeom>
+          <a:solidFill>
+            <a:schemeClr val="accent2"/>
+          </a:solidFill>
+          <a:ln>
+            <a:noFill/>
+          </a:ln>
+        </p:spPr>
+        <p:style>
+          <a:lnRef idx="2">
+            <a:schemeClr val="accent1">
+              <a:shade val="50000"/>
+            </a:schemeClr>
+          </a:lnRef>
+          <a:fillRef idx="1">
+            <a:schemeClr val="accent1"/>
+          </a:fillRef>
+          <a:effectRef idx="0">
+            <a:schemeClr val="accent1"/>
+          </a:effectRef>
+          <a:fontRef idx="minor">
+            <a:schemeClr val="lt1"/>
+          </a:fontRef>
+        </p:style>
+        <p:txBody>
+          <a:bodyPr rtlCol="0" anchor="ctr"/>
+          <a:lstStyle/>
+          <a:p>
+            <a:pPr algn="ctr"/>
+            <a:endParaRPr lang="en-US">
+              <a:solidFill>
+                <a:prstClr val="white"/>
+              </a:solidFill>
+              <a:latin typeface="Calibri" panose="020F0502020204030204"/>
+            </a:endParaRPr>
+          </a:p>
+        </p:txBody>
+      </p:sp>
+      <p:sp>
+        <p:nvSpPr>
+          <p:cNvPr id="3" name="내용 개체 틀 2">
+            <a:extLst>
+              <a:ext uri="{FF2B5EF4-FFF2-40B4-BE49-F238E27FC236}">
+                <a16:creationId xmlns:a16="http://schemas.microsoft.com/office/drawing/2014/main" id="{67154498-BDBA-4816-B67A-7303383DD994}"/>
+              </a:ext>
+            </a:extLst>
+          </p:cNvPr>
+          <p:cNvSpPr>
+            <a:spLocks noGrp="1"/>
+          </p:cNvSpPr>
+          <p:nvPr>
+            <p:ph idx="1"/>
+          </p:nvPr>
+        </p:nvSpPr>
+        <p:spPr>
+          <a:xfrm>
+            <a:off x="5572679" y="1092857"/>
+            <a:ext cx="5670087" cy="4389120"/>
+          </a:xfrm>
+        </p:spPr>
+        <p:txBody>
+          <a:bodyPr anchor="ctr">
+            <a:normAutofit/>
+          </a:bodyPr>
+          <a:lstStyle/>
+          <a:p>
+            <a:r>
+              <a:rPr lang="en-US" altLang="ko-KR" sz="2000"/>
+              <a:t>Input.GetKey(</a:t>
+            </a:r>
+            <a:r>
+              <a:rPr lang="ko-KR" altLang="en-US" sz="2000"/>
+              <a:t>키 코드</a:t>
+            </a:r>
+            <a:r>
+              <a:rPr lang="en-US" altLang="ko-KR" sz="2000"/>
+              <a:t>) -&gt; </a:t>
+            </a:r>
+            <a:r>
+              <a:rPr lang="ko-KR" altLang="en-US" sz="2000"/>
+              <a:t>눌린 상태를 입력받는다</a:t>
+            </a:r>
+            <a:endParaRPr lang="en-US" altLang="ko-KR" sz="2000"/>
+          </a:p>
+          <a:p>
+            <a:r>
+              <a:rPr lang="en-US" altLang="ko-KR" sz="2000"/>
+              <a:t>Input.GetKeyDown(</a:t>
+            </a:r>
+            <a:r>
+              <a:rPr lang="ko-KR" altLang="en-US" sz="2000"/>
+              <a:t>키 코드</a:t>
+            </a:r>
+            <a:r>
+              <a:rPr lang="en-US" altLang="ko-KR" sz="2000"/>
+              <a:t>) -&gt; </a:t>
+            </a:r>
+            <a:r>
+              <a:rPr lang="ko-KR" altLang="en-US" sz="2000"/>
+              <a:t>누르는 순간을 입력받는다</a:t>
+            </a:r>
+            <a:endParaRPr lang="en-US" altLang="ko-KR" sz="2000"/>
+          </a:p>
+          <a:p>
+            <a:r>
+              <a:rPr lang="en-US" altLang="ko-KR" sz="2000"/>
+              <a:t>Input.GetkeyUp(</a:t>
+            </a:r>
+            <a:r>
+              <a:rPr lang="ko-KR" altLang="en-US" sz="2000"/>
+              <a:t>키 코드</a:t>
+            </a:r>
+            <a:r>
+              <a:rPr lang="en-US" altLang="ko-KR" sz="2000"/>
+              <a:t>) -&gt; </a:t>
+            </a:r>
+            <a:r>
+              <a:rPr lang="ko-KR" altLang="en-US" sz="2000"/>
+              <a:t>떼는 순간을 입력받는다</a:t>
+            </a:r>
+          </a:p>
+        </p:txBody>
+      </p:sp>
+    </p:spTree>
+    <p:extLst>
+      <p:ext uri="{BB962C8B-B14F-4D97-AF65-F5344CB8AC3E}">
+        <p14:creationId xmlns:p14="http://schemas.microsoft.com/office/powerpoint/2010/main" val="1275905149"/>
       </p:ext>
     </p:extLst>
   </p:cSld>

--- a/C#스터디/c# 스터디 6주 차.pptx
+++ b/C#스터디/c# 스터디 6주 차.pptx
@@ -20,9 +20,16 @@
     <p:sldId id="262" r:id="rId14"/>
     <p:sldId id="273" r:id="rId15"/>
     <p:sldId id="274" r:id="rId16"/>
-    <p:sldId id="263" r:id="rId17"/>
-    <p:sldId id="261" r:id="rId18"/>
-    <p:sldId id="264" r:id="rId19"/>
+    <p:sldId id="275" r:id="rId17"/>
+    <p:sldId id="276" r:id="rId18"/>
+    <p:sldId id="279" r:id="rId19"/>
+    <p:sldId id="263" r:id="rId20"/>
+    <p:sldId id="277" r:id="rId21"/>
+    <p:sldId id="261" r:id="rId22"/>
+    <p:sldId id="280" r:id="rId23"/>
+    <p:sldId id="281" r:id="rId24"/>
+    <p:sldId id="264" r:id="rId25"/>
+    <p:sldId id="282" r:id="rId26"/>
   </p:sldIdLst>
   <p:sldSz cx="12192000" cy="6858000"/>
   <p:notesSz cx="6858000" cy="9144000"/>
@@ -276,7 +283,7 @@
           <a:p>
             <a:fld id="{EDE4C143-813B-4B7B-BE97-BF7ACA2DC775}" type="datetimeFigureOut">
               <a:rPr lang="ko-KR" altLang="en-US" smtClean="0"/>
-              <a:t>2020-05-26</a:t>
+              <a:t>2020-05-27</a:t>
             </a:fld>
             <a:endParaRPr lang="ko-KR" altLang="en-US"/>
           </a:p>
@@ -474,7 +481,7 @@
           <a:p>
             <a:fld id="{EDE4C143-813B-4B7B-BE97-BF7ACA2DC775}" type="datetimeFigureOut">
               <a:rPr lang="ko-KR" altLang="en-US" smtClean="0"/>
-              <a:t>2020-05-26</a:t>
+              <a:t>2020-05-27</a:t>
             </a:fld>
             <a:endParaRPr lang="ko-KR" altLang="en-US"/>
           </a:p>
@@ -682,7 +689,7 @@
           <a:p>
             <a:fld id="{EDE4C143-813B-4B7B-BE97-BF7ACA2DC775}" type="datetimeFigureOut">
               <a:rPr lang="ko-KR" altLang="en-US" smtClean="0"/>
-              <a:t>2020-05-26</a:t>
+              <a:t>2020-05-27</a:t>
             </a:fld>
             <a:endParaRPr lang="ko-KR" altLang="en-US"/>
           </a:p>
@@ -880,7 +887,7 @@
           <a:p>
             <a:fld id="{EDE4C143-813B-4B7B-BE97-BF7ACA2DC775}" type="datetimeFigureOut">
               <a:rPr lang="ko-KR" altLang="en-US" smtClean="0"/>
-              <a:t>2020-05-26</a:t>
+              <a:t>2020-05-27</a:t>
             </a:fld>
             <a:endParaRPr lang="ko-KR" altLang="en-US"/>
           </a:p>
@@ -1155,7 +1162,7 @@
           <a:p>
             <a:fld id="{EDE4C143-813B-4B7B-BE97-BF7ACA2DC775}" type="datetimeFigureOut">
               <a:rPr lang="ko-KR" altLang="en-US" smtClean="0"/>
-              <a:t>2020-05-26</a:t>
+              <a:t>2020-05-27</a:t>
             </a:fld>
             <a:endParaRPr lang="ko-KR" altLang="en-US"/>
           </a:p>
@@ -1420,7 +1427,7 @@
           <a:p>
             <a:fld id="{EDE4C143-813B-4B7B-BE97-BF7ACA2DC775}" type="datetimeFigureOut">
               <a:rPr lang="ko-KR" altLang="en-US" smtClean="0"/>
-              <a:t>2020-05-26</a:t>
+              <a:t>2020-05-27</a:t>
             </a:fld>
             <a:endParaRPr lang="ko-KR" altLang="en-US"/>
           </a:p>
@@ -1832,7 +1839,7 @@
           <a:p>
             <a:fld id="{EDE4C143-813B-4B7B-BE97-BF7ACA2DC775}" type="datetimeFigureOut">
               <a:rPr lang="ko-KR" altLang="en-US" smtClean="0"/>
-              <a:t>2020-05-26</a:t>
+              <a:t>2020-05-27</a:t>
             </a:fld>
             <a:endParaRPr lang="ko-KR" altLang="en-US"/>
           </a:p>
@@ -1973,7 +1980,7 @@
           <a:p>
             <a:fld id="{EDE4C143-813B-4B7B-BE97-BF7ACA2DC775}" type="datetimeFigureOut">
               <a:rPr lang="ko-KR" altLang="en-US" smtClean="0"/>
-              <a:t>2020-05-26</a:t>
+              <a:t>2020-05-27</a:t>
             </a:fld>
             <a:endParaRPr lang="ko-KR" altLang="en-US"/>
           </a:p>
@@ -2086,7 +2093,7 @@
           <a:p>
             <a:fld id="{EDE4C143-813B-4B7B-BE97-BF7ACA2DC775}" type="datetimeFigureOut">
               <a:rPr lang="ko-KR" altLang="en-US" smtClean="0"/>
-              <a:t>2020-05-26</a:t>
+              <a:t>2020-05-27</a:t>
             </a:fld>
             <a:endParaRPr lang="ko-KR" altLang="en-US"/>
           </a:p>
@@ -2397,7 +2404,7 @@
           <a:p>
             <a:fld id="{EDE4C143-813B-4B7B-BE97-BF7ACA2DC775}" type="datetimeFigureOut">
               <a:rPr lang="ko-KR" altLang="en-US" smtClean="0"/>
-              <a:t>2020-05-26</a:t>
+              <a:t>2020-05-27</a:t>
             </a:fld>
             <a:endParaRPr lang="ko-KR" altLang="en-US"/>
           </a:p>
@@ -2685,7 +2692,7 @@
           <a:p>
             <a:fld id="{EDE4C143-813B-4B7B-BE97-BF7ACA2DC775}" type="datetimeFigureOut">
               <a:rPr lang="ko-KR" altLang="en-US" smtClean="0"/>
-              <a:t>2020-05-26</a:t>
+              <a:t>2020-05-27</a:t>
             </a:fld>
             <a:endParaRPr lang="ko-KR" altLang="en-US"/>
           </a:p>
@@ -2926,7 +2933,7 @@
           <a:p>
             <a:fld id="{EDE4C143-813B-4B7B-BE97-BF7ACA2DC775}" type="datetimeFigureOut">
               <a:rPr lang="ko-KR" altLang="en-US" smtClean="0"/>
-              <a:t>2020-05-26</a:t>
+              <a:t>2020-05-27</a:t>
             </a:fld>
             <a:endParaRPr lang="ko-KR" altLang="en-US"/>
           </a:p>
@@ -5968,7 +5975,7 @@
         <p:spPr>
           <a:xfrm>
             <a:off x="6769978" y="1338724"/>
-            <a:ext cx="4583821" cy="4415146"/>
+            <a:ext cx="4728602" cy="4415146"/>
           </a:xfrm>
         </p:spPr>
         <p:txBody>
@@ -5978,7 +5985,7 @@
           <a:lstStyle/>
           <a:p>
             <a:r>
-              <a:rPr lang="en-US" altLang="ko-KR" sz="2000">
+              <a:rPr lang="en-US" altLang="ko-KR" sz="2000" dirty="0">
                 <a:solidFill>
                   <a:schemeClr val="bg1"/>
                 </a:solidFill>
@@ -5986,14 +5993,14 @@
               <a:t>Local </a:t>
             </a:r>
             <a:r>
-              <a:rPr lang="ko-KR" altLang="en-US" sz="2000">
+              <a:rPr lang="ko-KR" altLang="en-US" sz="2000" dirty="0">
                 <a:solidFill>
                   <a:schemeClr val="bg1"/>
                 </a:solidFill>
               </a:rPr>
               <a:t>부모와 자식 사이의 위치 관계</a:t>
             </a:r>
-            <a:endParaRPr lang="en-US" altLang="ko-KR" sz="2000">
+            <a:endParaRPr lang="en-US" altLang="ko-KR" sz="2000" dirty="0">
               <a:solidFill>
                 <a:schemeClr val="bg1"/>
               </a:solidFill>
@@ -6002,15 +6009,23 @@
           <a:p>
             <a:pPr lvl="1"/>
             <a:r>
-              <a:rPr lang="en-US" altLang="ko-KR" sz="2000">
+              <a:rPr lang="en-US" altLang="ko-KR" sz="2000" dirty="0" err="1">
                 <a:solidFill>
                   <a:schemeClr val="bg1"/>
                 </a:solidFill>
               </a:rPr>
-              <a:t>transform.localPosition </a:t>
-            </a:r>
-            <a:r>
-              <a:rPr lang="ko-KR" altLang="en-US" sz="2000">
+              <a:t>transform.localPosition</a:t>
+            </a:r>
+            <a:r>
+              <a:rPr lang="en-US" altLang="ko-KR" sz="2000" dirty="0">
+                <a:solidFill>
+                  <a:schemeClr val="bg1"/>
+                </a:solidFill>
+              </a:rPr>
+              <a:t> </a:t>
+            </a:r>
+            <a:r>
+              <a:rPr lang="ko-KR" altLang="en-US" sz="2000" dirty="0">
                 <a:solidFill>
                   <a:schemeClr val="bg1"/>
                 </a:solidFill>
@@ -6018,7 +6033,7 @@
               <a:t>을</a:t>
             </a:r>
             <a:r>
-              <a:rPr lang="en-US" altLang="ko-KR" sz="2000">
+              <a:rPr lang="en-US" altLang="ko-KR" sz="2000" dirty="0">
                 <a:solidFill>
                   <a:schemeClr val="bg1"/>
                 </a:solidFill>
@@ -6026,7 +6041,7 @@
               <a:t> </a:t>
             </a:r>
             <a:r>
-              <a:rPr lang="ko-KR" altLang="en-US" sz="2000">
+              <a:rPr lang="ko-KR" altLang="en-US" sz="2000" dirty="0">
                 <a:solidFill>
                   <a:schemeClr val="bg1"/>
                 </a:solidFill>
@@ -6034,7 +6049,7 @@
               <a:t>사용해서 불러올 수 있다</a:t>
             </a:r>
             <a:r>
-              <a:rPr lang="en-US" altLang="ko-KR" sz="2000">
+              <a:rPr lang="en-US" altLang="ko-KR" sz="2000" dirty="0">
                 <a:solidFill>
                   <a:schemeClr val="bg1"/>
                 </a:solidFill>
@@ -6044,7 +6059,7 @@
           </a:p>
           <a:p>
             <a:pPr lvl="1"/>
-            <a:endParaRPr lang="en-US" altLang="ko-KR" sz="2000">
+            <a:endParaRPr lang="en-US" altLang="ko-KR" sz="2000" dirty="0">
               <a:solidFill>
                 <a:schemeClr val="bg1"/>
               </a:solidFill>
@@ -6052,7 +6067,7 @@
           </a:p>
           <a:p>
             <a:r>
-              <a:rPr lang="en-US" altLang="ko-KR" sz="2000">
+              <a:rPr lang="en-US" altLang="ko-KR" sz="2000" dirty="0">
                 <a:solidFill>
                   <a:schemeClr val="bg1"/>
                 </a:solidFill>
@@ -6060,14 +6075,14 @@
               <a:t>Global </a:t>
             </a:r>
             <a:r>
-              <a:rPr lang="ko-KR" altLang="en-US" sz="2000">
+              <a:rPr lang="ko-KR" altLang="en-US" sz="2000" dirty="0">
                 <a:solidFill>
                   <a:schemeClr val="bg1"/>
                 </a:solidFill>
               </a:rPr>
               <a:t>월드 기준 절대적인 위치 관계</a:t>
             </a:r>
-            <a:endParaRPr lang="en-US" altLang="ko-KR" sz="2000">
+            <a:endParaRPr lang="en-US" altLang="ko-KR" sz="2000" dirty="0">
               <a:solidFill>
                 <a:schemeClr val="bg1"/>
               </a:solidFill>
@@ -6076,30 +6091,54 @@
           <a:p>
             <a:pPr lvl="1"/>
             <a:r>
-              <a:rPr lang="en-US" altLang="ko-KR" sz="2000">
+              <a:rPr lang="en-US" altLang="ko-KR" sz="2000" dirty="0" err="1">
                 <a:solidFill>
                   <a:schemeClr val="bg1"/>
                 </a:solidFill>
               </a:rPr>
-              <a:t>transform.position </a:t>
-            </a:r>
-            <a:r>
-              <a:rPr lang="ko-KR" altLang="en-US" sz="2000">
+              <a:t>transform.position</a:t>
+            </a:r>
+            <a:r>
+              <a:rPr lang="en-US" altLang="ko-KR" sz="2000" dirty="0">
                 <a:solidFill>
                   <a:schemeClr val="bg1"/>
                 </a:solidFill>
               </a:rPr>
-              <a:t>을 참고해서 불러울 수 있다</a:t>
-            </a:r>
-            <a:r>
-              <a:rPr lang="en-US" altLang="ko-KR" sz="2000">
+              <a:t> </a:t>
+            </a:r>
+            <a:r>
+              <a:rPr lang="ko-KR" altLang="en-US" sz="2000" dirty="0">
+                <a:solidFill>
+                  <a:schemeClr val="bg1"/>
+                </a:solidFill>
+              </a:rPr>
+              <a:t>을 참고해서 </a:t>
+            </a:r>
+            <a:r>
+              <a:rPr lang="ko-KR" altLang="en-US" sz="2000" dirty="0" err="1">
+                <a:solidFill>
+                  <a:schemeClr val="bg1"/>
+                </a:solidFill>
+              </a:rPr>
+              <a:t>불러울</a:t>
+            </a:r>
+            <a:r>
+              <a:rPr lang="ko-KR" altLang="en-US" sz="2000" dirty="0">
+                <a:solidFill>
+                  <a:schemeClr val="bg1"/>
+                </a:solidFill>
+              </a:rPr>
+              <a:t> 수 있다</a:t>
+            </a:r>
+            <a:r>
+              <a:rPr lang="en-US" altLang="ko-KR" sz="2000" dirty="0">
                 <a:solidFill>
                   <a:schemeClr val="bg1"/>
                 </a:solidFill>
               </a:rPr>
               <a:t>.</a:t>
             </a:r>
-            <a:endParaRPr lang="ko-KR" altLang="en-US" sz="2000">
+            <a:endParaRPr lang="ko-KR" altLang="en-US" sz="2000" dirty="0">
               <a:solidFill>
                 <a:schemeClr val="bg1"/>
               </a:solidFill>
@@ -6615,6 +6654,1369 @@
     <p:bg>
       <p:bgPr>
         <a:solidFill>
+          <a:schemeClr val="bg1">
+            <a:tint val="95000"/>
+            <a:satMod val="170000"/>
+          </a:schemeClr>
+        </a:solidFill>
+        <a:effectLst/>
+      </p:bgPr>
+    </p:bg>
+    <p:spTree>
+      <p:nvGrpSpPr>
+        <p:cNvPr id="1" name=""/>
+        <p:cNvGrpSpPr/>
+        <p:nvPr/>
+      </p:nvGrpSpPr>
+      <p:grpSpPr>
+        <a:xfrm>
+          <a:off x="0" y="0"/>
+          <a:ext cx="0" cy="0"/>
+          <a:chOff x="0" y="0"/>
+          <a:chExt cx="0" cy="0"/>
+        </a:xfrm>
+      </p:grpSpPr>
+      <p:sp>
+        <p:nvSpPr>
+          <p:cNvPr id="9" name="Rectangle 8">
+            <a:extLst>
+              <a:ext uri="{FF2B5EF4-FFF2-40B4-BE49-F238E27FC236}">
+                <a16:creationId xmlns:a16="http://schemas.microsoft.com/office/drawing/2014/main" id="{EE1FC7B4-E4A7-4452-B413-1A623E3A7230}"/>
+              </a:ext>
+              <a:ext uri="{C183D7F6-B498-43B3-948B-1728B52AA6E4}">
+                <adec:decorative xmlns:adec="http://schemas.microsoft.com/office/drawing/2017/decorative" val="1"/>
+              </a:ext>
+            </a:extLst>
+          </p:cNvPr>
+          <p:cNvSpPr>
+            <a:spLocks noGrp="1" noRot="1" noChangeAspect="1" noMove="1" noResize="1" noEditPoints="1" noAdjustHandles="1" noChangeArrowheads="1" noChangeShapeType="1" noTextEdit="1"/>
+          </p:cNvSpPr>
+          <p:nvPr>
+            <p:extLst>
+              <p:ext uri="{386F3935-93C4-4BCD-93E2-E3B085C9AB24}">
+                <p16:designElem xmlns:p16="http://schemas.microsoft.com/office/powerpoint/2015/main" val="1"/>
+              </p:ext>
+            </p:extLst>
+          </p:nvPr>
+        </p:nvSpPr>
+        <p:spPr>
+          <a:xfrm>
+            <a:off x="0" y="-3324"/>
+            <a:ext cx="12192000" cy="6861324"/>
+          </a:xfrm>
+          <a:prstGeom prst="rect">
+            <a:avLst/>
+          </a:prstGeom>
+          <a:solidFill>
+            <a:schemeClr val="bg1">
+              <a:alpha val="9000"/>
+            </a:schemeClr>
+          </a:solidFill>
+          <a:ln>
+            <a:noFill/>
+          </a:ln>
+        </p:spPr>
+        <p:style>
+          <a:lnRef idx="2">
+            <a:schemeClr val="accent1">
+              <a:shade val="50000"/>
+            </a:schemeClr>
+          </a:lnRef>
+          <a:fillRef idx="1">
+            <a:schemeClr val="accent1"/>
+          </a:fillRef>
+          <a:effectRef idx="0">
+            <a:schemeClr val="accent1"/>
+          </a:effectRef>
+          <a:fontRef idx="minor">
+            <a:schemeClr val="lt1"/>
+          </a:fontRef>
+        </p:style>
+        <p:txBody>
+          <a:bodyPr rtlCol="0" anchor="ctr"/>
+          <a:lstStyle/>
+          <a:p>
+            <a:pPr marL="0" marR="0" lvl="0" indent="0" algn="ctr" defTabSz="914400" rtl="0" eaLnBrk="1" fontAlgn="auto" latinLnBrk="0" hangingPunct="1">
+              <a:lnSpc>
+                <a:spcPct val="100000"/>
+              </a:lnSpc>
+              <a:spcBef>
+                <a:spcPts val="0"/>
+              </a:spcBef>
+              <a:spcAft>
+                <a:spcPts val="0"/>
+              </a:spcAft>
+              <a:buClrTx/>
+              <a:buSzTx/>
+              <a:buFontTx/>
+              <a:buNone/>
+              <a:tabLst/>
+              <a:defRPr/>
+            </a:pPr>
+            <a:endParaRPr kumimoji="0" lang="en-US" sz="1800" b="0" i="0" u="none" strike="noStrike" kern="1200" cap="none" spc="0" normalizeH="0" baseline="0" noProof="0">
+              <a:ln>
+                <a:noFill/>
+              </a:ln>
+              <a:solidFill>
+                <a:prstClr val="white"/>
+              </a:solidFill>
+              <a:effectLst/>
+              <a:uLnTx/>
+              <a:uFillTx/>
+              <a:latin typeface="Calibri" panose="020F0502020204030204"/>
+              <a:ea typeface="+mn-ea"/>
+              <a:cs typeface="+mn-cs"/>
+            </a:endParaRPr>
+          </a:p>
+        </p:txBody>
+      </p:sp>
+      <p:sp>
+        <p:nvSpPr>
+          <p:cNvPr id="11" name="Freeform 13">
+            <a:extLst>
+              <a:ext uri="{FF2B5EF4-FFF2-40B4-BE49-F238E27FC236}">
+                <a16:creationId xmlns:a16="http://schemas.microsoft.com/office/drawing/2014/main" id="{E0709AF0-24F0-4486-B189-BE6386BDB198}"/>
+              </a:ext>
+              <a:ext uri="{C183D7F6-B498-43B3-948B-1728B52AA6E4}">
+                <adec:decorative xmlns:adec="http://schemas.microsoft.com/office/drawing/2017/decorative" val="1"/>
+              </a:ext>
+            </a:extLst>
+          </p:cNvPr>
+          <p:cNvSpPr>
+            <a:spLocks noGrp="1" noRot="1" noChangeAspect="1" noMove="1" noResize="1" noEditPoints="1" noAdjustHandles="1" noChangeArrowheads="1" noChangeShapeType="1" noTextEdit="1"/>
+          </p:cNvSpPr>
+          <p:nvPr>
+            <p:extLst>
+              <p:ext uri="{386F3935-93C4-4BCD-93E2-E3B085C9AB24}">
+                <p16:designElem xmlns:p16="http://schemas.microsoft.com/office/powerpoint/2015/main" val="1"/>
+              </p:ext>
+            </p:extLst>
+          </p:nvPr>
+        </p:nvSpPr>
+        <p:spPr>
+          <a:xfrm>
+            <a:off x="0" y="0"/>
+            <a:ext cx="11786754" cy="6858000"/>
+          </a:xfrm>
+          <a:custGeom>
+            <a:avLst/>
+            <a:gdLst>
+              <a:gd name="connsiteX0" fmla="*/ 0 w 11786754"/>
+              <a:gd name="connsiteY0" fmla="*/ 0 h 6858000"/>
+              <a:gd name="connsiteX1" fmla="*/ 8610600 w 11786754"/>
+              <a:gd name="connsiteY1" fmla="*/ 0 h 6858000"/>
+              <a:gd name="connsiteX2" fmla="*/ 11786754 w 11786754"/>
+              <a:gd name="connsiteY2" fmla="*/ 6858000 h 6858000"/>
+              <a:gd name="connsiteX3" fmla="*/ 0 w 11786754"/>
+              <a:gd name="connsiteY3" fmla="*/ 6858000 h 6858000"/>
+            </a:gdLst>
+            <a:ahLst/>
+            <a:cxnLst>
+              <a:cxn ang="0">
+                <a:pos x="connsiteX0" y="connsiteY0"/>
+              </a:cxn>
+              <a:cxn ang="0">
+                <a:pos x="connsiteX1" y="connsiteY1"/>
+              </a:cxn>
+              <a:cxn ang="0">
+                <a:pos x="connsiteX2" y="connsiteY2"/>
+              </a:cxn>
+              <a:cxn ang="0">
+                <a:pos x="connsiteX3" y="connsiteY3"/>
+              </a:cxn>
+            </a:cxnLst>
+            <a:rect l="l" t="t" r="r" b="b"/>
+            <a:pathLst>
+              <a:path w="11786754" h="6858000">
+                <a:moveTo>
+                  <a:pt x="0" y="0"/>
+                </a:moveTo>
+                <a:lnTo>
+                  <a:pt x="8610600" y="0"/>
+                </a:lnTo>
+                <a:lnTo>
+                  <a:pt x="11786754" y="6858000"/>
+                </a:lnTo>
+                <a:lnTo>
+                  <a:pt x="0" y="6858000"/>
+                </a:lnTo>
+                <a:close/>
+              </a:path>
+            </a:pathLst>
+          </a:custGeom>
+          <a:solidFill>
+            <a:schemeClr val="bg1">
+              <a:alpha val="30000"/>
+            </a:schemeClr>
+          </a:solidFill>
+          <a:ln>
+            <a:noFill/>
+          </a:ln>
+        </p:spPr>
+        <p:style>
+          <a:lnRef idx="2">
+            <a:schemeClr val="accent1">
+              <a:shade val="50000"/>
+            </a:schemeClr>
+          </a:lnRef>
+          <a:fillRef idx="1">
+            <a:schemeClr val="accent1"/>
+          </a:fillRef>
+          <a:effectRef idx="0">
+            <a:schemeClr val="accent1"/>
+          </a:effectRef>
+          <a:fontRef idx="minor">
+            <a:schemeClr val="lt1"/>
+          </a:fontRef>
+        </p:style>
+        <p:txBody>
+          <a:bodyPr rtlCol="0" anchor="ctr"/>
+          <a:lstStyle/>
+          <a:p>
+            <a:pPr marL="0" marR="0" lvl="0" indent="0" algn="ctr" defTabSz="914400" rtl="0" eaLnBrk="1" fontAlgn="auto" latinLnBrk="0" hangingPunct="1">
+              <a:lnSpc>
+                <a:spcPct val="100000"/>
+              </a:lnSpc>
+              <a:spcBef>
+                <a:spcPts val="0"/>
+              </a:spcBef>
+              <a:spcAft>
+                <a:spcPts val="0"/>
+              </a:spcAft>
+              <a:buClrTx/>
+              <a:buSzTx/>
+              <a:buFontTx/>
+              <a:buNone/>
+              <a:tabLst/>
+              <a:defRPr/>
+            </a:pPr>
+            <a:endParaRPr kumimoji="0" lang="en-US" sz="1800" b="0" i="0" u="none" strike="noStrike" kern="1200" cap="none" spc="0" normalizeH="0" baseline="0" noProof="0">
+              <a:ln>
+                <a:noFill/>
+              </a:ln>
+              <a:solidFill>
+                <a:prstClr val="white"/>
+              </a:solidFill>
+              <a:effectLst/>
+              <a:uLnTx/>
+              <a:uFillTx/>
+              <a:latin typeface="Calibri" panose="020F0502020204030204"/>
+              <a:ea typeface="+mn-ea"/>
+              <a:cs typeface="+mn-cs"/>
+            </a:endParaRPr>
+          </a:p>
+        </p:txBody>
+      </p:sp>
+      <p:sp>
+        <p:nvSpPr>
+          <p:cNvPr id="13" name="Freeform 11">
+            <a:extLst>
+              <a:ext uri="{FF2B5EF4-FFF2-40B4-BE49-F238E27FC236}">
+                <a16:creationId xmlns:a16="http://schemas.microsoft.com/office/drawing/2014/main" id="{FBE3B62F-5853-4A3C-B050-6186351A7176}"/>
+              </a:ext>
+              <a:ext uri="{C183D7F6-B498-43B3-948B-1728B52AA6E4}">
+                <adec:decorative xmlns:adec="http://schemas.microsoft.com/office/drawing/2017/decorative" val="1"/>
+              </a:ext>
+            </a:extLst>
+          </p:cNvPr>
+          <p:cNvSpPr>
+            <a:spLocks noGrp="1" noRot="1" noChangeAspect="1" noMove="1" noResize="1" noEditPoints="1" noAdjustHandles="1" noChangeArrowheads="1" noChangeShapeType="1" noTextEdit="1"/>
+          </p:cNvSpPr>
+          <p:nvPr>
+            <p:extLst>
+              <p:ext uri="{386F3935-93C4-4BCD-93E2-E3B085C9AB24}">
+                <p16:designElem xmlns:p16="http://schemas.microsoft.com/office/powerpoint/2015/main" val="1"/>
+              </p:ext>
+            </p:extLst>
+          </p:nvPr>
+        </p:nvSpPr>
+        <p:spPr>
+          <a:xfrm>
+            <a:off x="0" y="0"/>
+            <a:ext cx="3581400" cy="6858000"/>
+          </a:xfrm>
+          <a:custGeom>
+            <a:avLst/>
+            <a:gdLst>
+              <a:gd name="connsiteX0" fmla="*/ 0 w 3581400"/>
+              <a:gd name="connsiteY0" fmla="*/ 0 h 6858000"/>
+              <a:gd name="connsiteX1" fmla="*/ 405246 w 3581400"/>
+              <a:gd name="connsiteY1" fmla="*/ 0 h 6858000"/>
+              <a:gd name="connsiteX2" fmla="*/ 3581400 w 3581400"/>
+              <a:gd name="connsiteY2" fmla="*/ 6858000 h 6858000"/>
+              <a:gd name="connsiteX3" fmla="*/ 0 w 3581400"/>
+              <a:gd name="connsiteY3" fmla="*/ 6858000 h 6858000"/>
+            </a:gdLst>
+            <a:ahLst/>
+            <a:cxnLst>
+              <a:cxn ang="0">
+                <a:pos x="connsiteX0" y="connsiteY0"/>
+              </a:cxn>
+              <a:cxn ang="0">
+                <a:pos x="connsiteX1" y="connsiteY1"/>
+              </a:cxn>
+              <a:cxn ang="0">
+                <a:pos x="connsiteX2" y="connsiteY2"/>
+              </a:cxn>
+              <a:cxn ang="0">
+                <a:pos x="connsiteX3" y="connsiteY3"/>
+              </a:cxn>
+            </a:cxnLst>
+            <a:rect l="l" t="t" r="r" b="b"/>
+            <a:pathLst>
+              <a:path w="3581400" h="6858000">
+                <a:moveTo>
+                  <a:pt x="0" y="0"/>
+                </a:moveTo>
+                <a:lnTo>
+                  <a:pt x="405246" y="0"/>
+                </a:lnTo>
+                <a:lnTo>
+                  <a:pt x="3581400" y="6858000"/>
+                </a:lnTo>
+                <a:lnTo>
+                  <a:pt x="0" y="6858000"/>
+                </a:lnTo>
+                <a:close/>
+              </a:path>
+            </a:pathLst>
+          </a:custGeom>
+          <a:solidFill>
+            <a:schemeClr val="bg1">
+              <a:alpha val="30000"/>
+            </a:schemeClr>
+          </a:solidFill>
+          <a:ln>
+            <a:noFill/>
+          </a:ln>
+        </p:spPr>
+        <p:style>
+          <a:lnRef idx="2">
+            <a:schemeClr val="accent1">
+              <a:shade val="50000"/>
+            </a:schemeClr>
+          </a:lnRef>
+          <a:fillRef idx="1">
+            <a:schemeClr val="accent1"/>
+          </a:fillRef>
+          <a:effectRef idx="0">
+            <a:schemeClr val="accent1"/>
+          </a:effectRef>
+          <a:fontRef idx="minor">
+            <a:schemeClr val="lt1"/>
+          </a:fontRef>
+        </p:style>
+        <p:txBody>
+          <a:bodyPr wrap="square" rtlCol="0" anchor="ctr">
+            <a:noAutofit/>
+          </a:bodyPr>
+          <a:lstStyle/>
+          <a:p>
+            <a:pPr marL="0" marR="0" lvl="0" indent="0" algn="ctr" defTabSz="914400" rtl="0" eaLnBrk="1" fontAlgn="auto" latinLnBrk="0" hangingPunct="1">
+              <a:lnSpc>
+                <a:spcPct val="100000"/>
+              </a:lnSpc>
+              <a:spcBef>
+                <a:spcPts val="0"/>
+              </a:spcBef>
+              <a:spcAft>
+                <a:spcPts val="0"/>
+              </a:spcAft>
+              <a:buClrTx/>
+              <a:buSzTx/>
+              <a:buFontTx/>
+              <a:buNone/>
+              <a:tabLst/>
+              <a:defRPr/>
+            </a:pPr>
+            <a:endParaRPr kumimoji="0" lang="en-US" sz="1800" b="0" i="0" u="none" strike="noStrike" kern="1200" cap="none" spc="0" normalizeH="0" baseline="0" noProof="0">
+              <a:ln>
+                <a:noFill/>
+              </a:ln>
+              <a:solidFill>
+                <a:prstClr val="white"/>
+              </a:solidFill>
+              <a:effectLst/>
+              <a:uLnTx/>
+              <a:uFillTx/>
+              <a:latin typeface="Calibri" panose="020F0502020204030204"/>
+              <a:ea typeface="+mn-ea"/>
+              <a:cs typeface="+mn-cs"/>
+            </a:endParaRPr>
+          </a:p>
+        </p:txBody>
+      </p:sp>
+      <p:sp>
+        <p:nvSpPr>
+          <p:cNvPr id="2" name="제목 1">
+            <a:extLst>
+              <a:ext uri="{FF2B5EF4-FFF2-40B4-BE49-F238E27FC236}">
+                <a16:creationId xmlns:a16="http://schemas.microsoft.com/office/drawing/2014/main" id="{71D44873-76A6-4B78-AF80-882B529377EB}"/>
+              </a:ext>
+            </a:extLst>
+          </p:cNvPr>
+          <p:cNvSpPr>
+            <a:spLocks noGrp="1"/>
+          </p:cNvSpPr>
+          <p:nvPr>
+            <p:ph type="title"/>
+          </p:nvPr>
+        </p:nvSpPr>
+        <p:spPr>
+          <a:xfrm>
+            <a:off x="958660" y="939474"/>
+            <a:ext cx="10395044" cy="1325563"/>
+          </a:xfrm>
+        </p:spPr>
+        <p:txBody>
+          <a:bodyPr>
+            <a:normAutofit/>
+          </a:bodyPr>
+          <a:lstStyle/>
+          <a:p>
+            <a:r>
+              <a:rPr lang="en-US" altLang="ko-KR" dirty="0"/>
+              <a:t>Vector</a:t>
+            </a:r>
+            <a:endParaRPr lang="ko-KR" altLang="en-US" dirty="0"/>
+          </a:p>
+        </p:txBody>
+      </p:sp>
+      <p:pic>
+        <p:nvPicPr>
+          <p:cNvPr id="4" name="그림 3" descr="시계이(가) 표시된 사진&#10;&#10;자동 생성된 설명">
+            <a:extLst>
+              <a:ext uri="{FF2B5EF4-FFF2-40B4-BE49-F238E27FC236}">
+                <a16:creationId xmlns:a16="http://schemas.microsoft.com/office/drawing/2014/main" id="{50E553E6-881F-4635-AB80-DF970994D345}"/>
+              </a:ext>
+            </a:extLst>
+          </p:cNvPr>
+          <p:cNvPicPr>
+            <a:picLocks noChangeAspect="1"/>
+          </p:cNvPicPr>
+          <p:nvPr/>
+        </p:nvPicPr>
+        <p:blipFill>
+          <a:blip r:embed="rId2"/>
+          <a:stretch>
+            <a:fillRect/>
+          </a:stretch>
+        </p:blipFill>
+        <p:spPr>
+          <a:xfrm>
+            <a:off x="958660" y="4592964"/>
+            <a:ext cx="6033598" cy="1325563"/>
+          </a:xfrm>
+          <a:prstGeom prst="rect">
+            <a:avLst/>
+          </a:prstGeom>
+        </p:spPr>
+      </p:pic>
+      <p:sp>
+        <p:nvSpPr>
+          <p:cNvPr id="3" name="내용 개체 틀 2">
+            <a:extLst>
+              <a:ext uri="{FF2B5EF4-FFF2-40B4-BE49-F238E27FC236}">
+                <a16:creationId xmlns:a16="http://schemas.microsoft.com/office/drawing/2014/main" id="{0CAC741A-32B6-49D2-8047-A451F1766803}"/>
+              </a:ext>
+            </a:extLst>
+          </p:cNvPr>
+          <p:cNvSpPr>
+            <a:spLocks noGrp="1"/>
+          </p:cNvSpPr>
+          <p:nvPr>
+            <p:ph idx="1"/>
+          </p:nvPr>
+        </p:nvSpPr>
+        <p:spPr>
+          <a:xfrm>
+            <a:off x="958660" y="2592958"/>
+            <a:ext cx="6032552" cy="3156519"/>
+          </a:xfrm>
+        </p:spPr>
+        <p:txBody>
+          <a:bodyPr>
+            <a:normAutofit/>
+          </a:bodyPr>
+          <a:lstStyle/>
+          <a:p>
+            <a:r>
+              <a:rPr lang="en-US" altLang="ko-KR" sz="2000" dirty="0"/>
+              <a:t>x, y, z </a:t>
+            </a:r>
+            <a:r>
+              <a:rPr lang="ko-KR" altLang="en-US" sz="2000" dirty="0"/>
+              <a:t>값을 데이터</a:t>
+            </a:r>
+            <a:endParaRPr lang="en-US" altLang="ko-KR" sz="2000" dirty="0"/>
+          </a:p>
+          <a:p>
+            <a:pPr lvl="1"/>
+            <a:r>
+              <a:rPr lang="en-US" altLang="ko-KR" sz="2000" dirty="0"/>
+              <a:t>x, y, z</a:t>
+            </a:r>
+            <a:r>
+              <a:rPr lang="ko-KR" altLang="en-US" sz="2000" dirty="0"/>
+              <a:t>는 </a:t>
+            </a:r>
+            <a:r>
+              <a:rPr lang="en-US" altLang="ko-KR" sz="2000" dirty="0"/>
+              <a:t>float</a:t>
+            </a:r>
+            <a:r>
+              <a:rPr lang="ko-KR" altLang="en-US" sz="2000" dirty="0"/>
+              <a:t>형임을 주의하자</a:t>
+            </a:r>
+            <a:r>
+              <a:rPr lang="en-US" altLang="ko-KR" sz="2000" dirty="0"/>
+              <a:t>!</a:t>
+            </a:r>
+          </a:p>
+          <a:p>
+            <a:r>
+              <a:rPr lang="ko-KR" altLang="en-US" sz="2000" dirty="0"/>
+              <a:t>벡터 연산이 가능하다</a:t>
+            </a:r>
+            <a:r>
+              <a:rPr lang="en-US" altLang="ko-KR" sz="2000" dirty="0"/>
+              <a:t>!</a:t>
+            </a:r>
+          </a:p>
+          <a:p>
+            <a:pPr lvl="1"/>
+            <a:r>
+              <a:rPr lang="ko-KR" altLang="en-US" sz="2000" dirty="0"/>
+              <a:t>외적</a:t>
+            </a:r>
+            <a:r>
+              <a:rPr lang="en-US" altLang="ko-KR" sz="2000" dirty="0"/>
+              <a:t>/</a:t>
+            </a:r>
+            <a:r>
+              <a:rPr lang="ko-KR" altLang="en-US" sz="2000" dirty="0"/>
+              <a:t>내적</a:t>
+            </a:r>
+            <a:endParaRPr lang="en-US" altLang="ko-KR" sz="2000" dirty="0"/>
+          </a:p>
+          <a:p>
+            <a:pPr lvl="1"/>
+            <a:r>
+              <a:rPr lang="ko-KR" altLang="en-US" sz="2000" dirty="0"/>
+              <a:t>벡터 사칙연산</a:t>
+            </a:r>
+            <a:endParaRPr lang="en-US" altLang="ko-KR" sz="2000" dirty="0"/>
+          </a:p>
+        </p:txBody>
+      </p:sp>
+    </p:spTree>
+    <p:extLst>
+      <p:ext uri="{BB962C8B-B14F-4D97-AF65-F5344CB8AC3E}">
+        <p14:creationId xmlns:p14="http://schemas.microsoft.com/office/powerpoint/2010/main" val="3097243521"/>
+      </p:ext>
+    </p:extLst>
+  </p:cSld>
+  <p:clrMapOvr>
+    <a:overrideClrMapping bg1="dk1" tx1="lt1" bg2="dk2" tx2="lt2" accent1="accent1" accent2="accent2" accent3="accent3" accent4="accent4" accent5="accent5" accent6="accent6" hlink="hlink" folHlink="folHlink"/>
+  </p:clrMapOvr>
+</p:sld>
+</file>
+
+<file path=ppt/slides/slide17.xml><?xml version="1.0" encoding="utf-8"?>
+<p:sld xmlns:a="http://schemas.openxmlformats.org/drawingml/2006/main" xmlns:r="http://schemas.openxmlformats.org/officeDocument/2006/relationships" xmlns:p="http://schemas.openxmlformats.org/presentationml/2006/main">
+  <p:cSld>
+    <p:bg>
+      <p:bgPr>
+        <a:solidFill>
+          <a:schemeClr val="bg1">
+            <a:tint val="95000"/>
+            <a:satMod val="170000"/>
+          </a:schemeClr>
+        </a:solidFill>
+        <a:effectLst/>
+      </p:bgPr>
+    </p:bg>
+    <p:spTree>
+      <p:nvGrpSpPr>
+        <p:cNvPr id="1" name=""/>
+        <p:cNvGrpSpPr/>
+        <p:nvPr/>
+      </p:nvGrpSpPr>
+      <p:grpSpPr>
+        <a:xfrm>
+          <a:off x="0" y="0"/>
+          <a:ext cx="0" cy="0"/>
+          <a:chOff x="0" y="0"/>
+          <a:chExt cx="0" cy="0"/>
+        </a:xfrm>
+      </p:grpSpPr>
+      <p:sp>
+        <p:nvSpPr>
+          <p:cNvPr id="11" name="Rectangle 10">
+            <a:extLst>
+              <a:ext uri="{FF2B5EF4-FFF2-40B4-BE49-F238E27FC236}">
+                <a16:creationId xmlns:a16="http://schemas.microsoft.com/office/drawing/2014/main" id="{B2372472-A28D-4A46-A417-C339E4A849AC}"/>
+              </a:ext>
+              <a:ext uri="{C183D7F6-B498-43B3-948B-1728B52AA6E4}">
+                <adec:decorative xmlns:adec="http://schemas.microsoft.com/office/drawing/2017/decorative" val="1"/>
+              </a:ext>
+            </a:extLst>
+          </p:cNvPr>
+          <p:cNvSpPr>
+            <a:spLocks noGrp="1" noRot="1" noChangeAspect="1" noMove="1" noResize="1" noEditPoints="1" noAdjustHandles="1" noChangeArrowheads="1" noChangeShapeType="1" noTextEdit="1"/>
+          </p:cNvSpPr>
+          <p:nvPr>
+            <p:extLst>
+              <p:ext uri="{386F3935-93C4-4BCD-93E2-E3B085C9AB24}">
+                <p16:designElem xmlns:p16="http://schemas.microsoft.com/office/powerpoint/2015/main" val="1"/>
+              </p:ext>
+            </p:extLst>
+          </p:nvPr>
+        </p:nvSpPr>
+        <p:spPr>
+          <a:xfrm>
+            <a:off x="0" y="-3324"/>
+            <a:ext cx="12192000" cy="6861324"/>
+          </a:xfrm>
+          <a:prstGeom prst="rect">
+            <a:avLst/>
+          </a:prstGeom>
+          <a:solidFill>
+            <a:schemeClr val="bg1">
+              <a:alpha val="9000"/>
+            </a:schemeClr>
+          </a:solidFill>
+          <a:ln>
+            <a:noFill/>
+          </a:ln>
+        </p:spPr>
+        <p:style>
+          <a:lnRef idx="2">
+            <a:schemeClr val="accent1">
+              <a:shade val="50000"/>
+            </a:schemeClr>
+          </a:lnRef>
+          <a:fillRef idx="1">
+            <a:schemeClr val="accent1"/>
+          </a:fillRef>
+          <a:effectRef idx="0">
+            <a:schemeClr val="accent1"/>
+          </a:effectRef>
+          <a:fontRef idx="minor">
+            <a:schemeClr val="lt1"/>
+          </a:fontRef>
+        </p:style>
+        <p:txBody>
+          <a:bodyPr rtlCol="0" anchor="ctr"/>
+          <a:lstStyle/>
+          <a:p>
+            <a:pPr marL="0" marR="0" lvl="0" indent="0" algn="ctr" defTabSz="914400" rtl="0" eaLnBrk="1" fontAlgn="auto" latinLnBrk="0" hangingPunct="1">
+              <a:lnSpc>
+                <a:spcPct val="100000"/>
+              </a:lnSpc>
+              <a:spcBef>
+                <a:spcPts val="0"/>
+              </a:spcBef>
+              <a:spcAft>
+                <a:spcPts val="0"/>
+              </a:spcAft>
+              <a:buClrTx/>
+              <a:buSzTx/>
+              <a:buFontTx/>
+              <a:buNone/>
+              <a:tabLst/>
+              <a:defRPr/>
+            </a:pPr>
+            <a:endParaRPr kumimoji="0" lang="en-US" sz="1800" b="0" i="0" u="none" strike="noStrike" kern="1200" cap="none" spc="0" normalizeH="0" baseline="0" noProof="0">
+              <a:ln>
+                <a:noFill/>
+              </a:ln>
+              <a:solidFill>
+                <a:prstClr val="white"/>
+              </a:solidFill>
+              <a:effectLst/>
+              <a:uLnTx/>
+              <a:uFillTx/>
+              <a:latin typeface="Calibri" panose="020F0502020204030204"/>
+              <a:ea typeface="+mn-ea"/>
+              <a:cs typeface="+mn-cs"/>
+            </a:endParaRPr>
+          </a:p>
+        </p:txBody>
+      </p:sp>
+      <p:sp>
+        <p:nvSpPr>
+          <p:cNvPr id="13" name="Freeform 13">
+            <a:extLst>
+              <a:ext uri="{FF2B5EF4-FFF2-40B4-BE49-F238E27FC236}">
+                <a16:creationId xmlns:a16="http://schemas.microsoft.com/office/drawing/2014/main" id="{AA6E07BD-D7EE-482F-A60D-431FAF26E3B7}"/>
+              </a:ext>
+              <a:ext uri="{C183D7F6-B498-43B3-948B-1728B52AA6E4}">
+                <adec:decorative xmlns:adec="http://schemas.microsoft.com/office/drawing/2017/decorative" val="1"/>
+              </a:ext>
+            </a:extLst>
+          </p:cNvPr>
+          <p:cNvSpPr>
+            <a:spLocks noGrp="1" noRot="1" noChangeAspect="1" noMove="1" noResize="1" noEditPoints="1" noAdjustHandles="1" noChangeArrowheads="1" noChangeShapeType="1" noTextEdit="1"/>
+          </p:cNvSpPr>
+          <p:nvPr>
+            <p:extLst>
+              <p:ext uri="{386F3935-93C4-4BCD-93E2-E3B085C9AB24}">
+                <p16:designElem xmlns:p16="http://schemas.microsoft.com/office/powerpoint/2015/main" val="1"/>
+              </p:ext>
+            </p:extLst>
+          </p:nvPr>
+        </p:nvSpPr>
+        <p:spPr>
+          <a:xfrm>
+            <a:off x="0" y="0"/>
+            <a:ext cx="11786754" cy="6858000"/>
+          </a:xfrm>
+          <a:custGeom>
+            <a:avLst/>
+            <a:gdLst>
+              <a:gd name="connsiteX0" fmla="*/ 0 w 11786754"/>
+              <a:gd name="connsiteY0" fmla="*/ 0 h 6858000"/>
+              <a:gd name="connsiteX1" fmla="*/ 8610600 w 11786754"/>
+              <a:gd name="connsiteY1" fmla="*/ 0 h 6858000"/>
+              <a:gd name="connsiteX2" fmla="*/ 11786754 w 11786754"/>
+              <a:gd name="connsiteY2" fmla="*/ 6858000 h 6858000"/>
+              <a:gd name="connsiteX3" fmla="*/ 0 w 11786754"/>
+              <a:gd name="connsiteY3" fmla="*/ 6858000 h 6858000"/>
+            </a:gdLst>
+            <a:ahLst/>
+            <a:cxnLst>
+              <a:cxn ang="0">
+                <a:pos x="connsiteX0" y="connsiteY0"/>
+              </a:cxn>
+              <a:cxn ang="0">
+                <a:pos x="connsiteX1" y="connsiteY1"/>
+              </a:cxn>
+              <a:cxn ang="0">
+                <a:pos x="connsiteX2" y="connsiteY2"/>
+              </a:cxn>
+              <a:cxn ang="0">
+                <a:pos x="connsiteX3" y="connsiteY3"/>
+              </a:cxn>
+            </a:cxnLst>
+            <a:rect l="l" t="t" r="r" b="b"/>
+            <a:pathLst>
+              <a:path w="11786754" h="6858000">
+                <a:moveTo>
+                  <a:pt x="0" y="0"/>
+                </a:moveTo>
+                <a:lnTo>
+                  <a:pt x="8610600" y="0"/>
+                </a:lnTo>
+                <a:lnTo>
+                  <a:pt x="11786754" y="6858000"/>
+                </a:lnTo>
+                <a:lnTo>
+                  <a:pt x="0" y="6858000"/>
+                </a:lnTo>
+                <a:close/>
+              </a:path>
+            </a:pathLst>
+          </a:custGeom>
+          <a:solidFill>
+            <a:schemeClr val="bg1">
+              <a:alpha val="30000"/>
+            </a:schemeClr>
+          </a:solidFill>
+          <a:ln>
+            <a:noFill/>
+          </a:ln>
+        </p:spPr>
+        <p:style>
+          <a:lnRef idx="2">
+            <a:schemeClr val="accent1">
+              <a:shade val="50000"/>
+            </a:schemeClr>
+          </a:lnRef>
+          <a:fillRef idx="1">
+            <a:schemeClr val="accent1"/>
+          </a:fillRef>
+          <a:effectRef idx="0">
+            <a:schemeClr val="accent1"/>
+          </a:effectRef>
+          <a:fontRef idx="minor">
+            <a:schemeClr val="lt1"/>
+          </a:fontRef>
+        </p:style>
+        <p:txBody>
+          <a:bodyPr rtlCol="0" anchor="ctr"/>
+          <a:lstStyle/>
+          <a:p>
+            <a:pPr marL="0" marR="0" lvl="0" indent="0" algn="ctr" defTabSz="914400" rtl="0" eaLnBrk="1" fontAlgn="auto" latinLnBrk="0" hangingPunct="1">
+              <a:lnSpc>
+                <a:spcPct val="100000"/>
+              </a:lnSpc>
+              <a:spcBef>
+                <a:spcPts val="0"/>
+              </a:spcBef>
+              <a:spcAft>
+                <a:spcPts val="0"/>
+              </a:spcAft>
+              <a:buClrTx/>
+              <a:buSzTx/>
+              <a:buFontTx/>
+              <a:buNone/>
+              <a:tabLst/>
+              <a:defRPr/>
+            </a:pPr>
+            <a:endParaRPr kumimoji="0" lang="en-US" sz="1800" b="0" i="0" u="none" strike="noStrike" kern="1200" cap="none" spc="0" normalizeH="0" baseline="0" noProof="0">
+              <a:ln>
+                <a:noFill/>
+              </a:ln>
+              <a:solidFill>
+                <a:prstClr val="white"/>
+              </a:solidFill>
+              <a:effectLst/>
+              <a:uLnTx/>
+              <a:uFillTx/>
+              <a:latin typeface="Calibri" panose="020F0502020204030204"/>
+              <a:ea typeface="+mn-ea"/>
+              <a:cs typeface="+mn-cs"/>
+            </a:endParaRPr>
+          </a:p>
+        </p:txBody>
+      </p:sp>
+      <p:sp>
+        <p:nvSpPr>
+          <p:cNvPr id="15" name="Freeform 11">
+            <a:extLst>
+              <a:ext uri="{FF2B5EF4-FFF2-40B4-BE49-F238E27FC236}">
+                <a16:creationId xmlns:a16="http://schemas.microsoft.com/office/drawing/2014/main" id="{1E098AAF-E08F-4026-A70E-1097D1649295}"/>
+              </a:ext>
+              <a:ext uri="{C183D7F6-B498-43B3-948B-1728B52AA6E4}">
+                <adec:decorative xmlns:adec="http://schemas.microsoft.com/office/drawing/2017/decorative" val="1"/>
+              </a:ext>
+            </a:extLst>
+          </p:cNvPr>
+          <p:cNvSpPr>
+            <a:spLocks noGrp="1" noRot="1" noChangeAspect="1" noMove="1" noResize="1" noEditPoints="1" noAdjustHandles="1" noChangeArrowheads="1" noChangeShapeType="1" noTextEdit="1"/>
+          </p:cNvSpPr>
+          <p:nvPr>
+            <p:extLst>
+              <p:ext uri="{386F3935-93C4-4BCD-93E2-E3B085C9AB24}">
+                <p16:designElem xmlns:p16="http://schemas.microsoft.com/office/powerpoint/2015/main" val="1"/>
+              </p:ext>
+            </p:extLst>
+          </p:nvPr>
+        </p:nvSpPr>
+        <p:spPr>
+          <a:xfrm>
+            <a:off x="0" y="0"/>
+            <a:ext cx="3581400" cy="6858000"/>
+          </a:xfrm>
+          <a:custGeom>
+            <a:avLst/>
+            <a:gdLst>
+              <a:gd name="connsiteX0" fmla="*/ 0 w 3581400"/>
+              <a:gd name="connsiteY0" fmla="*/ 0 h 6858000"/>
+              <a:gd name="connsiteX1" fmla="*/ 405246 w 3581400"/>
+              <a:gd name="connsiteY1" fmla="*/ 0 h 6858000"/>
+              <a:gd name="connsiteX2" fmla="*/ 3581400 w 3581400"/>
+              <a:gd name="connsiteY2" fmla="*/ 6858000 h 6858000"/>
+              <a:gd name="connsiteX3" fmla="*/ 0 w 3581400"/>
+              <a:gd name="connsiteY3" fmla="*/ 6858000 h 6858000"/>
+            </a:gdLst>
+            <a:ahLst/>
+            <a:cxnLst>
+              <a:cxn ang="0">
+                <a:pos x="connsiteX0" y="connsiteY0"/>
+              </a:cxn>
+              <a:cxn ang="0">
+                <a:pos x="connsiteX1" y="connsiteY1"/>
+              </a:cxn>
+              <a:cxn ang="0">
+                <a:pos x="connsiteX2" y="connsiteY2"/>
+              </a:cxn>
+              <a:cxn ang="0">
+                <a:pos x="connsiteX3" y="connsiteY3"/>
+              </a:cxn>
+            </a:cxnLst>
+            <a:rect l="l" t="t" r="r" b="b"/>
+            <a:pathLst>
+              <a:path w="3581400" h="6858000">
+                <a:moveTo>
+                  <a:pt x="0" y="0"/>
+                </a:moveTo>
+                <a:lnTo>
+                  <a:pt x="405246" y="0"/>
+                </a:lnTo>
+                <a:lnTo>
+                  <a:pt x="3581400" y="6858000"/>
+                </a:lnTo>
+                <a:lnTo>
+                  <a:pt x="0" y="6858000"/>
+                </a:lnTo>
+                <a:close/>
+              </a:path>
+            </a:pathLst>
+          </a:custGeom>
+          <a:solidFill>
+            <a:schemeClr val="bg1">
+              <a:alpha val="30000"/>
+            </a:schemeClr>
+          </a:solidFill>
+          <a:ln>
+            <a:noFill/>
+          </a:ln>
+        </p:spPr>
+        <p:style>
+          <a:lnRef idx="2">
+            <a:schemeClr val="accent1">
+              <a:shade val="50000"/>
+            </a:schemeClr>
+          </a:lnRef>
+          <a:fillRef idx="1">
+            <a:schemeClr val="accent1"/>
+          </a:fillRef>
+          <a:effectRef idx="0">
+            <a:schemeClr val="accent1"/>
+          </a:effectRef>
+          <a:fontRef idx="minor">
+            <a:schemeClr val="lt1"/>
+          </a:fontRef>
+        </p:style>
+        <p:txBody>
+          <a:bodyPr wrap="square" rtlCol="0" anchor="ctr">
+            <a:noAutofit/>
+          </a:bodyPr>
+          <a:lstStyle/>
+          <a:p>
+            <a:pPr marL="0" marR="0" lvl="0" indent="0" algn="ctr" defTabSz="914400" rtl="0" eaLnBrk="1" fontAlgn="auto" latinLnBrk="0" hangingPunct="1">
+              <a:lnSpc>
+                <a:spcPct val="100000"/>
+              </a:lnSpc>
+              <a:spcBef>
+                <a:spcPts val="0"/>
+              </a:spcBef>
+              <a:spcAft>
+                <a:spcPts val="0"/>
+              </a:spcAft>
+              <a:buClrTx/>
+              <a:buSzTx/>
+              <a:buFontTx/>
+              <a:buNone/>
+              <a:tabLst/>
+              <a:defRPr/>
+            </a:pPr>
+            <a:endParaRPr kumimoji="0" lang="en-US" sz="1800" b="0" i="0" u="none" strike="noStrike" kern="1200" cap="none" spc="0" normalizeH="0" baseline="0" noProof="0">
+              <a:ln>
+                <a:noFill/>
+              </a:ln>
+              <a:solidFill>
+                <a:prstClr val="white"/>
+              </a:solidFill>
+              <a:effectLst/>
+              <a:uLnTx/>
+              <a:uFillTx/>
+              <a:latin typeface="Calibri" panose="020F0502020204030204"/>
+              <a:ea typeface="+mn-ea"/>
+              <a:cs typeface="+mn-cs"/>
+            </a:endParaRPr>
+          </a:p>
+        </p:txBody>
+      </p:sp>
+      <p:sp>
+        <p:nvSpPr>
+          <p:cNvPr id="2" name="제목 1">
+            <a:extLst>
+              <a:ext uri="{FF2B5EF4-FFF2-40B4-BE49-F238E27FC236}">
+                <a16:creationId xmlns:a16="http://schemas.microsoft.com/office/drawing/2014/main" id="{D9A44967-332A-40D7-9FF1-73EF8DF18991}"/>
+              </a:ext>
+            </a:extLst>
+          </p:cNvPr>
+          <p:cNvSpPr>
+            <a:spLocks noGrp="1"/>
+          </p:cNvSpPr>
+          <p:nvPr>
+            <p:ph type="title"/>
+          </p:nvPr>
+        </p:nvSpPr>
+        <p:spPr>
+          <a:xfrm>
+            <a:off x="838200" y="365125"/>
+            <a:ext cx="10515600" cy="1325563"/>
+          </a:xfrm>
+        </p:spPr>
+        <p:txBody>
+          <a:bodyPr>
+            <a:normAutofit/>
+          </a:bodyPr>
+          <a:lstStyle/>
+          <a:p>
+            <a:r>
+              <a:rPr lang="en-US" altLang="ko-KR" dirty="0">
+                <a:solidFill>
+                  <a:srgbClr val="FFFFFF"/>
+                </a:solidFill>
+              </a:rPr>
+              <a:t>Vector3 – </a:t>
+            </a:r>
+            <a:r>
+              <a:rPr lang="ko-KR" altLang="en-US" dirty="0">
+                <a:solidFill>
+                  <a:srgbClr val="FFFFFF"/>
+                </a:solidFill>
+              </a:rPr>
+              <a:t>실수모음</a:t>
+            </a:r>
+          </a:p>
+        </p:txBody>
+      </p:sp>
+      <p:sp>
+        <p:nvSpPr>
+          <p:cNvPr id="3" name="내용 개체 틀 2">
+            <a:extLst>
+              <a:ext uri="{FF2B5EF4-FFF2-40B4-BE49-F238E27FC236}">
+                <a16:creationId xmlns:a16="http://schemas.microsoft.com/office/drawing/2014/main" id="{B3DC4ADA-83C9-4E46-99EC-C198159CDE3D}"/>
+              </a:ext>
+            </a:extLst>
+          </p:cNvPr>
+          <p:cNvSpPr>
+            <a:spLocks noGrp="1"/>
+          </p:cNvSpPr>
+          <p:nvPr>
+            <p:ph idx="1"/>
+          </p:nvPr>
+        </p:nvSpPr>
+        <p:spPr>
+          <a:xfrm>
+            <a:off x="838200" y="2021249"/>
+            <a:ext cx="5707565" cy="4155713"/>
+          </a:xfrm>
+        </p:spPr>
+        <p:txBody>
+          <a:bodyPr>
+            <a:normAutofit/>
+          </a:bodyPr>
+          <a:lstStyle/>
+          <a:p>
+            <a:r>
+              <a:rPr lang="en-US" altLang="ko-KR" sz="2000">
+                <a:solidFill>
+                  <a:srgbClr val="FFFFFF"/>
+                </a:solidFill>
+              </a:rPr>
+              <a:t>float </a:t>
+            </a:r>
+            <a:r>
+              <a:rPr lang="ko-KR" altLang="en-US" sz="2000">
+                <a:solidFill>
+                  <a:srgbClr val="FFFFFF"/>
+                </a:solidFill>
+              </a:rPr>
+              <a:t>형으로 넣기</a:t>
+            </a:r>
+            <a:endParaRPr lang="en-US" altLang="ko-KR" sz="2000">
+              <a:solidFill>
+                <a:srgbClr val="FFFFFF"/>
+              </a:solidFill>
+            </a:endParaRPr>
+          </a:p>
+          <a:p>
+            <a:endParaRPr lang="en-US" altLang="ko-KR" sz="2000">
+              <a:solidFill>
+                <a:srgbClr val="FFFFFF"/>
+              </a:solidFill>
+            </a:endParaRPr>
+          </a:p>
+          <a:p>
+            <a:endParaRPr lang="en-US" altLang="ko-KR" sz="2000">
+              <a:solidFill>
+                <a:srgbClr val="FFFFFF"/>
+              </a:solidFill>
+            </a:endParaRPr>
+          </a:p>
+          <a:p>
+            <a:endParaRPr lang="en-US" altLang="ko-KR" sz="2000">
+              <a:solidFill>
+                <a:srgbClr val="FFFFFF"/>
+              </a:solidFill>
+            </a:endParaRPr>
+          </a:p>
+          <a:p>
+            <a:r>
+              <a:rPr lang="ko-KR" altLang="en-US" sz="2000">
+                <a:solidFill>
+                  <a:srgbClr val="FFFFFF"/>
+                </a:solidFill>
+              </a:rPr>
+              <a:t>참조 변수로의 사용</a:t>
+            </a:r>
+            <a:endParaRPr lang="en-US" altLang="ko-KR" sz="2000">
+              <a:solidFill>
+                <a:srgbClr val="FFFFFF"/>
+              </a:solidFill>
+            </a:endParaRPr>
+          </a:p>
+          <a:p>
+            <a:endParaRPr lang="ko-KR" altLang="en-US" sz="2000">
+              <a:solidFill>
+                <a:srgbClr val="FFFFFF"/>
+              </a:solidFill>
+            </a:endParaRPr>
+          </a:p>
+        </p:txBody>
+      </p:sp>
+      <p:pic>
+        <p:nvPicPr>
+          <p:cNvPr id="6" name="그림 5">
+            <a:extLst>
+              <a:ext uri="{FF2B5EF4-FFF2-40B4-BE49-F238E27FC236}">
+                <a16:creationId xmlns:a16="http://schemas.microsoft.com/office/drawing/2014/main" id="{03229DD4-E9B5-41BB-A5DB-4C95658408DB}"/>
+              </a:ext>
+            </a:extLst>
+          </p:cNvPr>
+          <p:cNvPicPr>
+            <a:picLocks noChangeAspect="1"/>
+          </p:cNvPicPr>
+          <p:nvPr/>
+        </p:nvPicPr>
+        <p:blipFill>
+          <a:blip r:embed="rId2"/>
+          <a:stretch>
+            <a:fillRect/>
+          </a:stretch>
+        </p:blipFill>
+        <p:spPr>
+          <a:xfrm>
+            <a:off x="838200" y="4148860"/>
+            <a:ext cx="5432414" cy="2028101"/>
+          </a:xfrm>
+          <a:prstGeom prst="rect">
+            <a:avLst/>
+          </a:prstGeom>
+        </p:spPr>
+      </p:pic>
+      <p:pic>
+        <p:nvPicPr>
+          <p:cNvPr id="4" name="그림 3">
+            <a:extLst>
+              <a:ext uri="{FF2B5EF4-FFF2-40B4-BE49-F238E27FC236}">
+                <a16:creationId xmlns:a16="http://schemas.microsoft.com/office/drawing/2014/main" id="{B565964F-BFE1-4447-8754-F7F779A2BE91}"/>
+              </a:ext>
+            </a:extLst>
+          </p:cNvPr>
+          <p:cNvPicPr>
+            <a:picLocks noChangeAspect="1"/>
+          </p:cNvPicPr>
+          <p:nvPr/>
+        </p:nvPicPr>
+        <p:blipFill>
+          <a:blip r:embed="rId3"/>
+          <a:stretch>
+            <a:fillRect/>
+          </a:stretch>
+        </p:blipFill>
+        <p:spPr>
+          <a:xfrm>
+            <a:off x="838200" y="2534653"/>
+            <a:ext cx="5329467" cy="892685"/>
+          </a:xfrm>
+          <a:prstGeom prst="rect">
+            <a:avLst/>
+          </a:prstGeom>
+        </p:spPr>
+      </p:pic>
+    </p:spTree>
+    <p:extLst>
+      <p:ext uri="{BB962C8B-B14F-4D97-AF65-F5344CB8AC3E}">
+        <p14:creationId xmlns:p14="http://schemas.microsoft.com/office/powerpoint/2010/main" val="3288362435"/>
+      </p:ext>
+    </p:extLst>
+  </p:cSld>
+  <p:clrMapOvr>
+    <a:overrideClrMapping bg1="dk1" tx1="lt1" bg2="dk2" tx2="lt2" accent1="accent1" accent2="accent2" accent3="accent3" accent4="accent4" accent5="accent5" accent6="accent6" hlink="hlink" folHlink="folHlink"/>
+  </p:clrMapOvr>
+</p:sld>
+</file>
+
+<file path=ppt/slides/slide18.xml><?xml version="1.0" encoding="utf-8"?>
+<p:sld xmlns:a="http://schemas.openxmlformats.org/drawingml/2006/main" xmlns:r="http://schemas.openxmlformats.org/officeDocument/2006/relationships" xmlns:p="http://schemas.openxmlformats.org/presentationml/2006/main">
+  <p:cSld>
+    <p:spTree>
+      <p:nvGrpSpPr>
+        <p:cNvPr id="1" name=""/>
+        <p:cNvGrpSpPr/>
+        <p:nvPr/>
+      </p:nvGrpSpPr>
+      <p:grpSpPr>
+        <a:xfrm>
+          <a:off x="0" y="0"/>
+          <a:ext cx="0" cy="0"/>
+          <a:chOff x="0" y="0"/>
+          <a:chExt cx="0" cy="0"/>
+        </a:xfrm>
+      </p:grpSpPr>
+      <p:sp>
+        <p:nvSpPr>
+          <p:cNvPr id="2" name="제목 1">
+            <a:extLst>
+              <a:ext uri="{FF2B5EF4-FFF2-40B4-BE49-F238E27FC236}">
+                <a16:creationId xmlns:a16="http://schemas.microsoft.com/office/drawing/2014/main" id="{0CBA3575-CA93-4AF6-AEA2-FC88AB206C0C}"/>
+              </a:ext>
+            </a:extLst>
+          </p:cNvPr>
+          <p:cNvSpPr>
+            <a:spLocks noGrp="1"/>
+          </p:cNvSpPr>
+          <p:nvPr>
+            <p:ph type="title"/>
+          </p:nvPr>
+        </p:nvSpPr>
+        <p:spPr/>
+        <p:txBody>
+          <a:bodyPr/>
+          <a:lstStyle/>
+          <a:p>
+            <a:r>
+              <a:rPr lang="en-US" altLang="ko-KR" dirty="0"/>
+              <a:t>Vector3 </a:t>
+            </a:r>
+            <a:r>
+              <a:rPr lang="ko-KR" altLang="en-US" dirty="0"/>
+              <a:t>사용 예시</a:t>
+            </a:r>
+          </a:p>
+        </p:txBody>
+      </p:sp>
+      <p:sp>
+        <p:nvSpPr>
+          <p:cNvPr id="3" name="내용 개체 틀 2">
+            <a:extLst>
+              <a:ext uri="{FF2B5EF4-FFF2-40B4-BE49-F238E27FC236}">
+                <a16:creationId xmlns:a16="http://schemas.microsoft.com/office/drawing/2014/main" id="{FC719DBC-9C4F-4993-B7CC-BD6E8BD9BBDF}"/>
+              </a:ext>
+            </a:extLst>
+          </p:cNvPr>
+          <p:cNvSpPr>
+            <a:spLocks noGrp="1"/>
+          </p:cNvSpPr>
+          <p:nvPr>
+            <p:ph idx="1"/>
+          </p:nvPr>
+        </p:nvSpPr>
+        <p:spPr/>
+        <p:txBody>
+          <a:bodyPr/>
+          <a:lstStyle/>
+          <a:p>
+            <a:r>
+              <a:rPr lang="ko-KR" altLang="en-US" dirty="0"/>
+              <a:t>사용 방법 </a:t>
+            </a:r>
+            <a:r>
+              <a:rPr lang="en-US" altLang="ko-KR" dirty="0"/>
+              <a:t>-1</a:t>
+            </a:r>
+          </a:p>
+          <a:p>
+            <a:endParaRPr lang="en-US" altLang="ko-KR" dirty="0"/>
+          </a:p>
+          <a:p>
+            <a:endParaRPr lang="en-US" altLang="ko-KR" dirty="0"/>
+          </a:p>
+          <a:p>
+            <a:r>
+              <a:rPr lang="ko-KR" altLang="en-US" dirty="0"/>
+              <a:t>사용 방법 </a:t>
+            </a:r>
+            <a:r>
+              <a:rPr lang="en-US" altLang="ko-KR" dirty="0"/>
+              <a:t>– 2</a:t>
+            </a:r>
+          </a:p>
+          <a:p>
+            <a:endParaRPr lang="en-US" altLang="ko-KR" dirty="0"/>
+          </a:p>
+          <a:p>
+            <a:endParaRPr lang="ko-KR" altLang="en-US" dirty="0"/>
+          </a:p>
+        </p:txBody>
+      </p:sp>
+      <p:pic>
+        <p:nvPicPr>
+          <p:cNvPr id="4" name="그림 3">
+            <a:extLst>
+              <a:ext uri="{FF2B5EF4-FFF2-40B4-BE49-F238E27FC236}">
+                <a16:creationId xmlns:a16="http://schemas.microsoft.com/office/drawing/2014/main" id="{10BCAF0D-4E74-4F29-84BA-7EAB381A37C1}"/>
+              </a:ext>
+            </a:extLst>
+          </p:cNvPr>
+          <p:cNvPicPr>
+            <a:picLocks noChangeAspect="1"/>
+          </p:cNvPicPr>
+          <p:nvPr/>
+        </p:nvPicPr>
+        <p:blipFill>
+          <a:blip r:embed="rId2"/>
+          <a:stretch>
+            <a:fillRect/>
+          </a:stretch>
+        </p:blipFill>
+        <p:spPr>
+          <a:xfrm>
+            <a:off x="838200" y="2439102"/>
+            <a:ext cx="9075388" cy="526440"/>
+          </a:xfrm>
+          <a:prstGeom prst="rect">
+            <a:avLst/>
+          </a:prstGeom>
+        </p:spPr>
+      </p:pic>
+      <p:pic>
+        <p:nvPicPr>
+          <p:cNvPr id="5" name="그림 4">
+            <a:extLst>
+              <a:ext uri="{FF2B5EF4-FFF2-40B4-BE49-F238E27FC236}">
+                <a16:creationId xmlns:a16="http://schemas.microsoft.com/office/drawing/2014/main" id="{DD43B07B-6A5E-42AA-BE54-A180D134524D}"/>
+              </a:ext>
+            </a:extLst>
+          </p:cNvPr>
+          <p:cNvPicPr>
+            <a:picLocks noChangeAspect="1"/>
+          </p:cNvPicPr>
+          <p:nvPr/>
+        </p:nvPicPr>
+        <p:blipFill>
+          <a:blip r:embed="rId3"/>
+          <a:stretch>
+            <a:fillRect/>
+          </a:stretch>
+        </p:blipFill>
+        <p:spPr>
+          <a:xfrm>
+            <a:off x="838200" y="4001294"/>
+            <a:ext cx="8106777" cy="772930"/>
+          </a:xfrm>
+          <a:prstGeom prst="rect">
+            <a:avLst/>
+          </a:prstGeom>
+        </p:spPr>
+      </p:pic>
+    </p:spTree>
+    <p:extLst>
+      <p:ext uri="{BB962C8B-B14F-4D97-AF65-F5344CB8AC3E}">
+        <p14:creationId xmlns:p14="http://schemas.microsoft.com/office/powerpoint/2010/main" val="540630230"/>
+      </p:ext>
+    </p:extLst>
+  </p:cSld>
+  <p:clrMapOvr>
+    <a:masterClrMapping/>
+  </p:clrMapOvr>
+</p:sld>
+</file>
+
+<file path=ppt/slides/slide19.xml><?xml version="1.0" encoding="utf-8"?>
+<p:sld xmlns:a="http://schemas.openxmlformats.org/drawingml/2006/main" xmlns:r="http://schemas.openxmlformats.org/officeDocument/2006/relationships" xmlns:p="http://schemas.openxmlformats.org/presentationml/2006/main">
+  <p:cSld>
+    <p:bg>
+      <p:bgPr>
+        <a:solidFill>
           <a:schemeClr val="bg1"/>
         </a:solidFill>
         <a:effectLst/>
@@ -6932,898 +8334,6 @@
     <p:extLst>
       <p:ext uri="{BB962C8B-B14F-4D97-AF65-F5344CB8AC3E}">
         <p14:creationId xmlns:p14="http://schemas.microsoft.com/office/powerpoint/2010/main" val="29227330"/>
-      </p:ext>
-    </p:extLst>
-  </p:cSld>
-  <p:clrMapOvr>
-    <a:masterClrMapping/>
-  </p:clrMapOvr>
-</p:sld>
-</file>
-
-<file path=ppt/slides/slide17.xml><?xml version="1.0" encoding="utf-8"?>
-<p:sld xmlns:a="http://schemas.openxmlformats.org/drawingml/2006/main" xmlns:r="http://schemas.openxmlformats.org/officeDocument/2006/relationships" xmlns:p="http://schemas.openxmlformats.org/presentationml/2006/main">
-  <p:cSld>
-    <p:bg>
-      <p:bgPr>
-        <a:solidFill>
-          <a:schemeClr val="bg1"/>
-        </a:solidFill>
-        <a:effectLst/>
-      </p:bgPr>
-    </p:bg>
-    <p:spTree>
-      <p:nvGrpSpPr>
-        <p:cNvPr id="1" name=""/>
-        <p:cNvGrpSpPr/>
-        <p:nvPr/>
-      </p:nvGrpSpPr>
-      <p:grpSpPr>
-        <a:xfrm>
-          <a:off x="0" y="0"/>
-          <a:ext cx="0" cy="0"/>
-          <a:chOff x="0" y="0"/>
-          <a:chExt cx="0" cy="0"/>
-        </a:xfrm>
-      </p:grpSpPr>
-      <p:sp useBgFill="1">
-        <p:nvSpPr>
-          <p:cNvPr id="7" name="Rectangle 6">
-            <a:extLst>
-              <a:ext uri="{FF2B5EF4-FFF2-40B4-BE49-F238E27FC236}">
-                <a16:creationId xmlns:a16="http://schemas.microsoft.com/office/drawing/2014/main" id="{BAD76F3E-3A97-486B-B402-44400A8B9173}"/>
-              </a:ext>
-              <a:ext uri="{C183D7F6-B498-43B3-948B-1728B52AA6E4}">
-                <adec:decorative xmlns:adec="http://schemas.microsoft.com/office/drawing/2017/decorative" val="1"/>
-              </a:ext>
-            </a:extLst>
-          </p:cNvPr>
-          <p:cNvSpPr>
-            <a:spLocks noGrp="1" noRot="1" noChangeAspect="1" noMove="1" noResize="1" noEditPoints="1" noAdjustHandles="1" noChangeArrowheads="1" noChangeShapeType="1" noTextEdit="1"/>
-          </p:cNvSpPr>
-          <p:nvPr>
-            <p:extLst>
-              <p:ext uri="{386F3935-93C4-4BCD-93E2-E3B085C9AB24}">
-                <p16:designElem xmlns:p16="http://schemas.microsoft.com/office/powerpoint/2015/main" val="1"/>
-              </p:ext>
-            </p:extLst>
-          </p:nvPr>
-        </p:nvSpPr>
-        <p:spPr>
-          <a:xfrm>
-            <a:off x="0" y="0"/>
-            <a:ext cx="12192000" cy="6858000"/>
-          </a:xfrm>
-          <a:prstGeom prst="rect">
-            <a:avLst/>
-          </a:prstGeom>
-          <a:ln>
-            <a:noFill/>
-          </a:ln>
-        </p:spPr>
-        <p:style>
-          <a:lnRef idx="2">
-            <a:schemeClr val="accent1">
-              <a:shade val="50000"/>
-            </a:schemeClr>
-          </a:lnRef>
-          <a:fillRef idx="1">
-            <a:schemeClr val="accent1"/>
-          </a:fillRef>
-          <a:effectRef idx="0">
-            <a:schemeClr val="accent1"/>
-          </a:effectRef>
-          <a:fontRef idx="minor">
-            <a:schemeClr val="lt1"/>
-          </a:fontRef>
-        </p:style>
-        <p:txBody>
-          <a:bodyPr rtlCol="0" anchor="ctr"/>
-          <a:lstStyle/>
-          <a:p>
-            <a:pPr algn="ctr"/>
-            <a:endParaRPr lang="en-US"/>
-          </a:p>
-        </p:txBody>
-      </p:sp>
-      <p:sp>
-        <p:nvSpPr>
-          <p:cNvPr id="2" name="제목 1">
-            <a:extLst>
-              <a:ext uri="{FF2B5EF4-FFF2-40B4-BE49-F238E27FC236}">
-                <a16:creationId xmlns:a16="http://schemas.microsoft.com/office/drawing/2014/main" id="{ECDD6327-800A-46E4-B9A0-CDF59249F520}"/>
-              </a:ext>
-            </a:extLst>
-          </p:cNvPr>
-          <p:cNvSpPr>
-            <a:spLocks noGrp="1"/>
-          </p:cNvSpPr>
-          <p:nvPr>
-            <p:ph type="title"/>
-          </p:nvPr>
-        </p:nvSpPr>
-        <p:spPr>
-          <a:xfrm>
-            <a:off x="838199" y="1093788"/>
-            <a:ext cx="10506455" cy="2967208"/>
-          </a:xfrm>
-        </p:spPr>
-        <p:txBody>
-          <a:bodyPr vert="horz" lIns="91440" tIns="45720" rIns="91440" bIns="45720" rtlCol="0" anchor="b">
-            <a:normAutofit/>
-          </a:bodyPr>
-          <a:lstStyle/>
-          <a:p>
-            <a:pPr latinLnBrk="0"/>
-            <a:r>
-              <a:rPr lang="ko-KR" altLang="en-US" sz="8000" kern="1200">
-                <a:solidFill>
-                  <a:schemeClr val="tx1"/>
-                </a:solidFill>
-                <a:latin typeface="+mj-lt"/>
-                <a:ea typeface="+mj-ea"/>
-                <a:cs typeface="+mj-cs"/>
-              </a:rPr>
-              <a:t>프레임 개념</a:t>
-            </a:r>
-          </a:p>
-        </p:txBody>
-      </p:sp>
-      <p:sp>
-        <p:nvSpPr>
-          <p:cNvPr id="9" name="Rectangle 8">
-            <a:extLst>
-              <a:ext uri="{FF2B5EF4-FFF2-40B4-BE49-F238E27FC236}">
-                <a16:creationId xmlns:a16="http://schemas.microsoft.com/office/drawing/2014/main" id="{391F6B52-91F4-4AEB-B6DB-29FEBCF28C8B}"/>
-              </a:ext>
-              <a:ext uri="{C183D7F6-B498-43B3-948B-1728B52AA6E4}">
-                <adec:decorative xmlns:adec="http://schemas.microsoft.com/office/drawing/2017/decorative" val="1"/>
-              </a:ext>
-            </a:extLst>
-          </p:cNvPr>
-          <p:cNvSpPr>
-            <a:spLocks noGrp="1" noRot="1" noChangeAspect="1" noMove="1" noResize="1" noEditPoints="1" noAdjustHandles="1" noChangeArrowheads="1" noChangeShapeType="1" noTextEdit="1"/>
-          </p:cNvSpPr>
-          <p:nvPr>
-            <p:extLst>
-              <p:ext uri="{386F3935-93C4-4BCD-93E2-E3B085C9AB24}">
-                <p16:designElem xmlns:p16="http://schemas.microsoft.com/office/powerpoint/2015/main" val="1"/>
-              </p:ext>
-            </p:extLst>
-          </p:nvPr>
-        </p:nvSpPr>
-        <p:spPr>
-          <a:xfrm>
-            <a:off x="841248" y="4331166"/>
-            <a:ext cx="10506456" cy="18288"/>
-          </a:xfrm>
-          <a:prstGeom prst="rect">
-            <a:avLst/>
-          </a:prstGeom>
-          <a:solidFill>
-            <a:srgbClr val="D5D5D5"/>
-          </a:solidFill>
-          <a:ln w="3175">
-            <a:noFill/>
-          </a:ln>
-          <a:effectLst/>
-        </p:spPr>
-        <p:style>
-          <a:lnRef idx="2">
-            <a:schemeClr val="accent1">
-              <a:shade val="50000"/>
-            </a:schemeClr>
-          </a:lnRef>
-          <a:fillRef idx="1">
-            <a:schemeClr val="accent1"/>
-          </a:fillRef>
-          <a:effectRef idx="0">
-            <a:schemeClr val="accent1"/>
-          </a:effectRef>
-          <a:fontRef idx="minor">
-            <a:schemeClr val="lt1"/>
-          </a:fontRef>
-        </p:style>
-        <p:txBody>
-          <a:bodyPr rtlCol="0" anchor="ctr"/>
-          <a:lstStyle/>
-          <a:p>
-            <a:pPr algn="ctr"/>
-            <a:endParaRPr lang="en-US">
-              <a:solidFill>
-                <a:prstClr val="white"/>
-              </a:solidFill>
-              <a:latin typeface="Calibri" panose="020F0502020204030204"/>
-            </a:endParaRPr>
-          </a:p>
-        </p:txBody>
-      </p:sp>
-      <p:sp>
-        <p:nvSpPr>
-          <p:cNvPr id="11" name="Rectangle 10">
-            <a:extLst>
-              <a:ext uri="{FF2B5EF4-FFF2-40B4-BE49-F238E27FC236}">
-                <a16:creationId xmlns:a16="http://schemas.microsoft.com/office/drawing/2014/main" id="{2CD6F061-7C53-44F4-9794-953DB70A451B}"/>
-              </a:ext>
-              <a:ext uri="{C183D7F6-B498-43B3-948B-1728B52AA6E4}">
-                <adec:decorative xmlns:adec="http://schemas.microsoft.com/office/drawing/2017/decorative" val="1"/>
-              </a:ext>
-            </a:extLst>
-          </p:cNvPr>
-          <p:cNvSpPr>
-            <a:spLocks noGrp="1" noRot="1" noChangeAspect="1" noMove="1" noResize="1" noEditPoints="1" noAdjustHandles="1" noChangeArrowheads="1" noChangeShapeType="1" noTextEdit="1"/>
-          </p:cNvSpPr>
-          <p:nvPr>
-            <p:extLst>
-              <p:ext uri="{386F3935-93C4-4BCD-93E2-E3B085C9AB24}">
-                <p16:designElem xmlns:p16="http://schemas.microsoft.com/office/powerpoint/2015/main" val="1"/>
-              </p:ext>
-            </p:extLst>
-          </p:nvPr>
-        </p:nvSpPr>
-        <p:spPr>
-          <a:xfrm rot="5400000">
-            <a:off x="9346882" y="2348839"/>
-            <a:ext cx="54864" cy="3946779"/>
-          </a:xfrm>
-          <a:prstGeom prst="rect">
-            <a:avLst/>
-          </a:prstGeom>
-          <a:solidFill>
-            <a:schemeClr val="accent2"/>
-          </a:solidFill>
-          <a:ln>
-            <a:noFill/>
-          </a:ln>
-        </p:spPr>
-        <p:style>
-          <a:lnRef idx="2">
-            <a:schemeClr val="accent1">
-              <a:shade val="50000"/>
-            </a:schemeClr>
-          </a:lnRef>
-          <a:fillRef idx="1">
-            <a:schemeClr val="accent1"/>
-          </a:fillRef>
-          <a:effectRef idx="0">
-            <a:schemeClr val="accent1"/>
-          </a:effectRef>
-          <a:fontRef idx="minor">
-            <a:schemeClr val="lt1"/>
-          </a:fontRef>
-        </p:style>
-        <p:txBody>
-          <a:bodyPr rtlCol="0" anchor="ctr"/>
-          <a:lstStyle/>
-          <a:p>
-            <a:pPr marL="0" marR="0" lvl="0" indent="0" algn="ctr" defTabSz="914400" rtl="0" eaLnBrk="1" fontAlgn="auto" latinLnBrk="0" hangingPunct="1">
-              <a:lnSpc>
-                <a:spcPct val="100000"/>
-              </a:lnSpc>
-              <a:spcBef>
-                <a:spcPts val="0"/>
-              </a:spcBef>
-              <a:spcAft>
-                <a:spcPts val="0"/>
-              </a:spcAft>
-              <a:buClrTx/>
-              <a:buSzTx/>
-              <a:buFontTx/>
-              <a:buNone/>
-              <a:tabLst/>
-              <a:defRPr/>
-            </a:pPr>
-            <a:endParaRPr kumimoji="0" lang="en-US" sz="1800" b="0" i="0" u="none" strike="noStrike" kern="1200" cap="none" spc="0" normalizeH="0" baseline="0" noProof="0">
-              <a:ln>
-                <a:noFill/>
-              </a:ln>
-              <a:solidFill>
-                <a:prstClr val="white"/>
-              </a:solidFill>
-              <a:effectLst/>
-              <a:uLnTx/>
-              <a:uFillTx/>
-              <a:latin typeface="Calibri" panose="020F0502020204030204"/>
-              <a:ea typeface="+mn-ea"/>
-              <a:cs typeface="+mn-cs"/>
-            </a:endParaRPr>
-          </a:p>
-        </p:txBody>
-      </p:sp>
-    </p:spTree>
-    <p:extLst>
-      <p:ext uri="{BB962C8B-B14F-4D97-AF65-F5344CB8AC3E}">
-        <p14:creationId xmlns:p14="http://schemas.microsoft.com/office/powerpoint/2010/main" val="4247780741"/>
-      </p:ext>
-    </p:extLst>
-  </p:cSld>
-  <p:clrMapOvr>
-    <a:masterClrMapping/>
-  </p:clrMapOvr>
-</p:sld>
-</file>
-
-<file path=ppt/slides/slide18.xml><?xml version="1.0" encoding="utf-8"?>
-<p:sld xmlns:a="http://schemas.openxmlformats.org/drawingml/2006/main" xmlns:r="http://schemas.openxmlformats.org/officeDocument/2006/relationships" xmlns:p="http://schemas.openxmlformats.org/presentationml/2006/main">
-  <p:cSld>
-    <p:bg>
-      <p:bgPr>
-        <a:solidFill>
-          <a:schemeClr val="bg1"/>
-        </a:solidFill>
-        <a:effectLst/>
-      </p:bgPr>
-    </p:bg>
-    <p:spTree>
-      <p:nvGrpSpPr>
-        <p:cNvPr id="1" name=""/>
-        <p:cNvGrpSpPr/>
-        <p:nvPr/>
-      </p:nvGrpSpPr>
-      <p:grpSpPr>
-        <a:xfrm>
-          <a:off x="0" y="0"/>
-          <a:ext cx="0" cy="0"/>
-          <a:chOff x="0" y="0"/>
-          <a:chExt cx="0" cy="0"/>
-        </a:xfrm>
-      </p:grpSpPr>
-      <p:sp useBgFill="1">
-        <p:nvSpPr>
-          <p:cNvPr id="7" name="Rectangle 6">
-            <a:extLst>
-              <a:ext uri="{FF2B5EF4-FFF2-40B4-BE49-F238E27FC236}">
-                <a16:creationId xmlns:a16="http://schemas.microsoft.com/office/drawing/2014/main" id="{F1C4E306-BC28-4A7B-871B-1926F6FA6EF3}"/>
-              </a:ext>
-              <a:ext uri="{C183D7F6-B498-43B3-948B-1728B52AA6E4}">
-                <adec:decorative xmlns:adec="http://schemas.microsoft.com/office/drawing/2017/decorative" val="1"/>
-              </a:ext>
-            </a:extLst>
-          </p:cNvPr>
-          <p:cNvSpPr>
-            <a:spLocks noGrp="1" noRot="1" noChangeAspect="1" noMove="1" noResize="1" noEditPoints="1" noAdjustHandles="1" noChangeArrowheads="1" noChangeShapeType="1" noTextEdit="1"/>
-          </p:cNvSpPr>
-          <p:nvPr>
-            <p:extLst>
-              <p:ext uri="{386F3935-93C4-4BCD-93E2-E3B085C9AB24}">
-                <p16:designElem xmlns:p16="http://schemas.microsoft.com/office/powerpoint/2015/main" val="1"/>
-              </p:ext>
-            </p:extLst>
-          </p:nvPr>
-        </p:nvSpPr>
-        <p:spPr>
-          <a:xfrm>
-            <a:off x="0" y="0"/>
-            <a:ext cx="12192000" cy="6858000"/>
-          </a:xfrm>
-          <a:prstGeom prst="rect">
-            <a:avLst/>
-          </a:prstGeom>
-          <a:ln>
-            <a:noFill/>
-          </a:ln>
-        </p:spPr>
-        <p:style>
-          <a:lnRef idx="2">
-            <a:schemeClr val="accent1">
-              <a:shade val="50000"/>
-            </a:schemeClr>
-          </a:lnRef>
-          <a:fillRef idx="1">
-            <a:schemeClr val="accent1"/>
-          </a:fillRef>
-          <a:effectRef idx="0">
-            <a:schemeClr val="accent1"/>
-          </a:effectRef>
-          <a:fontRef idx="minor">
-            <a:schemeClr val="lt1"/>
-          </a:fontRef>
-        </p:style>
-        <p:txBody>
-          <a:bodyPr rtlCol="0" anchor="ctr"/>
-          <a:lstStyle/>
-          <a:p>
-            <a:pPr algn="ctr"/>
-            <a:endParaRPr lang="en-US"/>
-          </a:p>
-        </p:txBody>
-      </p:sp>
-      <p:sp useBgFill="1">
-        <p:nvSpPr>
-          <p:cNvPr id="9" name="Freeform: Shape 8">
-            <a:extLst>
-              <a:ext uri="{FF2B5EF4-FFF2-40B4-BE49-F238E27FC236}">
-                <a16:creationId xmlns:a16="http://schemas.microsoft.com/office/drawing/2014/main" id="{C3ECC9B4-989C-4F71-A6BC-DEBC1D9FD0BD}"/>
-              </a:ext>
-              <a:ext uri="{C183D7F6-B498-43B3-948B-1728B52AA6E4}">
-                <adec:decorative xmlns:adec="http://schemas.microsoft.com/office/drawing/2017/decorative" val="1"/>
-              </a:ext>
-            </a:extLst>
-          </p:cNvPr>
-          <p:cNvSpPr>
-            <a:spLocks noGrp="1" noRot="1" noChangeAspect="1" noMove="1" noResize="1" noEditPoints="1" noAdjustHandles="1" noChangeArrowheads="1" noChangeShapeType="1" noTextEdit="1"/>
-          </p:cNvSpPr>
-          <p:nvPr>
-            <p:extLst>
-              <p:ext uri="{386F3935-93C4-4BCD-93E2-E3B085C9AB24}">
-                <p16:designElem xmlns:p16="http://schemas.microsoft.com/office/powerpoint/2015/main" val="1"/>
-              </p:ext>
-            </p:extLst>
-          </p:nvPr>
-        </p:nvSpPr>
-        <p:spPr>
-          <a:xfrm>
-            <a:off x="0" y="0"/>
-            <a:ext cx="8452322" cy="6858000"/>
-          </a:xfrm>
-          <a:custGeom>
-            <a:avLst/>
-            <a:gdLst>
-              <a:gd name="connsiteX0" fmla="*/ 0 w 8452322"/>
-              <a:gd name="connsiteY0" fmla="*/ 0 h 6858000"/>
-              <a:gd name="connsiteX1" fmla="*/ 7447992 w 8452322"/>
-              <a:gd name="connsiteY1" fmla="*/ 0 h 6858000"/>
-              <a:gd name="connsiteX2" fmla="*/ 7501089 w 8452322"/>
-              <a:gd name="connsiteY2" fmla="*/ 79009 h 6858000"/>
-              <a:gd name="connsiteX3" fmla="*/ 8452322 w 8452322"/>
-              <a:gd name="connsiteY3" fmla="*/ 3429001 h 6858000"/>
-              <a:gd name="connsiteX4" fmla="*/ 7501089 w 8452322"/>
-              <a:gd name="connsiteY4" fmla="*/ 6778993 h 6858000"/>
-              <a:gd name="connsiteX5" fmla="*/ 7447994 w 8452322"/>
-              <a:gd name="connsiteY5" fmla="*/ 6858000 h 6858000"/>
-              <a:gd name="connsiteX6" fmla="*/ 0 w 8452322"/>
-              <a:gd name="connsiteY6" fmla="*/ 6858000 h 6858000"/>
-            </a:gdLst>
-            <a:ahLst/>
-            <a:cxnLst>
-              <a:cxn ang="0">
-                <a:pos x="connsiteX0" y="connsiteY0"/>
-              </a:cxn>
-              <a:cxn ang="0">
-                <a:pos x="connsiteX1" y="connsiteY1"/>
-              </a:cxn>
-              <a:cxn ang="0">
-                <a:pos x="connsiteX2" y="connsiteY2"/>
-              </a:cxn>
-              <a:cxn ang="0">
-                <a:pos x="connsiteX3" y="connsiteY3"/>
-              </a:cxn>
-              <a:cxn ang="0">
-                <a:pos x="connsiteX4" y="connsiteY4"/>
-              </a:cxn>
-              <a:cxn ang="0">
-                <a:pos x="connsiteX5" y="connsiteY5"/>
-              </a:cxn>
-              <a:cxn ang="0">
-                <a:pos x="connsiteX6" y="connsiteY6"/>
-              </a:cxn>
-            </a:cxnLst>
-            <a:rect l="l" t="t" r="r" b="b"/>
-            <a:pathLst>
-              <a:path w="8452322" h="6858000">
-                <a:moveTo>
-                  <a:pt x="0" y="0"/>
-                </a:moveTo>
-                <a:lnTo>
-                  <a:pt x="7447992" y="0"/>
-                </a:lnTo>
-                <a:lnTo>
-                  <a:pt x="7501089" y="79009"/>
-                </a:lnTo>
-                <a:cubicBezTo>
-                  <a:pt x="8098524" y="1013167"/>
-                  <a:pt x="8452322" y="2172770"/>
-                  <a:pt x="8452322" y="3429001"/>
-                </a:cubicBezTo>
-                <a:cubicBezTo>
-                  <a:pt x="8452322" y="4685233"/>
-                  <a:pt x="8098524" y="5844836"/>
-                  <a:pt x="7501089" y="6778993"/>
-                </a:cubicBezTo>
-                <a:lnTo>
-                  <a:pt x="7447994" y="6858000"/>
-                </a:lnTo>
-                <a:lnTo>
-                  <a:pt x="0" y="6858000"/>
-                </a:lnTo>
-                <a:close/>
-              </a:path>
-            </a:pathLst>
-          </a:custGeom>
-          <a:ln w="9525">
-            <a:solidFill>
-              <a:srgbClr val="EFEFEF"/>
-            </a:solidFill>
-          </a:ln>
-          <a:effectLst>
-            <a:outerShdw blurRad="50800" dist="38100" algn="l" rotWithShape="0">
-              <a:schemeClr val="bg1">
-                <a:lumMod val="85000"/>
-                <a:alpha val="50000"/>
-              </a:schemeClr>
-            </a:outerShdw>
-          </a:effectLst>
-        </p:spPr>
-        <p:style>
-          <a:lnRef idx="2">
-            <a:schemeClr val="accent1">
-              <a:shade val="50000"/>
-            </a:schemeClr>
-          </a:lnRef>
-          <a:fillRef idx="1">
-            <a:schemeClr val="accent1"/>
-          </a:fillRef>
-          <a:effectRef idx="0">
-            <a:schemeClr val="accent1"/>
-          </a:effectRef>
-          <a:fontRef idx="minor">
-            <a:schemeClr val="lt1"/>
-          </a:fontRef>
-        </p:style>
-        <p:txBody>
-          <a:bodyPr wrap="square" rtlCol="0" anchor="ctr">
-            <a:noAutofit/>
-          </a:bodyPr>
-          <a:lstStyle/>
-          <a:p>
-            <a:pPr marL="0" marR="0" lvl="0" indent="0" algn="ctr" defTabSz="914400" rtl="0" eaLnBrk="1" fontAlgn="auto" latinLnBrk="0" hangingPunct="1">
-              <a:lnSpc>
-                <a:spcPct val="100000"/>
-              </a:lnSpc>
-              <a:spcBef>
-                <a:spcPts val="0"/>
-              </a:spcBef>
-              <a:spcAft>
-                <a:spcPts val="0"/>
-              </a:spcAft>
-              <a:buClrTx/>
-              <a:buSzTx/>
-              <a:buFontTx/>
-              <a:buNone/>
-              <a:tabLst/>
-              <a:defRPr/>
-            </a:pPr>
-            <a:endParaRPr kumimoji="0" lang="en-US" sz="1800" b="0" i="0" u="none" strike="noStrike" kern="1200" cap="none" spc="0" normalizeH="0" baseline="0" noProof="0">
-              <a:ln>
-                <a:noFill/>
-              </a:ln>
-              <a:solidFill>
-                <a:prstClr val="white"/>
-              </a:solidFill>
-              <a:effectLst/>
-              <a:uLnTx/>
-              <a:uFillTx/>
-              <a:latin typeface="Calibri" panose="020F0502020204030204"/>
-              <a:ea typeface="+mn-ea"/>
-              <a:cs typeface="+mn-cs"/>
-            </a:endParaRPr>
-          </a:p>
-        </p:txBody>
-      </p:sp>
-      <p:sp useBgFill="1">
-        <p:nvSpPr>
-          <p:cNvPr id="11" name="Freeform: Shape 10">
-            <a:extLst>
-              <a:ext uri="{FF2B5EF4-FFF2-40B4-BE49-F238E27FC236}">
-                <a16:creationId xmlns:a16="http://schemas.microsoft.com/office/drawing/2014/main" id="{E20AF01B-D099-4710-BF18-E2832A9B61CF}"/>
-              </a:ext>
-              <a:ext uri="{C183D7F6-B498-43B3-948B-1728B52AA6E4}">
-                <adec:decorative xmlns:adec="http://schemas.microsoft.com/office/drawing/2017/decorative" val="1"/>
-              </a:ext>
-            </a:extLst>
-          </p:cNvPr>
-          <p:cNvSpPr>
-            <a:spLocks noGrp="1" noRot="1" noChangeAspect="1" noMove="1" noResize="1" noEditPoints="1" noAdjustHandles="1" noChangeArrowheads="1" noChangeShapeType="1" noTextEdit="1"/>
-          </p:cNvSpPr>
-          <p:nvPr>
-            <p:extLst>
-              <p:ext uri="{386F3935-93C4-4BCD-93E2-E3B085C9AB24}">
-                <p16:designElem xmlns:p16="http://schemas.microsoft.com/office/powerpoint/2015/main" val="1"/>
-              </p:ext>
-            </p:extLst>
-          </p:nvPr>
-        </p:nvSpPr>
-        <p:spPr>
-          <a:xfrm>
-            <a:off x="0" y="0"/>
-            <a:ext cx="8443572" cy="6858000"/>
-          </a:xfrm>
-          <a:custGeom>
-            <a:avLst/>
-            <a:gdLst>
-              <a:gd name="connsiteX0" fmla="*/ 0 w 8443572"/>
-              <a:gd name="connsiteY0" fmla="*/ 0 h 6858000"/>
-              <a:gd name="connsiteX1" fmla="*/ 7439242 w 8443572"/>
-              <a:gd name="connsiteY1" fmla="*/ 0 h 6858000"/>
-              <a:gd name="connsiteX2" fmla="*/ 7492339 w 8443572"/>
-              <a:gd name="connsiteY2" fmla="*/ 79009 h 6858000"/>
-              <a:gd name="connsiteX3" fmla="*/ 8443572 w 8443572"/>
-              <a:gd name="connsiteY3" fmla="*/ 3429001 h 6858000"/>
-              <a:gd name="connsiteX4" fmla="*/ 7492339 w 8443572"/>
-              <a:gd name="connsiteY4" fmla="*/ 6778993 h 6858000"/>
-              <a:gd name="connsiteX5" fmla="*/ 7439244 w 8443572"/>
-              <a:gd name="connsiteY5" fmla="*/ 6858000 h 6858000"/>
-              <a:gd name="connsiteX6" fmla="*/ 0 w 8443572"/>
-              <a:gd name="connsiteY6" fmla="*/ 6858000 h 6858000"/>
-            </a:gdLst>
-            <a:ahLst/>
-            <a:cxnLst>
-              <a:cxn ang="0">
-                <a:pos x="connsiteX0" y="connsiteY0"/>
-              </a:cxn>
-              <a:cxn ang="0">
-                <a:pos x="connsiteX1" y="connsiteY1"/>
-              </a:cxn>
-              <a:cxn ang="0">
-                <a:pos x="connsiteX2" y="connsiteY2"/>
-              </a:cxn>
-              <a:cxn ang="0">
-                <a:pos x="connsiteX3" y="connsiteY3"/>
-              </a:cxn>
-              <a:cxn ang="0">
-                <a:pos x="connsiteX4" y="connsiteY4"/>
-              </a:cxn>
-              <a:cxn ang="0">
-                <a:pos x="connsiteX5" y="connsiteY5"/>
-              </a:cxn>
-              <a:cxn ang="0">
-                <a:pos x="connsiteX6" y="connsiteY6"/>
-              </a:cxn>
-            </a:cxnLst>
-            <a:rect l="l" t="t" r="r" b="b"/>
-            <a:pathLst>
-              <a:path w="8443572" h="6858000">
-                <a:moveTo>
-                  <a:pt x="0" y="0"/>
-                </a:moveTo>
-                <a:lnTo>
-                  <a:pt x="7439242" y="0"/>
-                </a:lnTo>
-                <a:lnTo>
-                  <a:pt x="7492339" y="79009"/>
-                </a:lnTo>
-                <a:cubicBezTo>
-                  <a:pt x="8089774" y="1013167"/>
-                  <a:pt x="8443572" y="2172770"/>
-                  <a:pt x="8443572" y="3429001"/>
-                </a:cubicBezTo>
-                <a:cubicBezTo>
-                  <a:pt x="8443572" y="4685233"/>
-                  <a:pt x="8089774" y="5844836"/>
-                  <a:pt x="7492339" y="6778993"/>
-                </a:cubicBezTo>
-                <a:lnTo>
-                  <a:pt x="7439244" y="6858000"/>
-                </a:lnTo>
-                <a:lnTo>
-                  <a:pt x="0" y="6858000"/>
-                </a:lnTo>
-                <a:close/>
-              </a:path>
-            </a:pathLst>
-          </a:custGeom>
-          <a:ln w="9525">
-            <a:noFill/>
-          </a:ln>
-          <a:effectLst/>
-        </p:spPr>
-        <p:style>
-          <a:lnRef idx="2">
-            <a:schemeClr val="accent1">
-              <a:shade val="50000"/>
-            </a:schemeClr>
-          </a:lnRef>
-          <a:fillRef idx="1">
-            <a:schemeClr val="accent1"/>
-          </a:fillRef>
-          <a:effectRef idx="0">
-            <a:schemeClr val="accent1"/>
-          </a:effectRef>
-          <a:fontRef idx="minor">
-            <a:schemeClr val="lt1"/>
-          </a:fontRef>
-        </p:style>
-        <p:txBody>
-          <a:bodyPr wrap="square" rtlCol="0" anchor="ctr">
-            <a:noAutofit/>
-          </a:bodyPr>
-          <a:lstStyle/>
-          <a:p>
-            <a:pPr marL="0" marR="0" lvl="0" indent="0" algn="ctr" defTabSz="914400" rtl="0" eaLnBrk="1" fontAlgn="auto" latinLnBrk="0" hangingPunct="1">
-              <a:lnSpc>
-                <a:spcPct val="100000"/>
-              </a:lnSpc>
-              <a:spcBef>
-                <a:spcPts val="0"/>
-              </a:spcBef>
-              <a:spcAft>
-                <a:spcPts val="0"/>
-              </a:spcAft>
-              <a:buClrTx/>
-              <a:buSzTx/>
-              <a:buFontTx/>
-              <a:buNone/>
-              <a:tabLst/>
-              <a:defRPr/>
-            </a:pPr>
-            <a:endParaRPr kumimoji="0" lang="en-US" sz="1800" b="0" i="0" u="none" strike="noStrike" kern="1200" cap="none" spc="0" normalizeH="0" baseline="0" noProof="0">
-              <a:ln>
-                <a:noFill/>
-              </a:ln>
-              <a:solidFill>
-                <a:prstClr val="white"/>
-              </a:solidFill>
-              <a:effectLst/>
-              <a:uLnTx/>
-              <a:uFillTx/>
-              <a:latin typeface="Calibri" panose="020F0502020204030204"/>
-              <a:ea typeface="+mn-ea"/>
-              <a:cs typeface="+mn-cs"/>
-            </a:endParaRPr>
-          </a:p>
-        </p:txBody>
-      </p:sp>
-      <p:sp>
-        <p:nvSpPr>
-          <p:cNvPr id="2" name="제목 1">
-            <a:extLst>
-              <a:ext uri="{FF2B5EF4-FFF2-40B4-BE49-F238E27FC236}">
-                <a16:creationId xmlns:a16="http://schemas.microsoft.com/office/drawing/2014/main" id="{DC08F057-14AE-4487-BB0A-95A386BA5528}"/>
-              </a:ext>
-            </a:extLst>
-          </p:cNvPr>
-          <p:cNvSpPr>
-            <a:spLocks noGrp="1"/>
-          </p:cNvSpPr>
-          <p:nvPr>
-            <p:ph type="title"/>
-          </p:nvPr>
-        </p:nvSpPr>
-        <p:spPr>
-          <a:xfrm>
-            <a:off x="616893" y="1238250"/>
-            <a:ext cx="7835429" cy="4381500"/>
-          </a:xfrm>
-        </p:spPr>
-        <p:txBody>
-          <a:bodyPr vert="horz" lIns="91440" tIns="45720" rIns="91440" bIns="45720" rtlCol="0" anchor="ctr">
-            <a:normAutofit/>
-          </a:bodyPr>
-          <a:lstStyle/>
-          <a:p>
-            <a:pPr latinLnBrk="0"/>
-            <a:r>
-              <a:rPr lang="ko-KR" altLang="en-US" sz="7200" kern="1200" dirty="0">
-                <a:solidFill>
-                  <a:schemeClr val="tx1"/>
-                </a:solidFill>
-                <a:latin typeface="+mj-lt"/>
-                <a:ea typeface="+mj-ea"/>
-                <a:cs typeface="+mj-cs"/>
-              </a:rPr>
-              <a:t>실습 </a:t>
-            </a:r>
-            <a:r>
-              <a:rPr lang="en-US" altLang="ko-KR" sz="7200" kern="1200" dirty="0">
-                <a:solidFill>
-                  <a:schemeClr val="tx1"/>
-                </a:solidFill>
-                <a:latin typeface="+mj-lt"/>
-                <a:ea typeface="+mj-ea"/>
-                <a:cs typeface="+mj-cs"/>
-              </a:rPr>
-              <a:t>– </a:t>
-            </a:r>
-            <a:r>
-              <a:rPr lang="ko-KR" altLang="en-US" sz="7200" kern="1200" dirty="0">
-                <a:solidFill>
-                  <a:schemeClr val="tx1"/>
-                </a:solidFill>
-                <a:latin typeface="+mj-lt"/>
-                <a:ea typeface="+mj-ea"/>
-                <a:cs typeface="+mj-cs"/>
-              </a:rPr>
-              <a:t>벽돌 깨기 바 만들기</a:t>
-            </a:r>
-          </a:p>
-        </p:txBody>
-      </p:sp>
-      <p:sp>
-        <p:nvSpPr>
-          <p:cNvPr id="13" name="Rectangle 12">
-            <a:extLst>
-              <a:ext uri="{FF2B5EF4-FFF2-40B4-BE49-F238E27FC236}">
-                <a16:creationId xmlns:a16="http://schemas.microsoft.com/office/drawing/2014/main" id="{B0E4BB4F-99AB-4C4E-A763-C5AC5273DF5D}"/>
-              </a:ext>
-              <a:ext uri="{C183D7F6-B498-43B3-948B-1728B52AA6E4}">
-                <adec:decorative xmlns:adec="http://schemas.microsoft.com/office/drawing/2017/decorative" val="1"/>
-              </a:ext>
-            </a:extLst>
-          </p:cNvPr>
-          <p:cNvSpPr>
-            <a:spLocks noGrp="1" noRot="1" noChangeAspect="1" noMove="1" noResize="1" noEditPoints="1" noAdjustHandles="1" noChangeArrowheads="1" noChangeShapeType="1" noTextEdit="1"/>
-          </p:cNvSpPr>
-          <p:nvPr>
-            <p:extLst>
-              <p:ext uri="{386F3935-93C4-4BCD-93E2-E3B085C9AB24}">
-                <p16:designElem xmlns:p16="http://schemas.microsoft.com/office/powerpoint/2015/main" val="1"/>
-              </p:ext>
-            </p:extLst>
-          </p:nvPr>
-        </p:nvSpPr>
-        <p:spPr>
-          <a:xfrm>
-            <a:off x="0" y="2827916"/>
-            <a:ext cx="128016" cy="1188720"/>
-          </a:xfrm>
-          <a:prstGeom prst="rect">
-            <a:avLst/>
-          </a:prstGeom>
-          <a:solidFill>
-            <a:schemeClr val="accent2"/>
-          </a:solidFill>
-          <a:ln>
-            <a:noFill/>
-          </a:ln>
-        </p:spPr>
-        <p:style>
-          <a:lnRef idx="2">
-            <a:schemeClr val="accent1">
-              <a:shade val="50000"/>
-            </a:schemeClr>
-          </a:lnRef>
-          <a:fillRef idx="1">
-            <a:schemeClr val="accent1"/>
-          </a:fillRef>
-          <a:effectRef idx="0">
-            <a:schemeClr val="accent1"/>
-          </a:effectRef>
-          <a:fontRef idx="minor">
-            <a:schemeClr val="lt1"/>
-          </a:fontRef>
-        </p:style>
-        <p:txBody>
-          <a:bodyPr rtlCol="0" anchor="ctr"/>
-          <a:lstStyle/>
-          <a:p>
-            <a:pPr marL="0" marR="0" lvl="0" indent="0" algn="ctr" defTabSz="914400" rtl="0" eaLnBrk="1" fontAlgn="auto" latinLnBrk="0" hangingPunct="1">
-              <a:lnSpc>
-                <a:spcPct val="100000"/>
-              </a:lnSpc>
-              <a:spcBef>
-                <a:spcPts val="0"/>
-              </a:spcBef>
-              <a:spcAft>
-                <a:spcPts val="0"/>
-              </a:spcAft>
-              <a:buClrTx/>
-              <a:buSzTx/>
-              <a:buFontTx/>
-              <a:buNone/>
-              <a:tabLst/>
-              <a:defRPr/>
-            </a:pPr>
-            <a:endParaRPr kumimoji="0" lang="en-US" sz="1800" b="0" i="0" u="none" strike="noStrike" kern="1200" cap="none" spc="0" normalizeH="0" baseline="0" noProof="0">
-              <a:ln>
-                <a:noFill/>
-              </a:ln>
-              <a:solidFill>
-                <a:prstClr val="white"/>
-              </a:solidFill>
-              <a:effectLst/>
-              <a:uLnTx/>
-              <a:uFillTx/>
-              <a:latin typeface="Calibri" panose="020F0502020204030204"/>
-              <a:ea typeface="+mn-ea"/>
-              <a:cs typeface="+mn-cs"/>
-            </a:endParaRPr>
-          </a:p>
-        </p:txBody>
-      </p:sp>
-    </p:spTree>
-    <p:extLst>
-      <p:ext uri="{BB962C8B-B14F-4D97-AF65-F5344CB8AC3E}">
-        <p14:creationId xmlns:p14="http://schemas.microsoft.com/office/powerpoint/2010/main" val="3280881064"/>
       </p:ext>
     </p:extLst>
   </p:cSld>
@@ -8418,6 +8928,2732 @@
     <p:extLst>
       <p:ext uri="{BB962C8B-B14F-4D97-AF65-F5344CB8AC3E}">
         <p14:creationId xmlns:p14="http://schemas.microsoft.com/office/powerpoint/2010/main" val="417433174"/>
+      </p:ext>
+    </p:extLst>
+  </p:cSld>
+  <p:clrMapOvr>
+    <a:masterClrMapping/>
+  </p:clrMapOvr>
+</p:sld>
+</file>
+
+<file path=ppt/slides/slide20.xml><?xml version="1.0" encoding="utf-8"?>
+<p:sld xmlns:a="http://schemas.openxmlformats.org/drawingml/2006/main" xmlns:r="http://schemas.openxmlformats.org/officeDocument/2006/relationships" xmlns:p="http://schemas.openxmlformats.org/presentationml/2006/main">
+  <p:cSld>
+    <p:bg>
+      <p:bgPr>
+        <a:solidFill>
+          <a:schemeClr val="bg1"/>
+        </a:solidFill>
+        <a:effectLst/>
+      </p:bgPr>
+    </p:bg>
+    <p:spTree>
+      <p:nvGrpSpPr>
+        <p:cNvPr id="1" name=""/>
+        <p:cNvGrpSpPr/>
+        <p:nvPr/>
+      </p:nvGrpSpPr>
+      <p:grpSpPr>
+        <a:xfrm>
+          <a:off x="0" y="0"/>
+          <a:ext cx="0" cy="0"/>
+          <a:chOff x="0" y="0"/>
+          <a:chExt cx="0" cy="0"/>
+        </a:xfrm>
+      </p:grpSpPr>
+      <p:sp>
+        <p:nvSpPr>
+          <p:cNvPr id="8" name="Rectangle 7">
+            <a:extLst>
+              <a:ext uri="{FF2B5EF4-FFF2-40B4-BE49-F238E27FC236}">
+                <a16:creationId xmlns:a16="http://schemas.microsoft.com/office/drawing/2014/main" id="{7264F718-7FAC-4056-9FA9-A603EC682FE7}"/>
+              </a:ext>
+              <a:ext uri="{C183D7F6-B498-43B3-948B-1728B52AA6E4}">
+                <adec:decorative xmlns:adec="http://schemas.microsoft.com/office/drawing/2017/decorative" val="1"/>
+              </a:ext>
+            </a:extLst>
+          </p:cNvPr>
+          <p:cNvSpPr>
+            <a:spLocks noGrp="1" noRot="1" noChangeAspect="1" noMove="1" noResize="1" noEditPoints="1" noAdjustHandles="1" noChangeArrowheads="1" noChangeShapeType="1" noTextEdit="1"/>
+          </p:cNvSpPr>
+          <p:nvPr>
+            <p:extLst>
+              <p:ext uri="{386F3935-93C4-4BCD-93E2-E3B085C9AB24}">
+                <p16:designElem xmlns:p16="http://schemas.microsoft.com/office/powerpoint/2015/main" val="1"/>
+              </p:ext>
+            </p:extLst>
+          </p:nvPr>
+        </p:nvSpPr>
+        <p:spPr>
+          <a:xfrm>
+            <a:off x="1525" y="0"/>
+            <a:ext cx="12190475" cy="6858000"/>
+          </a:xfrm>
+          <a:prstGeom prst="rect">
+            <a:avLst/>
+          </a:prstGeom>
+          <a:solidFill>
+            <a:schemeClr val="tx1"/>
+          </a:solidFill>
+          <a:ln>
+            <a:noFill/>
+          </a:ln>
+        </p:spPr>
+        <p:style>
+          <a:lnRef idx="2">
+            <a:schemeClr val="accent1">
+              <a:shade val="50000"/>
+            </a:schemeClr>
+          </a:lnRef>
+          <a:fillRef idx="1">
+            <a:schemeClr val="accent1"/>
+          </a:fillRef>
+          <a:effectRef idx="0">
+            <a:schemeClr val="accent1"/>
+          </a:effectRef>
+          <a:fontRef idx="minor">
+            <a:schemeClr val="lt1"/>
+          </a:fontRef>
+        </p:style>
+        <p:txBody>
+          <a:bodyPr rtlCol="0" anchor="ctr"/>
+          <a:lstStyle/>
+          <a:p>
+            <a:pPr algn="ctr"/>
+            <a:endParaRPr lang="en-US"/>
+          </a:p>
+        </p:txBody>
+      </p:sp>
+      <p:sp>
+        <p:nvSpPr>
+          <p:cNvPr id="10" name="Freeform: Shape 9">
+            <a:extLst>
+              <a:ext uri="{FF2B5EF4-FFF2-40B4-BE49-F238E27FC236}">
+                <a16:creationId xmlns:a16="http://schemas.microsoft.com/office/drawing/2014/main" id="{F74639F7-E3C7-4165-A83E-6386A86BA1DA}"/>
+              </a:ext>
+              <a:ext uri="{C183D7F6-B498-43B3-948B-1728B52AA6E4}">
+                <adec:decorative xmlns:adec="http://schemas.microsoft.com/office/drawing/2017/decorative" val="1"/>
+              </a:ext>
+            </a:extLst>
+          </p:cNvPr>
+          <p:cNvSpPr>
+            <a:spLocks noGrp="1" noRot="1" noChangeAspect="1" noMove="1" noResize="1" noEditPoints="1" noAdjustHandles="1" noChangeArrowheads="1" noChangeShapeType="1" noTextEdit="1"/>
+          </p:cNvSpPr>
+          <p:nvPr>
+            <p:extLst>
+              <p:ext uri="{386F3935-93C4-4BCD-93E2-E3B085C9AB24}">
+                <p16:designElem xmlns:p16="http://schemas.microsoft.com/office/powerpoint/2015/main" val="1"/>
+              </p:ext>
+            </p:extLst>
+          </p:nvPr>
+        </p:nvSpPr>
+        <p:spPr>
+          <a:xfrm flipV="1">
+            <a:off x="0" y="0"/>
+            <a:ext cx="6356349" cy="6858000"/>
+          </a:xfrm>
+          <a:custGeom>
+            <a:avLst/>
+            <a:gdLst>
+              <a:gd name="connsiteX0" fmla="*/ 7539895 w 7539895"/>
+              <a:gd name="connsiteY0" fmla="*/ 6858000 h 6858000"/>
+              <a:gd name="connsiteX1" fmla="*/ 0 w 7539895"/>
+              <a:gd name="connsiteY1" fmla="*/ 6858000 h 6858000"/>
+              <a:gd name="connsiteX2" fmla="*/ 0 w 7539895"/>
+              <a:gd name="connsiteY2" fmla="*/ 0 h 6858000"/>
+              <a:gd name="connsiteX3" fmla="*/ 4363741 w 7539895"/>
+              <a:gd name="connsiteY3" fmla="*/ 0 h 6858000"/>
+            </a:gdLst>
+            <a:ahLst/>
+            <a:cxnLst>
+              <a:cxn ang="0">
+                <a:pos x="connsiteX0" y="connsiteY0"/>
+              </a:cxn>
+              <a:cxn ang="0">
+                <a:pos x="connsiteX1" y="connsiteY1"/>
+              </a:cxn>
+              <a:cxn ang="0">
+                <a:pos x="connsiteX2" y="connsiteY2"/>
+              </a:cxn>
+              <a:cxn ang="0">
+                <a:pos x="connsiteX3" y="connsiteY3"/>
+              </a:cxn>
+            </a:cxnLst>
+            <a:rect l="l" t="t" r="r" b="b"/>
+            <a:pathLst>
+              <a:path w="7539895" h="6858000">
+                <a:moveTo>
+                  <a:pt x="7539895" y="6858000"/>
+                </a:moveTo>
+                <a:lnTo>
+                  <a:pt x="0" y="6858000"/>
+                </a:lnTo>
+                <a:lnTo>
+                  <a:pt x="0" y="0"/>
+                </a:lnTo>
+                <a:lnTo>
+                  <a:pt x="4363741" y="0"/>
+                </a:lnTo>
+                <a:close/>
+              </a:path>
+            </a:pathLst>
+          </a:custGeom>
+          <a:solidFill>
+            <a:schemeClr val="bg1">
+              <a:lumMod val="85000"/>
+              <a:lumOff val="15000"/>
+              <a:alpha val="70000"/>
+            </a:schemeClr>
+          </a:solidFill>
+          <a:ln>
+            <a:noFill/>
+          </a:ln>
+        </p:spPr>
+        <p:style>
+          <a:lnRef idx="2">
+            <a:schemeClr val="accent1">
+              <a:shade val="50000"/>
+            </a:schemeClr>
+          </a:lnRef>
+          <a:fillRef idx="1">
+            <a:schemeClr val="accent1"/>
+          </a:fillRef>
+          <a:effectRef idx="0">
+            <a:schemeClr val="accent1"/>
+          </a:effectRef>
+          <a:fontRef idx="minor">
+            <a:schemeClr val="lt1"/>
+          </a:fontRef>
+        </p:style>
+        <p:txBody>
+          <a:bodyPr wrap="square" rtlCol="0" anchor="ctr">
+            <a:noAutofit/>
+          </a:bodyPr>
+          <a:lstStyle/>
+          <a:p>
+            <a:pPr algn="ctr"/>
+            <a:endParaRPr lang="en-US"/>
+          </a:p>
+        </p:txBody>
+      </p:sp>
+      <p:sp>
+        <p:nvSpPr>
+          <p:cNvPr id="12" name="Freeform: Shape 11">
+            <a:extLst>
+              <a:ext uri="{FF2B5EF4-FFF2-40B4-BE49-F238E27FC236}">
+                <a16:creationId xmlns:a16="http://schemas.microsoft.com/office/drawing/2014/main" id="{8B3AF0F1-707A-463E-B5EE-33C63A40CFC9}"/>
+              </a:ext>
+              <a:ext uri="{C183D7F6-B498-43B3-948B-1728B52AA6E4}">
+                <adec:decorative xmlns:adec="http://schemas.microsoft.com/office/drawing/2017/decorative" val="1"/>
+              </a:ext>
+            </a:extLst>
+          </p:cNvPr>
+          <p:cNvSpPr>
+            <a:spLocks noGrp="1" noRot="1" noChangeAspect="1" noMove="1" noResize="1" noEditPoints="1" noAdjustHandles="1" noChangeArrowheads="1" noChangeShapeType="1" noTextEdit="1"/>
+          </p:cNvSpPr>
+          <p:nvPr>
+            <p:extLst>
+              <p:ext uri="{386F3935-93C4-4BCD-93E2-E3B085C9AB24}">
+                <p16:designElem xmlns:p16="http://schemas.microsoft.com/office/powerpoint/2015/main" val="1"/>
+              </p:ext>
+            </p:extLst>
+          </p:nvPr>
+        </p:nvSpPr>
+        <p:spPr>
+          <a:xfrm flipV="1">
+            <a:off x="0" y="0"/>
+            <a:ext cx="5979591" cy="6858000"/>
+          </a:xfrm>
+          <a:custGeom>
+            <a:avLst/>
+            <a:gdLst>
+              <a:gd name="connsiteX0" fmla="*/ 7092985 w 7092985"/>
+              <a:gd name="connsiteY0" fmla="*/ 6858000 h 6858000"/>
+              <a:gd name="connsiteX1" fmla="*/ 0 w 7092985"/>
+              <a:gd name="connsiteY1" fmla="*/ 6858000 h 6858000"/>
+              <a:gd name="connsiteX2" fmla="*/ 0 w 7092985"/>
+              <a:gd name="connsiteY2" fmla="*/ 0 h 6858000"/>
+              <a:gd name="connsiteX3" fmla="*/ 3916831 w 7092985"/>
+              <a:gd name="connsiteY3" fmla="*/ 0 h 6858000"/>
+            </a:gdLst>
+            <a:ahLst/>
+            <a:cxnLst>
+              <a:cxn ang="0">
+                <a:pos x="connsiteX0" y="connsiteY0"/>
+              </a:cxn>
+              <a:cxn ang="0">
+                <a:pos x="connsiteX1" y="connsiteY1"/>
+              </a:cxn>
+              <a:cxn ang="0">
+                <a:pos x="connsiteX2" y="connsiteY2"/>
+              </a:cxn>
+              <a:cxn ang="0">
+                <a:pos x="connsiteX3" y="connsiteY3"/>
+              </a:cxn>
+            </a:cxnLst>
+            <a:rect l="l" t="t" r="r" b="b"/>
+            <a:pathLst>
+              <a:path w="7092985" h="6858000">
+                <a:moveTo>
+                  <a:pt x="7092985" y="6858000"/>
+                </a:moveTo>
+                <a:lnTo>
+                  <a:pt x="0" y="6858000"/>
+                </a:lnTo>
+                <a:lnTo>
+                  <a:pt x="0" y="0"/>
+                </a:lnTo>
+                <a:lnTo>
+                  <a:pt x="3916831" y="0"/>
+                </a:lnTo>
+                <a:close/>
+              </a:path>
+            </a:pathLst>
+          </a:custGeom>
+          <a:solidFill>
+            <a:schemeClr val="bg1">
+              <a:lumMod val="85000"/>
+              <a:lumOff val="15000"/>
+            </a:schemeClr>
+          </a:solidFill>
+          <a:ln>
+            <a:noFill/>
+          </a:ln>
+        </p:spPr>
+        <p:style>
+          <a:lnRef idx="2">
+            <a:schemeClr val="accent1">
+              <a:shade val="50000"/>
+            </a:schemeClr>
+          </a:lnRef>
+          <a:fillRef idx="1">
+            <a:schemeClr val="accent1"/>
+          </a:fillRef>
+          <a:effectRef idx="0">
+            <a:schemeClr val="accent1"/>
+          </a:effectRef>
+          <a:fontRef idx="minor">
+            <a:schemeClr val="lt1"/>
+          </a:fontRef>
+        </p:style>
+        <p:txBody>
+          <a:bodyPr wrap="square" rtlCol="0" anchor="ctr">
+            <a:noAutofit/>
+          </a:bodyPr>
+          <a:lstStyle/>
+          <a:p>
+            <a:pPr algn="ctr"/>
+            <a:endParaRPr lang="en-US"/>
+          </a:p>
+        </p:txBody>
+      </p:sp>
+      <p:sp>
+        <p:nvSpPr>
+          <p:cNvPr id="2" name="제목 1">
+            <a:extLst>
+              <a:ext uri="{FF2B5EF4-FFF2-40B4-BE49-F238E27FC236}">
+                <a16:creationId xmlns:a16="http://schemas.microsoft.com/office/drawing/2014/main" id="{5A455230-E014-41C9-9831-FEB764F8ABBA}"/>
+              </a:ext>
+            </a:extLst>
+          </p:cNvPr>
+          <p:cNvSpPr>
+            <a:spLocks noGrp="1"/>
+          </p:cNvSpPr>
+          <p:nvPr>
+            <p:ph type="title"/>
+          </p:nvPr>
+        </p:nvSpPr>
+        <p:spPr>
+          <a:xfrm>
+            <a:off x="841248" y="704850"/>
+            <a:ext cx="3785616" cy="2978150"/>
+          </a:xfrm>
+        </p:spPr>
+        <p:txBody>
+          <a:bodyPr anchor="b">
+            <a:normAutofit/>
+          </a:bodyPr>
+          <a:lstStyle/>
+          <a:p>
+            <a:r>
+              <a:rPr lang="ko-KR" altLang="en-US" dirty="0"/>
+              <a:t>회전</a:t>
+            </a:r>
+          </a:p>
+        </p:txBody>
+      </p:sp>
+      <p:sp>
+        <p:nvSpPr>
+          <p:cNvPr id="3" name="내용 개체 틀 2">
+            <a:extLst>
+              <a:ext uri="{FF2B5EF4-FFF2-40B4-BE49-F238E27FC236}">
+                <a16:creationId xmlns:a16="http://schemas.microsoft.com/office/drawing/2014/main" id="{5B5E402D-F58F-4FEA-80BD-9F17B5402BE4}"/>
+              </a:ext>
+            </a:extLst>
+          </p:cNvPr>
+          <p:cNvSpPr>
+            <a:spLocks noGrp="1"/>
+          </p:cNvSpPr>
+          <p:nvPr>
+            <p:ph idx="1"/>
+          </p:nvPr>
+        </p:nvSpPr>
+        <p:spPr>
+          <a:xfrm>
+            <a:off x="6038850" y="704850"/>
+            <a:ext cx="5314950" cy="5251450"/>
+          </a:xfrm>
+        </p:spPr>
+        <p:txBody>
+          <a:bodyPr anchor="ctr">
+            <a:normAutofit/>
+          </a:bodyPr>
+          <a:lstStyle/>
+          <a:p>
+            <a:r>
+              <a:rPr lang="en-US" altLang="ko-KR" sz="2100" dirty="0">
+                <a:solidFill>
+                  <a:schemeClr val="bg1"/>
+                </a:solidFill>
+              </a:rPr>
+              <a:t>Local</a:t>
+            </a:r>
+          </a:p>
+          <a:p>
+            <a:pPr lvl="1"/>
+            <a:r>
+              <a:rPr lang="en-US" altLang="ko-KR" sz="2100" dirty="0">
+                <a:solidFill>
+                  <a:schemeClr val="bg1"/>
+                </a:solidFill>
+              </a:rPr>
+              <a:t>Rotate(x, y, z, </a:t>
+            </a:r>
+            <a:r>
+              <a:rPr lang="en-US" altLang="ko-KR" sz="2100" dirty="0" err="1">
+                <a:solidFill>
+                  <a:schemeClr val="bg1"/>
+                </a:solidFill>
+              </a:rPr>
+              <a:t>Space.self</a:t>
+            </a:r>
+            <a:r>
+              <a:rPr lang="en-US" altLang="ko-KR" sz="2100" dirty="0">
+                <a:solidFill>
+                  <a:schemeClr val="bg1"/>
+                </a:solidFill>
+              </a:rPr>
+              <a:t>);</a:t>
+            </a:r>
+          </a:p>
+          <a:p>
+            <a:pPr lvl="1"/>
+            <a:endParaRPr lang="en-US" altLang="ko-KR" sz="2100" dirty="0">
+              <a:solidFill>
+                <a:schemeClr val="bg1"/>
+              </a:solidFill>
+            </a:endParaRPr>
+          </a:p>
+          <a:p>
+            <a:r>
+              <a:rPr lang="en-US" altLang="ko-KR" sz="2100" dirty="0">
+                <a:solidFill>
+                  <a:schemeClr val="bg1"/>
+                </a:solidFill>
+              </a:rPr>
+              <a:t>Global</a:t>
+            </a:r>
+          </a:p>
+          <a:p>
+            <a:pPr lvl="1"/>
+            <a:r>
+              <a:rPr lang="en-US" altLang="ko-KR" sz="2100" dirty="0" err="1">
+                <a:solidFill>
+                  <a:schemeClr val="bg1"/>
+                </a:solidFill>
+              </a:rPr>
+              <a:t>Ratate</a:t>
+            </a:r>
+            <a:r>
+              <a:rPr lang="en-US" altLang="ko-KR" sz="2100" dirty="0">
+                <a:solidFill>
+                  <a:schemeClr val="bg1"/>
+                </a:solidFill>
+              </a:rPr>
+              <a:t>(x, y, z, </a:t>
+            </a:r>
+            <a:r>
+              <a:rPr lang="en-US" altLang="ko-KR" sz="2100" dirty="0" err="1">
+                <a:solidFill>
+                  <a:schemeClr val="bg1"/>
+                </a:solidFill>
+              </a:rPr>
+              <a:t>Space.World</a:t>
+            </a:r>
+            <a:r>
+              <a:rPr lang="en-US" altLang="ko-KR" sz="2100" dirty="0">
+                <a:solidFill>
+                  <a:schemeClr val="bg1"/>
+                </a:solidFill>
+              </a:rPr>
+              <a:t>);</a:t>
+            </a:r>
+          </a:p>
+        </p:txBody>
+      </p:sp>
+    </p:spTree>
+    <p:extLst>
+      <p:ext uri="{BB962C8B-B14F-4D97-AF65-F5344CB8AC3E}">
+        <p14:creationId xmlns:p14="http://schemas.microsoft.com/office/powerpoint/2010/main" val="303685711"/>
+      </p:ext>
+    </p:extLst>
+  </p:cSld>
+  <p:clrMapOvr>
+    <a:overrideClrMapping bg1="dk1" tx1="lt1" bg2="dk2" tx2="lt2" accent1="accent1" accent2="accent2" accent3="accent3" accent4="accent4" accent5="accent5" accent6="accent6" hlink="hlink" folHlink="folHlink"/>
+  </p:clrMapOvr>
+</p:sld>
+</file>
+
+<file path=ppt/slides/slide21.xml><?xml version="1.0" encoding="utf-8"?>
+<p:sld xmlns:a="http://schemas.openxmlformats.org/drawingml/2006/main" xmlns:r="http://schemas.openxmlformats.org/officeDocument/2006/relationships" xmlns:p="http://schemas.openxmlformats.org/presentationml/2006/main">
+  <p:cSld>
+    <p:bg>
+      <p:bgPr>
+        <a:solidFill>
+          <a:schemeClr val="bg1"/>
+        </a:solidFill>
+        <a:effectLst/>
+      </p:bgPr>
+    </p:bg>
+    <p:spTree>
+      <p:nvGrpSpPr>
+        <p:cNvPr id="1" name=""/>
+        <p:cNvGrpSpPr/>
+        <p:nvPr/>
+      </p:nvGrpSpPr>
+      <p:grpSpPr>
+        <a:xfrm>
+          <a:off x="0" y="0"/>
+          <a:ext cx="0" cy="0"/>
+          <a:chOff x="0" y="0"/>
+          <a:chExt cx="0" cy="0"/>
+        </a:xfrm>
+      </p:grpSpPr>
+      <p:sp useBgFill="1">
+        <p:nvSpPr>
+          <p:cNvPr id="7" name="Rectangle 6">
+            <a:extLst>
+              <a:ext uri="{FF2B5EF4-FFF2-40B4-BE49-F238E27FC236}">
+                <a16:creationId xmlns:a16="http://schemas.microsoft.com/office/drawing/2014/main" id="{BAD76F3E-3A97-486B-B402-44400A8B9173}"/>
+              </a:ext>
+              <a:ext uri="{C183D7F6-B498-43B3-948B-1728B52AA6E4}">
+                <adec:decorative xmlns:adec="http://schemas.microsoft.com/office/drawing/2017/decorative" val="1"/>
+              </a:ext>
+            </a:extLst>
+          </p:cNvPr>
+          <p:cNvSpPr>
+            <a:spLocks noGrp="1" noRot="1" noChangeAspect="1" noMove="1" noResize="1" noEditPoints="1" noAdjustHandles="1" noChangeArrowheads="1" noChangeShapeType="1" noTextEdit="1"/>
+          </p:cNvSpPr>
+          <p:nvPr>
+            <p:extLst>
+              <p:ext uri="{386F3935-93C4-4BCD-93E2-E3B085C9AB24}">
+                <p16:designElem xmlns:p16="http://schemas.microsoft.com/office/powerpoint/2015/main" val="1"/>
+              </p:ext>
+            </p:extLst>
+          </p:nvPr>
+        </p:nvSpPr>
+        <p:spPr>
+          <a:xfrm>
+            <a:off x="0" y="0"/>
+            <a:ext cx="12192000" cy="6858000"/>
+          </a:xfrm>
+          <a:prstGeom prst="rect">
+            <a:avLst/>
+          </a:prstGeom>
+          <a:ln>
+            <a:noFill/>
+          </a:ln>
+        </p:spPr>
+        <p:style>
+          <a:lnRef idx="2">
+            <a:schemeClr val="accent1">
+              <a:shade val="50000"/>
+            </a:schemeClr>
+          </a:lnRef>
+          <a:fillRef idx="1">
+            <a:schemeClr val="accent1"/>
+          </a:fillRef>
+          <a:effectRef idx="0">
+            <a:schemeClr val="accent1"/>
+          </a:effectRef>
+          <a:fontRef idx="minor">
+            <a:schemeClr val="lt1"/>
+          </a:fontRef>
+        </p:style>
+        <p:txBody>
+          <a:bodyPr rtlCol="0" anchor="ctr"/>
+          <a:lstStyle/>
+          <a:p>
+            <a:pPr algn="ctr"/>
+            <a:endParaRPr lang="en-US"/>
+          </a:p>
+        </p:txBody>
+      </p:sp>
+      <p:sp>
+        <p:nvSpPr>
+          <p:cNvPr id="2" name="제목 1">
+            <a:extLst>
+              <a:ext uri="{FF2B5EF4-FFF2-40B4-BE49-F238E27FC236}">
+                <a16:creationId xmlns:a16="http://schemas.microsoft.com/office/drawing/2014/main" id="{ECDD6327-800A-46E4-B9A0-CDF59249F520}"/>
+              </a:ext>
+            </a:extLst>
+          </p:cNvPr>
+          <p:cNvSpPr>
+            <a:spLocks noGrp="1"/>
+          </p:cNvSpPr>
+          <p:nvPr>
+            <p:ph type="title"/>
+          </p:nvPr>
+        </p:nvSpPr>
+        <p:spPr>
+          <a:xfrm>
+            <a:off x="838199" y="1093788"/>
+            <a:ext cx="10506455" cy="2967208"/>
+          </a:xfrm>
+        </p:spPr>
+        <p:txBody>
+          <a:bodyPr vert="horz" lIns="91440" tIns="45720" rIns="91440" bIns="45720" rtlCol="0" anchor="b">
+            <a:normAutofit/>
+          </a:bodyPr>
+          <a:lstStyle/>
+          <a:p>
+            <a:pPr latinLnBrk="0"/>
+            <a:r>
+              <a:rPr lang="ko-KR" altLang="en-US" sz="8000" kern="1200">
+                <a:solidFill>
+                  <a:schemeClr val="tx1"/>
+                </a:solidFill>
+                <a:latin typeface="+mj-lt"/>
+                <a:ea typeface="+mj-ea"/>
+                <a:cs typeface="+mj-cs"/>
+              </a:rPr>
+              <a:t>프레임 개념</a:t>
+            </a:r>
+          </a:p>
+        </p:txBody>
+      </p:sp>
+      <p:sp>
+        <p:nvSpPr>
+          <p:cNvPr id="9" name="Rectangle 8">
+            <a:extLst>
+              <a:ext uri="{FF2B5EF4-FFF2-40B4-BE49-F238E27FC236}">
+                <a16:creationId xmlns:a16="http://schemas.microsoft.com/office/drawing/2014/main" id="{391F6B52-91F4-4AEB-B6DB-29FEBCF28C8B}"/>
+              </a:ext>
+              <a:ext uri="{C183D7F6-B498-43B3-948B-1728B52AA6E4}">
+                <adec:decorative xmlns:adec="http://schemas.microsoft.com/office/drawing/2017/decorative" val="1"/>
+              </a:ext>
+            </a:extLst>
+          </p:cNvPr>
+          <p:cNvSpPr>
+            <a:spLocks noGrp="1" noRot="1" noChangeAspect="1" noMove="1" noResize="1" noEditPoints="1" noAdjustHandles="1" noChangeArrowheads="1" noChangeShapeType="1" noTextEdit="1"/>
+          </p:cNvSpPr>
+          <p:nvPr>
+            <p:extLst>
+              <p:ext uri="{386F3935-93C4-4BCD-93E2-E3B085C9AB24}">
+                <p16:designElem xmlns:p16="http://schemas.microsoft.com/office/powerpoint/2015/main" val="1"/>
+              </p:ext>
+            </p:extLst>
+          </p:nvPr>
+        </p:nvSpPr>
+        <p:spPr>
+          <a:xfrm>
+            <a:off x="841248" y="4331166"/>
+            <a:ext cx="10506456" cy="18288"/>
+          </a:xfrm>
+          <a:prstGeom prst="rect">
+            <a:avLst/>
+          </a:prstGeom>
+          <a:solidFill>
+            <a:srgbClr val="D5D5D5"/>
+          </a:solidFill>
+          <a:ln w="3175">
+            <a:noFill/>
+          </a:ln>
+          <a:effectLst/>
+        </p:spPr>
+        <p:style>
+          <a:lnRef idx="2">
+            <a:schemeClr val="accent1">
+              <a:shade val="50000"/>
+            </a:schemeClr>
+          </a:lnRef>
+          <a:fillRef idx="1">
+            <a:schemeClr val="accent1"/>
+          </a:fillRef>
+          <a:effectRef idx="0">
+            <a:schemeClr val="accent1"/>
+          </a:effectRef>
+          <a:fontRef idx="minor">
+            <a:schemeClr val="lt1"/>
+          </a:fontRef>
+        </p:style>
+        <p:txBody>
+          <a:bodyPr rtlCol="0" anchor="ctr"/>
+          <a:lstStyle/>
+          <a:p>
+            <a:pPr algn="ctr"/>
+            <a:endParaRPr lang="en-US">
+              <a:solidFill>
+                <a:prstClr val="white"/>
+              </a:solidFill>
+              <a:latin typeface="Calibri" panose="020F0502020204030204"/>
+            </a:endParaRPr>
+          </a:p>
+        </p:txBody>
+      </p:sp>
+      <p:sp>
+        <p:nvSpPr>
+          <p:cNvPr id="11" name="Rectangle 10">
+            <a:extLst>
+              <a:ext uri="{FF2B5EF4-FFF2-40B4-BE49-F238E27FC236}">
+                <a16:creationId xmlns:a16="http://schemas.microsoft.com/office/drawing/2014/main" id="{2CD6F061-7C53-44F4-9794-953DB70A451B}"/>
+              </a:ext>
+              <a:ext uri="{C183D7F6-B498-43B3-948B-1728B52AA6E4}">
+                <adec:decorative xmlns:adec="http://schemas.microsoft.com/office/drawing/2017/decorative" val="1"/>
+              </a:ext>
+            </a:extLst>
+          </p:cNvPr>
+          <p:cNvSpPr>
+            <a:spLocks noGrp="1" noRot="1" noChangeAspect="1" noMove="1" noResize="1" noEditPoints="1" noAdjustHandles="1" noChangeArrowheads="1" noChangeShapeType="1" noTextEdit="1"/>
+          </p:cNvSpPr>
+          <p:nvPr>
+            <p:extLst>
+              <p:ext uri="{386F3935-93C4-4BCD-93E2-E3B085C9AB24}">
+                <p16:designElem xmlns:p16="http://schemas.microsoft.com/office/powerpoint/2015/main" val="1"/>
+              </p:ext>
+            </p:extLst>
+          </p:nvPr>
+        </p:nvSpPr>
+        <p:spPr>
+          <a:xfrm rot="5400000">
+            <a:off x="9346882" y="2348839"/>
+            <a:ext cx="54864" cy="3946779"/>
+          </a:xfrm>
+          <a:prstGeom prst="rect">
+            <a:avLst/>
+          </a:prstGeom>
+          <a:solidFill>
+            <a:schemeClr val="accent2"/>
+          </a:solidFill>
+          <a:ln>
+            <a:noFill/>
+          </a:ln>
+        </p:spPr>
+        <p:style>
+          <a:lnRef idx="2">
+            <a:schemeClr val="accent1">
+              <a:shade val="50000"/>
+            </a:schemeClr>
+          </a:lnRef>
+          <a:fillRef idx="1">
+            <a:schemeClr val="accent1"/>
+          </a:fillRef>
+          <a:effectRef idx="0">
+            <a:schemeClr val="accent1"/>
+          </a:effectRef>
+          <a:fontRef idx="minor">
+            <a:schemeClr val="lt1"/>
+          </a:fontRef>
+        </p:style>
+        <p:txBody>
+          <a:bodyPr rtlCol="0" anchor="ctr"/>
+          <a:lstStyle/>
+          <a:p>
+            <a:pPr marL="0" marR="0" lvl="0" indent="0" algn="ctr" defTabSz="914400" rtl="0" eaLnBrk="1" fontAlgn="auto" latinLnBrk="0" hangingPunct="1">
+              <a:lnSpc>
+                <a:spcPct val="100000"/>
+              </a:lnSpc>
+              <a:spcBef>
+                <a:spcPts val="0"/>
+              </a:spcBef>
+              <a:spcAft>
+                <a:spcPts val="0"/>
+              </a:spcAft>
+              <a:buClrTx/>
+              <a:buSzTx/>
+              <a:buFontTx/>
+              <a:buNone/>
+              <a:tabLst/>
+              <a:defRPr/>
+            </a:pPr>
+            <a:endParaRPr kumimoji="0" lang="en-US" sz="1800" b="0" i="0" u="none" strike="noStrike" kern="1200" cap="none" spc="0" normalizeH="0" baseline="0" noProof="0">
+              <a:ln>
+                <a:noFill/>
+              </a:ln>
+              <a:solidFill>
+                <a:prstClr val="white"/>
+              </a:solidFill>
+              <a:effectLst/>
+              <a:uLnTx/>
+              <a:uFillTx/>
+              <a:latin typeface="Calibri" panose="020F0502020204030204"/>
+              <a:ea typeface="+mn-ea"/>
+              <a:cs typeface="+mn-cs"/>
+            </a:endParaRPr>
+          </a:p>
+        </p:txBody>
+      </p:sp>
+    </p:spTree>
+    <p:extLst>
+      <p:ext uri="{BB962C8B-B14F-4D97-AF65-F5344CB8AC3E}">
+        <p14:creationId xmlns:p14="http://schemas.microsoft.com/office/powerpoint/2010/main" val="4247780741"/>
+      </p:ext>
+    </p:extLst>
+  </p:cSld>
+  <p:clrMapOvr>
+    <a:masterClrMapping/>
+  </p:clrMapOvr>
+</p:sld>
+</file>
+
+<file path=ppt/slides/slide22.xml><?xml version="1.0" encoding="utf-8"?>
+<p:sld xmlns:a="http://schemas.openxmlformats.org/drawingml/2006/main" xmlns:r="http://schemas.openxmlformats.org/officeDocument/2006/relationships" xmlns:p="http://schemas.openxmlformats.org/presentationml/2006/main">
+  <p:cSld>
+    <p:bg>
+      <p:bgPr>
+        <a:solidFill>
+          <a:schemeClr val="bg1"/>
+        </a:solidFill>
+        <a:effectLst/>
+      </p:bgPr>
+    </p:bg>
+    <p:spTree>
+      <p:nvGrpSpPr>
+        <p:cNvPr id="1" name=""/>
+        <p:cNvGrpSpPr/>
+        <p:nvPr/>
+      </p:nvGrpSpPr>
+      <p:grpSpPr>
+        <a:xfrm>
+          <a:off x="0" y="0"/>
+          <a:ext cx="0" cy="0"/>
+          <a:chOff x="0" y="0"/>
+          <a:chExt cx="0" cy="0"/>
+        </a:xfrm>
+      </p:grpSpPr>
+      <p:sp>
+        <p:nvSpPr>
+          <p:cNvPr id="8" name="Rectangle 7">
+            <a:extLst>
+              <a:ext uri="{FF2B5EF4-FFF2-40B4-BE49-F238E27FC236}">
+                <a16:creationId xmlns:a16="http://schemas.microsoft.com/office/drawing/2014/main" id="{7264F718-7FAC-4056-9FA9-A603EC682FE7}"/>
+              </a:ext>
+              <a:ext uri="{C183D7F6-B498-43B3-948B-1728B52AA6E4}">
+                <adec:decorative xmlns:adec="http://schemas.microsoft.com/office/drawing/2017/decorative" val="1"/>
+              </a:ext>
+            </a:extLst>
+          </p:cNvPr>
+          <p:cNvSpPr>
+            <a:spLocks noGrp="1" noRot="1" noChangeAspect="1" noMove="1" noResize="1" noEditPoints="1" noAdjustHandles="1" noChangeArrowheads="1" noChangeShapeType="1" noTextEdit="1"/>
+          </p:cNvSpPr>
+          <p:nvPr>
+            <p:extLst>
+              <p:ext uri="{386F3935-93C4-4BCD-93E2-E3B085C9AB24}">
+                <p16:designElem xmlns:p16="http://schemas.microsoft.com/office/powerpoint/2015/main" val="1"/>
+              </p:ext>
+            </p:extLst>
+          </p:nvPr>
+        </p:nvSpPr>
+        <p:spPr>
+          <a:xfrm>
+            <a:off x="1525" y="0"/>
+            <a:ext cx="12190475" cy="6858000"/>
+          </a:xfrm>
+          <a:prstGeom prst="rect">
+            <a:avLst/>
+          </a:prstGeom>
+          <a:solidFill>
+            <a:schemeClr val="tx1"/>
+          </a:solidFill>
+          <a:ln>
+            <a:noFill/>
+          </a:ln>
+        </p:spPr>
+        <p:style>
+          <a:lnRef idx="2">
+            <a:schemeClr val="accent1">
+              <a:shade val="50000"/>
+            </a:schemeClr>
+          </a:lnRef>
+          <a:fillRef idx="1">
+            <a:schemeClr val="accent1"/>
+          </a:fillRef>
+          <a:effectRef idx="0">
+            <a:schemeClr val="accent1"/>
+          </a:effectRef>
+          <a:fontRef idx="minor">
+            <a:schemeClr val="lt1"/>
+          </a:fontRef>
+        </p:style>
+        <p:txBody>
+          <a:bodyPr rtlCol="0" anchor="ctr"/>
+          <a:lstStyle/>
+          <a:p>
+            <a:pPr algn="ctr"/>
+            <a:endParaRPr lang="en-US"/>
+          </a:p>
+        </p:txBody>
+      </p:sp>
+      <p:sp>
+        <p:nvSpPr>
+          <p:cNvPr id="10" name="Freeform: Shape 9">
+            <a:extLst>
+              <a:ext uri="{FF2B5EF4-FFF2-40B4-BE49-F238E27FC236}">
+                <a16:creationId xmlns:a16="http://schemas.microsoft.com/office/drawing/2014/main" id="{F74639F7-E3C7-4165-A83E-6386A86BA1DA}"/>
+              </a:ext>
+              <a:ext uri="{C183D7F6-B498-43B3-948B-1728B52AA6E4}">
+                <adec:decorative xmlns:adec="http://schemas.microsoft.com/office/drawing/2017/decorative" val="1"/>
+              </a:ext>
+            </a:extLst>
+          </p:cNvPr>
+          <p:cNvSpPr>
+            <a:spLocks noGrp="1" noRot="1" noChangeAspect="1" noMove="1" noResize="1" noEditPoints="1" noAdjustHandles="1" noChangeArrowheads="1" noChangeShapeType="1" noTextEdit="1"/>
+          </p:cNvSpPr>
+          <p:nvPr>
+            <p:extLst>
+              <p:ext uri="{386F3935-93C4-4BCD-93E2-E3B085C9AB24}">
+                <p16:designElem xmlns:p16="http://schemas.microsoft.com/office/powerpoint/2015/main" val="1"/>
+              </p:ext>
+            </p:extLst>
+          </p:nvPr>
+        </p:nvSpPr>
+        <p:spPr>
+          <a:xfrm flipV="1">
+            <a:off x="0" y="0"/>
+            <a:ext cx="6356349" cy="6858000"/>
+          </a:xfrm>
+          <a:custGeom>
+            <a:avLst/>
+            <a:gdLst>
+              <a:gd name="connsiteX0" fmla="*/ 7539895 w 7539895"/>
+              <a:gd name="connsiteY0" fmla="*/ 6858000 h 6858000"/>
+              <a:gd name="connsiteX1" fmla="*/ 0 w 7539895"/>
+              <a:gd name="connsiteY1" fmla="*/ 6858000 h 6858000"/>
+              <a:gd name="connsiteX2" fmla="*/ 0 w 7539895"/>
+              <a:gd name="connsiteY2" fmla="*/ 0 h 6858000"/>
+              <a:gd name="connsiteX3" fmla="*/ 4363741 w 7539895"/>
+              <a:gd name="connsiteY3" fmla="*/ 0 h 6858000"/>
+            </a:gdLst>
+            <a:ahLst/>
+            <a:cxnLst>
+              <a:cxn ang="0">
+                <a:pos x="connsiteX0" y="connsiteY0"/>
+              </a:cxn>
+              <a:cxn ang="0">
+                <a:pos x="connsiteX1" y="connsiteY1"/>
+              </a:cxn>
+              <a:cxn ang="0">
+                <a:pos x="connsiteX2" y="connsiteY2"/>
+              </a:cxn>
+              <a:cxn ang="0">
+                <a:pos x="connsiteX3" y="connsiteY3"/>
+              </a:cxn>
+            </a:cxnLst>
+            <a:rect l="l" t="t" r="r" b="b"/>
+            <a:pathLst>
+              <a:path w="7539895" h="6858000">
+                <a:moveTo>
+                  <a:pt x="7539895" y="6858000"/>
+                </a:moveTo>
+                <a:lnTo>
+                  <a:pt x="0" y="6858000"/>
+                </a:lnTo>
+                <a:lnTo>
+                  <a:pt x="0" y="0"/>
+                </a:lnTo>
+                <a:lnTo>
+                  <a:pt x="4363741" y="0"/>
+                </a:lnTo>
+                <a:close/>
+              </a:path>
+            </a:pathLst>
+          </a:custGeom>
+          <a:solidFill>
+            <a:schemeClr val="bg1">
+              <a:lumMod val="85000"/>
+              <a:lumOff val="15000"/>
+              <a:alpha val="70000"/>
+            </a:schemeClr>
+          </a:solidFill>
+          <a:ln>
+            <a:noFill/>
+          </a:ln>
+        </p:spPr>
+        <p:style>
+          <a:lnRef idx="2">
+            <a:schemeClr val="accent1">
+              <a:shade val="50000"/>
+            </a:schemeClr>
+          </a:lnRef>
+          <a:fillRef idx="1">
+            <a:schemeClr val="accent1"/>
+          </a:fillRef>
+          <a:effectRef idx="0">
+            <a:schemeClr val="accent1"/>
+          </a:effectRef>
+          <a:fontRef idx="minor">
+            <a:schemeClr val="lt1"/>
+          </a:fontRef>
+        </p:style>
+        <p:txBody>
+          <a:bodyPr wrap="square" rtlCol="0" anchor="ctr">
+            <a:noAutofit/>
+          </a:bodyPr>
+          <a:lstStyle/>
+          <a:p>
+            <a:pPr algn="ctr"/>
+            <a:endParaRPr lang="en-US"/>
+          </a:p>
+        </p:txBody>
+      </p:sp>
+      <p:sp>
+        <p:nvSpPr>
+          <p:cNvPr id="12" name="Freeform: Shape 11">
+            <a:extLst>
+              <a:ext uri="{FF2B5EF4-FFF2-40B4-BE49-F238E27FC236}">
+                <a16:creationId xmlns:a16="http://schemas.microsoft.com/office/drawing/2014/main" id="{8B3AF0F1-707A-463E-B5EE-33C63A40CFC9}"/>
+              </a:ext>
+              <a:ext uri="{C183D7F6-B498-43B3-948B-1728B52AA6E4}">
+                <adec:decorative xmlns:adec="http://schemas.microsoft.com/office/drawing/2017/decorative" val="1"/>
+              </a:ext>
+            </a:extLst>
+          </p:cNvPr>
+          <p:cNvSpPr>
+            <a:spLocks noGrp="1" noRot="1" noChangeAspect="1" noMove="1" noResize="1" noEditPoints="1" noAdjustHandles="1" noChangeArrowheads="1" noChangeShapeType="1" noTextEdit="1"/>
+          </p:cNvSpPr>
+          <p:nvPr>
+            <p:extLst>
+              <p:ext uri="{386F3935-93C4-4BCD-93E2-E3B085C9AB24}">
+                <p16:designElem xmlns:p16="http://schemas.microsoft.com/office/powerpoint/2015/main" val="1"/>
+              </p:ext>
+            </p:extLst>
+          </p:nvPr>
+        </p:nvSpPr>
+        <p:spPr>
+          <a:xfrm flipV="1">
+            <a:off x="0" y="0"/>
+            <a:ext cx="5979591" cy="6858000"/>
+          </a:xfrm>
+          <a:custGeom>
+            <a:avLst/>
+            <a:gdLst>
+              <a:gd name="connsiteX0" fmla="*/ 7092985 w 7092985"/>
+              <a:gd name="connsiteY0" fmla="*/ 6858000 h 6858000"/>
+              <a:gd name="connsiteX1" fmla="*/ 0 w 7092985"/>
+              <a:gd name="connsiteY1" fmla="*/ 6858000 h 6858000"/>
+              <a:gd name="connsiteX2" fmla="*/ 0 w 7092985"/>
+              <a:gd name="connsiteY2" fmla="*/ 0 h 6858000"/>
+              <a:gd name="connsiteX3" fmla="*/ 3916831 w 7092985"/>
+              <a:gd name="connsiteY3" fmla="*/ 0 h 6858000"/>
+            </a:gdLst>
+            <a:ahLst/>
+            <a:cxnLst>
+              <a:cxn ang="0">
+                <a:pos x="connsiteX0" y="connsiteY0"/>
+              </a:cxn>
+              <a:cxn ang="0">
+                <a:pos x="connsiteX1" y="connsiteY1"/>
+              </a:cxn>
+              <a:cxn ang="0">
+                <a:pos x="connsiteX2" y="connsiteY2"/>
+              </a:cxn>
+              <a:cxn ang="0">
+                <a:pos x="connsiteX3" y="connsiteY3"/>
+              </a:cxn>
+            </a:cxnLst>
+            <a:rect l="l" t="t" r="r" b="b"/>
+            <a:pathLst>
+              <a:path w="7092985" h="6858000">
+                <a:moveTo>
+                  <a:pt x="7092985" y="6858000"/>
+                </a:moveTo>
+                <a:lnTo>
+                  <a:pt x="0" y="6858000"/>
+                </a:lnTo>
+                <a:lnTo>
+                  <a:pt x="0" y="0"/>
+                </a:lnTo>
+                <a:lnTo>
+                  <a:pt x="3916831" y="0"/>
+                </a:lnTo>
+                <a:close/>
+              </a:path>
+            </a:pathLst>
+          </a:custGeom>
+          <a:solidFill>
+            <a:schemeClr val="bg1">
+              <a:lumMod val="85000"/>
+              <a:lumOff val="15000"/>
+            </a:schemeClr>
+          </a:solidFill>
+          <a:ln>
+            <a:noFill/>
+          </a:ln>
+        </p:spPr>
+        <p:style>
+          <a:lnRef idx="2">
+            <a:schemeClr val="accent1">
+              <a:shade val="50000"/>
+            </a:schemeClr>
+          </a:lnRef>
+          <a:fillRef idx="1">
+            <a:schemeClr val="accent1"/>
+          </a:fillRef>
+          <a:effectRef idx="0">
+            <a:schemeClr val="accent1"/>
+          </a:effectRef>
+          <a:fontRef idx="minor">
+            <a:schemeClr val="lt1"/>
+          </a:fontRef>
+        </p:style>
+        <p:txBody>
+          <a:bodyPr wrap="square" rtlCol="0" anchor="ctr">
+            <a:noAutofit/>
+          </a:bodyPr>
+          <a:lstStyle/>
+          <a:p>
+            <a:pPr algn="ctr"/>
+            <a:endParaRPr lang="en-US"/>
+          </a:p>
+        </p:txBody>
+      </p:sp>
+      <p:sp>
+        <p:nvSpPr>
+          <p:cNvPr id="2" name="제목 1">
+            <a:extLst>
+              <a:ext uri="{FF2B5EF4-FFF2-40B4-BE49-F238E27FC236}">
+                <a16:creationId xmlns:a16="http://schemas.microsoft.com/office/drawing/2014/main" id="{6E82F877-0F98-42B0-BDF7-5BDC0B7EA7F6}"/>
+              </a:ext>
+            </a:extLst>
+          </p:cNvPr>
+          <p:cNvSpPr>
+            <a:spLocks noGrp="1"/>
+          </p:cNvSpPr>
+          <p:nvPr>
+            <p:ph type="title"/>
+          </p:nvPr>
+        </p:nvSpPr>
+        <p:spPr>
+          <a:xfrm>
+            <a:off x="841248" y="704850"/>
+            <a:ext cx="3785616" cy="2978150"/>
+          </a:xfrm>
+        </p:spPr>
+        <p:txBody>
+          <a:bodyPr anchor="b">
+            <a:normAutofit/>
+          </a:bodyPr>
+          <a:lstStyle/>
+          <a:p>
+            <a:r>
+              <a:rPr lang="ko-KR" altLang="en-US" dirty="0"/>
+              <a:t>프레임 </a:t>
+            </a:r>
+            <a:r>
+              <a:rPr lang="en-US" altLang="ko-KR" dirty="0"/>
+              <a:t>Frame</a:t>
+            </a:r>
+            <a:endParaRPr lang="ko-KR" altLang="en-US" dirty="0"/>
+          </a:p>
+        </p:txBody>
+      </p:sp>
+      <p:sp>
+        <p:nvSpPr>
+          <p:cNvPr id="3" name="내용 개체 틀 2">
+            <a:extLst>
+              <a:ext uri="{FF2B5EF4-FFF2-40B4-BE49-F238E27FC236}">
+                <a16:creationId xmlns:a16="http://schemas.microsoft.com/office/drawing/2014/main" id="{A6C12F34-2CE7-4682-AD60-CE7B098431CE}"/>
+              </a:ext>
+            </a:extLst>
+          </p:cNvPr>
+          <p:cNvSpPr>
+            <a:spLocks noGrp="1"/>
+          </p:cNvSpPr>
+          <p:nvPr>
+            <p:ph idx="1"/>
+          </p:nvPr>
+        </p:nvSpPr>
+        <p:spPr>
+          <a:xfrm>
+            <a:off x="6038850" y="704850"/>
+            <a:ext cx="5314950" cy="5251450"/>
+          </a:xfrm>
+        </p:spPr>
+        <p:txBody>
+          <a:bodyPr anchor="ctr">
+            <a:normAutofit/>
+          </a:bodyPr>
+          <a:lstStyle/>
+          <a:p>
+            <a:r>
+              <a:rPr lang="ko-KR" altLang="en-US" sz="2100">
+                <a:solidFill>
+                  <a:schemeClr val="bg1"/>
+                </a:solidFill>
+              </a:rPr>
+              <a:t>게임은 무한 루프로 구성되어 있다</a:t>
+            </a:r>
+            <a:endParaRPr lang="en-US" altLang="ko-KR" sz="2100">
+              <a:solidFill>
+                <a:schemeClr val="bg1"/>
+              </a:solidFill>
+            </a:endParaRPr>
+          </a:p>
+          <a:p>
+            <a:pPr lvl="1"/>
+            <a:r>
+              <a:rPr lang="ko-KR" altLang="en-US" sz="2100">
+                <a:solidFill>
+                  <a:schemeClr val="bg1"/>
+                </a:solidFill>
+              </a:rPr>
+              <a:t>한 프레임은 한 장면이다</a:t>
+            </a:r>
+            <a:r>
+              <a:rPr lang="en-US" altLang="ko-KR" sz="2100">
+                <a:solidFill>
+                  <a:schemeClr val="bg1"/>
+                </a:solidFill>
+              </a:rPr>
+              <a:t>.</a:t>
+            </a:r>
+          </a:p>
+          <a:p>
+            <a:pPr lvl="1"/>
+            <a:r>
+              <a:rPr lang="en-US" altLang="ko-KR" sz="2100">
+                <a:solidFill>
+                  <a:schemeClr val="bg1"/>
+                </a:solidFill>
+              </a:rPr>
+              <a:t>Frame per Second(FPS)</a:t>
+            </a:r>
+            <a:r>
+              <a:rPr lang="ko-KR" altLang="en-US" sz="2100">
+                <a:solidFill>
+                  <a:schemeClr val="bg1"/>
+                </a:solidFill>
+              </a:rPr>
+              <a:t>라는 단어를 사용한다</a:t>
+            </a:r>
+            <a:r>
+              <a:rPr lang="en-US" altLang="ko-KR" sz="2100">
+                <a:solidFill>
+                  <a:schemeClr val="bg1"/>
+                </a:solidFill>
+              </a:rPr>
+              <a:t>.</a:t>
+            </a:r>
+          </a:p>
+          <a:p>
+            <a:pPr marL="0" indent="0">
+              <a:buNone/>
+            </a:pPr>
+            <a:endParaRPr lang="en-US" altLang="ko-KR" sz="2100">
+              <a:solidFill>
+                <a:schemeClr val="bg1"/>
+              </a:solidFill>
+            </a:endParaRPr>
+          </a:p>
+          <a:p>
+            <a:pPr marL="0" indent="0">
+              <a:buNone/>
+            </a:pPr>
+            <a:r>
+              <a:rPr lang="en-US" altLang="ko-KR" sz="2100">
+                <a:solidFill>
+                  <a:schemeClr val="bg1"/>
+                </a:solidFill>
+              </a:rPr>
+              <a:t>Ex) 60 FPS -&gt; 1</a:t>
+            </a:r>
+            <a:r>
+              <a:rPr lang="ko-KR" altLang="en-US" sz="2100">
+                <a:solidFill>
+                  <a:schemeClr val="bg1"/>
+                </a:solidFill>
+              </a:rPr>
+              <a:t>초에 프레임이 </a:t>
+            </a:r>
+            <a:r>
+              <a:rPr lang="en-US" altLang="ko-KR" sz="2100">
+                <a:solidFill>
+                  <a:schemeClr val="bg1"/>
+                </a:solidFill>
+              </a:rPr>
+              <a:t>60</a:t>
+            </a:r>
+            <a:r>
+              <a:rPr lang="ko-KR" altLang="en-US" sz="2100">
+                <a:solidFill>
+                  <a:schemeClr val="bg1"/>
+                </a:solidFill>
+              </a:rPr>
+              <a:t>번 반복된다</a:t>
+            </a:r>
+            <a:endParaRPr lang="en-US" altLang="ko-KR" sz="2100">
+              <a:solidFill>
+                <a:schemeClr val="bg1"/>
+              </a:solidFill>
+            </a:endParaRPr>
+          </a:p>
+          <a:p>
+            <a:pPr marL="0" indent="0">
+              <a:buNone/>
+            </a:pPr>
+            <a:endParaRPr lang="en-US" altLang="ko-KR" sz="2100">
+              <a:solidFill>
+                <a:schemeClr val="bg1"/>
+              </a:solidFill>
+            </a:endParaRPr>
+          </a:p>
+        </p:txBody>
+      </p:sp>
+    </p:spTree>
+    <p:extLst>
+      <p:ext uri="{BB962C8B-B14F-4D97-AF65-F5344CB8AC3E}">
+        <p14:creationId xmlns:p14="http://schemas.microsoft.com/office/powerpoint/2010/main" val="1589342182"/>
+      </p:ext>
+    </p:extLst>
+  </p:cSld>
+  <p:clrMapOvr>
+    <a:overrideClrMapping bg1="dk1" tx1="lt1" bg2="dk2" tx2="lt2" accent1="accent1" accent2="accent2" accent3="accent3" accent4="accent4" accent5="accent5" accent6="accent6" hlink="hlink" folHlink="folHlink"/>
+  </p:clrMapOvr>
+</p:sld>
+</file>
+
+<file path=ppt/slides/slide23.xml><?xml version="1.0" encoding="utf-8"?>
+<p:sld xmlns:a="http://schemas.openxmlformats.org/drawingml/2006/main" xmlns:r="http://schemas.openxmlformats.org/officeDocument/2006/relationships" xmlns:p="http://schemas.openxmlformats.org/presentationml/2006/main">
+  <p:cSld>
+    <p:bg>
+      <p:bgPr>
+        <a:solidFill>
+          <a:schemeClr val="bg1"/>
+        </a:solidFill>
+        <a:effectLst/>
+      </p:bgPr>
+    </p:bg>
+    <p:spTree>
+      <p:nvGrpSpPr>
+        <p:cNvPr id="1" name=""/>
+        <p:cNvGrpSpPr/>
+        <p:nvPr/>
+      </p:nvGrpSpPr>
+      <p:grpSpPr>
+        <a:xfrm>
+          <a:off x="0" y="0"/>
+          <a:ext cx="0" cy="0"/>
+          <a:chOff x="0" y="0"/>
+          <a:chExt cx="0" cy="0"/>
+        </a:xfrm>
+      </p:grpSpPr>
+      <p:sp>
+        <p:nvSpPr>
+          <p:cNvPr id="8" name="Rectangle 7">
+            <a:extLst>
+              <a:ext uri="{FF2B5EF4-FFF2-40B4-BE49-F238E27FC236}">
+                <a16:creationId xmlns:a16="http://schemas.microsoft.com/office/drawing/2014/main" id="{7264F718-7FAC-4056-9FA9-A603EC682FE7}"/>
+              </a:ext>
+              <a:ext uri="{C183D7F6-B498-43B3-948B-1728B52AA6E4}">
+                <adec:decorative xmlns:adec="http://schemas.microsoft.com/office/drawing/2017/decorative" val="1"/>
+              </a:ext>
+            </a:extLst>
+          </p:cNvPr>
+          <p:cNvSpPr>
+            <a:spLocks noGrp="1" noRot="1" noChangeAspect="1" noMove="1" noResize="1" noEditPoints="1" noAdjustHandles="1" noChangeArrowheads="1" noChangeShapeType="1" noTextEdit="1"/>
+          </p:cNvSpPr>
+          <p:nvPr>
+            <p:extLst>
+              <p:ext uri="{386F3935-93C4-4BCD-93E2-E3B085C9AB24}">
+                <p16:designElem xmlns:p16="http://schemas.microsoft.com/office/powerpoint/2015/main" val="1"/>
+              </p:ext>
+            </p:extLst>
+          </p:nvPr>
+        </p:nvSpPr>
+        <p:spPr>
+          <a:xfrm>
+            <a:off x="1525" y="0"/>
+            <a:ext cx="12190475" cy="6858000"/>
+          </a:xfrm>
+          <a:prstGeom prst="rect">
+            <a:avLst/>
+          </a:prstGeom>
+          <a:solidFill>
+            <a:schemeClr val="tx1"/>
+          </a:solidFill>
+          <a:ln>
+            <a:noFill/>
+          </a:ln>
+        </p:spPr>
+        <p:style>
+          <a:lnRef idx="2">
+            <a:schemeClr val="accent1">
+              <a:shade val="50000"/>
+            </a:schemeClr>
+          </a:lnRef>
+          <a:fillRef idx="1">
+            <a:schemeClr val="accent1"/>
+          </a:fillRef>
+          <a:effectRef idx="0">
+            <a:schemeClr val="accent1"/>
+          </a:effectRef>
+          <a:fontRef idx="minor">
+            <a:schemeClr val="lt1"/>
+          </a:fontRef>
+        </p:style>
+        <p:txBody>
+          <a:bodyPr rtlCol="0" anchor="ctr"/>
+          <a:lstStyle/>
+          <a:p>
+            <a:pPr algn="ctr"/>
+            <a:endParaRPr lang="en-US"/>
+          </a:p>
+        </p:txBody>
+      </p:sp>
+      <p:sp>
+        <p:nvSpPr>
+          <p:cNvPr id="10" name="Freeform: Shape 9">
+            <a:extLst>
+              <a:ext uri="{FF2B5EF4-FFF2-40B4-BE49-F238E27FC236}">
+                <a16:creationId xmlns:a16="http://schemas.microsoft.com/office/drawing/2014/main" id="{AAD98D1C-F2EB-49D5-899B-086F7E26FCAF}"/>
+              </a:ext>
+              <a:ext uri="{C183D7F6-B498-43B3-948B-1728B52AA6E4}">
+                <adec:decorative xmlns:adec="http://schemas.microsoft.com/office/drawing/2017/decorative" val="1"/>
+              </a:ext>
+            </a:extLst>
+          </p:cNvPr>
+          <p:cNvSpPr>
+            <a:spLocks noGrp="1" noRot="1" noChangeAspect="1" noMove="1" noResize="1" noEditPoints="1" noAdjustHandles="1" noChangeArrowheads="1" noChangeShapeType="1" noTextEdit="1"/>
+          </p:cNvSpPr>
+          <p:nvPr>
+            <p:extLst>
+              <p:ext uri="{386F3935-93C4-4BCD-93E2-E3B085C9AB24}">
+                <p16:designElem xmlns:p16="http://schemas.microsoft.com/office/powerpoint/2015/main" val="1"/>
+              </p:ext>
+            </p:extLst>
+          </p:nvPr>
+        </p:nvSpPr>
+        <p:spPr>
+          <a:xfrm flipH="1">
+            <a:off x="3059849" y="-479"/>
+            <a:ext cx="9132151" cy="6858478"/>
+          </a:xfrm>
+          <a:custGeom>
+            <a:avLst/>
+            <a:gdLst>
+              <a:gd name="connsiteX0" fmla="*/ 5955776 w 9132151"/>
+              <a:gd name="connsiteY0" fmla="*/ 0 h 6858478"/>
+              <a:gd name="connsiteX1" fmla="*/ 5950199 w 9132151"/>
+              <a:gd name="connsiteY1" fmla="*/ 0 h 6858478"/>
+              <a:gd name="connsiteX2" fmla="*/ 4883971 w 9132151"/>
+              <a:gd name="connsiteY2" fmla="*/ 0 h 6858478"/>
+              <a:gd name="connsiteX3" fmla="*/ 0 w 9132151"/>
+              <a:gd name="connsiteY3" fmla="*/ 0 h 6858478"/>
+              <a:gd name="connsiteX4" fmla="*/ 0 w 9132151"/>
+              <a:gd name="connsiteY4" fmla="*/ 6857916 h 6858478"/>
+              <a:gd name="connsiteX5" fmla="*/ 1707856 w 9132151"/>
+              <a:gd name="connsiteY5" fmla="*/ 6857916 h 6858478"/>
+              <a:gd name="connsiteX6" fmla="*/ 1707596 w 9132151"/>
+              <a:gd name="connsiteY6" fmla="*/ 6858478 h 6858478"/>
+              <a:gd name="connsiteX7" fmla="*/ 9132151 w 9132151"/>
+              <a:gd name="connsiteY7" fmla="*/ 6858478 h 6858478"/>
+            </a:gdLst>
+            <a:ahLst/>
+            <a:cxnLst>
+              <a:cxn ang="0">
+                <a:pos x="connsiteX0" y="connsiteY0"/>
+              </a:cxn>
+              <a:cxn ang="0">
+                <a:pos x="connsiteX1" y="connsiteY1"/>
+              </a:cxn>
+              <a:cxn ang="0">
+                <a:pos x="connsiteX2" y="connsiteY2"/>
+              </a:cxn>
+              <a:cxn ang="0">
+                <a:pos x="connsiteX3" y="connsiteY3"/>
+              </a:cxn>
+              <a:cxn ang="0">
+                <a:pos x="connsiteX4" y="connsiteY4"/>
+              </a:cxn>
+              <a:cxn ang="0">
+                <a:pos x="connsiteX5" y="connsiteY5"/>
+              </a:cxn>
+              <a:cxn ang="0">
+                <a:pos x="connsiteX6" y="connsiteY6"/>
+              </a:cxn>
+              <a:cxn ang="0">
+                <a:pos x="connsiteX7" y="connsiteY7"/>
+              </a:cxn>
+            </a:cxnLst>
+            <a:rect l="l" t="t" r="r" b="b"/>
+            <a:pathLst>
+              <a:path w="9132151" h="6858478">
+                <a:moveTo>
+                  <a:pt x="5955776" y="0"/>
+                </a:moveTo>
+                <a:lnTo>
+                  <a:pt x="5950199" y="0"/>
+                </a:lnTo>
+                <a:lnTo>
+                  <a:pt x="4883971" y="0"/>
+                </a:lnTo>
+                <a:lnTo>
+                  <a:pt x="0" y="0"/>
+                </a:lnTo>
+                <a:lnTo>
+                  <a:pt x="0" y="6857916"/>
+                </a:lnTo>
+                <a:lnTo>
+                  <a:pt x="1707856" y="6857916"/>
+                </a:lnTo>
+                <a:lnTo>
+                  <a:pt x="1707596" y="6858478"/>
+                </a:lnTo>
+                <a:lnTo>
+                  <a:pt x="9132151" y="6858478"/>
+                </a:lnTo>
+                <a:close/>
+              </a:path>
+            </a:pathLst>
+          </a:custGeom>
+          <a:solidFill>
+            <a:schemeClr val="bg1">
+              <a:lumMod val="85000"/>
+              <a:lumOff val="15000"/>
+              <a:alpha val="70000"/>
+            </a:schemeClr>
+          </a:solidFill>
+          <a:ln>
+            <a:noFill/>
+          </a:ln>
+        </p:spPr>
+        <p:style>
+          <a:lnRef idx="2">
+            <a:schemeClr val="accent1">
+              <a:shade val="50000"/>
+            </a:schemeClr>
+          </a:lnRef>
+          <a:fillRef idx="1">
+            <a:schemeClr val="accent1"/>
+          </a:fillRef>
+          <a:effectRef idx="0">
+            <a:schemeClr val="accent1"/>
+          </a:effectRef>
+          <a:fontRef idx="minor">
+            <a:schemeClr val="lt1"/>
+          </a:fontRef>
+        </p:style>
+        <p:txBody>
+          <a:bodyPr wrap="square" rtlCol="0" anchor="ctr">
+            <a:noAutofit/>
+          </a:bodyPr>
+          <a:lstStyle/>
+          <a:p>
+            <a:pPr marL="0" marR="0" lvl="0" indent="0" algn="ctr" defTabSz="914400" rtl="0" eaLnBrk="1" fontAlgn="auto" latinLnBrk="0" hangingPunct="1">
+              <a:lnSpc>
+                <a:spcPct val="100000"/>
+              </a:lnSpc>
+              <a:spcBef>
+                <a:spcPts val="0"/>
+              </a:spcBef>
+              <a:spcAft>
+                <a:spcPts val="0"/>
+              </a:spcAft>
+              <a:buClrTx/>
+              <a:buSzTx/>
+              <a:buFontTx/>
+              <a:buNone/>
+              <a:tabLst/>
+              <a:defRPr/>
+            </a:pPr>
+            <a:endParaRPr kumimoji="0" lang="en-US" sz="1800" b="0" i="0" u="none" strike="noStrike" kern="1200" cap="none" spc="0" normalizeH="0" baseline="0" noProof="0" dirty="0">
+              <a:ln>
+                <a:noFill/>
+              </a:ln>
+              <a:solidFill>
+                <a:prstClr val="white"/>
+              </a:solidFill>
+              <a:effectLst/>
+              <a:uLnTx/>
+              <a:uFillTx/>
+              <a:latin typeface="Calibri" panose="020F0502020204030204"/>
+              <a:ea typeface="+mn-ea"/>
+              <a:cs typeface="+mn-cs"/>
+            </a:endParaRPr>
+          </a:p>
+        </p:txBody>
+      </p:sp>
+      <p:sp>
+        <p:nvSpPr>
+          <p:cNvPr id="12" name="Freeform: Shape 11">
+            <a:extLst>
+              <a:ext uri="{FF2B5EF4-FFF2-40B4-BE49-F238E27FC236}">
+                <a16:creationId xmlns:a16="http://schemas.microsoft.com/office/drawing/2014/main" id="{7B4CA2D6-8008-4CEE-8D65-E6BE5477FC69}"/>
+              </a:ext>
+              <a:ext uri="{C183D7F6-B498-43B3-948B-1728B52AA6E4}">
+                <adec:decorative xmlns:adec="http://schemas.microsoft.com/office/drawing/2017/decorative" val="1"/>
+              </a:ext>
+            </a:extLst>
+          </p:cNvPr>
+          <p:cNvSpPr>
+            <a:spLocks noGrp="1" noRot="1" noChangeAspect="1" noMove="1" noResize="1" noEditPoints="1" noAdjustHandles="1" noChangeArrowheads="1" noChangeShapeType="1" noTextEdit="1"/>
+          </p:cNvSpPr>
+          <p:nvPr>
+            <p:extLst>
+              <p:ext uri="{386F3935-93C4-4BCD-93E2-E3B085C9AB24}">
+                <p16:designElem xmlns:p16="http://schemas.microsoft.com/office/powerpoint/2015/main" val="1"/>
+              </p:ext>
+            </p:extLst>
+          </p:nvPr>
+        </p:nvSpPr>
+        <p:spPr>
+          <a:xfrm flipH="1">
+            <a:off x="3469312" y="-3325"/>
+            <a:ext cx="8722688" cy="6861324"/>
+          </a:xfrm>
+          <a:custGeom>
+            <a:avLst/>
+            <a:gdLst>
+              <a:gd name="connsiteX0" fmla="*/ 5560897 w 8722688"/>
+              <a:gd name="connsiteY0" fmla="*/ 0 h 6861324"/>
+              <a:gd name="connsiteX1" fmla="*/ 5555346 w 8722688"/>
+              <a:gd name="connsiteY1" fmla="*/ 0 h 6861324"/>
+              <a:gd name="connsiteX2" fmla="*/ 4494013 w 8722688"/>
+              <a:gd name="connsiteY2" fmla="*/ 0 h 6861324"/>
+              <a:gd name="connsiteX3" fmla="*/ 681726 w 8722688"/>
+              <a:gd name="connsiteY3" fmla="*/ 0 h 6861324"/>
+              <a:gd name="connsiteX4" fmla="*/ 681726 w 8722688"/>
+              <a:gd name="connsiteY4" fmla="*/ 479 h 6861324"/>
+              <a:gd name="connsiteX5" fmla="*/ 0 w 8722688"/>
+              <a:gd name="connsiteY5" fmla="*/ 479 h 6861324"/>
+              <a:gd name="connsiteX6" fmla="*/ 0 w 8722688"/>
+              <a:gd name="connsiteY6" fmla="*/ 6861324 h 6861324"/>
+              <a:gd name="connsiteX7" fmla="*/ 2429574 w 8722688"/>
+              <a:gd name="connsiteY7" fmla="*/ 6861324 h 6861324"/>
+              <a:gd name="connsiteX8" fmla="*/ 2429574 w 8722688"/>
+              <a:gd name="connsiteY8" fmla="*/ 6861323 h 6861324"/>
+              <a:gd name="connsiteX9" fmla="*/ 8368134 w 8722688"/>
+              <a:gd name="connsiteY9" fmla="*/ 6861323 h 6861324"/>
+              <a:gd name="connsiteX10" fmla="*/ 8366822 w 8722688"/>
+              <a:gd name="connsiteY10" fmla="*/ 6858478 h 6861324"/>
+              <a:gd name="connsiteX11" fmla="*/ 8722688 w 8722688"/>
+              <a:gd name="connsiteY11" fmla="*/ 6858478 h 6861324"/>
+            </a:gdLst>
+            <a:ahLst/>
+            <a:cxnLst>
+              <a:cxn ang="0">
+                <a:pos x="connsiteX0" y="connsiteY0"/>
+              </a:cxn>
+              <a:cxn ang="0">
+                <a:pos x="connsiteX1" y="connsiteY1"/>
+              </a:cxn>
+              <a:cxn ang="0">
+                <a:pos x="connsiteX2" y="connsiteY2"/>
+              </a:cxn>
+              <a:cxn ang="0">
+                <a:pos x="connsiteX3" y="connsiteY3"/>
+              </a:cxn>
+              <a:cxn ang="0">
+                <a:pos x="connsiteX4" y="connsiteY4"/>
+              </a:cxn>
+              <a:cxn ang="0">
+                <a:pos x="connsiteX5" y="connsiteY5"/>
+              </a:cxn>
+              <a:cxn ang="0">
+                <a:pos x="connsiteX6" y="connsiteY6"/>
+              </a:cxn>
+              <a:cxn ang="0">
+                <a:pos x="connsiteX7" y="connsiteY7"/>
+              </a:cxn>
+              <a:cxn ang="0">
+                <a:pos x="connsiteX8" y="connsiteY8"/>
+              </a:cxn>
+              <a:cxn ang="0">
+                <a:pos x="connsiteX9" y="connsiteY9"/>
+              </a:cxn>
+              <a:cxn ang="0">
+                <a:pos x="connsiteX10" y="connsiteY10"/>
+              </a:cxn>
+              <a:cxn ang="0">
+                <a:pos x="connsiteX11" y="connsiteY11"/>
+              </a:cxn>
+            </a:cxnLst>
+            <a:rect l="l" t="t" r="r" b="b"/>
+            <a:pathLst>
+              <a:path w="8722688" h="6861324">
+                <a:moveTo>
+                  <a:pt x="5560897" y="0"/>
+                </a:moveTo>
+                <a:lnTo>
+                  <a:pt x="5555346" y="0"/>
+                </a:lnTo>
+                <a:lnTo>
+                  <a:pt x="4494013" y="0"/>
+                </a:lnTo>
+                <a:lnTo>
+                  <a:pt x="681726" y="0"/>
+                </a:lnTo>
+                <a:lnTo>
+                  <a:pt x="681726" y="479"/>
+                </a:lnTo>
+                <a:lnTo>
+                  <a:pt x="0" y="479"/>
+                </a:lnTo>
+                <a:lnTo>
+                  <a:pt x="0" y="6861324"/>
+                </a:lnTo>
+                <a:lnTo>
+                  <a:pt x="2429574" y="6861324"/>
+                </a:lnTo>
+                <a:lnTo>
+                  <a:pt x="2429574" y="6861323"/>
+                </a:lnTo>
+                <a:lnTo>
+                  <a:pt x="8368134" y="6861323"/>
+                </a:lnTo>
+                <a:lnTo>
+                  <a:pt x="8366822" y="6858478"/>
+                </a:lnTo>
+                <a:lnTo>
+                  <a:pt x="8722688" y="6858478"/>
+                </a:lnTo>
+                <a:close/>
+              </a:path>
+            </a:pathLst>
+          </a:custGeom>
+          <a:solidFill>
+            <a:schemeClr val="bg1">
+              <a:lumMod val="85000"/>
+              <a:lumOff val="15000"/>
+            </a:schemeClr>
+          </a:solidFill>
+          <a:ln>
+            <a:noFill/>
+          </a:ln>
+        </p:spPr>
+        <p:style>
+          <a:lnRef idx="2">
+            <a:schemeClr val="accent1">
+              <a:shade val="50000"/>
+            </a:schemeClr>
+          </a:lnRef>
+          <a:fillRef idx="1">
+            <a:schemeClr val="accent1"/>
+          </a:fillRef>
+          <a:effectRef idx="0">
+            <a:schemeClr val="accent1"/>
+          </a:effectRef>
+          <a:fontRef idx="minor">
+            <a:schemeClr val="lt1"/>
+          </a:fontRef>
+        </p:style>
+        <p:txBody>
+          <a:bodyPr wrap="square" rtlCol="0" anchor="ctr">
+            <a:noAutofit/>
+          </a:bodyPr>
+          <a:lstStyle/>
+          <a:p>
+            <a:pPr marL="0" marR="0" lvl="0" indent="0" algn="ctr" defTabSz="914400" rtl="0" eaLnBrk="1" fontAlgn="auto" latinLnBrk="0" hangingPunct="1">
+              <a:lnSpc>
+                <a:spcPct val="100000"/>
+              </a:lnSpc>
+              <a:spcBef>
+                <a:spcPts val="0"/>
+              </a:spcBef>
+              <a:spcAft>
+                <a:spcPts val="0"/>
+              </a:spcAft>
+              <a:buClrTx/>
+              <a:buSzTx/>
+              <a:buFontTx/>
+              <a:buNone/>
+              <a:tabLst/>
+              <a:defRPr/>
+            </a:pPr>
+            <a:endParaRPr kumimoji="0" lang="en-US" sz="1800" b="0" i="0" u="none" strike="noStrike" kern="1200" cap="none" spc="0" normalizeH="0" baseline="0" noProof="0">
+              <a:ln>
+                <a:noFill/>
+              </a:ln>
+              <a:solidFill>
+                <a:prstClr val="white"/>
+              </a:solidFill>
+              <a:effectLst/>
+              <a:uLnTx/>
+              <a:uFillTx/>
+              <a:latin typeface="Calibri" panose="020F0502020204030204"/>
+              <a:ea typeface="+mn-ea"/>
+              <a:cs typeface="+mn-cs"/>
+            </a:endParaRPr>
+          </a:p>
+        </p:txBody>
+      </p:sp>
+      <p:sp>
+        <p:nvSpPr>
+          <p:cNvPr id="2" name="제목 1">
+            <a:extLst>
+              <a:ext uri="{FF2B5EF4-FFF2-40B4-BE49-F238E27FC236}">
+                <a16:creationId xmlns:a16="http://schemas.microsoft.com/office/drawing/2014/main" id="{BD098975-1FB5-4529-BEE3-2034AF4A5ADA}"/>
+              </a:ext>
+            </a:extLst>
+          </p:cNvPr>
+          <p:cNvSpPr>
+            <a:spLocks noGrp="1"/>
+          </p:cNvSpPr>
+          <p:nvPr>
+            <p:ph type="title"/>
+          </p:nvPr>
+        </p:nvSpPr>
+        <p:spPr>
+          <a:xfrm>
+            <a:off x="841248" y="704850"/>
+            <a:ext cx="3751697" cy="2978150"/>
+          </a:xfrm>
+        </p:spPr>
+        <p:txBody>
+          <a:bodyPr anchor="b">
+            <a:normAutofit/>
+          </a:bodyPr>
+          <a:lstStyle/>
+          <a:p>
+            <a:r>
+              <a:rPr lang="ko-KR" altLang="en-US">
+                <a:solidFill>
+                  <a:schemeClr val="bg1"/>
+                </a:solidFill>
+              </a:rPr>
+              <a:t>프레임 시간 통일시키기</a:t>
+            </a:r>
+          </a:p>
+        </p:txBody>
+      </p:sp>
+      <p:sp>
+        <p:nvSpPr>
+          <p:cNvPr id="3" name="내용 개체 틀 2">
+            <a:extLst>
+              <a:ext uri="{FF2B5EF4-FFF2-40B4-BE49-F238E27FC236}">
+                <a16:creationId xmlns:a16="http://schemas.microsoft.com/office/drawing/2014/main" id="{97D0FFDA-D0D9-4819-966E-1BA068341FA0}"/>
+              </a:ext>
+            </a:extLst>
+          </p:cNvPr>
+          <p:cNvSpPr>
+            <a:spLocks noGrp="1"/>
+          </p:cNvSpPr>
+          <p:nvPr>
+            <p:ph idx="1"/>
+          </p:nvPr>
+        </p:nvSpPr>
+        <p:spPr>
+          <a:xfrm>
+            <a:off x="6121400" y="939800"/>
+            <a:ext cx="5232400" cy="4845050"/>
+          </a:xfrm>
+        </p:spPr>
+        <p:txBody>
+          <a:bodyPr anchor="ctr">
+            <a:normAutofit/>
+          </a:bodyPr>
+          <a:lstStyle/>
+          <a:p>
+            <a:r>
+              <a:rPr lang="en-US" altLang="ko-KR" sz="2100"/>
+              <a:t>Time.deltaTime</a:t>
+            </a:r>
+            <a:r>
+              <a:rPr lang="ko-KR" altLang="en-US" sz="2100"/>
+              <a:t>을 사용한다</a:t>
+            </a:r>
+            <a:endParaRPr lang="en-US" altLang="ko-KR" sz="2100"/>
+          </a:p>
+          <a:p>
+            <a:endParaRPr lang="en-US" altLang="ko-KR" sz="2100"/>
+          </a:p>
+          <a:p>
+            <a:endParaRPr lang="en-US" altLang="ko-KR" sz="2100"/>
+          </a:p>
+          <a:p>
+            <a:r>
+              <a:rPr lang="ko-KR" altLang="en-US" sz="2100"/>
+              <a:t>이전의 프레임과 현재 프레임 사이 간격을 나타낸다</a:t>
+            </a:r>
+            <a:endParaRPr lang="en-US" altLang="ko-KR" sz="2100"/>
+          </a:p>
+          <a:p>
+            <a:endParaRPr lang="en-US" altLang="ko-KR" sz="2100"/>
+          </a:p>
+          <a:p>
+            <a:endParaRPr lang="en-US" altLang="ko-KR" sz="2100"/>
+          </a:p>
+          <a:p>
+            <a:r>
+              <a:rPr lang="en-US" altLang="ko-KR" sz="2100"/>
+              <a:t>deltaTime</a:t>
+            </a:r>
+            <a:r>
+              <a:rPr lang="ko-KR" altLang="en-US" sz="2100"/>
+              <a:t>을 곱하면 한프레임의 시간이 같아진다</a:t>
+            </a:r>
+            <a:endParaRPr lang="en-US" altLang="ko-KR" sz="2100"/>
+          </a:p>
+          <a:p>
+            <a:endParaRPr lang="en-US" altLang="ko-KR" sz="2100"/>
+          </a:p>
+          <a:p>
+            <a:endParaRPr lang="ko-KR" altLang="en-US" sz="2100"/>
+          </a:p>
+        </p:txBody>
+      </p:sp>
+    </p:spTree>
+    <p:extLst>
+      <p:ext uri="{BB962C8B-B14F-4D97-AF65-F5344CB8AC3E}">
+        <p14:creationId xmlns:p14="http://schemas.microsoft.com/office/powerpoint/2010/main" val="2120269122"/>
+      </p:ext>
+    </p:extLst>
+  </p:cSld>
+  <p:clrMapOvr>
+    <a:overrideClrMapping bg1="dk1" tx1="lt1" bg2="dk2" tx2="lt2" accent1="accent1" accent2="accent2" accent3="accent3" accent4="accent4" accent5="accent5" accent6="accent6" hlink="hlink" folHlink="folHlink"/>
+  </p:clrMapOvr>
+</p:sld>
+</file>
+
+<file path=ppt/slides/slide24.xml><?xml version="1.0" encoding="utf-8"?>
+<p:sld xmlns:a="http://schemas.openxmlformats.org/drawingml/2006/main" xmlns:r="http://schemas.openxmlformats.org/officeDocument/2006/relationships" xmlns:p="http://schemas.openxmlformats.org/presentationml/2006/main">
+  <p:cSld>
+    <p:bg>
+      <p:bgPr>
+        <a:solidFill>
+          <a:schemeClr val="bg1"/>
+        </a:solidFill>
+        <a:effectLst/>
+      </p:bgPr>
+    </p:bg>
+    <p:spTree>
+      <p:nvGrpSpPr>
+        <p:cNvPr id="1" name=""/>
+        <p:cNvGrpSpPr/>
+        <p:nvPr/>
+      </p:nvGrpSpPr>
+      <p:grpSpPr>
+        <a:xfrm>
+          <a:off x="0" y="0"/>
+          <a:ext cx="0" cy="0"/>
+          <a:chOff x="0" y="0"/>
+          <a:chExt cx="0" cy="0"/>
+        </a:xfrm>
+      </p:grpSpPr>
+      <p:sp useBgFill="1">
+        <p:nvSpPr>
+          <p:cNvPr id="7" name="Rectangle 6">
+            <a:extLst>
+              <a:ext uri="{FF2B5EF4-FFF2-40B4-BE49-F238E27FC236}">
+                <a16:creationId xmlns:a16="http://schemas.microsoft.com/office/drawing/2014/main" id="{F1C4E306-BC28-4A7B-871B-1926F6FA6EF3}"/>
+              </a:ext>
+              <a:ext uri="{C183D7F6-B498-43B3-948B-1728B52AA6E4}">
+                <adec:decorative xmlns:adec="http://schemas.microsoft.com/office/drawing/2017/decorative" val="1"/>
+              </a:ext>
+            </a:extLst>
+          </p:cNvPr>
+          <p:cNvSpPr>
+            <a:spLocks noGrp="1" noRot="1" noChangeAspect="1" noMove="1" noResize="1" noEditPoints="1" noAdjustHandles="1" noChangeArrowheads="1" noChangeShapeType="1" noTextEdit="1"/>
+          </p:cNvSpPr>
+          <p:nvPr>
+            <p:extLst>
+              <p:ext uri="{386F3935-93C4-4BCD-93E2-E3B085C9AB24}">
+                <p16:designElem xmlns:p16="http://schemas.microsoft.com/office/powerpoint/2015/main" val="1"/>
+              </p:ext>
+            </p:extLst>
+          </p:nvPr>
+        </p:nvSpPr>
+        <p:spPr>
+          <a:xfrm>
+            <a:off x="0" y="0"/>
+            <a:ext cx="12192000" cy="6858000"/>
+          </a:xfrm>
+          <a:prstGeom prst="rect">
+            <a:avLst/>
+          </a:prstGeom>
+          <a:ln>
+            <a:noFill/>
+          </a:ln>
+        </p:spPr>
+        <p:style>
+          <a:lnRef idx="2">
+            <a:schemeClr val="accent1">
+              <a:shade val="50000"/>
+            </a:schemeClr>
+          </a:lnRef>
+          <a:fillRef idx="1">
+            <a:schemeClr val="accent1"/>
+          </a:fillRef>
+          <a:effectRef idx="0">
+            <a:schemeClr val="accent1"/>
+          </a:effectRef>
+          <a:fontRef idx="minor">
+            <a:schemeClr val="lt1"/>
+          </a:fontRef>
+        </p:style>
+        <p:txBody>
+          <a:bodyPr rtlCol="0" anchor="ctr"/>
+          <a:lstStyle/>
+          <a:p>
+            <a:pPr algn="ctr"/>
+            <a:endParaRPr lang="en-US"/>
+          </a:p>
+        </p:txBody>
+      </p:sp>
+      <p:sp useBgFill="1">
+        <p:nvSpPr>
+          <p:cNvPr id="9" name="Freeform: Shape 8">
+            <a:extLst>
+              <a:ext uri="{FF2B5EF4-FFF2-40B4-BE49-F238E27FC236}">
+                <a16:creationId xmlns:a16="http://schemas.microsoft.com/office/drawing/2014/main" id="{C3ECC9B4-989C-4F71-A6BC-DEBC1D9FD0BD}"/>
+              </a:ext>
+              <a:ext uri="{C183D7F6-B498-43B3-948B-1728B52AA6E4}">
+                <adec:decorative xmlns:adec="http://schemas.microsoft.com/office/drawing/2017/decorative" val="1"/>
+              </a:ext>
+            </a:extLst>
+          </p:cNvPr>
+          <p:cNvSpPr>
+            <a:spLocks noGrp="1" noRot="1" noChangeAspect="1" noMove="1" noResize="1" noEditPoints="1" noAdjustHandles="1" noChangeArrowheads="1" noChangeShapeType="1" noTextEdit="1"/>
+          </p:cNvSpPr>
+          <p:nvPr>
+            <p:extLst>
+              <p:ext uri="{386F3935-93C4-4BCD-93E2-E3B085C9AB24}">
+                <p16:designElem xmlns:p16="http://schemas.microsoft.com/office/powerpoint/2015/main" val="1"/>
+              </p:ext>
+            </p:extLst>
+          </p:nvPr>
+        </p:nvSpPr>
+        <p:spPr>
+          <a:xfrm>
+            <a:off x="0" y="0"/>
+            <a:ext cx="8452322" cy="6858000"/>
+          </a:xfrm>
+          <a:custGeom>
+            <a:avLst/>
+            <a:gdLst>
+              <a:gd name="connsiteX0" fmla="*/ 0 w 8452322"/>
+              <a:gd name="connsiteY0" fmla="*/ 0 h 6858000"/>
+              <a:gd name="connsiteX1" fmla="*/ 7447992 w 8452322"/>
+              <a:gd name="connsiteY1" fmla="*/ 0 h 6858000"/>
+              <a:gd name="connsiteX2" fmla="*/ 7501089 w 8452322"/>
+              <a:gd name="connsiteY2" fmla="*/ 79009 h 6858000"/>
+              <a:gd name="connsiteX3" fmla="*/ 8452322 w 8452322"/>
+              <a:gd name="connsiteY3" fmla="*/ 3429001 h 6858000"/>
+              <a:gd name="connsiteX4" fmla="*/ 7501089 w 8452322"/>
+              <a:gd name="connsiteY4" fmla="*/ 6778993 h 6858000"/>
+              <a:gd name="connsiteX5" fmla="*/ 7447994 w 8452322"/>
+              <a:gd name="connsiteY5" fmla="*/ 6858000 h 6858000"/>
+              <a:gd name="connsiteX6" fmla="*/ 0 w 8452322"/>
+              <a:gd name="connsiteY6" fmla="*/ 6858000 h 6858000"/>
+            </a:gdLst>
+            <a:ahLst/>
+            <a:cxnLst>
+              <a:cxn ang="0">
+                <a:pos x="connsiteX0" y="connsiteY0"/>
+              </a:cxn>
+              <a:cxn ang="0">
+                <a:pos x="connsiteX1" y="connsiteY1"/>
+              </a:cxn>
+              <a:cxn ang="0">
+                <a:pos x="connsiteX2" y="connsiteY2"/>
+              </a:cxn>
+              <a:cxn ang="0">
+                <a:pos x="connsiteX3" y="connsiteY3"/>
+              </a:cxn>
+              <a:cxn ang="0">
+                <a:pos x="connsiteX4" y="connsiteY4"/>
+              </a:cxn>
+              <a:cxn ang="0">
+                <a:pos x="connsiteX5" y="connsiteY5"/>
+              </a:cxn>
+              <a:cxn ang="0">
+                <a:pos x="connsiteX6" y="connsiteY6"/>
+              </a:cxn>
+            </a:cxnLst>
+            <a:rect l="l" t="t" r="r" b="b"/>
+            <a:pathLst>
+              <a:path w="8452322" h="6858000">
+                <a:moveTo>
+                  <a:pt x="0" y="0"/>
+                </a:moveTo>
+                <a:lnTo>
+                  <a:pt x="7447992" y="0"/>
+                </a:lnTo>
+                <a:lnTo>
+                  <a:pt x="7501089" y="79009"/>
+                </a:lnTo>
+                <a:cubicBezTo>
+                  <a:pt x="8098524" y="1013167"/>
+                  <a:pt x="8452322" y="2172770"/>
+                  <a:pt x="8452322" y="3429001"/>
+                </a:cubicBezTo>
+                <a:cubicBezTo>
+                  <a:pt x="8452322" y="4685233"/>
+                  <a:pt x="8098524" y="5844836"/>
+                  <a:pt x="7501089" y="6778993"/>
+                </a:cubicBezTo>
+                <a:lnTo>
+                  <a:pt x="7447994" y="6858000"/>
+                </a:lnTo>
+                <a:lnTo>
+                  <a:pt x="0" y="6858000"/>
+                </a:lnTo>
+                <a:close/>
+              </a:path>
+            </a:pathLst>
+          </a:custGeom>
+          <a:ln w="9525">
+            <a:solidFill>
+              <a:srgbClr val="EFEFEF"/>
+            </a:solidFill>
+          </a:ln>
+          <a:effectLst>
+            <a:outerShdw blurRad="50800" dist="38100" algn="l" rotWithShape="0">
+              <a:schemeClr val="bg1">
+                <a:lumMod val="85000"/>
+                <a:alpha val="50000"/>
+              </a:schemeClr>
+            </a:outerShdw>
+          </a:effectLst>
+        </p:spPr>
+        <p:style>
+          <a:lnRef idx="2">
+            <a:schemeClr val="accent1">
+              <a:shade val="50000"/>
+            </a:schemeClr>
+          </a:lnRef>
+          <a:fillRef idx="1">
+            <a:schemeClr val="accent1"/>
+          </a:fillRef>
+          <a:effectRef idx="0">
+            <a:schemeClr val="accent1"/>
+          </a:effectRef>
+          <a:fontRef idx="minor">
+            <a:schemeClr val="lt1"/>
+          </a:fontRef>
+        </p:style>
+        <p:txBody>
+          <a:bodyPr wrap="square" rtlCol="0" anchor="ctr">
+            <a:noAutofit/>
+          </a:bodyPr>
+          <a:lstStyle/>
+          <a:p>
+            <a:pPr marL="0" marR="0" lvl="0" indent="0" algn="ctr" defTabSz="914400" rtl="0" eaLnBrk="1" fontAlgn="auto" latinLnBrk="0" hangingPunct="1">
+              <a:lnSpc>
+                <a:spcPct val="100000"/>
+              </a:lnSpc>
+              <a:spcBef>
+                <a:spcPts val="0"/>
+              </a:spcBef>
+              <a:spcAft>
+                <a:spcPts val="0"/>
+              </a:spcAft>
+              <a:buClrTx/>
+              <a:buSzTx/>
+              <a:buFontTx/>
+              <a:buNone/>
+              <a:tabLst/>
+              <a:defRPr/>
+            </a:pPr>
+            <a:endParaRPr kumimoji="0" lang="en-US" sz="1800" b="0" i="0" u="none" strike="noStrike" kern="1200" cap="none" spc="0" normalizeH="0" baseline="0" noProof="0">
+              <a:ln>
+                <a:noFill/>
+              </a:ln>
+              <a:solidFill>
+                <a:prstClr val="white"/>
+              </a:solidFill>
+              <a:effectLst/>
+              <a:uLnTx/>
+              <a:uFillTx/>
+              <a:latin typeface="Calibri" panose="020F0502020204030204"/>
+              <a:ea typeface="+mn-ea"/>
+              <a:cs typeface="+mn-cs"/>
+            </a:endParaRPr>
+          </a:p>
+        </p:txBody>
+      </p:sp>
+      <p:sp useBgFill="1">
+        <p:nvSpPr>
+          <p:cNvPr id="11" name="Freeform: Shape 10">
+            <a:extLst>
+              <a:ext uri="{FF2B5EF4-FFF2-40B4-BE49-F238E27FC236}">
+                <a16:creationId xmlns:a16="http://schemas.microsoft.com/office/drawing/2014/main" id="{E20AF01B-D099-4710-BF18-E2832A9B61CF}"/>
+              </a:ext>
+              <a:ext uri="{C183D7F6-B498-43B3-948B-1728B52AA6E4}">
+                <adec:decorative xmlns:adec="http://schemas.microsoft.com/office/drawing/2017/decorative" val="1"/>
+              </a:ext>
+            </a:extLst>
+          </p:cNvPr>
+          <p:cNvSpPr>
+            <a:spLocks noGrp="1" noRot="1" noChangeAspect="1" noMove="1" noResize="1" noEditPoints="1" noAdjustHandles="1" noChangeArrowheads="1" noChangeShapeType="1" noTextEdit="1"/>
+          </p:cNvSpPr>
+          <p:nvPr>
+            <p:extLst>
+              <p:ext uri="{386F3935-93C4-4BCD-93E2-E3B085C9AB24}">
+                <p16:designElem xmlns:p16="http://schemas.microsoft.com/office/powerpoint/2015/main" val="1"/>
+              </p:ext>
+            </p:extLst>
+          </p:nvPr>
+        </p:nvSpPr>
+        <p:spPr>
+          <a:xfrm>
+            <a:off x="0" y="0"/>
+            <a:ext cx="8443572" cy="6858000"/>
+          </a:xfrm>
+          <a:custGeom>
+            <a:avLst/>
+            <a:gdLst>
+              <a:gd name="connsiteX0" fmla="*/ 0 w 8443572"/>
+              <a:gd name="connsiteY0" fmla="*/ 0 h 6858000"/>
+              <a:gd name="connsiteX1" fmla="*/ 7439242 w 8443572"/>
+              <a:gd name="connsiteY1" fmla="*/ 0 h 6858000"/>
+              <a:gd name="connsiteX2" fmla="*/ 7492339 w 8443572"/>
+              <a:gd name="connsiteY2" fmla="*/ 79009 h 6858000"/>
+              <a:gd name="connsiteX3" fmla="*/ 8443572 w 8443572"/>
+              <a:gd name="connsiteY3" fmla="*/ 3429001 h 6858000"/>
+              <a:gd name="connsiteX4" fmla="*/ 7492339 w 8443572"/>
+              <a:gd name="connsiteY4" fmla="*/ 6778993 h 6858000"/>
+              <a:gd name="connsiteX5" fmla="*/ 7439244 w 8443572"/>
+              <a:gd name="connsiteY5" fmla="*/ 6858000 h 6858000"/>
+              <a:gd name="connsiteX6" fmla="*/ 0 w 8443572"/>
+              <a:gd name="connsiteY6" fmla="*/ 6858000 h 6858000"/>
+            </a:gdLst>
+            <a:ahLst/>
+            <a:cxnLst>
+              <a:cxn ang="0">
+                <a:pos x="connsiteX0" y="connsiteY0"/>
+              </a:cxn>
+              <a:cxn ang="0">
+                <a:pos x="connsiteX1" y="connsiteY1"/>
+              </a:cxn>
+              <a:cxn ang="0">
+                <a:pos x="connsiteX2" y="connsiteY2"/>
+              </a:cxn>
+              <a:cxn ang="0">
+                <a:pos x="connsiteX3" y="connsiteY3"/>
+              </a:cxn>
+              <a:cxn ang="0">
+                <a:pos x="connsiteX4" y="connsiteY4"/>
+              </a:cxn>
+              <a:cxn ang="0">
+                <a:pos x="connsiteX5" y="connsiteY5"/>
+              </a:cxn>
+              <a:cxn ang="0">
+                <a:pos x="connsiteX6" y="connsiteY6"/>
+              </a:cxn>
+            </a:cxnLst>
+            <a:rect l="l" t="t" r="r" b="b"/>
+            <a:pathLst>
+              <a:path w="8443572" h="6858000">
+                <a:moveTo>
+                  <a:pt x="0" y="0"/>
+                </a:moveTo>
+                <a:lnTo>
+                  <a:pt x="7439242" y="0"/>
+                </a:lnTo>
+                <a:lnTo>
+                  <a:pt x="7492339" y="79009"/>
+                </a:lnTo>
+                <a:cubicBezTo>
+                  <a:pt x="8089774" y="1013167"/>
+                  <a:pt x="8443572" y="2172770"/>
+                  <a:pt x="8443572" y="3429001"/>
+                </a:cubicBezTo>
+                <a:cubicBezTo>
+                  <a:pt x="8443572" y="4685233"/>
+                  <a:pt x="8089774" y="5844836"/>
+                  <a:pt x="7492339" y="6778993"/>
+                </a:cubicBezTo>
+                <a:lnTo>
+                  <a:pt x="7439244" y="6858000"/>
+                </a:lnTo>
+                <a:lnTo>
+                  <a:pt x="0" y="6858000"/>
+                </a:lnTo>
+                <a:close/>
+              </a:path>
+            </a:pathLst>
+          </a:custGeom>
+          <a:ln w="9525">
+            <a:noFill/>
+          </a:ln>
+          <a:effectLst/>
+        </p:spPr>
+        <p:style>
+          <a:lnRef idx="2">
+            <a:schemeClr val="accent1">
+              <a:shade val="50000"/>
+            </a:schemeClr>
+          </a:lnRef>
+          <a:fillRef idx="1">
+            <a:schemeClr val="accent1"/>
+          </a:fillRef>
+          <a:effectRef idx="0">
+            <a:schemeClr val="accent1"/>
+          </a:effectRef>
+          <a:fontRef idx="minor">
+            <a:schemeClr val="lt1"/>
+          </a:fontRef>
+        </p:style>
+        <p:txBody>
+          <a:bodyPr wrap="square" rtlCol="0" anchor="ctr">
+            <a:noAutofit/>
+          </a:bodyPr>
+          <a:lstStyle/>
+          <a:p>
+            <a:pPr marL="0" marR="0" lvl="0" indent="0" algn="ctr" defTabSz="914400" rtl="0" eaLnBrk="1" fontAlgn="auto" latinLnBrk="0" hangingPunct="1">
+              <a:lnSpc>
+                <a:spcPct val="100000"/>
+              </a:lnSpc>
+              <a:spcBef>
+                <a:spcPts val="0"/>
+              </a:spcBef>
+              <a:spcAft>
+                <a:spcPts val="0"/>
+              </a:spcAft>
+              <a:buClrTx/>
+              <a:buSzTx/>
+              <a:buFontTx/>
+              <a:buNone/>
+              <a:tabLst/>
+              <a:defRPr/>
+            </a:pPr>
+            <a:endParaRPr kumimoji="0" lang="en-US" sz="1800" b="0" i="0" u="none" strike="noStrike" kern="1200" cap="none" spc="0" normalizeH="0" baseline="0" noProof="0">
+              <a:ln>
+                <a:noFill/>
+              </a:ln>
+              <a:solidFill>
+                <a:prstClr val="white"/>
+              </a:solidFill>
+              <a:effectLst/>
+              <a:uLnTx/>
+              <a:uFillTx/>
+              <a:latin typeface="Calibri" panose="020F0502020204030204"/>
+              <a:ea typeface="+mn-ea"/>
+              <a:cs typeface="+mn-cs"/>
+            </a:endParaRPr>
+          </a:p>
+        </p:txBody>
+      </p:sp>
+      <p:sp>
+        <p:nvSpPr>
+          <p:cNvPr id="2" name="제목 1">
+            <a:extLst>
+              <a:ext uri="{FF2B5EF4-FFF2-40B4-BE49-F238E27FC236}">
+                <a16:creationId xmlns:a16="http://schemas.microsoft.com/office/drawing/2014/main" id="{DC08F057-14AE-4487-BB0A-95A386BA5528}"/>
+              </a:ext>
+            </a:extLst>
+          </p:cNvPr>
+          <p:cNvSpPr>
+            <a:spLocks noGrp="1"/>
+          </p:cNvSpPr>
+          <p:nvPr>
+            <p:ph type="title"/>
+          </p:nvPr>
+        </p:nvSpPr>
+        <p:spPr>
+          <a:xfrm>
+            <a:off x="616893" y="1238250"/>
+            <a:ext cx="7835429" cy="4381500"/>
+          </a:xfrm>
+        </p:spPr>
+        <p:txBody>
+          <a:bodyPr vert="horz" lIns="91440" tIns="45720" rIns="91440" bIns="45720" rtlCol="0" anchor="ctr">
+            <a:normAutofit/>
+          </a:bodyPr>
+          <a:lstStyle/>
+          <a:p>
+            <a:pPr latinLnBrk="0"/>
+            <a:r>
+              <a:rPr lang="ko-KR" altLang="en-US" sz="7200" kern="1200" dirty="0">
+                <a:solidFill>
+                  <a:schemeClr val="tx1"/>
+                </a:solidFill>
+                <a:latin typeface="+mj-lt"/>
+                <a:ea typeface="+mj-ea"/>
+                <a:cs typeface="+mj-cs"/>
+              </a:rPr>
+              <a:t>실습 </a:t>
+            </a:r>
+            <a:r>
+              <a:rPr lang="en-US" altLang="ko-KR" sz="7200" kern="1200" dirty="0">
+                <a:solidFill>
+                  <a:schemeClr val="tx1"/>
+                </a:solidFill>
+                <a:latin typeface="+mj-lt"/>
+                <a:ea typeface="+mj-ea"/>
+                <a:cs typeface="+mj-cs"/>
+              </a:rPr>
+              <a:t>– </a:t>
+            </a:r>
+            <a:r>
+              <a:rPr lang="ko-KR" altLang="en-US" sz="7200" kern="1200" dirty="0">
+                <a:solidFill>
+                  <a:schemeClr val="tx1"/>
+                </a:solidFill>
+                <a:latin typeface="+mj-lt"/>
+                <a:ea typeface="+mj-ea"/>
+                <a:cs typeface="+mj-cs"/>
+              </a:rPr>
+              <a:t>벽돌 깨기 바 만들기</a:t>
+            </a:r>
+          </a:p>
+        </p:txBody>
+      </p:sp>
+      <p:sp>
+        <p:nvSpPr>
+          <p:cNvPr id="13" name="Rectangle 12">
+            <a:extLst>
+              <a:ext uri="{FF2B5EF4-FFF2-40B4-BE49-F238E27FC236}">
+                <a16:creationId xmlns:a16="http://schemas.microsoft.com/office/drawing/2014/main" id="{B0E4BB4F-99AB-4C4E-A763-C5AC5273DF5D}"/>
+              </a:ext>
+              <a:ext uri="{C183D7F6-B498-43B3-948B-1728B52AA6E4}">
+                <adec:decorative xmlns:adec="http://schemas.microsoft.com/office/drawing/2017/decorative" val="1"/>
+              </a:ext>
+            </a:extLst>
+          </p:cNvPr>
+          <p:cNvSpPr>
+            <a:spLocks noGrp="1" noRot="1" noChangeAspect="1" noMove="1" noResize="1" noEditPoints="1" noAdjustHandles="1" noChangeArrowheads="1" noChangeShapeType="1" noTextEdit="1"/>
+          </p:cNvSpPr>
+          <p:nvPr>
+            <p:extLst>
+              <p:ext uri="{386F3935-93C4-4BCD-93E2-E3B085C9AB24}">
+                <p16:designElem xmlns:p16="http://schemas.microsoft.com/office/powerpoint/2015/main" val="1"/>
+              </p:ext>
+            </p:extLst>
+          </p:nvPr>
+        </p:nvSpPr>
+        <p:spPr>
+          <a:xfrm>
+            <a:off x="0" y="2827916"/>
+            <a:ext cx="128016" cy="1188720"/>
+          </a:xfrm>
+          <a:prstGeom prst="rect">
+            <a:avLst/>
+          </a:prstGeom>
+          <a:solidFill>
+            <a:schemeClr val="accent2"/>
+          </a:solidFill>
+          <a:ln>
+            <a:noFill/>
+          </a:ln>
+        </p:spPr>
+        <p:style>
+          <a:lnRef idx="2">
+            <a:schemeClr val="accent1">
+              <a:shade val="50000"/>
+            </a:schemeClr>
+          </a:lnRef>
+          <a:fillRef idx="1">
+            <a:schemeClr val="accent1"/>
+          </a:fillRef>
+          <a:effectRef idx="0">
+            <a:schemeClr val="accent1"/>
+          </a:effectRef>
+          <a:fontRef idx="minor">
+            <a:schemeClr val="lt1"/>
+          </a:fontRef>
+        </p:style>
+        <p:txBody>
+          <a:bodyPr rtlCol="0" anchor="ctr"/>
+          <a:lstStyle/>
+          <a:p>
+            <a:pPr marL="0" marR="0" lvl="0" indent="0" algn="ctr" defTabSz="914400" rtl="0" eaLnBrk="1" fontAlgn="auto" latinLnBrk="0" hangingPunct="1">
+              <a:lnSpc>
+                <a:spcPct val="100000"/>
+              </a:lnSpc>
+              <a:spcBef>
+                <a:spcPts val="0"/>
+              </a:spcBef>
+              <a:spcAft>
+                <a:spcPts val="0"/>
+              </a:spcAft>
+              <a:buClrTx/>
+              <a:buSzTx/>
+              <a:buFontTx/>
+              <a:buNone/>
+              <a:tabLst/>
+              <a:defRPr/>
+            </a:pPr>
+            <a:endParaRPr kumimoji="0" lang="en-US" sz="1800" b="0" i="0" u="none" strike="noStrike" kern="1200" cap="none" spc="0" normalizeH="0" baseline="0" noProof="0">
+              <a:ln>
+                <a:noFill/>
+              </a:ln>
+              <a:solidFill>
+                <a:prstClr val="white"/>
+              </a:solidFill>
+              <a:effectLst/>
+              <a:uLnTx/>
+              <a:uFillTx/>
+              <a:latin typeface="Calibri" panose="020F0502020204030204"/>
+              <a:ea typeface="+mn-ea"/>
+              <a:cs typeface="+mn-cs"/>
+            </a:endParaRPr>
+          </a:p>
+        </p:txBody>
+      </p:sp>
+    </p:spTree>
+    <p:extLst>
+      <p:ext uri="{BB962C8B-B14F-4D97-AF65-F5344CB8AC3E}">
+        <p14:creationId xmlns:p14="http://schemas.microsoft.com/office/powerpoint/2010/main" val="3280881064"/>
+      </p:ext>
+    </p:extLst>
+  </p:cSld>
+  <p:clrMapOvr>
+    <a:masterClrMapping/>
+  </p:clrMapOvr>
+</p:sld>
+</file>
+
+<file path=ppt/slides/slide25.xml><?xml version="1.0" encoding="utf-8"?>
+<p:sld xmlns:a="http://schemas.openxmlformats.org/drawingml/2006/main" xmlns:r="http://schemas.openxmlformats.org/officeDocument/2006/relationships" xmlns:p="http://schemas.openxmlformats.org/presentationml/2006/main">
+  <p:cSld>
+    <p:bg>
+      <p:bgPr>
+        <a:solidFill>
+          <a:schemeClr val="bg2"/>
+        </a:solidFill>
+        <a:effectLst/>
+      </p:bgPr>
+    </p:bg>
+    <p:spTree>
+      <p:nvGrpSpPr>
+        <p:cNvPr id="1" name=""/>
+        <p:cNvGrpSpPr/>
+        <p:nvPr/>
+      </p:nvGrpSpPr>
+      <p:grpSpPr>
+        <a:xfrm>
+          <a:off x="0" y="0"/>
+          <a:ext cx="0" cy="0"/>
+          <a:chOff x="0" y="0"/>
+          <a:chExt cx="0" cy="0"/>
+        </a:xfrm>
+      </p:grpSpPr>
+      <p:sp>
+        <p:nvSpPr>
+          <p:cNvPr id="9" name="Rectangle 8">
+            <a:extLst>
+              <a:ext uri="{FF2B5EF4-FFF2-40B4-BE49-F238E27FC236}">
+                <a16:creationId xmlns:a16="http://schemas.microsoft.com/office/drawing/2014/main" id="{16C5FA50-8D52-4617-AF91-5C7B1C8352F1}"/>
+              </a:ext>
+              <a:ext uri="{C183D7F6-B498-43B3-948B-1728B52AA6E4}">
+                <adec:decorative xmlns:adec="http://schemas.microsoft.com/office/drawing/2017/decorative" val="1"/>
+              </a:ext>
+            </a:extLst>
+          </p:cNvPr>
+          <p:cNvSpPr>
+            <a:spLocks noGrp="1" noRot="1" noChangeAspect="1" noMove="1" noResize="1" noEditPoints="1" noAdjustHandles="1" noChangeArrowheads="1" noChangeShapeType="1" noTextEdit="1"/>
+          </p:cNvSpPr>
+          <p:nvPr>
+            <p:extLst>
+              <p:ext uri="{386F3935-93C4-4BCD-93E2-E3B085C9AB24}">
+                <p16:designElem xmlns:p16="http://schemas.microsoft.com/office/powerpoint/2015/main" val="1"/>
+              </p:ext>
+            </p:extLst>
+          </p:nvPr>
+        </p:nvSpPr>
+        <p:spPr>
+          <a:xfrm>
+            <a:off x="0" y="0"/>
+            <a:ext cx="12192000" cy="6858000"/>
+          </a:xfrm>
+          <a:prstGeom prst="rect">
+            <a:avLst/>
+          </a:prstGeom>
+          <a:solidFill>
+            <a:srgbClr val="767171"/>
+          </a:solidFill>
+          <a:ln>
+            <a:noFill/>
+          </a:ln>
+        </p:spPr>
+        <p:style>
+          <a:lnRef idx="2">
+            <a:schemeClr val="accent1">
+              <a:shade val="50000"/>
+            </a:schemeClr>
+          </a:lnRef>
+          <a:fillRef idx="1">
+            <a:schemeClr val="accent1"/>
+          </a:fillRef>
+          <a:effectRef idx="0">
+            <a:schemeClr val="accent1"/>
+          </a:effectRef>
+          <a:fontRef idx="minor">
+            <a:schemeClr val="lt1"/>
+          </a:fontRef>
+        </p:style>
+        <p:txBody>
+          <a:bodyPr rtlCol="0" anchor="ctr"/>
+          <a:lstStyle/>
+          <a:p>
+            <a:pPr algn="ctr"/>
+            <a:endParaRPr lang="en-US"/>
+          </a:p>
+        </p:txBody>
+      </p:sp>
+      <p:sp>
+        <p:nvSpPr>
+          <p:cNvPr id="2" name="제목 1">
+            <a:extLst>
+              <a:ext uri="{FF2B5EF4-FFF2-40B4-BE49-F238E27FC236}">
+                <a16:creationId xmlns:a16="http://schemas.microsoft.com/office/drawing/2014/main" id="{3AC6965B-6809-4CB4-8ED2-D6A711AEF7B8}"/>
+              </a:ext>
+            </a:extLst>
+          </p:cNvPr>
+          <p:cNvSpPr>
+            <a:spLocks noGrp="1"/>
+          </p:cNvSpPr>
+          <p:nvPr>
+            <p:ph type="title"/>
+          </p:nvPr>
+        </p:nvSpPr>
+        <p:spPr>
+          <a:xfrm>
+            <a:off x="8763047" y="942538"/>
+            <a:ext cx="3288276" cy="4794567"/>
+          </a:xfrm>
+        </p:spPr>
+        <p:txBody>
+          <a:bodyPr vert="horz" lIns="91440" tIns="45720" rIns="91440" bIns="45720" rtlCol="0" anchor="ctr">
+            <a:normAutofit/>
+          </a:bodyPr>
+          <a:lstStyle/>
+          <a:p>
+            <a:pPr latinLnBrk="0"/>
+            <a:r>
+              <a:rPr lang="ko-KR" altLang="en-US" sz="3600" dirty="0">
+                <a:solidFill>
+                  <a:srgbClr val="FFFFFF"/>
+                </a:solidFill>
+              </a:rPr>
+              <a:t>바 이동시키기</a:t>
+            </a:r>
+          </a:p>
+        </p:txBody>
+      </p:sp>
+      <p:sp>
+        <p:nvSpPr>
+          <p:cNvPr id="11" name="Rounded Rectangle 9">
+            <a:extLst>
+              <a:ext uri="{FF2B5EF4-FFF2-40B4-BE49-F238E27FC236}">
+                <a16:creationId xmlns:a16="http://schemas.microsoft.com/office/drawing/2014/main" id="{E223798C-12AD-4B0C-A50C-D676347D67CF}"/>
+              </a:ext>
+              <a:ext uri="{C183D7F6-B498-43B3-948B-1728B52AA6E4}">
+                <adec:decorative xmlns:adec="http://schemas.microsoft.com/office/drawing/2017/decorative" val="1"/>
+              </a:ext>
+            </a:extLst>
+          </p:cNvPr>
+          <p:cNvSpPr>
+            <a:spLocks noGrp="1" noRot="1" noChangeAspect="1" noMove="1" noResize="1" noEditPoints="1" noAdjustHandles="1" noChangeArrowheads="1" noChangeShapeType="1" noTextEdit="1"/>
+          </p:cNvSpPr>
+          <p:nvPr>
+            <p:extLst>
+              <p:ext uri="{386F3935-93C4-4BCD-93E2-E3B085C9AB24}">
+                <p16:designElem xmlns:p16="http://schemas.microsoft.com/office/powerpoint/2015/main" val="1"/>
+              </p:ext>
+            </p:extLst>
+          </p:nvPr>
+        </p:nvSpPr>
+        <p:spPr>
+          <a:xfrm>
+            <a:off x="493354" y="484632"/>
+            <a:ext cx="8129016" cy="5724144"/>
+          </a:xfrm>
+          <a:prstGeom prst="roundRect">
+            <a:avLst>
+              <a:gd name="adj" fmla="val 0"/>
+            </a:avLst>
+          </a:prstGeom>
+          <a:solidFill>
+            <a:srgbClr val="FFFFFF"/>
+          </a:solidFill>
+          <a:ln w="9525">
+            <a:solidFill>
+              <a:srgbClr val="C8CACA"/>
+            </a:solidFill>
+          </a:ln>
+          <a:effectLst>
+            <a:outerShdw blurRad="57150" dist="19050" dir="5400000" algn="t" rotWithShape="0">
+              <a:prstClr val="black">
+                <a:alpha val="63000"/>
+              </a:prstClr>
+            </a:outerShdw>
+          </a:effectLst>
+        </p:spPr>
+        <p:style>
+          <a:lnRef idx="2">
+            <a:schemeClr val="accent1">
+              <a:shade val="50000"/>
+            </a:schemeClr>
+          </a:lnRef>
+          <a:fillRef idx="1">
+            <a:schemeClr val="accent1"/>
+          </a:fillRef>
+          <a:effectRef idx="0">
+            <a:schemeClr val="accent1"/>
+          </a:effectRef>
+          <a:fontRef idx="minor">
+            <a:schemeClr val="lt1"/>
+          </a:fontRef>
+        </p:style>
+        <p:txBody>
+          <a:bodyPr rtlCol="0" anchor="ctr"/>
+          <a:lstStyle/>
+          <a:p>
+            <a:pPr algn="ctr"/>
+            <a:endParaRPr lang="en-US"/>
+          </a:p>
+        </p:txBody>
+      </p:sp>
+      <p:pic>
+        <p:nvPicPr>
+          <p:cNvPr id="4" name="내용 개체 틀 3">
+            <a:extLst>
+              <a:ext uri="{FF2B5EF4-FFF2-40B4-BE49-F238E27FC236}">
+                <a16:creationId xmlns:a16="http://schemas.microsoft.com/office/drawing/2014/main" id="{DAEFD814-5119-4F12-9252-C80A2084ACF9}"/>
+              </a:ext>
+            </a:extLst>
+          </p:cNvPr>
+          <p:cNvPicPr>
+            <a:picLocks noGrp="1" noChangeAspect="1"/>
+          </p:cNvPicPr>
+          <p:nvPr>
+            <p:ph idx="1"/>
+          </p:nvPr>
+        </p:nvPicPr>
+        <p:blipFill rotWithShape="1">
+          <a:blip r:embed="rId2"/>
+          <a:srcRect b="4687"/>
+          <a:stretch/>
+        </p:blipFill>
+        <p:spPr>
+          <a:xfrm>
+            <a:off x="976251" y="942538"/>
+            <a:ext cx="7163222" cy="4808332"/>
+          </a:xfrm>
+          <a:prstGeom prst="rect">
+            <a:avLst/>
+          </a:prstGeom>
+          <a:effectLst/>
+        </p:spPr>
+      </p:pic>
+    </p:spTree>
+    <p:extLst>
+      <p:ext uri="{BB962C8B-B14F-4D97-AF65-F5344CB8AC3E}">
+        <p14:creationId xmlns:p14="http://schemas.microsoft.com/office/powerpoint/2010/main" val="3990824932"/>
       </p:ext>
     </p:extLst>
   </p:cSld>

--- a/C#스터디/c# 스터디 6주 차.pptx
+++ b/C#스터디/c# 스터디 6주 차.pptx
@@ -283,7 +283,7 @@
           <a:p>
             <a:fld id="{EDE4C143-813B-4B7B-BE97-BF7ACA2DC775}" type="datetimeFigureOut">
               <a:rPr lang="ko-KR" altLang="en-US" smtClean="0"/>
-              <a:t>2020-05-27</a:t>
+              <a:t>2020-05-31</a:t>
             </a:fld>
             <a:endParaRPr lang="ko-KR" altLang="en-US"/>
           </a:p>
@@ -481,7 +481,7 @@
           <a:p>
             <a:fld id="{EDE4C143-813B-4B7B-BE97-BF7ACA2DC775}" type="datetimeFigureOut">
               <a:rPr lang="ko-KR" altLang="en-US" smtClean="0"/>
-              <a:t>2020-05-27</a:t>
+              <a:t>2020-05-31</a:t>
             </a:fld>
             <a:endParaRPr lang="ko-KR" altLang="en-US"/>
           </a:p>
@@ -689,7 +689,7 @@
           <a:p>
             <a:fld id="{EDE4C143-813B-4B7B-BE97-BF7ACA2DC775}" type="datetimeFigureOut">
               <a:rPr lang="ko-KR" altLang="en-US" smtClean="0"/>
-              <a:t>2020-05-27</a:t>
+              <a:t>2020-05-31</a:t>
             </a:fld>
             <a:endParaRPr lang="ko-KR" altLang="en-US"/>
           </a:p>
@@ -887,7 +887,7 @@
           <a:p>
             <a:fld id="{EDE4C143-813B-4B7B-BE97-BF7ACA2DC775}" type="datetimeFigureOut">
               <a:rPr lang="ko-KR" altLang="en-US" smtClean="0"/>
-              <a:t>2020-05-27</a:t>
+              <a:t>2020-05-31</a:t>
             </a:fld>
             <a:endParaRPr lang="ko-KR" altLang="en-US"/>
           </a:p>
@@ -1162,7 +1162,7 @@
           <a:p>
             <a:fld id="{EDE4C143-813B-4B7B-BE97-BF7ACA2DC775}" type="datetimeFigureOut">
               <a:rPr lang="ko-KR" altLang="en-US" smtClean="0"/>
-              <a:t>2020-05-27</a:t>
+              <a:t>2020-05-31</a:t>
             </a:fld>
             <a:endParaRPr lang="ko-KR" altLang="en-US"/>
           </a:p>
@@ -1427,7 +1427,7 @@
           <a:p>
             <a:fld id="{EDE4C143-813B-4B7B-BE97-BF7ACA2DC775}" type="datetimeFigureOut">
               <a:rPr lang="ko-KR" altLang="en-US" smtClean="0"/>
-              <a:t>2020-05-27</a:t>
+              <a:t>2020-05-31</a:t>
             </a:fld>
             <a:endParaRPr lang="ko-KR" altLang="en-US"/>
           </a:p>
@@ -1839,7 +1839,7 @@
           <a:p>
             <a:fld id="{EDE4C143-813B-4B7B-BE97-BF7ACA2DC775}" type="datetimeFigureOut">
               <a:rPr lang="ko-KR" altLang="en-US" smtClean="0"/>
-              <a:t>2020-05-27</a:t>
+              <a:t>2020-05-31</a:t>
             </a:fld>
             <a:endParaRPr lang="ko-KR" altLang="en-US"/>
           </a:p>
@@ -1980,7 +1980,7 @@
           <a:p>
             <a:fld id="{EDE4C143-813B-4B7B-BE97-BF7ACA2DC775}" type="datetimeFigureOut">
               <a:rPr lang="ko-KR" altLang="en-US" smtClean="0"/>
-              <a:t>2020-05-27</a:t>
+              <a:t>2020-05-31</a:t>
             </a:fld>
             <a:endParaRPr lang="ko-KR" altLang="en-US"/>
           </a:p>
@@ -2093,7 +2093,7 @@
           <a:p>
             <a:fld id="{EDE4C143-813B-4B7B-BE97-BF7ACA2DC775}" type="datetimeFigureOut">
               <a:rPr lang="ko-KR" altLang="en-US" smtClean="0"/>
-              <a:t>2020-05-27</a:t>
+              <a:t>2020-05-31</a:t>
             </a:fld>
             <a:endParaRPr lang="ko-KR" altLang="en-US"/>
           </a:p>
@@ -2404,7 +2404,7 @@
           <a:p>
             <a:fld id="{EDE4C143-813B-4B7B-BE97-BF7ACA2DC775}" type="datetimeFigureOut">
               <a:rPr lang="ko-KR" altLang="en-US" smtClean="0"/>
-              <a:t>2020-05-27</a:t>
+              <a:t>2020-05-31</a:t>
             </a:fld>
             <a:endParaRPr lang="ko-KR" altLang="en-US"/>
           </a:p>
@@ -2692,7 +2692,7 @@
           <a:p>
             <a:fld id="{EDE4C143-813B-4B7B-BE97-BF7ACA2DC775}" type="datetimeFigureOut">
               <a:rPr lang="ko-KR" altLang="en-US" smtClean="0"/>
-              <a:t>2020-05-27</a:t>
+              <a:t>2020-05-31</a:t>
             </a:fld>
             <a:endParaRPr lang="ko-KR" altLang="en-US"/>
           </a:p>
@@ -2933,7 +2933,7 @@
           <a:p>
             <a:fld id="{EDE4C143-813B-4B7B-BE97-BF7ACA2DC775}" type="datetimeFigureOut">
               <a:rPr lang="ko-KR" altLang="en-US" smtClean="0"/>
-              <a:t>2020-05-27</a:t>
+              <a:t>2020-05-31</a:t>
             </a:fld>
             <a:endParaRPr lang="ko-KR" altLang="en-US"/>
           </a:p>
@@ -4079,7 +4079,7 @@
             <a:pPr lvl="1"/>
             <a:r>
               <a:rPr lang="en-US" altLang="ko-KR" sz="2000" dirty="0" err="1"/>
-              <a:t>Input.GetMouseButtonUp</a:t>
+              <a:t>Input.GetMouseButtonDown</a:t>
             </a:r>
             <a:r>
               <a:rPr lang="en-US" altLang="ko-KR" sz="2000" dirty="0"/>
@@ -4103,7 +4103,7 @@
             <a:pPr lvl="1"/>
             <a:r>
               <a:rPr lang="en-US" altLang="ko-KR" sz="2000" dirty="0" err="1"/>
-              <a:t>Input.GetMouseButton</a:t>
+              <a:t>Input.GetMouseButtonUp</a:t>
             </a:r>
             <a:r>
               <a:rPr lang="en-US" altLang="ko-KR" sz="2000" dirty="0"/>
@@ -6567,15 +6567,27 @@
           <a:lstStyle/>
           <a:p>
             <a:r>
-              <a:rPr lang="en-US" altLang="ko-KR" sz="2000"/>
+              <a:rPr lang="en-US" altLang="ko-KR" sz="2000" dirty="0"/>
               <a:t>Global</a:t>
             </a:r>
           </a:p>
           <a:p>
             <a:pPr lvl="1"/>
             <a:r>
-              <a:rPr lang="en-US" altLang="ko-KR" sz="2000"/>
-              <a:t>transform.Translate(x, y, z, Space.World);</a:t>
+              <a:rPr lang="en-US" altLang="ko-KR" sz="2000" dirty="0" err="1"/>
+              <a:t>transform.Translate</a:t>
+            </a:r>
+            <a:r>
+              <a:rPr lang="en-US" altLang="ko-KR" sz="2000" dirty="0"/>
+              <a:t>(x, y, z, </a:t>
+            </a:r>
+            <a:r>
+              <a:rPr lang="en-US" altLang="ko-KR" sz="2000" dirty="0" err="1"/>
+              <a:t>Space.World</a:t>
+            </a:r>
+            <a:r>
+              <a:rPr lang="en-US" altLang="ko-KR" sz="2000" dirty="0"/>
+              <a:t>);</a:t>
             </a:r>
           </a:p>
           <a:p>
@@ -6595,15 +6607,27 @@
           </a:p>
           <a:p>
             <a:r>
-              <a:rPr lang="en-US" altLang="ko-KR" sz="2000"/>
+              <a:rPr lang="en-US" altLang="ko-KR" sz="2000" dirty="0"/>
               <a:t>Local</a:t>
             </a:r>
           </a:p>
           <a:p>
             <a:pPr lvl="1"/>
             <a:r>
-              <a:rPr lang="en-US" altLang="ko-KR" sz="2000"/>
-              <a:t>transform.Translate(x, y, z, Space.Self);</a:t>
+              <a:rPr lang="en-US" altLang="ko-KR" sz="2000" dirty="0" err="1"/>
+              <a:t>transform.Translate</a:t>
+            </a:r>
+            <a:r>
+              <a:rPr lang="en-US" altLang="ko-KR" sz="2000" dirty="0"/>
+              <a:t>(x, y, z, </a:t>
+            </a:r>
+            <a:r>
+              <a:rPr lang="en-US" altLang="ko-KR" sz="2000" dirty="0" err="1"/>
+              <a:t>Space.Self</a:t>
+            </a:r>
+            <a:r>
+              <a:rPr lang="en-US" altLang="ko-KR" sz="2000" dirty="0"/>
+              <a:t>);</a:t>
             </a:r>
           </a:p>
           <a:p>
@@ -6617,7 +6641,7 @@
               <a:t>(</a:t>
             </a:r>
             <a:r>
-              <a:rPr lang="en-US" altLang="ko-KR"/>
+              <a:rPr lang="en-US" altLang="ko-KR" dirty="0" err="1"/>
               <a:t>defult</a:t>
             </a:r>
             <a:r>
@@ -6631,7 +6655,7 @@
           </a:p>
           <a:p>
             <a:pPr lvl="1"/>
-            <a:endParaRPr lang="ko-KR" altLang="en-US" sz="2000"/>
+            <a:endParaRPr lang="ko-KR" altLang="en-US" sz="2000" dirty="0"/>
           </a:p>
         </p:txBody>
       </p:sp>
@@ -7696,7 +7720,7 @@
           <a:lstStyle/>
           <a:p>
             <a:r>
-              <a:rPr lang="en-US" altLang="ko-KR" sz="2000">
+              <a:rPr lang="en-US" altLang="ko-KR" sz="2000" dirty="0">
                 <a:solidFill>
                   <a:srgbClr val="FFFFFF"/>
                 </a:solidFill>
@@ -7704,35 +7728,35 @@
               <a:t>float </a:t>
             </a:r>
             <a:r>
-              <a:rPr lang="ko-KR" altLang="en-US" sz="2000">
+              <a:rPr lang="ko-KR" altLang="en-US" sz="2000" dirty="0">
                 <a:solidFill>
                   <a:srgbClr val="FFFFFF"/>
                 </a:solidFill>
               </a:rPr>
               <a:t>형으로 넣기</a:t>
             </a:r>
-            <a:endParaRPr lang="en-US" altLang="ko-KR" sz="2000">
+            <a:endParaRPr lang="en-US" altLang="ko-KR" sz="2000" dirty="0">
               <a:solidFill>
                 <a:srgbClr val="FFFFFF"/>
               </a:solidFill>
             </a:endParaRPr>
           </a:p>
           <a:p>
-            <a:endParaRPr lang="en-US" altLang="ko-KR" sz="2000">
+            <a:endParaRPr lang="en-US" altLang="ko-KR" sz="2000" dirty="0">
               <a:solidFill>
                 <a:srgbClr val="FFFFFF"/>
               </a:solidFill>
             </a:endParaRPr>
           </a:p>
           <a:p>
-            <a:endParaRPr lang="en-US" altLang="ko-KR" sz="2000">
+            <a:endParaRPr lang="en-US" altLang="ko-KR" sz="2000" dirty="0">
               <a:solidFill>
                 <a:srgbClr val="FFFFFF"/>
               </a:solidFill>
             </a:endParaRPr>
           </a:p>
           <a:p>
-            <a:endParaRPr lang="en-US" altLang="ko-KR" sz="2000">
+            <a:endParaRPr lang="en-US" altLang="ko-KR" sz="2000" dirty="0">
               <a:solidFill>
                 <a:srgbClr val="FFFFFF"/>
               </a:solidFill>
@@ -7740,21 +7764,21 @@
           </a:p>
           <a:p>
             <a:r>
-              <a:rPr lang="ko-KR" altLang="en-US" sz="2000">
+              <a:rPr lang="ko-KR" altLang="en-US" sz="2000" dirty="0">
                 <a:solidFill>
                   <a:srgbClr val="FFFFFF"/>
                 </a:solidFill>
               </a:rPr>
               <a:t>참조 변수로의 사용</a:t>
             </a:r>
-            <a:endParaRPr lang="en-US" altLang="ko-KR" sz="2000">
+            <a:endParaRPr lang="en-US" altLang="ko-KR" sz="2000" dirty="0">
               <a:solidFill>
                 <a:srgbClr val="FFFFFF"/>
               </a:solidFill>
             </a:endParaRPr>
           </a:p>
           <a:p>
-            <a:endParaRPr lang="ko-KR" altLang="en-US" sz="2000">
+            <a:endParaRPr lang="ko-KR" altLang="en-US" sz="2000" dirty="0">
               <a:solidFill>
                 <a:srgbClr val="FFFFFF"/>
               </a:solidFill>
@@ -9368,20 +9392,12 @@
           <a:p>
             <a:pPr lvl="1"/>
             <a:r>
-              <a:rPr lang="en-US" altLang="ko-KR" sz="2100" dirty="0" err="1">
-                <a:solidFill>
-                  <a:schemeClr val="bg1"/>
-                </a:solidFill>
-              </a:rPr>
-              <a:t>Ratate</a:t>
-            </a:r>
-            <a:r>
               <a:rPr lang="en-US" altLang="ko-KR" sz="2100" dirty="0">
                 <a:solidFill>
                   <a:schemeClr val="bg1"/>
                 </a:solidFill>
               </a:rPr>
-              <a:t>(x, y, z, </a:t>
+              <a:t>Rotate(x, y, z, </a:t>
             </a:r>
             <a:r>
               <a:rPr lang="en-US" altLang="ko-KR" sz="2100" dirty="0" err="1">
@@ -10097,14 +10113,14 @@
           <a:lstStyle/>
           <a:p>
             <a:r>
-              <a:rPr lang="ko-KR" altLang="en-US" sz="2100">
+              <a:rPr lang="ko-KR" altLang="en-US" sz="2100" dirty="0">
                 <a:solidFill>
                   <a:schemeClr val="bg1"/>
                 </a:solidFill>
               </a:rPr>
               <a:t>게임은 무한 루프로 구성되어 있다</a:t>
             </a:r>
-            <a:endParaRPr lang="en-US" altLang="ko-KR" sz="2100">
+            <a:endParaRPr lang="en-US" altLang="ko-KR" sz="2100" dirty="0">
               <a:solidFill>
                 <a:schemeClr val="bg1"/>
               </a:solidFill>
@@ -10113,7 +10129,7 @@
           <a:p>
             <a:pPr lvl="1"/>
             <a:r>
-              <a:rPr lang="ko-KR" altLang="en-US" sz="2100">
+              <a:rPr lang="ko-KR" altLang="en-US" sz="2100" dirty="0">
                 <a:solidFill>
                   <a:schemeClr val="bg1"/>
                 </a:solidFill>
@@ -10121,7 +10137,7 @@
               <a:t>한 프레임은 한 장면이다</a:t>
             </a:r>
             <a:r>
-              <a:rPr lang="en-US" altLang="ko-KR" sz="2100">
+              <a:rPr lang="en-US" altLang="ko-KR" sz="2100" dirty="0">
                 <a:solidFill>
                   <a:schemeClr val="bg1"/>
                 </a:solidFill>
@@ -10132,7 +10148,7 @@
           <a:p>
             <a:pPr lvl="1"/>
             <a:r>
-              <a:rPr lang="en-US" altLang="ko-KR" sz="2100">
+              <a:rPr lang="en-US" altLang="ko-KR" sz="2100" dirty="0">
                 <a:solidFill>
                   <a:schemeClr val="bg1"/>
                 </a:solidFill>
@@ -10140,7 +10156,7 @@
               <a:t>Frame per Second(FPS)</a:t>
             </a:r>
             <a:r>
-              <a:rPr lang="ko-KR" altLang="en-US" sz="2100">
+              <a:rPr lang="ko-KR" altLang="en-US" sz="2100" dirty="0">
                 <a:solidFill>
                   <a:schemeClr val="bg1"/>
                 </a:solidFill>
@@ -10148,7 +10164,7 @@
               <a:t>라는 단어를 사용한다</a:t>
             </a:r>
             <a:r>
-              <a:rPr lang="en-US" altLang="ko-KR" sz="2100">
+              <a:rPr lang="en-US" altLang="ko-KR" sz="2100" dirty="0">
                 <a:solidFill>
                   <a:schemeClr val="bg1"/>
                 </a:solidFill>
@@ -10160,7 +10176,7 @@
             <a:pPr marL="0" indent="0">
               <a:buNone/>
             </a:pPr>
-            <a:endParaRPr lang="en-US" altLang="ko-KR" sz="2100">
+            <a:endParaRPr lang="en-US" altLang="ko-KR" sz="2100" dirty="0">
               <a:solidFill>
                 <a:schemeClr val="bg1"/>
               </a:solidFill>
@@ -10171,7 +10187,7 @@
               <a:buNone/>
             </a:pPr>
             <a:r>
-              <a:rPr lang="en-US" altLang="ko-KR" sz="2100">
+              <a:rPr lang="en-US" altLang="ko-KR" sz="2100" dirty="0">
                 <a:solidFill>
                   <a:schemeClr val="bg1"/>
                 </a:solidFill>
@@ -10179,7 +10195,7 @@
               <a:t>Ex) 60 FPS -&gt; 1</a:t>
             </a:r>
             <a:r>
-              <a:rPr lang="ko-KR" altLang="en-US" sz="2100">
+              <a:rPr lang="ko-KR" altLang="en-US" sz="2100" dirty="0">
                 <a:solidFill>
                   <a:schemeClr val="bg1"/>
                 </a:solidFill>
@@ -10187,7 +10203,7 @@
               <a:t>초에 프레임이 </a:t>
             </a:r>
             <a:r>
-              <a:rPr lang="en-US" altLang="ko-KR" sz="2100">
+              <a:rPr lang="en-US" altLang="ko-KR" sz="2100" dirty="0">
                 <a:solidFill>
                   <a:schemeClr val="bg1"/>
                 </a:solidFill>
@@ -10195,14 +10211,14 @@
               <a:t>60</a:t>
             </a:r>
             <a:r>
-              <a:rPr lang="ko-KR" altLang="en-US" sz="2100">
+              <a:rPr lang="ko-KR" altLang="en-US" sz="2100" dirty="0">
                 <a:solidFill>
                   <a:schemeClr val="bg1"/>
                 </a:solidFill>
               </a:rPr>
               <a:t>번 반복된다</a:t>
             </a:r>
-            <a:endParaRPr lang="en-US" altLang="ko-KR" sz="2100">
+            <a:endParaRPr lang="en-US" altLang="ko-KR" sz="2100" dirty="0">
               <a:solidFill>
                 <a:schemeClr val="bg1"/>
               </a:solidFill>
@@ -10212,7 +10228,7 @@
             <a:pPr marL="0" indent="0">
               <a:buNone/>
             </a:pPr>
-            <a:endParaRPr lang="en-US" altLang="ko-KR" sz="2100">
+            <a:endParaRPr lang="en-US" altLang="ko-KR" sz="2100" dirty="0">
               <a:solidFill>
                 <a:schemeClr val="bg1"/>
               </a:solidFill>
@@ -10766,50 +10782,50 @@
           <a:lstStyle/>
           <a:p>
             <a:r>
-              <a:rPr lang="en-US" altLang="ko-KR" sz="2100"/>
+              <a:rPr lang="en-US" altLang="ko-KR" sz="2100" dirty="0" err="1"/>
               <a:t>Time.deltaTime</a:t>
             </a:r>
             <a:r>
-              <a:rPr lang="ko-KR" altLang="en-US" sz="2100"/>
+              <a:rPr lang="ko-KR" altLang="en-US" sz="2100" dirty="0"/>
               <a:t>을 사용한다</a:t>
             </a:r>
-            <a:endParaRPr lang="en-US" altLang="ko-KR" sz="2100"/>
-          </a:p>
-          <a:p>
-            <a:endParaRPr lang="en-US" altLang="ko-KR" sz="2100"/>
-          </a:p>
-          <a:p>
-            <a:endParaRPr lang="en-US" altLang="ko-KR" sz="2100"/>
-          </a:p>
-          <a:p>
-            <a:r>
-              <a:rPr lang="ko-KR" altLang="en-US" sz="2100"/>
+            <a:endParaRPr lang="en-US" altLang="ko-KR" sz="2100" dirty="0"/>
+          </a:p>
+          <a:p>
+            <a:endParaRPr lang="en-US" altLang="ko-KR" sz="2100" dirty="0"/>
+          </a:p>
+          <a:p>
+            <a:endParaRPr lang="en-US" altLang="ko-KR" sz="2100" dirty="0"/>
+          </a:p>
+          <a:p>
+            <a:r>
+              <a:rPr lang="ko-KR" altLang="en-US" sz="2100" dirty="0"/>
               <a:t>이전의 프레임과 현재 프레임 사이 간격을 나타낸다</a:t>
             </a:r>
-            <a:endParaRPr lang="en-US" altLang="ko-KR" sz="2100"/>
-          </a:p>
-          <a:p>
-            <a:endParaRPr lang="en-US" altLang="ko-KR" sz="2100"/>
-          </a:p>
-          <a:p>
-            <a:endParaRPr lang="en-US" altLang="ko-KR" sz="2100"/>
-          </a:p>
-          <a:p>
-            <a:r>
-              <a:rPr lang="en-US" altLang="ko-KR" sz="2100"/>
+            <a:endParaRPr lang="en-US" altLang="ko-KR" sz="2100" dirty="0"/>
+          </a:p>
+          <a:p>
+            <a:endParaRPr lang="en-US" altLang="ko-KR" sz="2100" dirty="0"/>
+          </a:p>
+          <a:p>
+            <a:endParaRPr lang="en-US" altLang="ko-KR" sz="2100" dirty="0"/>
+          </a:p>
+          <a:p>
+            <a:r>
+              <a:rPr lang="en-US" altLang="ko-KR" sz="2100" dirty="0" err="1"/>
               <a:t>deltaTime</a:t>
             </a:r>
             <a:r>
-              <a:rPr lang="ko-KR" altLang="en-US" sz="2100"/>
+              <a:rPr lang="ko-KR" altLang="en-US" sz="2100" dirty="0"/>
               <a:t>을 곱하면 한프레임의 시간이 같아진다</a:t>
             </a:r>
-            <a:endParaRPr lang="en-US" altLang="ko-KR" sz="2100"/>
-          </a:p>
-          <a:p>
-            <a:endParaRPr lang="en-US" altLang="ko-KR" sz="2100"/>
-          </a:p>
-          <a:p>
-            <a:endParaRPr lang="ko-KR" altLang="en-US" sz="2100"/>
+            <a:endParaRPr lang="en-US" altLang="ko-KR" sz="2100" dirty="0"/>
+          </a:p>
+          <a:p>
+            <a:endParaRPr lang="en-US" altLang="ko-KR" sz="2100" dirty="0"/>
+          </a:p>
+          <a:p>
+            <a:endParaRPr lang="ko-KR" altLang="en-US" sz="2100" dirty="0"/>
           </a:p>
         </p:txBody>
       </p:sp>
@@ -12854,7 +12870,7 @@
           <a:lstStyle/>
           <a:p>
             <a:r>
-              <a:rPr lang="en-US" sz="2000">
+              <a:rPr lang="en-US" sz="2000" dirty="0">
                 <a:solidFill>
                   <a:srgbClr val="FFFFFF"/>
                 </a:solidFill>
@@ -12865,14 +12881,14 @@
           <a:p>
             <a:pPr lvl="1"/>
             <a:r>
-              <a:rPr lang="ko-KR" altLang="en-US" sz="2000">
+              <a:rPr lang="ko-KR" altLang="en-US" sz="2000" dirty="0">
                 <a:solidFill>
                   <a:srgbClr val="FFFFFF"/>
                 </a:solidFill>
               </a:rPr>
               <a:t>게임을 시작할 때만 한 번 실행된다</a:t>
             </a:r>
-            <a:endParaRPr lang="en-US" altLang="ko-KR" sz="2000">
+            <a:endParaRPr lang="en-US" altLang="ko-KR" sz="2000" dirty="0">
               <a:solidFill>
                 <a:srgbClr val="FFFFFF"/>
               </a:solidFill>
@@ -12881,7 +12897,7 @@
           <a:p>
             <a:pPr lvl="1"/>
             <a:r>
-              <a:rPr lang="en-US" sz="2000">
+              <a:rPr lang="en-US" sz="2000" dirty="0">
                 <a:solidFill>
                   <a:srgbClr val="FFFFFF"/>
                 </a:solidFill>
@@ -12889,14 +12905,14 @@
               <a:t>Update() </a:t>
             </a:r>
             <a:r>
-              <a:rPr lang="ko-KR" altLang="en-US" sz="2000">
+              <a:rPr lang="ko-KR" altLang="en-US" sz="2000" dirty="0">
                 <a:solidFill>
                   <a:srgbClr val="FFFFFF"/>
                 </a:solidFill>
               </a:rPr>
               <a:t>실행 전에 실행된다</a:t>
             </a:r>
-            <a:endParaRPr lang="en-US" altLang="ko-KR" sz="2000">
+            <a:endParaRPr lang="en-US" altLang="ko-KR" sz="2000" dirty="0">
               <a:solidFill>
                 <a:srgbClr val="FFFFFF"/>
               </a:solidFill>
@@ -12905,14 +12921,14 @@
           <a:p>
             <a:pPr lvl="1"/>
             <a:r>
-              <a:rPr lang="ko-KR" altLang="en-US" sz="2000">
+              <a:rPr lang="ko-KR" altLang="en-US" sz="2000" dirty="0">
                 <a:solidFill>
                   <a:srgbClr val="FFFFFF"/>
                 </a:solidFill>
               </a:rPr>
               <a:t>주로 초기화를 목적으로 사용한다</a:t>
             </a:r>
-            <a:endParaRPr lang="en-US" altLang="ko-KR" sz="2000">
+            <a:endParaRPr lang="en-US" altLang="ko-KR" sz="2000" dirty="0">
               <a:solidFill>
                 <a:srgbClr val="FFFFFF"/>
               </a:solidFill>
@@ -12922,7 +12938,7 @@
             <a:pPr marL="457200" lvl="1" indent="0">
               <a:buNone/>
             </a:pPr>
-            <a:endParaRPr lang="en-US" sz="2000">
+            <a:endParaRPr lang="en-US" sz="2000" dirty="0">
               <a:solidFill>
                 <a:srgbClr val="FFFFFF"/>
               </a:solidFill>
@@ -12930,7 +12946,7 @@
           </a:p>
           <a:p>
             <a:r>
-              <a:rPr lang="en-US" sz="2000">
+              <a:rPr lang="en-US" sz="2000" dirty="0">
                 <a:solidFill>
                   <a:srgbClr val="FFFFFF"/>
                 </a:solidFill>
@@ -12941,14 +12957,14 @@
           <a:p>
             <a:pPr lvl="1"/>
             <a:r>
-              <a:rPr lang="ko-KR" altLang="en-US" sz="2000">
+              <a:rPr lang="ko-KR" altLang="en-US" sz="2000" dirty="0">
                 <a:solidFill>
                   <a:srgbClr val="FFFFFF"/>
                 </a:solidFill>
               </a:rPr>
               <a:t>한 프레임마다 한 번 실행된다</a:t>
             </a:r>
-            <a:endParaRPr lang="en-US" altLang="ko-KR" sz="2000">
+            <a:endParaRPr lang="en-US" altLang="ko-KR" sz="2000" dirty="0">
               <a:solidFill>
                 <a:srgbClr val="FFFFFF"/>
               </a:solidFill>
@@ -12957,14 +12973,30 @@
           <a:p>
             <a:pPr lvl="1"/>
             <a:r>
-              <a:rPr lang="ko-KR" altLang="en-US" sz="2000">
+              <a:rPr lang="ko-KR" altLang="en-US" sz="2000" dirty="0">
                 <a:solidFill>
                   <a:srgbClr val="FFFFFF"/>
                 </a:solidFill>
               </a:rPr>
-              <a:t>만약 입력값이 존재하면 입력을 받은 후 실행된다</a:t>
-            </a:r>
-            <a:endParaRPr lang="en-US" sz="2000">
+              <a:t>만약 </a:t>
+            </a:r>
+            <a:r>
+              <a:rPr lang="ko-KR" altLang="en-US" sz="2000" dirty="0" err="1">
+                <a:solidFill>
+                  <a:srgbClr val="FFFFFF"/>
+                </a:solidFill>
+              </a:rPr>
+              <a:t>입력값이</a:t>
+            </a:r>
+            <a:r>
+              <a:rPr lang="ko-KR" altLang="en-US" sz="2000" dirty="0">
+                <a:solidFill>
+                  <a:srgbClr val="FFFFFF"/>
+                </a:solidFill>
+              </a:rPr>
+              <a:t> 존재하면 입력을 받은 후 실행된다</a:t>
+            </a:r>
+            <a:endParaRPr lang="en-US" sz="2000" dirty="0">
               <a:solidFill>
                 <a:srgbClr val="FFFFFF"/>
               </a:solidFill>
@@ -14304,59 +14336,84 @@
           <a:lstStyle/>
           <a:p>
             <a:r>
-              <a:rPr lang="en-US" altLang="ko-KR" sz="2000"/>
-              <a:t>Input.GetKey(</a:t>
-            </a:r>
-            <a:r>
-              <a:rPr lang="ko-KR" altLang="en-US" sz="2000"/>
+              <a:rPr lang="en-US" altLang="ko-KR" sz="2000" dirty="0" err="1"/>
+              <a:t>Input.GetKey</a:t>
+            </a:r>
+            <a:r>
+              <a:rPr lang="en-US" altLang="ko-KR" sz="2000" dirty="0"/>
+              <a:t>(</a:t>
+            </a:r>
+            <a:r>
+              <a:rPr lang="ko-KR" altLang="en-US" sz="2000" dirty="0"/>
               <a:t>키 코드</a:t>
             </a:r>
             <a:r>
-              <a:rPr lang="en-US" altLang="ko-KR" sz="2000"/>
+              <a:rPr lang="en-US" altLang="ko-KR" sz="2000" dirty="0"/>
               <a:t>) -&gt; </a:t>
             </a:r>
             <a:r>
-              <a:rPr lang="ko-KR" altLang="en-US" sz="2000"/>
-              <a:t>눌린 상태를 입력받는다</a:t>
-            </a:r>
-            <a:endParaRPr lang="en-US" altLang="ko-KR" sz="2000"/>
-          </a:p>
-          <a:p>
-            <a:r>
-              <a:rPr lang="en-US" altLang="ko-KR" sz="2000"/>
-              <a:t>Input.GetKeyDown(</a:t>
-            </a:r>
-            <a:r>
-              <a:rPr lang="ko-KR" altLang="en-US" sz="2000"/>
+              <a:rPr lang="ko-KR" altLang="en-US" sz="2000" dirty="0"/>
+              <a:t>눌린 상태를 </a:t>
+            </a:r>
+            <a:r>
+              <a:rPr lang="ko-KR" altLang="en-US" sz="2000" dirty="0" err="1"/>
+              <a:t>입력받는다</a:t>
+            </a:r>
+            <a:endParaRPr lang="en-US" altLang="ko-KR" sz="2000" dirty="0"/>
+          </a:p>
+          <a:p>
+            <a:r>
+              <a:rPr lang="en-US" altLang="ko-KR" sz="2000" dirty="0" err="1"/>
+              <a:t>Input.GetKeyDown</a:t>
+            </a:r>
+            <a:r>
+              <a:rPr lang="en-US" altLang="ko-KR" sz="2000" dirty="0"/>
+              <a:t>(</a:t>
+            </a:r>
+            <a:r>
+              <a:rPr lang="ko-KR" altLang="en-US" sz="2000" dirty="0"/>
               <a:t>키 코드</a:t>
             </a:r>
             <a:r>
-              <a:rPr lang="en-US" altLang="ko-KR" sz="2000"/>
+              <a:rPr lang="en-US" altLang="ko-KR" sz="2000" dirty="0"/>
               <a:t>) -&gt; </a:t>
             </a:r>
             <a:r>
-              <a:rPr lang="ko-KR" altLang="en-US" sz="2000"/>
-              <a:t>누르는 순간을 입력받는다</a:t>
-            </a:r>
-            <a:endParaRPr lang="en-US" altLang="ko-KR" sz="2000"/>
-          </a:p>
-          <a:p>
-            <a:r>
-              <a:rPr lang="en-US" altLang="ko-KR" sz="2000"/>
-              <a:t>Input.GetkeyUp(</a:t>
-            </a:r>
-            <a:r>
-              <a:rPr lang="ko-KR" altLang="en-US" sz="2000"/>
+              <a:rPr lang="ko-KR" altLang="en-US" sz="2000" dirty="0"/>
+              <a:t>누르는 순간을 </a:t>
+            </a:r>
+            <a:r>
+              <a:rPr lang="ko-KR" altLang="en-US" sz="2000" dirty="0" err="1"/>
+              <a:t>입력받는다</a:t>
+            </a:r>
+            <a:endParaRPr lang="en-US" altLang="ko-KR" sz="2000" dirty="0"/>
+          </a:p>
+          <a:p>
+            <a:r>
+              <a:rPr lang="en-US" altLang="ko-KR" sz="2000" dirty="0" err="1"/>
+              <a:t>Input.GetkeyUp</a:t>
+            </a:r>
+            <a:r>
+              <a:rPr lang="en-US" altLang="ko-KR" sz="2000" dirty="0"/>
+              <a:t>(</a:t>
+            </a:r>
+            <a:r>
+              <a:rPr lang="ko-KR" altLang="en-US" sz="2000" dirty="0"/>
               <a:t>키 코드</a:t>
             </a:r>
             <a:r>
-              <a:rPr lang="en-US" altLang="ko-KR" sz="2000"/>
+              <a:rPr lang="en-US" altLang="ko-KR" sz="2000" dirty="0"/>
               <a:t>) -&gt; </a:t>
             </a:r>
             <a:r>
-              <a:rPr lang="ko-KR" altLang="en-US" sz="2000"/>
-              <a:t>떼는 순간을 입력받는다</a:t>
-            </a:r>
+              <a:rPr lang="ko-KR" altLang="en-US" sz="2000" dirty="0"/>
+              <a:t>떼는 순간을 </a:t>
+            </a:r>
+            <a:r>
+              <a:rPr lang="ko-KR" altLang="en-US" sz="2000" dirty="0" err="1"/>
+              <a:t>입력받는다</a:t>
+            </a:r>
+            <a:endParaRPr lang="ko-KR" altLang="en-US" sz="2000" dirty="0"/>
           </a:p>
         </p:txBody>
       </p:sp>
